--- a/semantics.pptx
+++ b/semantics.pptx
@@ -5,7 +5,7 @@
     <p:sldMasterId id="2147483648" r:id="rId1"/>
   </p:sldMasterIdLst>
   <p:notesMasterIdLst>
-    <p:notesMasterId r:id="rId21"/>
+    <p:notesMasterId r:id="rId27"/>
   </p:notesMasterIdLst>
   <p:sldIdLst>
     <p:sldId id="257" r:id="rId2"/>
@@ -27,6 +27,12 @@
     <p:sldId id="280" r:id="rId18"/>
     <p:sldId id="282" r:id="rId19"/>
     <p:sldId id="281" r:id="rId20"/>
+    <p:sldId id="283" r:id="rId21"/>
+    <p:sldId id="285" r:id="rId22"/>
+    <p:sldId id="284" r:id="rId23"/>
+    <p:sldId id="286" r:id="rId24"/>
+    <p:sldId id="287" r:id="rId25"/>
+    <p:sldId id="288" r:id="rId26"/>
   </p:sldIdLst>
   <p:sldSz cx="12192000" cy="6858000"/>
   <p:notesSz cx="6858000" cy="9144000"/>
@@ -125,6 +131,11 @@
       </a:defRPr>
     </a:lvl9pPr>
   </p:defaultTextStyle>
+  <p:extLst>
+    <p:ext uri="{EFAFB233-063F-42B5-8137-9DF3F51BA10A}">
+      <p15:sldGuideLst xmlns:p15="http://schemas.microsoft.com/office/powerpoint/2012/main"/>
+    </p:ext>
+  </p:extLst>
 </p:presentation>
 </file>
 
@@ -210,7 +221,7 @@
           <a:p>
             <a:fld id="{3BA3126A-9D2D-4B4A-8971-6014467F0872}" type="datetimeFigureOut">
               <a:rPr lang="en-US" smtClean="0"/>
-              <a:t>1/12/20</a:t>
+              <a:t>1/14/20</a:t>
             </a:fld>
             <a:endParaRPr lang="en-US"/>
           </a:p>
@@ -624,7 +635,7 @@
           <a:p>
             <a:fld id="{C4F7C10F-CACD-BC45-8FD3-842F0A9255EB}" type="datetime1">
               <a:rPr lang="en-US" smtClean="0"/>
-              <a:t>1/12/20</a:t>
+              <a:t>1/14/20</a:t>
             </a:fld>
             <a:endParaRPr lang="en-US"/>
           </a:p>
@@ -825,7 +836,7 @@
           <a:p>
             <a:fld id="{A7BE4BC0-3459-794A-A887-5632D7972A29}" type="datetime1">
               <a:rPr lang="en-US" smtClean="0"/>
-              <a:t>1/12/20</a:t>
+              <a:t>1/14/20</a:t>
             </a:fld>
             <a:endParaRPr lang="en-US"/>
           </a:p>
@@ -1036,7 +1047,7 @@
           <a:p>
             <a:fld id="{F742135D-B5DA-B74E-9E36-B446429B5DB2}" type="datetime1">
               <a:rPr lang="en-US" smtClean="0"/>
-              <a:t>1/12/20</a:t>
+              <a:t>1/14/20</a:t>
             </a:fld>
             <a:endParaRPr lang="en-US"/>
           </a:p>
@@ -1237,7 +1248,7 @@
           <a:p>
             <a:fld id="{1FB2F660-2A7E-4449-BC16-F03A8E8D72C1}" type="datetime1">
               <a:rPr lang="en-US" smtClean="0"/>
-              <a:t>1/12/20</a:t>
+              <a:t>1/14/20</a:t>
             </a:fld>
             <a:endParaRPr lang="en-US"/>
           </a:p>
@@ -1515,7 +1526,7 @@
           <a:p>
             <a:fld id="{ACF5311F-5D17-A644-902C-CD53A0E9F565}" type="datetime1">
               <a:rPr lang="en-US" smtClean="0"/>
-              <a:t>1/12/20</a:t>
+              <a:t>1/14/20</a:t>
             </a:fld>
             <a:endParaRPr lang="en-US"/>
           </a:p>
@@ -1783,7 +1794,7 @@
           <a:p>
             <a:fld id="{7323B60B-C76F-BD4F-8ED7-3A39496A150B}" type="datetime1">
               <a:rPr lang="en-US" smtClean="0"/>
-              <a:t>1/12/20</a:t>
+              <a:t>1/14/20</a:t>
             </a:fld>
             <a:endParaRPr lang="en-US"/>
           </a:p>
@@ -2198,7 +2209,7 @@
           <a:p>
             <a:fld id="{F8B69401-E09A-CA4A-9619-995AEA6D3123}" type="datetime1">
               <a:rPr lang="en-US" smtClean="0"/>
-              <a:t>1/12/20</a:t>
+              <a:t>1/14/20</a:t>
             </a:fld>
             <a:endParaRPr lang="en-US"/>
           </a:p>
@@ -2342,7 +2353,7 @@
           <a:p>
             <a:fld id="{C920AE4A-2A10-8245-9029-D816474677FF}" type="datetime1">
               <a:rPr lang="en-US" smtClean="0"/>
-              <a:t>1/12/20</a:t>
+              <a:t>1/14/20</a:t>
             </a:fld>
             <a:endParaRPr lang="en-US"/>
           </a:p>
@@ -2458,7 +2469,7 @@
           <a:p>
             <a:fld id="{CC287C52-3C16-584A-BA20-2441D6FBEB8D}" type="datetime1">
               <a:rPr lang="en-US" smtClean="0"/>
-              <a:t>1/12/20</a:t>
+              <a:t>1/14/20</a:t>
             </a:fld>
             <a:endParaRPr lang="en-US"/>
           </a:p>
@@ -2772,7 +2783,7 @@
           <a:p>
             <a:fld id="{DC303B03-4E07-294B-BDDF-858305A25AD4}" type="datetime1">
               <a:rPr lang="en-US" smtClean="0"/>
-              <a:t>1/12/20</a:t>
+              <a:t>1/14/20</a:t>
             </a:fld>
             <a:endParaRPr lang="en-US"/>
           </a:p>
@@ -3063,7 +3074,7 @@
           <a:p>
             <a:fld id="{45E61559-019B-DD48-A4E2-FED50C364E64}" type="datetime1">
               <a:rPr lang="en-US" smtClean="0"/>
-              <a:t>1/12/20</a:t>
+              <a:t>1/14/20</a:t>
             </a:fld>
             <a:endParaRPr lang="en-US"/>
           </a:p>
@@ -3307,7 +3318,7 @@
           <a:p>
             <a:fld id="{3C828E5F-98EF-2549-B0A3-7D36CD8789F5}" type="datetime1">
               <a:rPr lang="en-US" smtClean="0"/>
-              <a:t>1/12/20</a:t>
+              <a:t>1/14/20</a:t>
             </a:fld>
             <a:endParaRPr lang="en-US"/>
           </a:p>
@@ -13551,10 +13562,34 @@
           <a:bodyPr/>
           <a:lstStyle/>
           <a:p>
-            <a:pPr marL="0" indent="0">
-              <a:buNone/>
-            </a:pPr>
-            <a:endParaRPr lang="en-US" dirty="0"/>
+            <a:r>
+              <a:rPr lang="en-US" dirty="0"/>
+              <a:t>What is semantic analysis?</a:t>
+            </a:r>
+          </a:p>
+          <a:p>
+            <a:r>
+              <a:rPr lang="en-US" dirty="0"/>
+              <a:t>Dynamic and static checks</a:t>
+            </a:r>
+          </a:p>
+          <a:p>
+            <a:r>
+              <a:rPr lang="en-US" dirty="0"/>
+              <a:t>Attribute grammars</a:t>
+            </a:r>
+          </a:p>
+          <a:p>
+            <a:r>
+              <a:rPr lang="en-US" dirty="0"/>
+              <a:t>Synthesize and inherited grammars</a:t>
+            </a:r>
+          </a:p>
+          <a:p>
+            <a:r>
+              <a:rPr lang="en-US" dirty="0"/>
+              <a:t>Explicit AST construction</a:t>
+            </a:r>
           </a:p>
         </p:txBody>
       </p:sp>
@@ -13619,6 +13654,5450 @@
     <p:extLst>
       <p:ext uri="{BB962C8B-B14F-4D97-AF65-F5344CB8AC3E}">
         <p14:creationId xmlns:p14="http://schemas.microsoft.com/office/powerpoint/2010/main" val="283133360"/>
+      </p:ext>
+    </p:extLst>
+  </p:cSld>
+  <p:clrMapOvr>
+    <a:masterClrMapping/>
+  </p:clrMapOvr>
+</p:sld>
+</file>
+
+<file path=ppt/slides/slide20.xml><?xml version="1.0" encoding="utf-8"?>
+<p:sld xmlns:a="http://schemas.openxmlformats.org/drawingml/2006/main" xmlns:r="http://schemas.openxmlformats.org/officeDocument/2006/relationships" xmlns:p="http://schemas.openxmlformats.org/presentationml/2006/main">
+  <p:cSld>
+    <p:spTree>
+      <p:nvGrpSpPr>
+        <p:cNvPr id="1" name=""/>
+        <p:cNvGrpSpPr/>
+        <p:nvPr/>
+      </p:nvGrpSpPr>
+      <p:grpSpPr>
+        <a:xfrm>
+          <a:off x="0" y="0"/>
+          <a:ext cx="0" cy="0"/>
+          <a:chOff x="0" y="0"/>
+          <a:chExt cx="0" cy="0"/>
+        </a:xfrm>
+      </p:grpSpPr>
+      <p:sp>
+        <p:nvSpPr>
+          <p:cNvPr id="2" name="Title 1">
+            <a:extLst>
+              <a:ext uri="{FF2B5EF4-FFF2-40B4-BE49-F238E27FC236}">
+                <a16:creationId xmlns:a16="http://schemas.microsoft.com/office/drawing/2014/main" id="{B969E557-DEDC-D44A-838B-36DFAB3B21AC}"/>
+              </a:ext>
+            </a:extLst>
+          </p:cNvPr>
+          <p:cNvSpPr>
+            <a:spLocks noGrp="1"/>
+          </p:cNvSpPr>
+          <p:nvPr>
+            <p:ph type="title"/>
+          </p:nvPr>
+        </p:nvSpPr>
+        <p:spPr/>
+        <p:txBody>
+          <a:bodyPr/>
+          <a:lstStyle/>
+          <a:p>
+            <a:r>
+              <a:rPr lang="en-US" dirty="0"/>
+              <a:t>Inherited Attributes</a:t>
+            </a:r>
+          </a:p>
+        </p:txBody>
+      </p:sp>
+      <p:sp>
+        <p:nvSpPr>
+          <p:cNvPr id="3" name="Content Placeholder 2">
+            <a:extLst>
+              <a:ext uri="{FF2B5EF4-FFF2-40B4-BE49-F238E27FC236}">
+                <a16:creationId xmlns:a16="http://schemas.microsoft.com/office/drawing/2014/main" id="{F85AFE32-E0C5-464C-822D-C29548BC1A89}"/>
+              </a:ext>
+            </a:extLst>
+          </p:cNvPr>
+          <p:cNvSpPr>
+            <a:spLocks noGrp="1"/>
+          </p:cNvSpPr>
+          <p:nvPr>
+            <p:ph idx="1"/>
+          </p:nvPr>
+        </p:nvSpPr>
+        <p:spPr>
+          <a:xfrm>
+            <a:off x="838200" y="1825625"/>
+            <a:ext cx="1807029" cy="4351338"/>
+          </a:xfrm>
+        </p:spPr>
+        <p:txBody>
+          <a:bodyPr>
+            <a:normAutofit/>
+          </a:bodyPr>
+          <a:lstStyle/>
+          <a:p>
+            <a:pPr marL="0" indent="0">
+              <a:buNone/>
+            </a:pPr>
+            <a:r>
+              <a:rPr lang="en-US" sz="2000" dirty="0"/>
+              <a:t>LL(1) grammar with inherit attributes:</a:t>
+            </a:r>
+          </a:p>
+          <a:p>
+            <a:pPr marL="0" indent="0">
+              <a:buNone/>
+            </a:pPr>
+            <a:r>
+              <a:rPr lang="en-US" sz="2000" dirty="0"/>
+              <a:t>Main source of problem: left associative operators</a:t>
+            </a:r>
+          </a:p>
+          <a:p>
+            <a:pPr marL="0" indent="0">
+              <a:buNone/>
+            </a:pPr>
+            <a:r>
+              <a:rPr lang="en-US" sz="2000" dirty="0"/>
+              <a:t>Left and right operands appear in separate productions</a:t>
+            </a:r>
+          </a:p>
+        </p:txBody>
+      </p:sp>
+      <p:sp>
+        <p:nvSpPr>
+          <p:cNvPr id="4" name="Footer Placeholder 3">
+            <a:extLst>
+              <a:ext uri="{FF2B5EF4-FFF2-40B4-BE49-F238E27FC236}">
+                <a16:creationId xmlns:a16="http://schemas.microsoft.com/office/drawing/2014/main" id="{2F461F52-2176-FA49-865B-93901786FDFB}"/>
+              </a:ext>
+            </a:extLst>
+          </p:cNvPr>
+          <p:cNvSpPr>
+            <a:spLocks noGrp="1"/>
+          </p:cNvSpPr>
+          <p:nvPr>
+            <p:ph type="ftr" sz="quarter" idx="11"/>
+          </p:nvPr>
+        </p:nvSpPr>
+        <p:spPr/>
+        <p:txBody>
+          <a:bodyPr/>
+          <a:lstStyle/>
+          <a:p>
+            <a:r>
+              <a:rPr lang="en-US"/>
+              <a:t>Principles of Programming Languages</a:t>
+            </a:r>
+          </a:p>
+        </p:txBody>
+      </p:sp>
+      <p:sp>
+        <p:nvSpPr>
+          <p:cNvPr id="5" name="Slide Number Placeholder 4">
+            <a:extLst>
+              <a:ext uri="{FF2B5EF4-FFF2-40B4-BE49-F238E27FC236}">
+                <a16:creationId xmlns:a16="http://schemas.microsoft.com/office/drawing/2014/main" id="{77020F8E-3CCC-B745-8CCF-D1830CABE20D}"/>
+              </a:ext>
+            </a:extLst>
+          </p:cNvPr>
+          <p:cNvSpPr>
+            <a:spLocks noGrp="1"/>
+          </p:cNvSpPr>
+          <p:nvPr>
+            <p:ph type="sldNum" sz="quarter" idx="12"/>
+          </p:nvPr>
+        </p:nvSpPr>
+        <p:spPr/>
+        <p:txBody>
+          <a:bodyPr/>
+          <a:lstStyle/>
+          <a:p>
+            <a:fld id="{AE2B63BD-8566-6841-8331-0BA2255B2CF6}" type="slidenum">
+              <a:rPr lang="en-US" smtClean="0"/>
+              <a:t>20</a:t>
+            </a:fld>
+            <a:endParaRPr lang="en-US"/>
+          </a:p>
+        </p:txBody>
+      </p:sp>
+      <p:sp>
+        <p:nvSpPr>
+          <p:cNvPr id="6" name="TextBox 5">
+            <a:extLst>
+              <a:ext uri="{FF2B5EF4-FFF2-40B4-BE49-F238E27FC236}">
+                <a16:creationId xmlns:a16="http://schemas.microsoft.com/office/drawing/2014/main" id="{861AD73F-9210-D844-903F-C47AFFAEFCC7}"/>
+              </a:ext>
+            </a:extLst>
+          </p:cNvPr>
+          <p:cNvSpPr txBox="1"/>
+          <p:nvPr/>
+        </p:nvSpPr>
+        <p:spPr>
+          <a:xfrm>
+            <a:off x="3276600" y="1622862"/>
+            <a:ext cx="4105611" cy="4801314"/>
+          </a:xfrm>
+          <a:prstGeom prst="rect">
+            <a:avLst/>
+          </a:prstGeom>
+          <a:noFill/>
+          <a:ln w="57150">
+            <a:solidFill>
+              <a:srgbClr val="00B050"/>
+            </a:solidFill>
+          </a:ln>
+        </p:spPr>
+        <p:txBody>
+          <a:bodyPr wrap="none" rtlCol="0">
+            <a:spAutoFit/>
+          </a:bodyPr>
+          <a:lstStyle/>
+          <a:p>
+            <a:r>
+              <a:rPr lang="en-US" dirty="0">
+                <a:latin typeface="Courier" pitchFamily="2" charset="0"/>
+              </a:rPr>
+              <a:t>1. E </a:t>
+            </a:r>
+            <a:r>
+              <a:rPr lang="en-US" dirty="0">
+                <a:latin typeface="Courier" pitchFamily="2" charset="0"/>
+                <a:sym typeface="Wingdings" pitchFamily="2" charset="2"/>
+              </a:rPr>
+              <a:t> T TT		</a:t>
+            </a:r>
+          </a:p>
+          <a:p>
+            <a:pPr marL="285750" indent="-285750">
+              <a:buFont typeface="Arial" panose="020B0604020202020204" pitchFamily="34" charset="0"/>
+              <a:buChar char="•"/>
+            </a:pPr>
+            <a:r>
+              <a:rPr lang="en-US" dirty="0" err="1">
+                <a:latin typeface="Courier" pitchFamily="2" charset="0"/>
+                <a:sym typeface="Wingdings" pitchFamily="2" charset="2"/>
+              </a:rPr>
+              <a:t>st</a:t>
+            </a:r>
+            <a:r>
+              <a:rPr lang="en-US" dirty="0">
+                <a:latin typeface="Courier" pitchFamily="2" charset="0"/>
+                <a:sym typeface="Wingdings" pitchFamily="2" charset="2"/>
+              </a:rPr>
+              <a:t>(TT) := </a:t>
+            </a:r>
+            <a:r>
+              <a:rPr lang="en-US" dirty="0" err="1">
+                <a:latin typeface="Courier" pitchFamily="2" charset="0"/>
+                <a:sym typeface="Wingdings" pitchFamily="2" charset="2"/>
+              </a:rPr>
+              <a:t>val</a:t>
+            </a:r>
+            <a:r>
+              <a:rPr lang="en-US" dirty="0">
+                <a:latin typeface="Courier" pitchFamily="2" charset="0"/>
+                <a:sym typeface="Wingdings" pitchFamily="2" charset="2"/>
+              </a:rPr>
+              <a:t>(TT)</a:t>
+            </a:r>
+          </a:p>
+          <a:p>
+            <a:pPr marL="285750" indent="-285750">
+              <a:buFont typeface="Arial" panose="020B0604020202020204" pitchFamily="34" charset="0"/>
+              <a:buChar char="•"/>
+            </a:pPr>
+            <a:r>
+              <a:rPr lang="en-US" dirty="0" err="1">
+                <a:latin typeface="Courier" pitchFamily="2" charset="0"/>
+                <a:sym typeface="Wingdings" pitchFamily="2" charset="2"/>
+              </a:rPr>
+              <a:t>val</a:t>
+            </a:r>
+            <a:r>
+              <a:rPr lang="en-US" dirty="0">
+                <a:latin typeface="Courier" pitchFamily="2" charset="0"/>
+                <a:sym typeface="Wingdings" pitchFamily="2" charset="2"/>
+              </a:rPr>
+              <a:t>(E) := </a:t>
+            </a:r>
+            <a:r>
+              <a:rPr lang="en-US" dirty="0" err="1">
+                <a:latin typeface="Courier" pitchFamily="2" charset="0"/>
+                <a:sym typeface="Wingdings" pitchFamily="2" charset="2"/>
+              </a:rPr>
+              <a:t>val</a:t>
+            </a:r>
+            <a:r>
+              <a:rPr lang="en-US" dirty="0">
+                <a:latin typeface="Courier" pitchFamily="2" charset="0"/>
+                <a:sym typeface="Wingdings" pitchFamily="2" charset="2"/>
+              </a:rPr>
+              <a:t>(TT)</a:t>
+            </a:r>
+          </a:p>
+          <a:p>
+            <a:r>
+              <a:rPr lang="en-US" dirty="0">
+                <a:latin typeface="Courier" pitchFamily="2" charset="0"/>
+                <a:sym typeface="Wingdings" pitchFamily="2" charset="2"/>
+              </a:rPr>
+              <a:t>2. TT</a:t>
+            </a:r>
+            <a:r>
+              <a:rPr lang="en-US" baseline="-25000" dirty="0">
+                <a:latin typeface="Courier" pitchFamily="2" charset="0"/>
+                <a:sym typeface="Wingdings" pitchFamily="2" charset="2"/>
+              </a:rPr>
+              <a:t>1</a:t>
+            </a:r>
+            <a:r>
+              <a:rPr lang="en-US" dirty="0">
+                <a:latin typeface="Courier" pitchFamily="2" charset="0"/>
+                <a:sym typeface="Wingdings" pitchFamily="2" charset="2"/>
+              </a:rPr>
+              <a:t>  + T TT</a:t>
+            </a:r>
+            <a:r>
+              <a:rPr lang="en-US" baseline="-25000" dirty="0">
+                <a:latin typeface="Courier" pitchFamily="2" charset="0"/>
+                <a:sym typeface="Wingdings" pitchFamily="2" charset="2"/>
+              </a:rPr>
+              <a:t>2</a:t>
+            </a:r>
+          </a:p>
+          <a:p>
+            <a:pPr marL="285750" indent="-285750">
+              <a:buFont typeface="Arial" panose="020B0604020202020204" pitchFamily="34" charset="0"/>
+              <a:buChar char="•"/>
+            </a:pPr>
+            <a:r>
+              <a:rPr lang="en-US" dirty="0" err="1">
+                <a:latin typeface="Courier" pitchFamily="2" charset="0"/>
+                <a:sym typeface="Wingdings" pitchFamily="2" charset="2"/>
+              </a:rPr>
+              <a:t>st</a:t>
+            </a:r>
+            <a:r>
+              <a:rPr lang="en-US" dirty="0">
+                <a:latin typeface="Courier" pitchFamily="2" charset="0"/>
+                <a:sym typeface="Wingdings" pitchFamily="2" charset="2"/>
+              </a:rPr>
+              <a:t>(TT</a:t>
+            </a:r>
+            <a:r>
+              <a:rPr lang="en-US" baseline="-25000" dirty="0">
+                <a:latin typeface="Courier" pitchFamily="2" charset="0"/>
+                <a:sym typeface="Wingdings" pitchFamily="2" charset="2"/>
+              </a:rPr>
+              <a:t>2</a:t>
+            </a:r>
+            <a:r>
+              <a:rPr lang="en-US" dirty="0">
+                <a:latin typeface="Courier" pitchFamily="2" charset="0"/>
+                <a:sym typeface="Wingdings" pitchFamily="2" charset="2"/>
+              </a:rPr>
+              <a:t>) := </a:t>
+            </a:r>
+            <a:r>
+              <a:rPr lang="en-US" dirty="0" err="1">
+                <a:latin typeface="Courier" pitchFamily="2" charset="0"/>
+                <a:sym typeface="Wingdings" pitchFamily="2" charset="2"/>
+              </a:rPr>
+              <a:t>st</a:t>
+            </a:r>
+            <a:r>
+              <a:rPr lang="en-US" dirty="0">
+                <a:latin typeface="Courier" pitchFamily="2" charset="0"/>
+                <a:sym typeface="Wingdings" pitchFamily="2" charset="2"/>
+              </a:rPr>
+              <a:t>(TT</a:t>
+            </a:r>
+            <a:r>
+              <a:rPr lang="en-US" baseline="-25000" dirty="0">
+                <a:latin typeface="Courier" pitchFamily="2" charset="0"/>
+                <a:sym typeface="Wingdings" pitchFamily="2" charset="2"/>
+              </a:rPr>
+              <a:t>1</a:t>
+            </a:r>
+            <a:r>
+              <a:rPr lang="en-US" dirty="0">
+                <a:latin typeface="Courier" pitchFamily="2" charset="0"/>
+                <a:sym typeface="Wingdings" pitchFamily="2" charset="2"/>
+              </a:rPr>
+              <a:t>) + </a:t>
+            </a:r>
+            <a:r>
+              <a:rPr lang="en-US" dirty="0" err="1">
+                <a:latin typeface="Courier" pitchFamily="2" charset="0"/>
+                <a:sym typeface="Wingdings" pitchFamily="2" charset="2"/>
+              </a:rPr>
+              <a:t>val</a:t>
+            </a:r>
+            <a:r>
+              <a:rPr lang="en-US" dirty="0">
+                <a:latin typeface="Courier" pitchFamily="2" charset="0"/>
+                <a:sym typeface="Wingdings" pitchFamily="2" charset="2"/>
+              </a:rPr>
+              <a:t>(T)</a:t>
+            </a:r>
+          </a:p>
+          <a:p>
+            <a:pPr marL="285750" indent="-285750">
+              <a:buFont typeface="Arial" panose="020B0604020202020204" pitchFamily="34" charset="0"/>
+              <a:buChar char="•"/>
+            </a:pPr>
+            <a:r>
+              <a:rPr lang="en-US" dirty="0" err="1">
+                <a:latin typeface="Courier" pitchFamily="2" charset="0"/>
+                <a:sym typeface="Wingdings" pitchFamily="2" charset="2"/>
+              </a:rPr>
+              <a:t>val</a:t>
+            </a:r>
+            <a:r>
+              <a:rPr lang="en-US" dirty="0">
+                <a:latin typeface="Courier" pitchFamily="2" charset="0"/>
+                <a:sym typeface="Wingdings" pitchFamily="2" charset="2"/>
+              </a:rPr>
+              <a:t>(TT</a:t>
+            </a:r>
+            <a:r>
+              <a:rPr lang="en-US" baseline="-25000" dirty="0">
+                <a:latin typeface="Courier" pitchFamily="2" charset="0"/>
+                <a:sym typeface="Wingdings" pitchFamily="2" charset="2"/>
+              </a:rPr>
+              <a:t>1</a:t>
+            </a:r>
+            <a:r>
+              <a:rPr lang="en-US" dirty="0">
+                <a:latin typeface="Courier" pitchFamily="2" charset="0"/>
+                <a:sym typeface="Wingdings" pitchFamily="2" charset="2"/>
+              </a:rPr>
+              <a:t>) := </a:t>
+            </a:r>
+            <a:r>
+              <a:rPr lang="en-US" dirty="0" err="1">
+                <a:latin typeface="Courier" pitchFamily="2" charset="0"/>
+                <a:sym typeface="Wingdings" pitchFamily="2" charset="2"/>
+              </a:rPr>
+              <a:t>val</a:t>
+            </a:r>
+            <a:r>
+              <a:rPr lang="en-US" dirty="0">
+                <a:latin typeface="Courier" pitchFamily="2" charset="0"/>
+                <a:sym typeface="Wingdings" pitchFamily="2" charset="2"/>
+              </a:rPr>
+              <a:t> (TT</a:t>
+            </a:r>
+            <a:r>
+              <a:rPr lang="en-US" baseline="-25000" dirty="0">
+                <a:latin typeface="Courier" pitchFamily="2" charset="0"/>
+                <a:sym typeface="Wingdings" pitchFamily="2" charset="2"/>
+              </a:rPr>
+              <a:t>2</a:t>
+            </a:r>
+            <a:r>
+              <a:rPr lang="en-US" dirty="0">
+                <a:latin typeface="Courier" pitchFamily="2" charset="0"/>
+                <a:sym typeface="Wingdings" pitchFamily="2" charset="2"/>
+              </a:rPr>
+              <a:t>)</a:t>
+            </a:r>
+          </a:p>
+          <a:p>
+            <a:r>
+              <a:rPr lang="en-US" dirty="0">
+                <a:latin typeface="Courier" pitchFamily="2" charset="0"/>
+                <a:sym typeface="Wingdings" pitchFamily="2" charset="2"/>
+              </a:rPr>
+              <a:t>3. TT</a:t>
+            </a:r>
+            <a:r>
+              <a:rPr lang="en-US" baseline="-25000" dirty="0">
+                <a:latin typeface="Courier" pitchFamily="2" charset="0"/>
+                <a:sym typeface="Wingdings" pitchFamily="2" charset="2"/>
+              </a:rPr>
+              <a:t>1</a:t>
+            </a:r>
+            <a:r>
+              <a:rPr lang="en-US" dirty="0">
+                <a:latin typeface="Courier" pitchFamily="2" charset="0"/>
+                <a:sym typeface="Wingdings" pitchFamily="2" charset="2"/>
+              </a:rPr>
+              <a:t> - T TT</a:t>
+            </a:r>
+            <a:r>
+              <a:rPr lang="en-US" baseline="-25000" dirty="0">
+                <a:latin typeface="Courier" pitchFamily="2" charset="0"/>
+                <a:sym typeface="Wingdings" pitchFamily="2" charset="2"/>
+              </a:rPr>
+              <a:t>2</a:t>
+            </a:r>
+          </a:p>
+          <a:p>
+            <a:pPr marL="285750" indent="-285750">
+              <a:buFont typeface="Arial" panose="020B0604020202020204" pitchFamily="34" charset="0"/>
+              <a:buChar char="•"/>
+            </a:pPr>
+            <a:r>
+              <a:rPr lang="en-US" dirty="0" err="1">
+                <a:latin typeface="Courier" pitchFamily="2" charset="0"/>
+                <a:sym typeface="Wingdings" pitchFamily="2" charset="2"/>
+              </a:rPr>
+              <a:t>st</a:t>
+            </a:r>
+            <a:r>
+              <a:rPr lang="en-US" dirty="0">
+                <a:latin typeface="Courier" pitchFamily="2" charset="0"/>
+                <a:sym typeface="Wingdings" pitchFamily="2" charset="2"/>
+              </a:rPr>
+              <a:t>(TT</a:t>
+            </a:r>
+            <a:r>
+              <a:rPr lang="en-US" baseline="-25000" dirty="0">
+                <a:latin typeface="Courier" pitchFamily="2" charset="0"/>
+                <a:sym typeface="Wingdings" pitchFamily="2" charset="2"/>
+              </a:rPr>
+              <a:t>2</a:t>
+            </a:r>
+            <a:r>
+              <a:rPr lang="en-US" dirty="0">
+                <a:latin typeface="Courier" pitchFamily="2" charset="0"/>
+                <a:sym typeface="Wingdings" pitchFamily="2" charset="2"/>
+              </a:rPr>
+              <a:t>) := </a:t>
+            </a:r>
+            <a:r>
+              <a:rPr lang="en-US" dirty="0" err="1">
+                <a:latin typeface="Courier" pitchFamily="2" charset="0"/>
+                <a:sym typeface="Wingdings" pitchFamily="2" charset="2"/>
+              </a:rPr>
+              <a:t>st</a:t>
+            </a:r>
+            <a:r>
+              <a:rPr lang="en-US" dirty="0">
+                <a:latin typeface="Courier" pitchFamily="2" charset="0"/>
+                <a:sym typeface="Wingdings" pitchFamily="2" charset="2"/>
+              </a:rPr>
+              <a:t>(TT</a:t>
+            </a:r>
+            <a:r>
+              <a:rPr lang="en-US" baseline="-25000" dirty="0">
+                <a:latin typeface="Courier" pitchFamily="2" charset="0"/>
+                <a:sym typeface="Wingdings" pitchFamily="2" charset="2"/>
+              </a:rPr>
+              <a:t>1</a:t>
+            </a:r>
+            <a:r>
+              <a:rPr lang="en-US" dirty="0">
+                <a:latin typeface="Courier" pitchFamily="2" charset="0"/>
+                <a:sym typeface="Wingdings" pitchFamily="2" charset="2"/>
+              </a:rPr>
+              <a:t>) – </a:t>
+            </a:r>
+            <a:r>
+              <a:rPr lang="en-US" dirty="0" err="1">
+                <a:latin typeface="Courier" pitchFamily="2" charset="0"/>
+                <a:sym typeface="Wingdings" pitchFamily="2" charset="2"/>
+              </a:rPr>
+              <a:t>val</a:t>
+            </a:r>
+            <a:r>
+              <a:rPr lang="en-US" dirty="0">
+                <a:latin typeface="Courier" pitchFamily="2" charset="0"/>
+                <a:sym typeface="Wingdings" pitchFamily="2" charset="2"/>
+              </a:rPr>
+              <a:t>(T)</a:t>
+            </a:r>
+          </a:p>
+          <a:p>
+            <a:pPr marL="285750" indent="-285750">
+              <a:buFont typeface="Arial" panose="020B0604020202020204" pitchFamily="34" charset="0"/>
+              <a:buChar char="•"/>
+            </a:pPr>
+            <a:r>
+              <a:rPr lang="en-US" dirty="0" err="1">
+                <a:latin typeface="Courier" pitchFamily="2" charset="0"/>
+                <a:sym typeface="Wingdings" pitchFamily="2" charset="2"/>
+              </a:rPr>
+              <a:t>val</a:t>
+            </a:r>
+            <a:r>
+              <a:rPr lang="en-US" dirty="0">
+                <a:latin typeface="Courier" pitchFamily="2" charset="0"/>
+                <a:sym typeface="Wingdings" pitchFamily="2" charset="2"/>
+              </a:rPr>
+              <a:t>(TT</a:t>
+            </a:r>
+            <a:r>
+              <a:rPr lang="en-US" baseline="-25000" dirty="0">
+                <a:latin typeface="Courier" pitchFamily="2" charset="0"/>
+                <a:sym typeface="Wingdings" pitchFamily="2" charset="2"/>
+              </a:rPr>
+              <a:t>1</a:t>
+            </a:r>
+            <a:r>
+              <a:rPr lang="en-US" dirty="0">
+                <a:latin typeface="Courier" pitchFamily="2" charset="0"/>
+                <a:sym typeface="Wingdings" pitchFamily="2" charset="2"/>
+              </a:rPr>
+              <a:t>) := </a:t>
+            </a:r>
+            <a:r>
+              <a:rPr lang="en-US" dirty="0" err="1">
+                <a:latin typeface="Courier" pitchFamily="2" charset="0"/>
+                <a:sym typeface="Wingdings" pitchFamily="2" charset="2"/>
+              </a:rPr>
+              <a:t>val</a:t>
+            </a:r>
+            <a:r>
+              <a:rPr lang="en-US" dirty="0">
+                <a:latin typeface="Courier" pitchFamily="2" charset="0"/>
+                <a:sym typeface="Wingdings" pitchFamily="2" charset="2"/>
+              </a:rPr>
+              <a:t>(TT</a:t>
+            </a:r>
+            <a:r>
+              <a:rPr lang="en-US" baseline="-25000" dirty="0">
+                <a:latin typeface="Courier" pitchFamily="2" charset="0"/>
+                <a:sym typeface="Wingdings" pitchFamily="2" charset="2"/>
+              </a:rPr>
+              <a:t>2</a:t>
+            </a:r>
+            <a:r>
+              <a:rPr lang="en-US" dirty="0">
+                <a:latin typeface="Courier" pitchFamily="2" charset="0"/>
+                <a:sym typeface="Wingdings" pitchFamily="2" charset="2"/>
+              </a:rPr>
+              <a:t>)</a:t>
+            </a:r>
+          </a:p>
+          <a:p>
+            <a:r>
+              <a:rPr lang="en-US" dirty="0">
+                <a:latin typeface="Courier" pitchFamily="2" charset="0"/>
+                <a:sym typeface="Wingdings" pitchFamily="2" charset="2"/>
+              </a:rPr>
+              <a:t>4. TT  </a:t>
+            </a:r>
+            <a:r>
+              <a:rPr lang="en-US" dirty="0">
+                <a:latin typeface="Symbol" pitchFamily="2" charset="2"/>
+                <a:sym typeface="Wingdings" pitchFamily="2" charset="2"/>
+              </a:rPr>
+              <a:t>e</a:t>
+            </a:r>
+          </a:p>
+          <a:p>
+            <a:pPr marL="285750" indent="-285750">
+              <a:buFont typeface="Arial" panose="020B0604020202020204" pitchFamily="34" charset="0"/>
+              <a:buChar char="•"/>
+            </a:pPr>
+            <a:r>
+              <a:rPr lang="en-US" dirty="0" err="1">
+                <a:latin typeface="Courier" pitchFamily="2" charset="0"/>
+                <a:sym typeface="Wingdings" pitchFamily="2" charset="2"/>
+              </a:rPr>
+              <a:t>val</a:t>
+            </a:r>
+            <a:r>
+              <a:rPr lang="en-US" dirty="0">
+                <a:latin typeface="Courier" pitchFamily="2" charset="0"/>
+                <a:sym typeface="Wingdings" pitchFamily="2" charset="2"/>
+              </a:rPr>
+              <a:t>(TT) := </a:t>
+            </a:r>
+            <a:r>
+              <a:rPr lang="en-US" dirty="0" err="1">
+                <a:latin typeface="Courier" pitchFamily="2" charset="0"/>
+                <a:sym typeface="Wingdings" pitchFamily="2" charset="2"/>
+              </a:rPr>
+              <a:t>st</a:t>
+            </a:r>
+            <a:r>
+              <a:rPr lang="en-US" dirty="0">
+                <a:latin typeface="Courier" pitchFamily="2" charset="0"/>
+                <a:sym typeface="Wingdings" pitchFamily="2" charset="2"/>
+              </a:rPr>
+              <a:t>(TT)</a:t>
+            </a:r>
+          </a:p>
+          <a:p>
+            <a:r>
+              <a:rPr lang="en-US" dirty="0">
+                <a:latin typeface="Courier" pitchFamily="2" charset="0"/>
+                <a:sym typeface="Wingdings" pitchFamily="2" charset="2"/>
+              </a:rPr>
+              <a:t>5. T  F FT</a:t>
+            </a:r>
+          </a:p>
+          <a:p>
+            <a:pPr marL="285750" indent="-285750">
+              <a:buFont typeface="Arial" panose="020B0604020202020204" pitchFamily="34" charset="0"/>
+              <a:buChar char="•"/>
+            </a:pPr>
+            <a:r>
+              <a:rPr lang="en-US" dirty="0" err="1">
+                <a:latin typeface="Courier" pitchFamily="2" charset="0"/>
+                <a:sym typeface="Wingdings" pitchFamily="2" charset="2"/>
+              </a:rPr>
+              <a:t>st</a:t>
+            </a:r>
+            <a:r>
+              <a:rPr lang="en-US" dirty="0">
+                <a:latin typeface="Courier" pitchFamily="2" charset="0"/>
+                <a:sym typeface="Wingdings" pitchFamily="2" charset="2"/>
+              </a:rPr>
+              <a:t>(FT) := </a:t>
+            </a:r>
+            <a:r>
+              <a:rPr lang="en-US" dirty="0" err="1">
+                <a:latin typeface="Courier" pitchFamily="2" charset="0"/>
+                <a:sym typeface="Wingdings" pitchFamily="2" charset="2"/>
+              </a:rPr>
+              <a:t>val</a:t>
+            </a:r>
+            <a:r>
+              <a:rPr lang="en-US" dirty="0">
+                <a:latin typeface="Courier" pitchFamily="2" charset="0"/>
+                <a:sym typeface="Wingdings" pitchFamily="2" charset="2"/>
+              </a:rPr>
+              <a:t>(F)</a:t>
+            </a:r>
+          </a:p>
+          <a:p>
+            <a:pPr marL="285750" indent="-285750">
+              <a:buFont typeface="Arial" panose="020B0604020202020204" pitchFamily="34" charset="0"/>
+              <a:buChar char="•"/>
+            </a:pPr>
+            <a:r>
+              <a:rPr lang="en-US" dirty="0" err="1">
+                <a:latin typeface="Courier" pitchFamily="2" charset="0"/>
+                <a:sym typeface="Wingdings" pitchFamily="2" charset="2"/>
+              </a:rPr>
+              <a:t>val</a:t>
+            </a:r>
+            <a:r>
+              <a:rPr lang="en-US" dirty="0">
+                <a:latin typeface="Courier" pitchFamily="2" charset="0"/>
+                <a:sym typeface="Wingdings" pitchFamily="2" charset="2"/>
+              </a:rPr>
+              <a:t>(T) := </a:t>
+            </a:r>
+            <a:r>
+              <a:rPr lang="en-US" dirty="0" err="1">
+                <a:latin typeface="Courier" pitchFamily="2" charset="0"/>
+                <a:sym typeface="Wingdings" pitchFamily="2" charset="2"/>
+              </a:rPr>
+              <a:t>val</a:t>
+            </a:r>
+            <a:r>
+              <a:rPr lang="en-US" dirty="0">
+                <a:latin typeface="Courier" pitchFamily="2" charset="0"/>
+                <a:sym typeface="Wingdings" pitchFamily="2" charset="2"/>
+              </a:rPr>
+              <a:t>(FT)</a:t>
+            </a:r>
+          </a:p>
+          <a:p>
+            <a:r>
+              <a:rPr lang="en-US" dirty="0">
+                <a:latin typeface="Courier" pitchFamily="2" charset="0"/>
+                <a:sym typeface="Wingdings" pitchFamily="2" charset="2"/>
+              </a:rPr>
+              <a:t>6. FT</a:t>
+            </a:r>
+            <a:r>
+              <a:rPr lang="en-US" baseline="-25000" dirty="0">
+                <a:latin typeface="Courier" pitchFamily="2" charset="0"/>
+                <a:sym typeface="Wingdings" pitchFamily="2" charset="2"/>
+              </a:rPr>
+              <a:t>1</a:t>
+            </a:r>
+            <a:r>
+              <a:rPr lang="en-US" dirty="0">
+                <a:latin typeface="Courier" pitchFamily="2" charset="0"/>
+                <a:sym typeface="Wingdings" pitchFamily="2" charset="2"/>
+              </a:rPr>
+              <a:t>  * F FT</a:t>
+            </a:r>
+            <a:r>
+              <a:rPr lang="en-US" baseline="-25000" dirty="0">
+                <a:latin typeface="Courier" pitchFamily="2" charset="0"/>
+                <a:sym typeface="Wingdings" pitchFamily="2" charset="2"/>
+              </a:rPr>
+              <a:t>2</a:t>
+            </a:r>
+          </a:p>
+          <a:p>
+            <a:pPr marL="285750" indent="-285750">
+              <a:buFont typeface="Arial" panose="020B0604020202020204" pitchFamily="34" charset="0"/>
+              <a:buChar char="•"/>
+            </a:pPr>
+            <a:r>
+              <a:rPr lang="en-US" dirty="0" err="1">
+                <a:latin typeface="Courier" pitchFamily="2" charset="0"/>
+                <a:sym typeface="Wingdings" pitchFamily="2" charset="2"/>
+              </a:rPr>
+              <a:t>st</a:t>
+            </a:r>
+            <a:r>
+              <a:rPr lang="en-US" dirty="0">
+                <a:latin typeface="Courier" pitchFamily="2" charset="0"/>
+                <a:sym typeface="Wingdings" pitchFamily="2" charset="2"/>
+              </a:rPr>
+              <a:t>(FT</a:t>
+            </a:r>
+            <a:r>
+              <a:rPr lang="en-US" baseline="-25000" dirty="0">
+                <a:latin typeface="Courier" pitchFamily="2" charset="0"/>
+                <a:sym typeface="Wingdings" pitchFamily="2" charset="2"/>
+              </a:rPr>
+              <a:t>2</a:t>
+            </a:r>
+            <a:r>
+              <a:rPr lang="en-US" dirty="0">
+                <a:latin typeface="Courier" pitchFamily="2" charset="0"/>
+                <a:sym typeface="Wingdings" pitchFamily="2" charset="2"/>
+              </a:rPr>
+              <a:t>) := </a:t>
+            </a:r>
+            <a:r>
+              <a:rPr lang="en-US" dirty="0" err="1">
+                <a:latin typeface="Courier" pitchFamily="2" charset="0"/>
+                <a:sym typeface="Wingdings" pitchFamily="2" charset="2"/>
+              </a:rPr>
+              <a:t>st</a:t>
+            </a:r>
+            <a:r>
+              <a:rPr lang="en-US" dirty="0">
+                <a:latin typeface="Courier" pitchFamily="2" charset="0"/>
+                <a:sym typeface="Wingdings" pitchFamily="2" charset="2"/>
+              </a:rPr>
+              <a:t>(FT</a:t>
+            </a:r>
+            <a:r>
+              <a:rPr lang="en-US" baseline="-25000" dirty="0">
+                <a:latin typeface="Courier" pitchFamily="2" charset="0"/>
+                <a:sym typeface="Wingdings" pitchFamily="2" charset="2"/>
+              </a:rPr>
+              <a:t>1</a:t>
+            </a:r>
+            <a:r>
+              <a:rPr lang="en-US" dirty="0">
+                <a:latin typeface="Courier" pitchFamily="2" charset="0"/>
+                <a:sym typeface="Wingdings" pitchFamily="2" charset="2"/>
+              </a:rPr>
+              <a:t>) * </a:t>
+            </a:r>
+            <a:r>
+              <a:rPr lang="en-US" dirty="0" err="1">
+                <a:latin typeface="Courier" pitchFamily="2" charset="0"/>
+                <a:sym typeface="Wingdings" pitchFamily="2" charset="2"/>
+              </a:rPr>
+              <a:t>val</a:t>
+            </a:r>
+            <a:r>
+              <a:rPr lang="en-US" dirty="0">
+                <a:latin typeface="Courier" pitchFamily="2" charset="0"/>
+                <a:sym typeface="Wingdings" pitchFamily="2" charset="2"/>
+              </a:rPr>
+              <a:t>(F)</a:t>
+            </a:r>
+          </a:p>
+          <a:p>
+            <a:pPr marL="285750" indent="-285750">
+              <a:buFont typeface="Arial" panose="020B0604020202020204" pitchFamily="34" charset="0"/>
+              <a:buChar char="•"/>
+            </a:pPr>
+            <a:r>
+              <a:rPr lang="en-US" dirty="0" err="1">
+                <a:latin typeface="Courier" pitchFamily="2" charset="0"/>
+                <a:sym typeface="Wingdings" pitchFamily="2" charset="2"/>
+              </a:rPr>
+              <a:t>val</a:t>
+            </a:r>
+            <a:r>
+              <a:rPr lang="en-US" dirty="0">
+                <a:latin typeface="Courier" pitchFamily="2" charset="0"/>
+                <a:sym typeface="Wingdings" pitchFamily="2" charset="2"/>
+              </a:rPr>
+              <a:t>(FT</a:t>
+            </a:r>
+            <a:r>
+              <a:rPr lang="en-US" baseline="-25000" dirty="0">
+                <a:latin typeface="Courier" pitchFamily="2" charset="0"/>
+                <a:sym typeface="Wingdings" pitchFamily="2" charset="2"/>
+              </a:rPr>
+              <a:t>1</a:t>
+            </a:r>
+            <a:r>
+              <a:rPr lang="en-US" dirty="0">
+                <a:latin typeface="Courier" pitchFamily="2" charset="0"/>
+                <a:sym typeface="Wingdings" pitchFamily="2" charset="2"/>
+              </a:rPr>
+              <a:t>) := </a:t>
+            </a:r>
+            <a:r>
+              <a:rPr lang="en-US" dirty="0" err="1">
+                <a:latin typeface="Courier" pitchFamily="2" charset="0"/>
+                <a:sym typeface="Wingdings" pitchFamily="2" charset="2"/>
+              </a:rPr>
+              <a:t>val</a:t>
+            </a:r>
+            <a:r>
+              <a:rPr lang="en-US" dirty="0">
+                <a:latin typeface="Courier" pitchFamily="2" charset="0"/>
+                <a:sym typeface="Wingdings" pitchFamily="2" charset="2"/>
+              </a:rPr>
+              <a:t>(FT</a:t>
+            </a:r>
+            <a:r>
+              <a:rPr lang="en-US" baseline="-25000" dirty="0">
+                <a:latin typeface="Courier" pitchFamily="2" charset="0"/>
+                <a:sym typeface="Wingdings" pitchFamily="2" charset="2"/>
+              </a:rPr>
+              <a:t>2</a:t>
+            </a:r>
+            <a:r>
+              <a:rPr lang="en-US" dirty="0">
+                <a:latin typeface="Courier" pitchFamily="2" charset="0"/>
+                <a:sym typeface="Wingdings" pitchFamily="2" charset="2"/>
+              </a:rPr>
+              <a:t>)</a:t>
+            </a:r>
+          </a:p>
+        </p:txBody>
+      </p:sp>
+      <p:sp>
+        <p:nvSpPr>
+          <p:cNvPr id="7" name="TextBox 6">
+            <a:extLst>
+              <a:ext uri="{FF2B5EF4-FFF2-40B4-BE49-F238E27FC236}">
+                <a16:creationId xmlns:a16="http://schemas.microsoft.com/office/drawing/2014/main" id="{82FB3199-35F7-4C41-AB29-9F1E588BE4A4}"/>
+              </a:ext>
+            </a:extLst>
+          </p:cNvPr>
+          <p:cNvSpPr txBox="1"/>
+          <p:nvPr/>
+        </p:nvSpPr>
+        <p:spPr>
+          <a:xfrm>
+            <a:off x="7814810" y="1622862"/>
+            <a:ext cx="3919990" cy="3416320"/>
+          </a:xfrm>
+          <a:prstGeom prst="rect">
+            <a:avLst/>
+          </a:prstGeom>
+          <a:noFill/>
+          <a:ln w="57150">
+            <a:solidFill>
+              <a:srgbClr val="00B050"/>
+            </a:solidFill>
+          </a:ln>
+        </p:spPr>
+        <p:txBody>
+          <a:bodyPr wrap="square" rtlCol="0">
+            <a:spAutoFit/>
+          </a:bodyPr>
+          <a:lstStyle/>
+          <a:p>
+            <a:r>
+              <a:rPr lang="en-US" dirty="0">
+                <a:latin typeface="Courier" pitchFamily="2" charset="0"/>
+              </a:rPr>
+              <a:t>7. FT</a:t>
+            </a:r>
+            <a:r>
+              <a:rPr lang="en-US" baseline="-25000" dirty="0">
+                <a:latin typeface="Courier" pitchFamily="2" charset="0"/>
+              </a:rPr>
+              <a:t>1</a:t>
+            </a:r>
+            <a:r>
+              <a:rPr lang="en-US" dirty="0">
+                <a:latin typeface="Courier" pitchFamily="2" charset="0"/>
+              </a:rPr>
+              <a:t> </a:t>
+            </a:r>
+            <a:r>
+              <a:rPr lang="en-US" dirty="0">
+                <a:latin typeface="Courier" pitchFamily="2" charset="0"/>
+                <a:sym typeface="Wingdings" pitchFamily="2" charset="2"/>
+              </a:rPr>
+              <a:t> / F FT</a:t>
+            </a:r>
+            <a:r>
+              <a:rPr lang="en-US" baseline="-25000" dirty="0">
+                <a:latin typeface="Courier" pitchFamily="2" charset="0"/>
+                <a:sym typeface="Wingdings" pitchFamily="2" charset="2"/>
+              </a:rPr>
+              <a:t>2</a:t>
+            </a:r>
+          </a:p>
+          <a:p>
+            <a:pPr marL="285750" indent="-285750">
+              <a:buFont typeface="Arial" panose="020B0604020202020204" pitchFamily="34" charset="0"/>
+              <a:buChar char="•"/>
+            </a:pPr>
+            <a:r>
+              <a:rPr lang="en-US" dirty="0" err="1">
+                <a:latin typeface="Courier" pitchFamily="2" charset="0"/>
+                <a:sym typeface="Wingdings" pitchFamily="2" charset="2"/>
+              </a:rPr>
+              <a:t>st</a:t>
+            </a:r>
+            <a:r>
+              <a:rPr lang="en-US" dirty="0">
+                <a:latin typeface="Courier" pitchFamily="2" charset="0"/>
+                <a:sym typeface="Wingdings" pitchFamily="2" charset="2"/>
+              </a:rPr>
+              <a:t>(FT</a:t>
+            </a:r>
+            <a:r>
+              <a:rPr lang="en-US" baseline="-25000" dirty="0">
+                <a:latin typeface="Courier" pitchFamily="2" charset="0"/>
+                <a:sym typeface="Wingdings" pitchFamily="2" charset="2"/>
+              </a:rPr>
+              <a:t>2</a:t>
+            </a:r>
+            <a:r>
+              <a:rPr lang="en-US" dirty="0">
+                <a:latin typeface="Courier" pitchFamily="2" charset="0"/>
+                <a:sym typeface="Wingdings" pitchFamily="2" charset="2"/>
+              </a:rPr>
+              <a:t>) := </a:t>
+            </a:r>
+            <a:r>
+              <a:rPr lang="en-US" dirty="0" err="1">
+                <a:latin typeface="Courier" pitchFamily="2" charset="0"/>
+                <a:sym typeface="Wingdings" pitchFamily="2" charset="2"/>
+              </a:rPr>
+              <a:t>st</a:t>
+            </a:r>
+            <a:r>
+              <a:rPr lang="en-US" dirty="0">
+                <a:latin typeface="Courier" pitchFamily="2" charset="0"/>
+                <a:sym typeface="Wingdings" pitchFamily="2" charset="2"/>
+              </a:rPr>
+              <a:t>(FT</a:t>
+            </a:r>
+            <a:r>
+              <a:rPr lang="en-US" baseline="-25000" dirty="0">
+                <a:latin typeface="Courier" pitchFamily="2" charset="0"/>
+                <a:sym typeface="Wingdings" pitchFamily="2" charset="2"/>
+              </a:rPr>
+              <a:t>1</a:t>
+            </a:r>
+            <a:r>
+              <a:rPr lang="en-US" dirty="0">
+                <a:latin typeface="Courier" pitchFamily="2" charset="0"/>
+                <a:sym typeface="Wingdings" pitchFamily="2" charset="2"/>
+              </a:rPr>
+              <a:t>) / </a:t>
+            </a:r>
+            <a:r>
+              <a:rPr lang="en-US" dirty="0" err="1">
+                <a:latin typeface="Courier" pitchFamily="2" charset="0"/>
+                <a:sym typeface="Wingdings" pitchFamily="2" charset="2"/>
+              </a:rPr>
+              <a:t>val</a:t>
+            </a:r>
+            <a:r>
+              <a:rPr lang="en-US" dirty="0">
+                <a:latin typeface="Courier" pitchFamily="2" charset="0"/>
+                <a:sym typeface="Wingdings" pitchFamily="2" charset="2"/>
+              </a:rPr>
+              <a:t>(F)</a:t>
+            </a:r>
+          </a:p>
+          <a:p>
+            <a:pPr marL="285750" indent="-285750">
+              <a:buFont typeface="Arial" panose="020B0604020202020204" pitchFamily="34" charset="0"/>
+              <a:buChar char="•"/>
+            </a:pPr>
+            <a:r>
+              <a:rPr lang="en-US" dirty="0" err="1">
+                <a:latin typeface="Courier" pitchFamily="2" charset="0"/>
+                <a:sym typeface="Wingdings" pitchFamily="2" charset="2"/>
+              </a:rPr>
+              <a:t>val</a:t>
+            </a:r>
+            <a:r>
+              <a:rPr lang="en-US" dirty="0">
+                <a:latin typeface="Courier" pitchFamily="2" charset="0"/>
+                <a:sym typeface="Wingdings" pitchFamily="2" charset="2"/>
+              </a:rPr>
+              <a:t>(FT</a:t>
+            </a:r>
+            <a:r>
+              <a:rPr lang="en-US" baseline="-25000" dirty="0">
+                <a:latin typeface="Courier" pitchFamily="2" charset="0"/>
+                <a:sym typeface="Wingdings" pitchFamily="2" charset="2"/>
+              </a:rPr>
+              <a:t>1</a:t>
+            </a:r>
+            <a:r>
+              <a:rPr lang="en-US" dirty="0">
+                <a:latin typeface="Courier" pitchFamily="2" charset="0"/>
+                <a:sym typeface="Wingdings" pitchFamily="2" charset="2"/>
+              </a:rPr>
+              <a:t>) := </a:t>
+            </a:r>
+            <a:r>
+              <a:rPr lang="en-US" dirty="0" err="1">
+                <a:latin typeface="Courier" pitchFamily="2" charset="0"/>
+                <a:sym typeface="Wingdings" pitchFamily="2" charset="2"/>
+              </a:rPr>
+              <a:t>val</a:t>
+            </a:r>
+            <a:r>
+              <a:rPr lang="en-US" dirty="0">
+                <a:latin typeface="Courier" pitchFamily="2" charset="0"/>
+                <a:sym typeface="Wingdings" pitchFamily="2" charset="2"/>
+              </a:rPr>
+              <a:t>(FT</a:t>
+            </a:r>
+            <a:r>
+              <a:rPr lang="en-US" baseline="-25000" dirty="0">
+                <a:latin typeface="Courier" pitchFamily="2" charset="0"/>
+                <a:sym typeface="Wingdings" pitchFamily="2" charset="2"/>
+              </a:rPr>
+              <a:t>2</a:t>
+            </a:r>
+            <a:r>
+              <a:rPr lang="en-US" dirty="0">
+                <a:latin typeface="Courier" pitchFamily="2" charset="0"/>
+                <a:sym typeface="Wingdings" pitchFamily="2" charset="2"/>
+              </a:rPr>
+              <a:t>)</a:t>
+            </a:r>
+          </a:p>
+          <a:p>
+            <a:r>
+              <a:rPr lang="en-US" dirty="0">
+                <a:latin typeface="Courier" pitchFamily="2" charset="0"/>
+                <a:sym typeface="Wingdings" pitchFamily="2" charset="2"/>
+              </a:rPr>
+              <a:t>8 FT  </a:t>
+            </a:r>
+            <a:r>
+              <a:rPr lang="en-US" dirty="0">
+                <a:latin typeface="Symbol" pitchFamily="2" charset="2"/>
+                <a:sym typeface="Wingdings" pitchFamily="2" charset="2"/>
+              </a:rPr>
+              <a:t>e</a:t>
+            </a:r>
+          </a:p>
+          <a:p>
+            <a:pPr marL="285750" indent="-285750">
+              <a:buFont typeface="Arial" panose="020B0604020202020204" pitchFamily="34" charset="0"/>
+              <a:buChar char="•"/>
+            </a:pPr>
+            <a:r>
+              <a:rPr lang="en-US" dirty="0" err="1">
+                <a:latin typeface="Courier" pitchFamily="2" charset="0"/>
+                <a:sym typeface="Wingdings" pitchFamily="2" charset="2"/>
+              </a:rPr>
+              <a:t>val</a:t>
+            </a:r>
+            <a:r>
+              <a:rPr lang="en-US" dirty="0">
+                <a:latin typeface="Courier" pitchFamily="2" charset="0"/>
+                <a:sym typeface="Wingdings" pitchFamily="2" charset="2"/>
+              </a:rPr>
+              <a:t>(FT) := </a:t>
+            </a:r>
+            <a:r>
+              <a:rPr lang="en-US" dirty="0" err="1">
+                <a:latin typeface="Courier" pitchFamily="2" charset="0"/>
+                <a:sym typeface="Wingdings" pitchFamily="2" charset="2"/>
+              </a:rPr>
+              <a:t>st</a:t>
+            </a:r>
+            <a:r>
+              <a:rPr lang="en-US" dirty="0">
+                <a:latin typeface="Courier" pitchFamily="2" charset="0"/>
+                <a:sym typeface="Wingdings" pitchFamily="2" charset="2"/>
+              </a:rPr>
+              <a:t>(FT)</a:t>
+            </a:r>
+          </a:p>
+          <a:p>
+            <a:r>
+              <a:rPr lang="en-US" dirty="0">
+                <a:latin typeface="Courier" pitchFamily="2" charset="0"/>
+                <a:sym typeface="Wingdings" pitchFamily="2" charset="2"/>
+              </a:rPr>
+              <a:t>9. F</a:t>
+            </a:r>
+            <a:r>
+              <a:rPr lang="en-US" baseline="-25000" dirty="0">
+                <a:latin typeface="Courier" pitchFamily="2" charset="0"/>
+                <a:sym typeface="Wingdings" pitchFamily="2" charset="2"/>
+              </a:rPr>
+              <a:t>1</a:t>
+            </a:r>
+            <a:r>
+              <a:rPr lang="en-US" dirty="0">
+                <a:latin typeface="Courier" pitchFamily="2" charset="0"/>
+                <a:sym typeface="Wingdings" pitchFamily="2" charset="2"/>
+              </a:rPr>
+              <a:t>  - F</a:t>
+            </a:r>
+            <a:r>
+              <a:rPr lang="en-US" baseline="-25000" dirty="0">
+                <a:latin typeface="Courier" pitchFamily="2" charset="0"/>
+                <a:sym typeface="Wingdings" pitchFamily="2" charset="2"/>
+              </a:rPr>
+              <a:t>2</a:t>
+            </a:r>
+          </a:p>
+          <a:p>
+            <a:pPr marL="285750" indent="-285750">
+              <a:buFont typeface="Arial" panose="020B0604020202020204" pitchFamily="34" charset="0"/>
+              <a:buChar char="•"/>
+            </a:pPr>
+            <a:r>
+              <a:rPr lang="en-US" dirty="0" err="1">
+                <a:latin typeface="Courier" pitchFamily="2" charset="0"/>
+                <a:sym typeface="Wingdings" pitchFamily="2" charset="2"/>
+              </a:rPr>
+              <a:t>val</a:t>
+            </a:r>
+            <a:r>
+              <a:rPr lang="en-US" dirty="0">
+                <a:latin typeface="Courier" pitchFamily="2" charset="0"/>
+                <a:sym typeface="Wingdings" pitchFamily="2" charset="2"/>
+              </a:rPr>
+              <a:t>(F</a:t>
+            </a:r>
+            <a:r>
+              <a:rPr lang="en-US" baseline="-25000" dirty="0">
+                <a:latin typeface="Courier" pitchFamily="2" charset="0"/>
+                <a:sym typeface="Wingdings" pitchFamily="2" charset="2"/>
+              </a:rPr>
+              <a:t>1</a:t>
+            </a:r>
+            <a:r>
+              <a:rPr lang="en-US" dirty="0">
+                <a:latin typeface="Courier" pitchFamily="2" charset="0"/>
+                <a:sym typeface="Wingdings" pitchFamily="2" charset="2"/>
+              </a:rPr>
+              <a:t>) :=  - </a:t>
+            </a:r>
+            <a:r>
+              <a:rPr lang="en-US" dirty="0" err="1">
+                <a:latin typeface="Courier" pitchFamily="2" charset="0"/>
+                <a:sym typeface="Wingdings" pitchFamily="2" charset="2"/>
+              </a:rPr>
+              <a:t>val</a:t>
+            </a:r>
+            <a:r>
+              <a:rPr lang="en-US" dirty="0">
+                <a:latin typeface="Courier" pitchFamily="2" charset="0"/>
+                <a:sym typeface="Wingdings" pitchFamily="2" charset="2"/>
+              </a:rPr>
+              <a:t>(F</a:t>
+            </a:r>
+            <a:r>
+              <a:rPr lang="en-US" baseline="-25000" dirty="0">
+                <a:latin typeface="Courier" pitchFamily="2" charset="0"/>
+                <a:sym typeface="Wingdings" pitchFamily="2" charset="2"/>
+              </a:rPr>
+              <a:t>2</a:t>
+            </a:r>
+            <a:r>
+              <a:rPr lang="en-US" dirty="0">
+                <a:latin typeface="Courier" pitchFamily="2" charset="0"/>
+                <a:sym typeface="Wingdings" pitchFamily="2" charset="2"/>
+              </a:rPr>
+              <a:t>)</a:t>
+            </a:r>
+          </a:p>
+          <a:p>
+            <a:r>
+              <a:rPr lang="en-US" dirty="0">
+                <a:latin typeface="Courier" pitchFamily="2" charset="0"/>
+                <a:sym typeface="Wingdings" pitchFamily="2" charset="2"/>
+              </a:rPr>
+              <a:t>10. F  ( E )</a:t>
+            </a:r>
+          </a:p>
+          <a:p>
+            <a:pPr marL="285750" indent="-285750">
+              <a:buFont typeface="Arial" panose="020B0604020202020204" pitchFamily="34" charset="0"/>
+              <a:buChar char="•"/>
+            </a:pPr>
+            <a:r>
+              <a:rPr lang="en-US" dirty="0" err="1">
+                <a:latin typeface="Courier" pitchFamily="2" charset="0"/>
+                <a:sym typeface="Wingdings" pitchFamily="2" charset="2"/>
+              </a:rPr>
+              <a:t>val</a:t>
+            </a:r>
+            <a:r>
+              <a:rPr lang="en-US" dirty="0">
+                <a:latin typeface="Courier" pitchFamily="2" charset="0"/>
+                <a:sym typeface="Wingdings" pitchFamily="2" charset="2"/>
+              </a:rPr>
+              <a:t>(F) := </a:t>
+            </a:r>
+            <a:r>
+              <a:rPr lang="en-US" dirty="0" err="1">
+                <a:latin typeface="Courier" pitchFamily="2" charset="0"/>
+                <a:sym typeface="Wingdings" pitchFamily="2" charset="2"/>
+              </a:rPr>
+              <a:t>val</a:t>
+            </a:r>
+            <a:r>
+              <a:rPr lang="en-US" dirty="0">
+                <a:latin typeface="Courier" pitchFamily="2" charset="0"/>
+                <a:sym typeface="Wingdings" pitchFamily="2" charset="2"/>
+              </a:rPr>
+              <a:t>(E)</a:t>
+            </a:r>
+          </a:p>
+          <a:p>
+            <a:r>
+              <a:rPr lang="en-US" dirty="0">
+                <a:latin typeface="Courier" pitchFamily="2" charset="0"/>
+                <a:sym typeface="Wingdings" pitchFamily="2" charset="2"/>
+              </a:rPr>
+              <a:t>11. F  const</a:t>
+            </a:r>
+          </a:p>
+          <a:p>
+            <a:pPr marL="285750" indent="-285750">
+              <a:buFont typeface="Arial" panose="020B0604020202020204" pitchFamily="34" charset="0"/>
+              <a:buChar char="•"/>
+            </a:pPr>
+            <a:r>
+              <a:rPr lang="en-US" dirty="0" err="1">
+                <a:latin typeface="Courier" pitchFamily="2" charset="0"/>
+                <a:sym typeface="Wingdings" pitchFamily="2" charset="2"/>
+              </a:rPr>
+              <a:t>val</a:t>
+            </a:r>
+            <a:r>
+              <a:rPr lang="en-US" dirty="0">
+                <a:latin typeface="Courier" pitchFamily="2" charset="0"/>
+                <a:sym typeface="Wingdings" pitchFamily="2" charset="2"/>
+              </a:rPr>
+              <a:t>(F) := </a:t>
+            </a:r>
+            <a:r>
+              <a:rPr lang="en-US" dirty="0" err="1">
+                <a:latin typeface="Courier" pitchFamily="2" charset="0"/>
+                <a:sym typeface="Wingdings" pitchFamily="2" charset="2"/>
+              </a:rPr>
+              <a:t>val</a:t>
+            </a:r>
+            <a:r>
+              <a:rPr lang="en-US" dirty="0">
+                <a:latin typeface="Courier" pitchFamily="2" charset="0"/>
+                <a:sym typeface="Wingdings" pitchFamily="2" charset="2"/>
+              </a:rPr>
+              <a:t>(const)</a:t>
+            </a:r>
+            <a:endParaRPr lang="en-US" dirty="0">
+              <a:latin typeface="Courier" pitchFamily="2" charset="0"/>
+            </a:endParaRPr>
+          </a:p>
+        </p:txBody>
+      </p:sp>
+    </p:spTree>
+    <p:extLst>
+      <p:ext uri="{BB962C8B-B14F-4D97-AF65-F5344CB8AC3E}">
+        <p14:creationId xmlns:p14="http://schemas.microsoft.com/office/powerpoint/2010/main" val="2249490451"/>
+      </p:ext>
+    </p:extLst>
+  </p:cSld>
+  <p:clrMapOvr>
+    <a:masterClrMapping/>
+  </p:clrMapOvr>
+</p:sld>
+</file>
+
+<file path=ppt/slides/slide21.xml><?xml version="1.0" encoding="utf-8"?>
+<p:sld xmlns:a="http://schemas.openxmlformats.org/drawingml/2006/main" xmlns:r="http://schemas.openxmlformats.org/officeDocument/2006/relationships" xmlns:p="http://schemas.openxmlformats.org/presentationml/2006/main">
+  <p:cSld>
+    <p:spTree>
+      <p:nvGrpSpPr>
+        <p:cNvPr id="1" name=""/>
+        <p:cNvGrpSpPr/>
+        <p:nvPr/>
+      </p:nvGrpSpPr>
+      <p:grpSpPr>
+        <a:xfrm>
+          <a:off x="0" y="0"/>
+          <a:ext cx="0" cy="0"/>
+          <a:chOff x="0" y="0"/>
+          <a:chExt cx="0" cy="0"/>
+        </a:xfrm>
+      </p:grpSpPr>
+      <p:sp>
+        <p:nvSpPr>
+          <p:cNvPr id="2" name="Title 1">
+            <a:extLst>
+              <a:ext uri="{FF2B5EF4-FFF2-40B4-BE49-F238E27FC236}">
+                <a16:creationId xmlns:a16="http://schemas.microsoft.com/office/drawing/2014/main" id="{02B29308-4AE4-8C4F-AA2D-FF654F9436B5}"/>
+              </a:ext>
+            </a:extLst>
+          </p:cNvPr>
+          <p:cNvSpPr>
+            <a:spLocks noGrp="1"/>
+          </p:cNvSpPr>
+          <p:nvPr>
+            <p:ph type="title"/>
+          </p:nvPr>
+        </p:nvSpPr>
+        <p:spPr/>
+        <p:txBody>
+          <a:bodyPr/>
+          <a:lstStyle/>
+          <a:p>
+            <a:r>
+              <a:rPr lang="en-US" dirty="0"/>
+              <a:t>Attribute Flow</a:t>
+            </a:r>
+          </a:p>
+        </p:txBody>
+      </p:sp>
+      <p:sp>
+        <p:nvSpPr>
+          <p:cNvPr id="3" name="Content Placeholder 2">
+            <a:extLst>
+              <a:ext uri="{FF2B5EF4-FFF2-40B4-BE49-F238E27FC236}">
+                <a16:creationId xmlns:a16="http://schemas.microsoft.com/office/drawing/2014/main" id="{9CE26BFA-B219-644B-930E-81B1F6922CE4}"/>
+              </a:ext>
+            </a:extLst>
+          </p:cNvPr>
+          <p:cNvSpPr>
+            <a:spLocks noGrp="1"/>
+          </p:cNvSpPr>
+          <p:nvPr>
+            <p:ph idx="1"/>
+          </p:nvPr>
+        </p:nvSpPr>
+        <p:spPr/>
+        <p:txBody>
+          <a:bodyPr>
+            <a:normAutofit/>
+          </a:bodyPr>
+          <a:lstStyle/>
+          <a:p>
+            <a:pPr>
+              <a:lnSpc>
+                <a:spcPct val="120000"/>
+              </a:lnSpc>
+            </a:pPr>
+            <a:r>
+              <a:rPr lang="en-US" sz="2200" dirty="0"/>
+              <a:t>Attribute grammars do not specify the order in which attribute rules are or should be invoked</a:t>
+            </a:r>
+          </a:p>
+          <a:p>
+            <a:pPr>
+              <a:lnSpc>
+                <a:spcPct val="120000"/>
+              </a:lnSpc>
+            </a:pPr>
+            <a:r>
+              <a:rPr lang="en-US" sz="2200" dirty="0"/>
+              <a:t>Annotations are declarative: define set of trees, but not how to annotate them</a:t>
+            </a:r>
+          </a:p>
+          <a:p>
+            <a:pPr>
+              <a:lnSpc>
+                <a:spcPct val="120000"/>
+              </a:lnSpc>
+            </a:pPr>
+            <a:r>
+              <a:rPr lang="en-US" sz="2200" dirty="0"/>
+              <a:t>S-attribute grammars:</a:t>
+            </a:r>
+          </a:p>
+          <a:p>
+            <a:pPr lvl="1">
+              <a:lnSpc>
+                <a:spcPct val="120000"/>
+              </a:lnSpc>
+            </a:pPr>
+            <a:r>
+              <a:rPr lang="en-US" sz="2200" dirty="0"/>
+              <a:t>Strictly bottom-up</a:t>
+            </a:r>
+          </a:p>
+          <a:p>
+            <a:pPr lvl="1">
+              <a:lnSpc>
+                <a:spcPct val="120000"/>
+              </a:lnSpc>
+            </a:pPr>
+            <a:r>
+              <a:rPr lang="en-US" sz="2200" dirty="0"/>
+              <a:t>Evaluation of attributes follows visiting order of parse tree (of an LR-parser)</a:t>
+            </a:r>
+          </a:p>
+          <a:p>
+            <a:pPr lvl="1">
+              <a:lnSpc>
+                <a:spcPct val="120000"/>
+              </a:lnSpc>
+            </a:pPr>
+            <a:r>
+              <a:rPr lang="en-US" sz="2200" dirty="0"/>
+              <a:t>Attributes can be evaluated on the fly, interleaving semantic and syntactic analysis (and lexical analysis)</a:t>
+            </a:r>
+          </a:p>
+        </p:txBody>
+      </p:sp>
+      <p:sp>
+        <p:nvSpPr>
+          <p:cNvPr id="4" name="Footer Placeholder 3">
+            <a:extLst>
+              <a:ext uri="{FF2B5EF4-FFF2-40B4-BE49-F238E27FC236}">
+                <a16:creationId xmlns:a16="http://schemas.microsoft.com/office/drawing/2014/main" id="{902FB986-6424-3241-AC68-7C6B7BB31C99}"/>
+              </a:ext>
+            </a:extLst>
+          </p:cNvPr>
+          <p:cNvSpPr>
+            <a:spLocks noGrp="1"/>
+          </p:cNvSpPr>
+          <p:nvPr>
+            <p:ph type="ftr" sz="quarter" idx="11"/>
+          </p:nvPr>
+        </p:nvSpPr>
+        <p:spPr/>
+        <p:txBody>
+          <a:bodyPr/>
+          <a:lstStyle/>
+          <a:p>
+            <a:r>
+              <a:rPr lang="en-US"/>
+              <a:t>Principles of Programming Languages</a:t>
+            </a:r>
+          </a:p>
+        </p:txBody>
+      </p:sp>
+      <p:sp>
+        <p:nvSpPr>
+          <p:cNvPr id="5" name="Slide Number Placeholder 4">
+            <a:extLst>
+              <a:ext uri="{FF2B5EF4-FFF2-40B4-BE49-F238E27FC236}">
+                <a16:creationId xmlns:a16="http://schemas.microsoft.com/office/drawing/2014/main" id="{A781598B-419D-C546-BE2B-BE3A676FC913}"/>
+              </a:ext>
+            </a:extLst>
+          </p:cNvPr>
+          <p:cNvSpPr>
+            <a:spLocks noGrp="1"/>
+          </p:cNvSpPr>
+          <p:nvPr>
+            <p:ph type="sldNum" sz="quarter" idx="12"/>
+          </p:nvPr>
+        </p:nvSpPr>
+        <p:spPr/>
+        <p:txBody>
+          <a:bodyPr/>
+          <a:lstStyle/>
+          <a:p>
+            <a:fld id="{AE2B63BD-8566-6841-8331-0BA2255B2CF6}" type="slidenum">
+              <a:rPr lang="en-US" smtClean="0"/>
+              <a:t>21</a:t>
+            </a:fld>
+            <a:endParaRPr lang="en-US"/>
+          </a:p>
+        </p:txBody>
+      </p:sp>
+    </p:spTree>
+    <p:extLst>
+      <p:ext uri="{BB962C8B-B14F-4D97-AF65-F5344CB8AC3E}">
+        <p14:creationId xmlns:p14="http://schemas.microsoft.com/office/powerpoint/2010/main" val="2006966931"/>
+      </p:ext>
+    </p:extLst>
+  </p:cSld>
+  <p:clrMapOvr>
+    <a:masterClrMapping/>
+  </p:clrMapOvr>
+</p:sld>
+</file>
+
+<file path=ppt/slides/slide22.xml><?xml version="1.0" encoding="utf-8"?>
+<p:sld xmlns:a="http://schemas.openxmlformats.org/drawingml/2006/main" xmlns:r="http://schemas.openxmlformats.org/officeDocument/2006/relationships" xmlns:p="http://schemas.openxmlformats.org/presentationml/2006/main">
+  <p:cSld>
+    <p:spTree>
+      <p:nvGrpSpPr>
+        <p:cNvPr id="1" name=""/>
+        <p:cNvGrpSpPr/>
+        <p:nvPr/>
+      </p:nvGrpSpPr>
+      <p:grpSpPr>
+        <a:xfrm>
+          <a:off x="0" y="0"/>
+          <a:ext cx="0" cy="0"/>
+          <a:chOff x="0" y="0"/>
+          <a:chExt cx="0" cy="0"/>
+        </a:xfrm>
+      </p:grpSpPr>
+      <p:sp>
+        <p:nvSpPr>
+          <p:cNvPr id="2" name="Title 1">
+            <a:extLst>
+              <a:ext uri="{FF2B5EF4-FFF2-40B4-BE49-F238E27FC236}">
+                <a16:creationId xmlns:a16="http://schemas.microsoft.com/office/drawing/2014/main" id="{02B29308-4AE4-8C4F-AA2D-FF654F9436B5}"/>
+              </a:ext>
+            </a:extLst>
+          </p:cNvPr>
+          <p:cNvSpPr>
+            <a:spLocks noGrp="1"/>
+          </p:cNvSpPr>
+          <p:nvPr>
+            <p:ph type="title"/>
+          </p:nvPr>
+        </p:nvSpPr>
+        <p:spPr/>
+        <p:txBody>
+          <a:bodyPr/>
+          <a:lstStyle/>
+          <a:p>
+            <a:r>
+              <a:rPr lang="en-US" dirty="0"/>
+              <a:t>Attribute Flow</a:t>
+            </a:r>
+          </a:p>
+        </p:txBody>
+      </p:sp>
+      <p:sp>
+        <p:nvSpPr>
+          <p:cNvPr id="3" name="Content Placeholder 2">
+            <a:extLst>
+              <a:ext uri="{FF2B5EF4-FFF2-40B4-BE49-F238E27FC236}">
+                <a16:creationId xmlns:a16="http://schemas.microsoft.com/office/drawing/2014/main" id="{9CE26BFA-B219-644B-930E-81B1F6922CE4}"/>
+              </a:ext>
+            </a:extLst>
+          </p:cNvPr>
+          <p:cNvSpPr>
+            <a:spLocks noGrp="1"/>
+          </p:cNvSpPr>
+          <p:nvPr>
+            <p:ph idx="1"/>
+          </p:nvPr>
+        </p:nvSpPr>
+        <p:spPr>
+          <a:xfrm>
+            <a:off x="555172" y="1869730"/>
+            <a:ext cx="4626429" cy="4351338"/>
+          </a:xfrm>
+        </p:spPr>
+        <p:txBody>
+          <a:bodyPr>
+            <a:normAutofit fontScale="92500" lnSpcReduction="10000"/>
+          </a:bodyPr>
+          <a:lstStyle/>
+          <a:p>
+            <a:pPr marL="0" indent="0">
+              <a:lnSpc>
+                <a:spcPct val="114000"/>
+              </a:lnSpc>
+              <a:buNone/>
+            </a:pPr>
+            <a:r>
+              <a:rPr lang="en-US" sz="2100" dirty="0"/>
+              <a:t>L-attribute (Left—</a:t>
+            </a:r>
+            <a:r>
+              <a:rPr lang="en-US" sz="2100" dirty="0" err="1"/>
+              <a:t>ttributed</a:t>
+            </a:r>
+            <a:r>
+              <a:rPr lang="en-US" sz="2100" dirty="0"/>
+              <a:t>) grammars (formally):</a:t>
+            </a:r>
+          </a:p>
+          <a:p>
+            <a:pPr marL="457200" indent="-457200">
+              <a:lnSpc>
+                <a:spcPct val="114000"/>
+              </a:lnSpc>
+              <a:buFont typeface="+mj-lt"/>
+              <a:buAutoNum type="alphaLcPeriod"/>
+            </a:pPr>
+            <a:r>
+              <a:rPr lang="en-US" sz="2100" dirty="0"/>
+              <a:t>Synthesized attributes of left-hand side (</a:t>
+            </a:r>
+            <a:r>
+              <a:rPr lang="en-US" sz="2100" dirty="0" err="1"/>
+              <a:t>lhs</a:t>
+            </a:r>
+            <a:r>
+              <a:rPr lang="en-US" sz="2100" dirty="0"/>
+              <a:t>) symbols depend only on: </a:t>
+            </a:r>
+            <a:r>
+              <a:rPr lang="en-US" sz="2100" dirty="0" err="1"/>
+              <a:t>i</a:t>
+            </a:r>
+            <a:r>
+              <a:rPr lang="en-US" sz="2100" dirty="0"/>
+              <a:t>) symbol’s own inherited attributes or ii) on attributes (synthesized or inherited) of symbols on the right-hand side (</a:t>
+            </a:r>
+            <a:r>
+              <a:rPr lang="en-US" sz="2100" dirty="0" err="1"/>
+              <a:t>rhs</a:t>
+            </a:r>
+            <a:r>
+              <a:rPr lang="en-US" sz="2100" dirty="0"/>
+              <a:t>) of the production</a:t>
+            </a:r>
+          </a:p>
+          <a:p>
+            <a:pPr marL="457200" indent="-457200">
+              <a:lnSpc>
+                <a:spcPct val="114000"/>
+              </a:lnSpc>
+              <a:buFont typeface="+mj-lt"/>
+              <a:buAutoNum type="alphaLcPeriod"/>
+            </a:pPr>
+            <a:r>
+              <a:rPr lang="en-US" sz="2100" dirty="0"/>
+              <a:t>Inherited attributes of </a:t>
+            </a:r>
+            <a:r>
+              <a:rPr lang="en-US" sz="2100" dirty="0" err="1"/>
+              <a:t>rhs</a:t>
+            </a:r>
+            <a:r>
+              <a:rPr lang="en-US" sz="2100" dirty="0"/>
+              <a:t> symbols depend only on inherited attributes of the </a:t>
+            </a:r>
+            <a:r>
+              <a:rPr lang="en-US" sz="2100" dirty="0" err="1"/>
+              <a:t>lhs</a:t>
+            </a:r>
+            <a:r>
+              <a:rPr lang="en-US" sz="2100" dirty="0"/>
+              <a:t> or on attributes (any kind) of symbols to its left in the </a:t>
+            </a:r>
+            <a:r>
+              <a:rPr lang="en-US" sz="2100" dirty="0" err="1"/>
+              <a:t>rhs</a:t>
+            </a:r>
+            <a:r>
+              <a:rPr lang="en-US" sz="2100" dirty="0"/>
+              <a:t> of the production</a:t>
+            </a:r>
+          </a:p>
+        </p:txBody>
+      </p:sp>
+      <p:sp>
+        <p:nvSpPr>
+          <p:cNvPr id="4" name="Footer Placeholder 3">
+            <a:extLst>
+              <a:ext uri="{FF2B5EF4-FFF2-40B4-BE49-F238E27FC236}">
+                <a16:creationId xmlns:a16="http://schemas.microsoft.com/office/drawing/2014/main" id="{902FB986-6424-3241-AC68-7C6B7BB31C99}"/>
+              </a:ext>
+            </a:extLst>
+          </p:cNvPr>
+          <p:cNvSpPr>
+            <a:spLocks noGrp="1"/>
+          </p:cNvSpPr>
+          <p:nvPr>
+            <p:ph type="ftr" sz="quarter" idx="11"/>
+          </p:nvPr>
+        </p:nvSpPr>
+        <p:spPr/>
+        <p:txBody>
+          <a:bodyPr/>
+          <a:lstStyle/>
+          <a:p>
+            <a:r>
+              <a:rPr lang="en-US"/>
+              <a:t>Principles of Programming Languages</a:t>
+            </a:r>
+          </a:p>
+        </p:txBody>
+      </p:sp>
+      <p:sp>
+        <p:nvSpPr>
+          <p:cNvPr id="5" name="Slide Number Placeholder 4">
+            <a:extLst>
+              <a:ext uri="{FF2B5EF4-FFF2-40B4-BE49-F238E27FC236}">
+                <a16:creationId xmlns:a16="http://schemas.microsoft.com/office/drawing/2014/main" id="{A781598B-419D-C546-BE2B-BE3A676FC913}"/>
+              </a:ext>
+            </a:extLst>
+          </p:cNvPr>
+          <p:cNvSpPr>
+            <a:spLocks noGrp="1"/>
+          </p:cNvSpPr>
+          <p:nvPr>
+            <p:ph type="sldNum" sz="quarter" idx="12"/>
+          </p:nvPr>
+        </p:nvSpPr>
+        <p:spPr/>
+        <p:txBody>
+          <a:bodyPr/>
+          <a:lstStyle/>
+          <a:p>
+            <a:fld id="{AE2B63BD-8566-6841-8331-0BA2255B2CF6}" type="slidenum">
+              <a:rPr lang="en-US" smtClean="0"/>
+              <a:t>22</a:t>
+            </a:fld>
+            <a:endParaRPr lang="en-US"/>
+          </a:p>
+        </p:txBody>
+      </p:sp>
+      <p:sp>
+        <p:nvSpPr>
+          <p:cNvPr id="6" name="TextBox 5">
+            <a:extLst>
+              <a:ext uri="{FF2B5EF4-FFF2-40B4-BE49-F238E27FC236}">
+                <a16:creationId xmlns:a16="http://schemas.microsoft.com/office/drawing/2014/main" id="{5C8B030D-7B22-3E41-BA81-BC31A961B74F}"/>
+              </a:ext>
+            </a:extLst>
+          </p:cNvPr>
+          <p:cNvSpPr txBox="1"/>
+          <p:nvPr/>
+        </p:nvSpPr>
+        <p:spPr>
+          <a:xfrm>
+            <a:off x="6373584" y="1690688"/>
+            <a:ext cx="5426529" cy="2031325"/>
+          </a:xfrm>
+          <a:prstGeom prst="rect">
+            <a:avLst/>
+          </a:prstGeom>
+          <a:noFill/>
+        </p:spPr>
+        <p:txBody>
+          <a:bodyPr wrap="square" rtlCol="0">
+            <a:spAutoFit/>
+          </a:bodyPr>
+          <a:lstStyle/>
+          <a:p>
+            <a:r>
+              <a:rPr lang="en-US" dirty="0">
+                <a:latin typeface="Courier" pitchFamily="2" charset="0"/>
+              </a:rPr>
+              <a:t>syn(</a:t>
+            </a:r>
+            <a:r>
+              <a:rPr lang="en-US" dirty="0" err="1">
+                <a:latin typeface="Courier" pitchFamily="2" charset="0"/>
+              </a:rPr>
+              <a:t>sym</a:t>
+            </a:r>
+            <a:r>
+              <a:rPr lang="en-US" baseline="-25000" dirty="0" err="1">
+                <a:latin typeface="Courier" pitchFamily="2" charset="0"/>
+              </a:rPr>
+              <a:t>lhs</a:t>
+            </a:r>
+            <a:r>
+              <a:rPr lang="en-US" dirty="0">
+                <a:latin typeface="Courier" pitchFamily="2" charset="0"/>
+              </a:rPr>
+              <a:t>) </a:t>
+            </a:r>
+            <a:r>
+              <a:rPr lang="en-US" dirty="0">
+                <a:latin typeface="Courier" pitchFamily="2" charset="0"/>
+                <a:sym typeface="Wingdings" pitchFamily="2" charset="2"/>
+              </a:rPr>
+              <a:t>:= </a:t>
+            </a:r>
+            <a:r>
+              <a:rPr lang="en-US" dirty="0" err="1">
+                <a:latin typeface="Courier" pitchFamily="2" charset="0"/>
+                <a:sym typeface="Wingdings" pitchFamily="2" charset="2"/>
+              </a:rPr>
+              <a:t>f</a:t>
+            </a:r>
+            <a:r>
+              <a:rPr lang="en-US" baseline="-25000" dirty="0" err="1">
+                <a:latin typeface="Courier" pitchFamily="2" charset="0"/>
+                <a:sym typeface="Wingdings" pitchFamily="2" charset="2"/>
+              </a:rPr>
+              <a:t>inh</a:t>
+            </a:r>
+            <a:r>
+              <a:rPr lang="en-US" dirty="0">
+                <a:latin typeface="Courier" pitchFamily="2" charset="0"/>
+                <a:sym typeface="Wingdings" pitchFamily="2" charset="2"/>
+              </a:rPr>
+              <a:t>(</a:t>
+            </a:r>
+            <a:r>
+              <a:rPr lang="en-US" dirty="0" err="1">
+                <a:latin typeface="Courier" pitchFamily="2" charset="0"/>
+                <a:sym typeface="Wingdings" pitchFamily="2" charset="2"/>
+              </a:rPr>
+              <a:t>sym</a:t>
+            </a:r>
+            <a:r>
+              <a:rPr lang="en-US" baseline="-25000" dirty="0" err="1">
+                <a:latin typeface="Courier" pitchFamily="2" charset="0"/>
+                <a:sym typeface="Wingdings" pitchFamily="2" charset="2"/>
+              </a:rPr>
+              <a:t>lhs</a:t>
+            </a:r>
+            <a:r>
+              <a:rPr lang="en-US" dirty="0">
+                <a:latin typeface="Courier" pitchFamily="2" charset="0"/>
+                <a:sym typeface="Wingdings" pitchFamily="2" charset="2"/>
+              </a:rPr>
+              <a:t>)</a:t>
+            </a:r>
+          </a:p>
+          <a:p>
+            <a:r>
+              <a:rPr lang="en-US" strike="sngStrike" dirty="0">
+                <a:solidFill>
+                  <a:srgbClr val="FF0000"/>
+                </a:solidFill>
+                <a:latin typeface="Courier" pitchFamily="2" charset="0"/>
+                <a:sym typeface="Wingdings" pitchFamily="2" charset="2"/>
+              </a:rPr>
+              <a:t>syn(</a:t>
+            </a:r>
+            <a:r>
+              <a:rPr lang="en-US" strike="sngStrike" dirty="0" err="1">
+                <a:solidFill>
+                  <a:srgbClr val="FF0000"/>
+                </a:solidFill>
+                <a:latin typeface="Courier" pitchFamily="2" charset="0"/>
+                <a:sym typeface="Wingdings" pitchFamily="2" charset="2"/>
+              </a:rPr>
+              <a:t>sym</a:t>
+            </a:r>
+            <a:r>
+              <a:rPr lang="en-US" strike="sngStrike" baseline="-25000" dirty="0" err="1">
+                <a:solidFill>
+                  <a:srgbClr val="FF0000"/>
+                </a:solidFill>
+                <a:latin typeface="Courier" pitchFamily="2" charset="0"/>
+                <a:sym typeface="Wingdings" pitchFamily="2" charset="2"/>
+              </a:rPr>
+              <a:t>lhs</a:t>
+            </a:r>
+            <a:r>
+              <a:rPr lang="en-US" strike="sngStrike" dirty="0">
+                <a:solidFill>
+                  <a:srgbClr val="FF0000"/>
+                </a:solidFill>
+                <a:latin typeface="Courier" pitchFamily="2" charset="0"/>
+                <a:sym typeface="Wingdings" pitchFamily="2" charset="2"/>
+              </a:rPr>
+              <a:t>) := </a:t>
+            </a:r>
+            <a:r>
+              <a:rPr lang="en-US" strike="sngStrike" dirty="0" err="1">
+                <a:solidFill>
+                  <a:srgbClr val="FF0000"/>
+                </a:solidFill>
+                <a:latin typeface="Courier" pitchFamily="2" charset="0"/>
+                <a:sym typeface="Wingdings" pitchFamily="2" charset="2"/>
+              </a:rPr>
+              <a:t>fsyn</a:t>
+            </a:r>
+            <a:r>
+              <a:rPr lang="en-US" strike="sngStrike" dirty="0">
+                <a:solidFill>
+                  <a:srgbClr val="FF0000"/>
+                </a:solidFill>
+                <a:latin typeface="Courier" pitchFamily="2" charset="0"/>
+                <a:sym typeface="Wingdings" pitchFamily="2" charset="2"/>
+              </a:rPr>
+              <a:t>(</a:t>
+            </a:r>
+            <a:r>
+              <a:rPr lang="en-US" strike="sngStrike" dirty="0" err="1">
+                <a:solidFill>
+                  <a:srgbClr val="FF0000"/>
+                </a:solidFill>
+                <a:latin typeface="Courier" pitchFamily="2" charset="0"/>
+                <a:sym typeface="Wingdings" pitchFamily="2" charset="2"/>
+              </a:rPr>
+              <a:t>sym</a:t>
+            </a:r>
+            <a:r>
+              <a:rPr lang="en-US" strike="sngStrike" baseline="-25000" dirty="0" err="1">
+                <a:solidFill>
+                  <a:srgbClr val="FF0000"/>
+                </a:solidFill>
+                <a:latin typeface="Courier" pitchFamily="2" charset="0"/>
+                <a:sym typeface="Wingdings" pitchFamily="2" charset="2"/>
+              </a:rPr>
+              <a:t>lhs</a:t>
+            </a:r>
+            <a:r>
+              <a:rPr lang="en-US" strike="sngStrike" dirty="0">
+                <a:solidFill>
+                  <a:srgbClr val="FF0000"/>
+                </a:solidFill>
+                <a:latin typeface="Courier" pitchFamily="2" charset="0"/>
+                <a:sym typeface="Wingdings" pitchFamily="2" charset="2"/>
+              </a:rPr>
+              <a:t>)</a:t>
+            </a:r>
+          </a:p>
+          <a:p>
+            <a:r>
+              <a:rPr lang="en-US" dirty="0">
+                <a:latin typeface="Courier" pitchFamily="2" charset="0"/>
+                <a:sym typeface="Wingdings" pitchFamily="2" charset="2"/>
+              </a:rPr>
+              <a:t>syn(</a:t>
+            </a:r>
+            <a:r>
+              <a:rPr lang="en-US" dirty="0" err="1">
+                <a:latin typeface="Courier" pitchFamily="2" charset="0"/>
+                <a:sym typeface="Wingdings" pitchFamily="2" charset="2"/>
+              </a:rPr>
+              <a:t>sym</a:t>
+            </a:r>
+            <a:r>
+              <a:rPr lang="en-US" baseline="-25000" dirty="0" err="1">
+                <a:latin typeface="Courier" pitchFamily="2" charset="0"/>
+                <a:sym typeface="Wingdings" pitchFamily="2" charset="2"/>
+              </a:rPr>
+              <a:t>lhs</a:t>
+            </a:r>
+            <a:r>
+              <a:rPr lang="en-US" dirty="0">
+                <a:latin typeface="Courier" pitchFamily="2" charset="0"/>
+                <a:sym typeface="Wingdings" pitchFamily="2" charset="2"/>
+              </a:rPr>
+              <a:t>) := f({</a:t>
+            </a:r>
+            <a:r>
+              <a:rPr lang="en-US" dirty="0" err="1">
+                <a:latin typeface="Courier" pitchFamily="2" charset="0"/>
+                <a:sym typeface="Wingdings" pitchFamily="2" charset="2"/>
+              </a:rPr>
+              <a:t>inh</a:t>
+            </a:r>
+            <a:r>
+              <a:rPr lang="en-US" dirty="0">
+                <a:latin typeface="Courier" pitchFamily="2" charset="0"/>
+                <a:sym typeface="Wingdings" pitchFamily="2" charset="2"/>
+              </a:rPr>
+              <a:t>(rhs</a:t>
+            </a:r>
+            <a:r>
+              <a:rPr lang="en-US" baseline="-25000" dirty="0">
+                <a:latin typeface="Courier" pitchFamily="2" charset="0"/>
+                <a:sym typeface="Wingdings" pitchFamily="2" charset="2"/>
+              </a:rPr>
+              <a:t>1</a:t>
+            </a:r>
+            <a:r>
+              <a:rPr lang="en-US" dirty="0">
+                <a:latin typeface="Courier" pitchFamily="2" charset="0"/>
+                <a:sym typeface="Wingdings" pitchFamily="2" charset="2"/>
+              </a:rPr>
+              <a:t>,rhs</a:t>
+            </a:r>
+            <a:r>
+              <a:rPr lang="en-US" baseline="-25000" dirty="0">
+                <a:latin typeface="Courier" pitchFamily="2" charset="0"/>
+                <a:sym typeface="Wingdings" pitchFamily="2" charset="2"/>
+              </a:rPr>
+              <a:t>2</a:t>
+            </a:r>
+            <a:r>
+              <a:rPr lang="en-US" dirty="0">
+                <a:latin typeface="Courier" pitchFamily="2" charset="0"/>
+                <a:sym typeface="Wingdings" pitchFamily="2" charset="2"/>
+              </a:rPr>
+              <a:t>,…</a:t>
+            </a:r>
+            <a:r>
+              <a:rPr lang="en-US" dirty="0" err="1">
+                <a:latin typeface="Courier" pitchFamily="2" charset="0"/>
+                <a:sym typeface="Wingdings" pitchFamily="2" charset="2"/>
+              </a:rPr>
+              <a:t>rhs</a:t>
+            </a:r>
+            <a:r>
+              <a:rPr lang="en-US" baseline="-25000" dirty="0" err="1">
+                <a:latin typeface="Courier" pitchFamily="2" charset="0"/>
+                <a:sym typeface="Wingdings" pitchFamily="2" charset="2"/>
+              </a:rPr>
+              <a:t>M</a:t>
+            </a:r>
+            <a:r>
+              <a:rPr lang="en-US" dirty="0">
+                <a:latin typeface="Courier" pitchFamily="2" charset="0"/>
+                <a:sym typeface="Wingdings" pitchFamily="2" charset="2"/>
+              </a:rPr>
+              <a:t>),</a:t>
+            </a:r>
+          </a:p>
+          <a:p>
+            <a:r>
+              <a:rPr lang="en-US" dirty="0">
+                <a:latin typeface="Courier" pitchFamily="2" charset="0"/>
+                <a:sym typeface="Wingdings" pitchFamily="2" charset="2"/>
+              </a:rPr>
+              <a:t>	syn(</a:t>
+            </a:r>
+            <a:r>
+              <a:rPr lang="en-US" dirty="0" err="1">
+                <a:latin typeface="Courier" pitchFamily="2" charset="0"/>
+                <a:sym typeface="Wingdings" pitchFamily="2" charset="2"/>
+              </a:rPr>
+              <a:t>inh</a:t>
+            </a:r>
+            <a:r>
+              <a:rPr lang="en-US" dirty="0">
+                <a:latin typeface="Courier" pitchFamily="2" charset="0"/>
+                <a:sym typeface="Wingdings" pitchFamily="2" charset="2"/>
+              </a:rPr>
+              <a:t>(rhs</a:t>
+            </a:r>
+            <a:r>
+              <a:rPr lang="en-US" baseline="-25000" dirty="0">
+                <a:latin typeface="Courier" pitchFamily="2" charset="0"/>
+                <a:sym typeface="Wingdings" pitchFamily="2" charset="2"/>
+              </a:rPr>
+              <a:t>1</a:t>
+            </a:r>
+            <a:r>
+              <a:rPr lang="en-US" dirty="0">
+                <a:latin typeface="Courier" pitchFamily="2" charset="0"/>
+                <a:sym typeface="Wingdings" pitchFamily="2" charset="2"/>
+              </a:rPr>
+              <a:t>,rhs</a:t>
+            </a:r>
+            <a:r>
+              <a:rPr lang="en-US" baseline="-25000" dirty="0">
+                <a:latin typeface="Courier" pitchFamily="2" charset="0"/>
+                <a:sym typeface="Wingdings" pitchFamily="2" charset="2"/>
+              </a:rPr>
+              <a:t>2</a:t>
+            </a:r>
+            <a:r>
+              <a:rPr lang="en-US" dirty="0">
+                <a:latin typeface="Courier" pitchFamily="2" charset="0"/>
+                <a:sym typeface="Wingdings" pitchFamily="2" charset="2"/>
+              </a:rPr>
+              <a:t>,…</a:t>
+            </a:r>
+            <a:r>
+              <a:rPr lang="en-US" dirty="0" err="1">
+                <a:latin typeface="Courier" pitchFamily="2" charset="0"/>
+                <a:sym typeface="Wingdings" pitchFamily="2" charset="2"/>
+              </a:rPr>
+              <a:t>rhs</a:t>
+            </a:r>
+            <a:r>
+              <a:rPr lang="en-US" baseline="-25000" dirty="0" err="1">
+                <a:latin typeface="Courier" pitchFamily="2" charset="0"/>
+                <a:sym typeface="Wingdings" pitchFamily="2" charset="2"/>
+              </a:rPr>
+              <a:t>M</a:t>
+            </a:r>
+            <a:r>
+              <a:rPr lang="en-US" dirty="0">
+                <a:latin typeface="Courier" pitchFamily="2" charset="0"/>
+                <a:sym typeface="Wingdings" pitchFamily="2" charset="2"/>
+              </a:rPr>
+              <a:t>)})</a:t>
+            </a:r>
+          </a:p>
+          <a:p>
+            <a:endParaRPr lang="en-US" dirty="0">
+              <a:latin typeface="Courier" pitchFamily="2" charset="0"/>
+              <a:sym typeface="Wingdings" pitchFamily="2" charset="2"/>
+            </a:endParaRPr>
+          </a:p>
+          <a:p>
+            <a:r>
+              <a:rPr lang="en-US" dirty="0" err="1">
+                <a:latin typeface="Courier" pitchFamily="2" charset="0"/>
+                <a:sym typeface="Wingdings" pitchFamily="2" charset="2"/>
+              </a:rPr>
+              <a:t>inh</a:t>
+            </a:r>
+            <a:r>
+              <a:rPr lang="en-US" dirty="0">
+                <a:latin typeface="Courier" pitchFamily="2" charset="0"/>
+                <a:sym typeface="Wingdings" pitchFamily="2" charset="2"/>
+              </a:rPr>
+              <a:t>(</a:t>
+            </a:r>
+            <a:r>
+              <a:rPr lang="en-US" dirty="0" err="1">
+                <a:latin typeface="Courier" pitchFamily="2" charset="0"/>
+                <a:sym typeface="Wingdings" pitchFamily="2" charset="2"/>
+              </a:rPr>
+              <a:t>rhs</a:t>
+            </a:r>
+            <a:r>
+              <a:rPr lang="en-US" baseline="-25000" dirty="0" err="1">
+                <a:latin typeface="Courier" pitchFamily="2" charset="0"/>
+                <a:sym typeface="Wingdings" pitchFamily="2" charset="2"/>
+              </a:rPr>
+              <a:t>i</a:t>
+            </a:r>
+            <a:r>
+              <a:rPr lang="en-US" dirty="0">
+                <a:latin typeface="Courier" pitchFamily="2" charset="0"/>
+                <a:sym typeface="Wingdings" pitchFamily="2" charset="2"/>
+              </a:rPr>
+              <a:t>) := f({</a:t>
+            </a:r>
+            <a:r>
+              <a:rPr lang="en-US" dirty="0" err="1">
+                <a:latin typeface="Courier" pitchFamily="2" charset="0"/>
+                <a:sym typeface="Wingdings" pitchFamily="2" charset="2"/>
+              </a:rPr>
+              <a:t>inh</a:t>
+            </a:r>
+            <a:r>
+              <a:rPr lang="en-US" dirty="0">
+                <a:latin typeface="Courier" pitchFamily="2" charset="0"/>
+                <a:sym typeface="Wingdings" pitchFamily="2" charset="2"/>
+              </a:rPr>
+              <a:t>(</a:t>
+            </a:r>
+            <a:r>
+              <a:rPr lang="en-US" dirty="0" err="1">
+                <a:latin typeface="Courier" pitchFamily="2" charset="0"/>
+                <a:sym typeface="Wingdings" pitchFamily="2" charset="2"/>
+              </a:rPr>
+              <a:t>sym</a:t>
+            </a:r>
+            <a:r>
+              <a:rPr lang="en-US" baseline="-25000" dirty="0" err="1">
+                <a:latin typeface="Courier" pitchFamily="2" charset="0"/>
+                <a:sym typeface="Wingdings" pitchFamily="2" charset="2"/>
+              </a:rPr>
+              <a:t>lhs</a:t>
+            </a:r>
+            <a:r>
+              <a:rPr lang="en-US" dirty="0">
+                <a:latin typeface="Courier" pitchFamily="2" charset="0"/>
+                <a:sym typeface="Wingdings" pitchFamily="2" charset="2"/>
+              </a:rPr>
+              <a:t>),</a:t>
+            </a:r>
+          </a:p>
+          <a:p>
+            <a:r>
+              <a:rPr lang="en-US" dirty="0">
+                <a:latin typeface="Courier" pitchFamily="2" charset="0"/>
+                <a:sym typeface="Wingdings" pitchFamily="2" charset="2"/>
+              </a:rPr>
+              <a:t>	syn(</a:t>
+            </a:r>
+            <a:r>
+              <a:rPr lang="en-US" dirty="0" err="1">
+                <a:latin typeface="Courier" pitchFamily="2" charset="0"/>
+                <a:sym typeface="Wingdings" pitchFamily="2" charset="2"/>
+              </a:rPr>
+              <a:t>rhs</a:t>
+            </a:r>
+            <a:r>
+              <a:rPr lang="en-US" baseline="-25000" dirty="0" err="1">
+                <a:latin typeface="Courier" pitchFamily="2" charset="0"/>
+                <a:sym typeface="Wingdings" pitchFamily="2" charset="2"/>
+              </a:rPr>
+              <a:t>j</a:t>
+            </a:r>
+            <a:r>
+              <a:rPr lang="en-US" baseline="-25000" dirty="0">
+                <a:latin typeface="Courier" pitchFamily="2" charset="0"/>
+                <a:sym typeface="Wingdings" pitchFamily="2" charset="2"/>
+              </a:rPr>
+              <a:t>&lt;</a:t>
+            </a:r>
+            <a:r>
+              <a:rPr lang="en-US" baseline="-25000" dirty="0" err="1">
+                <a:latin typeface="Courier" pitchFamily="2" charset="0"/>
+                <a:sym typeface="Wingdings" pitchFamily="2" charset="2"/>
+              </a:rPr>
+              <a:t>i</a:t>
+            </a:r>
+            <a:r>
+              <a:rPr lang="en-US" dirty="0">
+                <a:latin typeface="Courier" pitchFamily="2" charset="0"/>
+                <a:sym typeface="Wingdings" pitchFamily="2" charset="2"/>
+              </a:rPr>
+              <a:t>),</a:t>
+            </a:r>
+            <a:r>
+              <a:rPr lang="en-US" dirty="0" err="1">
+                <a:latin typeface="Courier" pitchFamily="2" charset="0"/>
+                <a:sym typeface="Wingdings" pitchFamily="2" charset="2"/>
+              </a:rPr>
+              <a:t>inh</a:t>
+            </a:r>
+            <a:r>
+              <a:rPr lang="en-US" dirty="0">
+                <a:latin typeface="Courier" pitchFamily="2" charset="0"/>
+                <a:sym typeface="Wingdings" pitchFamily="2" charset="2"/>
+              </a:rPr>
+              <a:t>(</a:t>
+            </a:r>
+            <a:r>
+              <a:rPr lang="en-US" baseline="-25000" dirty="0" err="1">
+                <a:latin typeface="Courier" pitchFamily="2" charset="0"/>
+                <a:sym typeface="Wingdings" pitchFamily="2" charset="2"/>
+              </a:rPr>
+              <a:t>rhsj</a:t>
+            </a:r>
+            <a:r>
+              <a:rPr lang="en-US" baseline="-25000" dirty="0">
+                <a:latin typeface="Courier" pitchFamily="2" charset="0"/>
+                <a:sym typeface="Wingdings" pitchFamily="2" charset="2"/>
+              </a:rPr>
+              <a:t>&lt;</a:t>
+            </a:r>
+            <a:r>
+              <a:rPr lang="en-US" baseline="-25000" dirty="0" err="1">
+                <a:latin typeface="Courier" pitchFamily="2" charset="0"/>
+                <a:sym typeface="Wingdings" pitchFamily="2" charset="2"/>
+              </a:rPr>
+              <a:t>i</a:t>
+            </a:r>
+            <a:r>
+              <a:rPr lang="en-US" dirty="0">
+                <a:latin typeface="Courier" pitchFamily="2" charset="0"/>
+                <a:sym typeface="Wingdings" pitchFamily="2" charset="2"/>
+              </a:rPr>
+              <a:t>)})</a:t>
+            </a:r>
+            <a:endParaRPr lang="en-US" dirty="0">
+              <a:latin typeface="Courier" pitchFamily="2" charset="0"/>
+            </a:endParaRPr>
+          </a:p>
+        </p:txBody>
+      </p:sp>
+      <p:sp>
+        <p:nvSpPr>
+          <p:cNvPr id="7" name="Content Placeholder 2">
+            <a:extLst>
+              <a:ext uri="{FF2B5EF4-FFF2-40B4-BE49-F238E27FC236}">
+                <a16:creationId xmlns:a16="http://schemas.microsoft.com/office/drawing/2014/main" id="{FF446FB3-345F-E144-93CC-80F5A8E0D67B}"/>
+              </a:ext>
+            </a:extLst>
+          </p:cNvPr>
+          <p:cNvSpPr txBox="1">
+            <a:spLocks/>
+          </p:cNvSpPr>
+          <p:nvPr/>
+        </p:nvSpPr>
+        <p:spPr>
+          <a:xfrm>
+            <a:off x="5638800" y="3970732"/>
+            <a:ext cx="6161313" cy="1545318"/>
+          </a:xfrm>
+          <a:prstGeom prst="rect">
+            <a:avLst/>
+          </a:prstGeom>
+        </p:spPr>
+        <p:txBody>
+          <a:bodyPr vert="horz" lIns="91440" tIns="45720" rIns="91440" bIns="45720" rtlCol="0">
+            <a:noAutofit/>
+          </a:bodyPr>
+          <a:lstStyle>
+            <a:lvl1pPr marL="228600" indent="-228600" algn="l" defTabSz="914400" rtl="0" eaLnBrk="1" latinLnBrk="0" hangingPunct="1">
+              <a:lnSpc>
+                <a:spcPct val="90000"/>
+              </a:lnSpc>
+              <a:spcBef>
+                <a:spcPts val="1000"/>
+              </a:spcBef>
+              <a:buFont typeface="Arial" panose="020B0604020202020204" pitchFamily="34" charset="0"/>
+              <a:buChar char="•"/>
+              <a:defRPr sz="2800" kern="1200">
+                <a:solidFill>
+                  <a:schemeClr val="tx1"/>
+                </a:solidFill>
+                <a:latin typeface="+mn-lt"/>
+                <a:ea typeface="+mn-ea"/>
+                <a:cs typeface="+mn-cs"/>
+              </a:defRPr>
+            </a:lvl1pPr>
+            <a:lvl2pPr marL="685800" indent="-228600" algn="l" defTabSz="914400" rtl="0" eaLnBrk="1" latinLnBrk="0" hangingPunct="1">
+              <a:lnSpc>
+                <a:spcPct val="90000"/>
+              </a:lnSpc>
+              <a:spcBef>
+                <a:spcPts val="500"/>
+              </a:spcBef>
+              <a:buFont typeface="Arial" panose="020B0604020202020204" pitchFamily="34" charset="0"/>
+              <a:buChar char="•"/>
+              <a:defRPr sz="2400" kern="1200">
+                <a:solidFill>
+                  <a:schemeClr val="tx1"/>
+                </a:solidFill>
+                <a:latin typeface="+mn-lt"/>
+                <a:ea typeface="+mn-ea"/>
+                <a:cs typeface="+mn-cs"/>
+              </a:defRPr>
+            </a:lvl2pPr>
+            <a:lvl3pPr marL="1143000" indent="-228600" algn="l" defTabSz="914400" rtl="0" eaLnBrk="1" latinLnBrk="0" hangingPunct="1">
+              <a:lnSpc>
+                <a:spcPct val="90000"/>
+              </a:lnSpc>
+              <a:spcBef>
+                <a:spcPts val="500"/>
+              </a:spcBef>
+              <a:buFont typeface="Arial" panose="020B0604020202020204" pitchFamily="34" charset="0"/>
+              <a:buChar char="•"/>
+              <a:defRPr sz="2000" kern="1200">
+                <a:solidFill>
+                  <a:schemeClr val="tx1"/>
+                </a:solidFill>
+                <a:latin typeface="+mn-lt"/>
+                <a:ea typeface="+mn-ea"/>
+                <a:cs typeface="+mn-cs"/>
+              </a:defRPr>
+            </a:lvl3pPr>
+            <a:lvl4pPr marL="1600200" indent="-228600" algn="l" defTabSz="914400" rtl="0" eaLnBrk="1" latinLnBrk="0" hangingPunct="1">
+              <a:lnSpc>
+                <a:spcPct val="90000"/>
+              </a:lnSpc>
+              <a:spcBef>
+                <a:spcPts val="500"/>
+              </a:spcBef>
+              <a:buFont typeface="Arial" panose="020B0604020202020204" pitchFamily="34" charset="0"/>
+              <a:buChar char="•"/>
+              <a:defRPr sz="1800" kern="1200">
+                <a:solidFill>
+                  <a:schemeClr val="tx1"/>
+                </a:solidFill>
+                <a:latin typeface="+mn-lt"/>
+                <a:ea typeface="+mn-ea"/>
+                <a:cs typeface="+mn-cs"/>
+              </a:defRPr>
+            </a:lvl4pPr>
+            <a:lvl5pPr marL="2057400" indent="-228600" algn="l" defTabSz="914400" rtl="0" eaLnBrk="1" latinLnBrk="0" hangingPunct="1">
+              <a:lnSpc>
+                <a:spcPct val="90000"/>
+              </a:lnSpc>
+              <a:spcBef>
+                <a:spcPts val="500"/>
+              </a:spcBef>
+              <a:buFont typeface="Arial" panose="020B0604020202020204" pitchFamily="34" charset="0"/>
+              <a:buChar char="•"/>
+              <a:defRPr sz="1800" kern="1200">
+                <a:solidFill>
+                  <a:schemeClr val="tx1"/>
+                </a:solidFill>
+                <a:latin typeface="+mn-lt"/>
+                <a:ea typeface="+mn-ea"/>
+                <a:cs typeface="+mn-cs"/>
+              </a:defRPr>
+            </a:lvl5pPr>
+            <a:lvl6pPr marL="2514600" indent="-228600" algn="l" defTabSz="914400" rtl="0" eaLnBrk="1" latinLnBrk="0" hangingPunct="1">
+              <a:lnSpc>
+                <a:spcPct val="90000"/>
+              </a:lnSpc>
+              <a:spcBef>
+                <a:spcPts val="500"/>
+              </a:spcBef>
+              <a:buFont typeface="Arial" panose="020B0604020202020204" pitchFamily="34" charset="0"/>
+              <a:buChar char="•"/>
+              <a:defRPr sz="1800" kern="1200">
+                <a:solidFill>
+                  <a:schemeClr val="tx1"/>
+                </a:solidFill>
+                <a:latin typeface="+mn-lt"/>
+                <a:ea typeface="+mn-ea"/>
+                <a:cs typeface="+mn-cs"/>
+              </a:defRPr>
+            </a:lvl6pPr>
+            <a:lvl7pPr marL="2971800" indent="-228600" algn="l" defTabSz="914400" rtl="0" eaLnBrk="1" latinLnBrk="0" hangingPunct="1">
+              <a:lnSpc>
+                <a:spcPct val="90000"/>
+              </a:lnSpc>
+              <a:spcBef>
+                <a:spcPts val="500"/>
+              </a:spcBef>
+              <a:buFont typeface="Arial" panose="020B0604020202020204" pitchFamily="34" charset="0"/>
+              <a:buChar char="•"/>
+              <a:defRPr sz="1800" kern="1200">
+                <a:solidFill>
+                  <a:schemeClr val="tx1"/>
+                </a:solidFill>
+                <a:latin typeface="+mn-lt"/>
+                <a:ea typeface="+mn-ea"/>
+                <a:cs typeface="+mn-cs"/>
+              </a:defRPr>
+            </a:lvl7pPr>
+            <a:lvl8pPr marL="3429000" indent="-228600" algn="l" defTabSz="914400" rtl="0" eaLnBrk="1" latinLnBrk="0" hangingPunct="1">
+              <a:lnSpc>
+                <a:spcPct val="90000"/>
+              </a:lnSpc>
+              <a:spcBef>
+                <a:spcPts val="500"/>
+              </a:spcBef>
+              <a:buFont typeface="Arial" panose="020B0604020202020204" pitchFamily="34" charset="0"/>
+              <a:buChar char="•"/>
+              <a:defRPr sz="1800" kern="1200">
+                <a:solidFill>
+                  <a:schemeClr val="tx1"/>
+                </a:solidFill>
+                <a:latin typeface="+mn-lt"/>
+                <a:ea typeface="+mn-ea"/>
+                <a:cs typeface="+mn-cs"/>
+              </a:defRPr>
+            </a:lvl8pPr>
+            <a:lvl9pPr marL="3886200" indent="-228600" algn="l" defTabSz="914400" rtl="0" eaLnBrk="1" latinLnBrk="0" hangingPunct="1">
+              <a:lnSpc>
+                <a:spcPct val="90000"/>
+              </a:lnSpc>
+              <a:spcBef>
+                <a:spcPts val="500"/>
+              </a:spcBef>
+              <a:buFont typeface="Arial" panose="020B0604020202020204" pitchFamily="34" charset="0"/>
+              <a:buChar char="•"/>
+              <a:defRPr sz="1800" kern="1200">
+                <a:solidFill>
+                  <a:schemeClr val="tx1"/>
+                </a:solidFill>
+                <a:latin typeface="+mn-lt"/>
+                <a:ea typeface="+mn-ea"/>
+                <a:cs typeface="+mn-cs"/>
+              </a:defRPr>
+            </a:lvl9pPr>
+          </a:lstStyle>
+          <a:p>
+            <a:pPr>
+              <a:lnSpc>
+                <a:spcPct val="114000"/>
+              </a:lnSpc>
+            </a:pPr>
+            <a:r>
+              <a:rPr lang="en-US" sz="2000" dirty="0"/>
+              <a:t>Every S-attribute grammar is also an L-attribute grammar</a:t>
+            </a:r>
+          </a:p>
+          <a:p>
+            <a:r>
+              <a:rPr lang="en-US" sz="2000" dirty="0"/>
+              <a:t>Compiler that interleaves semantic analysis and code generation is a one-pass compiler (not too common nowadays)</a:t>
+            </a:r>
+          </a:p>
+          <a:p>
+            <a:r>
+              <a:rPr lang="en-US" sz="2000" dirty="0"/>
+              <a:t>Avoids the need for explicit construction and representation of the parse tree</a:t>
+            </a:r>
+          </a:p>
+          <a:p>
+            <a:pPr>
+              <a:lnSpc>
+                <a:spcPct val="114000"/>
+              </a:lnSpc>
+            </a:pPr>
+            <a:endParaRPr lang="en-US" sz="2000" dirty="0"/>
+          </a:p>
+        </p:txBody>
+      </p:sp>
+    </p:spTree>
+    <p:extLst>
+      <p:ext uri="{BB962C8B-B14F-4D97-AF65-F5344CB8AC3E}">
+        <p14:creationId xmlns:p14="http://schemas.microsoft.com/office/powerpoint/2010/main" val="1216819582"/>
+      </p:ext>
+    </p:extLst>
+  </p:cSld>
+  <p:clrMapOvr>
+    <a:masterClrMapping/>
+  </p:clrMapOvr>
+</p:sld>
+</file>
+
+<file path=ppt/slides/slide23.xml><?xml version="1.0" encoding="utf-8"?>
+<p:sld xmlns:a="http://schemas.openxmlformats.org/drawingml/2006/main" xmlns:r="http://schemas.openxmlformats.org/officeDocument/2006/relationships" xmlns:p="http://schemas.openxmlformats.org/presentationml/2006/main">
+  <p:cSld>
+    <p:spTree>
+      <p:nvGrpSpPr>
+        <p:cNvPr id="1" name=""/>
+        <p:cNvGrpSpPr/>
+        <p:nvPr/>
+      </p:nvGrpSpPr>
+      <p:grpSpPr>
+        <a:xfrm>
+          <a:off x="0" y="0"/>
+          <a:ext cx="0" cy="0"/>
+          <a:chOff x="0" y="0"/>
+          <a:chExt cx="0" cy="0"/>
+        </a:xfrm>
+      </p:grpSpPr>
+      <p:sp>
+        <p:nvSpPr>
+          <p:cNvPr id="2" name="Title 1">
+            <a:extLst>
+              <a:ext uri="{FF2B5EF4-FFF2-40B4-BE49-F238E27FC236}">
+                <a16:creationId xmlns:a16="http://schemas.microsoft.com/office/drawing/2014/main" id="{043BF3D0-7AD8-5E4B-BDE4-2B88BFFC8538}"/>
+              </a:ext>
+            </a:extLst>
+          </p:cNvPr>
+          <p:cNvSpPr>
+            <a:spLocks noGrp="1"/>
+          </p:cNvSpPr>
+          <p:nvPr>
+            <p:ph type="title"/>
+          </p:nvPr>
+        </p:nvSpPr>
+        <p:spPr/>
+        <p:txBody>
+          <a:bodyPr/>
+          <a:lstStyle/>
+          <a:p>
+            <a:r>
+              <a:rPr lang="en-US" dirty="0"/>
+              <a:t>Explicit Syntax Tree Construction</a:t>
+            </a:r>
+          </a:p>
+        </p:txBody>
+      </p:sp>
+      <p:sp>
+        <p:nvSpPr>
+          <p:cNvPr id="3" name="Content Placeholder 2">
+            <a:extLst>
+              <a:ext uri="{FF2B5EF4-FFF2-40B4-BE49-F238E27FC236}">
+                <a16:creationId xmlns:a16="http://schemas.microsoft.com/office/drawing/2014/main" id="{48F7FAA3-0AFE-4840-BFD3-DCFED2CFABC4}"/>
+              </a:ext>
+            </a:extLst>
+          </p:cNvPr>
+          <p:cNvSpPr>
+            <a:spLocks noGrp="1"/>
+          </p:cNvSpPr>
+          <p:nvPr>
+            <p:ph idx="1"/>
+          </p:nvPr>
+        </p:nvSpPr>
+        <p:spPr>
+          <a:xfrm>
+            <a:off x="495298" y="1748519"/>
+            <a:ext cx="1828801" cy="3974192"/>
+          </a:xfrm>
+        </p:spPr>
+        <p:txBody>
+          <a:bodyPr>
+            <a:normAutofit fontScale="92500" lnSpcReduction="10000"/>
+          </a:bodyPr>
+          <a:lstStyle/>
+          <a:p>
+            <a:r>
+              <a:rPr lang="en-US" sz="2400" dirty="0"/>
+              <a:t>Often, we want to construct an explicit representation of the syntax tree</a:t>
+            </a:r>
+          </a:p>
+          <a:p>
+            <a:r>
+              <a:rPr lang="en-US" sz="2400" dirty="0"/>
+              <a:t>Useful in multi-pass compilers</a:t>
+            </a:r>
+          </a:p>
+          <a:p>
+            <a:r>
+              <a:rPr lang="en-US" sz="2400" dirty="0"/>
+              <a:t>Example of bottom-up parsing </a:t>
+            </a:r>
+            <a:r>
+              <a:rPr lang="en-US" sz="2400" dirty="0">
+                <a:sym typeface="Wingdings" pitchFamily="2" charset="2"/>
+              </a:rPr>
+              <a:t></a:t>
+            </a:r>
+            <a:endParaRPr lang="en-US" sz="2400" dirty="0"/>
+          </a:p>
+        </p:txBody>
+      </p:sp>
+      <p:sp>
+        <p:nvSpPr>
+          <p:cNvPr id="4" name="Footer Placeholder 3">
+            <a:extLst>
+              <a:ext uri="{FF2B5EF4-FFF2-40B4-BE49-F238E27FC236}">
+                <a16:creationId xmlns:a16="http://schemas.microsoft.com/office/drawing/2014/main" id="{6576205B-BDA4-6B4F-B882-09D9D07EC98A}"/>
+              </a:ext>
+            </a:extLst>
+          </p:cNvPr>
+          <p:cNvSpPr>
+            <a:spLocks noGrp="1"/>
+          </p:cNvSpPr>
+          <p:nvPr>
+            <p:ph type="ftr" sz="quarter" idx="11"/>
+          </p:nvPr>
+        </p:nvSpPr>
+        <p:spPr/>
+        <p:txBody>
+          <a:bodyPr/>
+          <a:lstStyle/>
+          <a:p>
+            <a:r>
+              <a:rPr lang="en-US"/>
+              <a:t>Principles of Programming Languages</a:t>
+            </a:r>
+          </a:p>
+        </p:txBody>
+      </p:sp>
+      <p:sp>
+        <p:nvSpPr>
+          <p:cNvPr id="5" name="Slide Number Placeholder 4">
+            <a:extLst>
+              <a:ext uri="{FF2B5EF4-FFF2-40B4-BE49-F238E27FC236}">
+                <a16:creationId xmlns:a16="http://schemas.microsoft.com/office/drawing/2014/main" id="{A8D8B01F-8CBA-4B40-92BB-D266DAA12E94}"/>
+              </a:ext>
+            </a:extLst>
+          </p:cNvPr>
+          <p:cNvSpPr>
+            <a:spLocks noGrp="1"/>
+          </p:cNvSpPr>
+          <p:nvPr>
+            <p:ph type="sldNum" sz="quarter" idx="12"/>
+          </p:nvPr>
+        </p:nvSpPr>
+        <p:spPr/>
+        <p:txBody>
+          <a:bodyPr/>
+          <a:lstStyle/>
+          <a:p>
+            <a:fld id="{AE2B63BD-8566-6841-8331-0BA2255B2CF6}" type="slidenum">
+              <a:rPr lang="en-US" smtClean="0"/>
+              <a:t>23</a:t>
+            </a:fld>
+            <a:endParaRPr lang="en-US"/>
+          </a:p>
+        </p:txBody>
+      </p:sp>
+      <p:sp>
+        <p:nvSpPr>
+          <p:cNvPr id="7" name="Content Placeholder 2">
+            <a:extLst>
+              <a:ext uri="{FF2B5EF4-FFF2-40B4-BE49-F238E27FC236}">
+                <a16:creationId xmlns:a16="http://schemas.microsoft.com/office/drawing/2014/main" id="{829396E5-C1B1-F74E-B98B-4473E63728C2}"/>
+              </a:ext>
+            </a:extLst>
+          </p:cNvPr>
+          <p:cNvSpPr txBox="1">
+            <a:spLocks/>
+          </p:cNvSpPr>
+          <p:nvPr/>
+        </p:nvSpPr>
+        <p:spPr>
+          <a:xfrm>
+            <a:off x="3091543" y="1727654"/>
+            <a:ext cx="2383972" cy="4351338"/>
+          </a:xfrm>
+          <a:prstGeom prst="rect">
+            <a:avLst/>
+          </a:prstGeom>
+        </p:spPr>
+        <p:txBody>
+          <a:bodyPr vert="horz" lIns="91440" tIns="45720" rIns="91440" bIns="45720" rtlCol="0">
+            <a:normAutofit/>
+          </a:bodyPr>
+          <a:lstStyle>
+            <a:lvl1pPr marL="228600" indent="-228600" algn="l" defTabSz="914400" rtl="0" eaLnBrk="1" latinLnBrk="0" hangingPunct="1">
+              <a:lnSpc>
+                <a:spcPct val="90000"/>
+              </a:lnSpc>
+              <a:spcBef>
+                <a:spcPts val="1000"/>
+              </a:spcBef>
+              <a:buFont typeface="Arial" panose="020B0604020202020204" pitchFamily="34" charset="0"/>
+              <a:buChar char="•"/>
+              <a:defRPr sz="2800" kern="1200">
+                <a:solidFill>
+                  <a:schemeClr val="tx1"/>
+                </a:solidFill>
+                <a:latin typeface="+mn-lt"/>
+                <a:ea typeface="+mn-ea"/>
+                <a:cs typeface="+mn-cs"/>
+              </a:defRPr>
+            </a:lvl1pPr>
+            <a:lvl2pPr marL="685800" indent="-228600" algn="l" defTabSz="914400" rtl="0" eaLnBrk="1" latinLnBrk="0" hangingPunct="1">
+              <a:lnSpc>
+                <a:spcPct val="90000"/>
+              </a:lnSpc>
+              <a:spcBef>
+                <a:spcPts val="500"/>
+              </a:spcBef>
+              <a:buFont typeface="Arial" panose="020B0604020202020204" pitchFamily="34" charset="0"/>
+              <a:buChar char="•"/>
+              <a:defRPr sz="2400" kern="1200">
+                <a:solidFill>
+                  <a:schemeClr val="tx1"/>
+                </a:solidFill>
+                <a:latin typeface="+mn-lt"/>
+                <a:ea typeface="+mn-ea"/>
+                <a:cs typeface="+mn-cs"/>
+              </a:defRPr>
+            </a:lvl2pPr>
+            <a:lvl3pPr marL="1143000" indent="-228600" algn="l" defTabSz="914400" rtl="0" eaLnBrk="1" latinLnBrk="0" hangingPunct="1">
+              <a:lnSpc>
+                <a:spcPct val="90000"/>
+              </a:lnSpc>
+              <a:spcBef>
+                <a:spcPts val="500"/>
+              </a:spcBef>
+              <a:buFont typeface="Arial" panose="020B0604020202020204" pitchFamily="34" charset="0"/>
+              <a:buChar char="•"/>
+              <a:defRPr sz="2000" kern="1200">
+                <a:solidFill>
+                  <a:schemeClr val="tx1"/>
+                </a:solidFill>
+                <a:latin typeface="+mn-lt"/>
+                <a:ea typeface="+mn-ea"/>
+                <a:cs typeface="+mn-cs"/>
+              </a:defRPr>
+            </a:lvl3pPr>
+            <a:lvl4pPr marL="1600200" indent="-228600" algn="l" defTabSz="914400" rtl="0" eaLnBrk="1" latinLnBrk="0" hangingPunct="1">
+              <a:lnSpc>
+                <a:spcPct val="90000"/>
+              </a:lnSpc>
+              <a:spcBef>
+                <a:spcPts val="500"/>
+              </a:spcBef>
+              <a:buFont typeface="Arial" panose="020B0604020202020204" pitchFamily="34" charset="0"/>
+              <a:buChar char="•"/>
+              <a:defRPr sz="1800" kern="1200">
+                <a:solidFill>
+                  <a:schemeClr val="tx1"/>
+                </a:solidFill>
+                <a:latin typeface="+mn-lt"/>
+                <a:ea typeface="+mn-ea"/>
+                <a:cs typeface="+mn-cs"/>
+              </a:defRPr>
+            </a:lvl4pPr>
+            <a:lvl5pPr marL="2057400" indent="-228600" algn="l" defTabSz="914400" rtl="0" eaLnBrk="1" latinLnBrk="0" hangingPunct="1">
+              <a:lnSpc>
+                <a:spcPct val="90000"/>
+              </a:lnSpc>
+              <a:spcBef>
+                <a:spcPts val="500"/>
+              </a:spcBef>
+              <a:buFont typeface="Arial" panose="020B0604020202020204" pitchFamily="34" charset="0"/>
+              <a:buChar char="•"/>
+              <a:defRPr sz="1800" kern="1200">
+                <a:solidFill>
+                  <a:schemeClr val="tx1"/>
+                </a:solidFill>
+                <a:latin typeface="+mn-lt"/>
+                <a:ea typeface="+mn-ea"/>
+                <a:cs typeface="+mn-cs"/>
+              </a:defRPr>
+            </a:lvl5pPr>
+            <a:lvl6pPr marL="2514600" indent="-228600" algn="l" defTabSz="914400" rtl="0" eaLnBrk="1" latinLnBrk="0" hangingPunct="1">
+              <a:lnSpc>
+                <a:spcPct val="90000"/>
+              </a:lnSpc>
+              <a:spcBef>
+                <a:spcPts val="500"/>
+              </a:spcBef>
+              <a:buFont typeface="Arial" panose="020B0604020202020204" pitchFamily="34" charset="0"/>
+              <a:buChar char="•"/>
+              <a:defRPr sz="1800" kern="1200">
+                <a:solidFill>
+                  <a:schemeClr val="tx1"/>
+                </a:solidFill>
+                <a:latin typeface="+mn-lt"/>
+                <a:ea typeface="+mn-ea"/>
+                <a:cs typeface="+mn-cs"/>
+              </a:defRPr>
+            </a:lvl6pPr>
+            <a:lvl7pPr marL="2971800" indent="-228600" algn="l" defTabSz="914400" rtl="0" eaLnBrk="1" latinLnBrk="0" hangingPunct="1">
+              <a:lnSpc>
+                <a:spcPct val="90000"/>
+              </a:lnSpc>
+              <a:spcBef>
+                <a:spcPts val="500"/>
+              </a:spcBef>
+              <a:buFont typeface="Arial" panose="020B0604020202020204" pitchFamily="34" charset="0"/>
+              <a:buChar char="•"/>
+              <a:defRPr sz="1800" kern="1200">
+                <a:solidFill>
+                  <a:schemeClr val="tx1"/>
+                </a:solidFill>
+                <a:latin typeface="+mn-lt"/>
+                <a:ea typeface="+mn-ea"/>
+                <a:cs typeface="+mn-cs"/>
+              </a:defRPr>
+            </a:lvl7pPr>
+            <a:lvl8pPr marL="3429000" indent="-228600" algn="l" defTabSz="914400" rtl="0" eaLnBrk="1" latinLnBrk="0" hangingPunct="1">
+              <a:lnSpc>
+                <a:spcPct val="90000"/>
+              </a:lnSpc>
+              <a:spcBef>
+                <a:spcPts val="500"/>
+              </a:spcBef>
+              <a:buFont typeface="Arial" panose="020B0604020202020204" pitchFamily="34" charset="0"/>
+              <a:buChar char="•"/>
+              <a:defRPr sz="1800" kern="1200">
+                <a:solidFill>
+                  <a:schemeClr val="tx1"/>
+                </a:solidFill>
+                <a:latin typeface="+mn-lt"/>
+                <a:ea typeface="+mn-ea"/>
+                <a:cs typeface="+mn-cs"/>
+              </a:defRPr>
+            </a:lvl8pPr>
+            <a:lvl9pPr marL="3886200" indent="-228600" algn="l" defTabSz="914400" rtl="0" eaLnBrk="1" latinLnBrk="0" hangingPunct="1">
+              <a:lnSpc>
+                <a:spcPct val="90000"/>
+              </a:lnSpc>
+              <a:spcBef>
+                <a:spcPts val="500"/>
+              </a:spcBef>
+              <a:buFont typeface="Arial" panose="020B0604020202020204" pitchFamily="34" charset="0"/>
+              <a:buChar char="•"/>
+              <a:defRPr sz="1800" kern="1200">
+                <a:solidFill>
+                  <a:schemeClr val="tx1"/>
+                </a:solidFill>
+                <a:latin typeface="+mn-lt"/>
+                <a:ea typeface="+mn-ea"/>
+                <a:cs typeface="+mn-cs"/>
+              </a:defRPr>
+            </a:lvl9pPr>
+          </a:lstStyle>
+          <a:p>
+            <a:pPr marL="514350" indent="-514350">
+              <a:buFont typeface="+mj-lt"/>
+              <a:buAutoNum type="arabicPeriod"/>
+            </a:pPr>
+            <a:r>
+              <a:rPr lang="en-US" sz="2200" dirty="0"/>
+              <a:t>E</a:t>
+            </a:r>
+            <a:r>
+              <a:rPr lang="en-US" sz="2200" baseline="-25000" dirty="0"/>
+              <a:t>1</a:t>
+            </a:r>
+            <a:r>
+              <a:rPr lang="en-US" sz="2200" dirty="0"/>
+              <a:t> </a:t>
+            </a:r>
+            <a:r>
+              <a:rPr lang="en-US" sz="2200" dirty="0">
+                <a:sym typeface="Wingdings" pitchFamily="2" charset="2"/>
+              </a:rPr>
+              <a:t> E</a:t>
+            </a:r>
+            <a:r>
+              <a:rPr lang="en-US" sz="2200" baseline="-25000" dirty="0">
+                <a:sym typeface="Wingdings" pitchFamily="2" charset="2"/>
+              </a:rPr>
+              <a:t>2</a:t>
+            </a:r>
+            <a:r>
+              <a:rPr lang="en-US" sz="2200" dirty="0">
+                <a:sym typeface="Wingdings" pitchFamily="2" charset="2"/>
+              </a:rPr>
+              <a:t> + T</a:t>
+            </a:r>
+          </a:p>
+          <a:p>
+            <a:pPr marL="514350" indent="-514350">
+              <a:buFont typeface="+mj-lt"/>
+              <a:buAutoNum type="arabicPeriod"/>
+            </a:pPr>
+            <a:r>
+              <a:rPr lang="en-US" sz="2200" dirty="0">
+                <a:sym typeface="Wingdings" pitchFamily="2" charset="2"/>
+              </a:rPr>
+              <a:t>E</a:t>
+            </a:r>
+            <a:r>
+              <a:rPr lang="en-US" sz="2200" baseline="-25000" dirty="0"/>
+              <a:t>1</a:t>
+            </a:r>
+            <a:r>
+              <a:rPr lang="en-US" sz="2200" dirty="0">
+                <a:sym typeface="Wingdings" pitchFamily="2" charset="2"/>
+              </a:rPr>
+              <a:t>  E</a:t>
+            </a:r>
+            <a:r>
+              <a:rPr lang="en-US" sz="2200" baseline="-25000" dirty="0">
+                <a:sym typeface="Wingdings" pitchFamily="2" charset="2"/>
+              </a:rPr>
+              <a:t>2</a:t>
+            </a:r>
+            <a:r>
+              <a:rPr lang="en-US" sz="2200" dirty="0">
+                <a:sym typeface="Wingdings" pitchFamily="2" charset="2"/>
+              </a:rPr>
+              <a:t> – T</a:t>
+            </a:r>
+          </a:p>
+          <a:p>
+            <a:pPr marL="514350" indent="-514350">
+              <a:buFont typeface="+mj-lt"/>
+              <a:buAutoNum type="arabicPeriod"/>
+            </a:pPr>
+            <a:r>
+              <a:rPr lang="en-US" sz="2200" dirty="0">
+                <a:sym typeface="Wingdings" pitchFamily="2" charset="2"/>
+              </a:rPr>
+              <a:t>E  T</a:t>
+            </a:r>
+          </a:p>
+          <a:p>
+            <a:pPr marL="514350" indent="-514350">
+              <a:buFont typeface="+mj-lt"/>
+              <a:buAutoNum type="arabicPeriod"/>
+            </a:pPr>
+            <a:r>
+              <a:rPr lang="en-US" sz="2200" dirty="0">
+                <a:sym typeface="Wingdings" pitchFamily="2" charset="2"/>
+              </a:rPr>
+              <a:t>T</a:t>
+            </a:r>
+            <a:r>
+              <a:rPr lang="en-US" sz="2200" baseline="-25000" dirty="0"/>
+              <a:t>1</a:t>
+            </a:r>
+            <a:r>
+              <a:rPr lang="en-US" sz="2200" dirty="0">
+                <a:sym typeface="Wingdings" pitchFamily="2" charset="2"/>
+              </a:rPr>
+              <a:t>   T</a:t>
+            </a:r>
+            <a:r>
+              <a:rPr lang="en-US" sz="2200" baseline="-25000" dirty="0">
+                <a:sym typeface="Wingdings" pitchFamily="2" charset="2"/>
+              </a:rPr>
+              <a:t>2</a:t>
+            </a:r>
+            <a:r>
+              <a:rPr lang="en-US" sz="2200" dirty="0">
+                <a:sym typeface="Wingdings" pitchFamily="2" charset="2"/>
+              </a:rPr>
+              <a:t> * F</a:t>
+            </a:r>
+          </a:p>
+          <a:p>
+            <a:pPr marL="514350" indent="-514350">
+              <a:buFont typeface="+mj-lt"/>
+              <a:buAutoNum type="arabicPeriod"/>
+            </a:pPr>
+            <a:r>
+              <a:rPr lang="en-US" sz="2200" dirty="0">
+                <a:sym typeface="Wingdings" pitchFamily="2" charset="2"/>
+              </a:rPr>
+              <a:t>T</a:t>
+            </a:r>
+            <a:r>
+              <a:rPr lang="en-US" sz="2200" baseline="-25000" dirty="0"/>
+              <a:t>1</a:t>
+            </a:r>
+            <a:r>
+              <a:rPr lang="en-US" sz="2200" dirty="0">
+                <a:sym typeface="Wingdings" pitchFamily="2" charset="2"/>
+              </a:rPr>
+              <a:t>   T</a:t>
+            </a:r>
+            <a:r>
+              <a:rPr lang="en-US" sz="2200" baseline="-25000" dirty="0">
+                <a:sym typeface="Wingdings" pitchFamily="2" charset="2"/>
+              </a:rPr>
+              <a:t>2</a:t>
+            </a:r>
+            <a:r>
+              <a:rPr lang="en-US" sz="2200" dirty="0">
+                <a:sym typeface="Wingdings" pitchFamily="2" charset="2"/>
+              </a:rPr>
+              <a:t> / F</a:t>
+            </a:r>
+          </a:p>
+          <a:p>
+            <a:pPr marL="514350" indent="-514350">
+              <a:buFont typeface="+mj-lt"/>
+              <a:buAutoNum type="arabicPeriod"/>
+            </a:pPr>
+            <a:r>
+              <a:rPr lang="en-US" sz="2200" dirty="0">
+                <a:sym typeface="Wingdings" pitchFamily="2" charset="2"/>
+              </a:rPr>
+              <a:t>T  F</a:t>
+            </a:r>
+          </a:p>
+          <a:p>
+            <a:pPr marL="514350" indent="-514350">
+              <a:buFont typeface="+mj-lt"/>
+              <a:buAutoNum type="arabicPeriod"/>
+            </a:pPr>
+            <a:r>
+              <a:rPr lang="en-US" sz="2200" dirty="0">
+                <a:sym typeface="Wingdings" pitchFamily="2" charset="2"/>
+              </a:rPr>
+              <a:t>F</a:t>
+            </a:r>
+            <a:r>
+              <a:rPr lang="en-US" sz="2200" baseline="-25000" dirty="0"/>
+              <a:t>1</a:t>
+            </a:r>
+            <a:r>
+              <a:rPr lang="en-US" sz="2200" dirty="0">
+                <a:sym typeface="Wingdings" pitchFamily="2" charset="2"/>
+              </a:rPr>
+              <a:t>   - F</a:t>
+            </a:r>
+            <a:r>
+              <a:rPr lang="en-US" sz="2200" baseline="-25000" dirty="0">
+                <a:sym typeface="Wingdings" pitchFamily="2" charset="2"/>
+              </a:rPr>
+              <a:t>2</a:t>
+            </a:r>
+          </a:p>
+          <a:p>
+            <a:pPr marL="514350" indent="-514350">
+              <a:buFont typeface="+mj-lt"/>
+              <a:buAutoNum type="arabicPeriod"/>
+            </a:pPr>
+            <a:r>
+              <a:rPr lang="en-US" sz="2200" dirty="0">
+                <a:sym typeface="Wingdings" pitchFamily="2" charset="2"/>
+              </a:rPr>
+              <a:t>F   ( E )</a:t>
+            </a:r>
+          </a:p>
+          <a:p>
+            <a:pPr marL="514350" indent="-514350">
+              <a:buFont typeface="+mj-lt"/>
+              <a:buAutoNum type="arabicPeriod"/>
+            </a:pPr>
+            <a:r>
+              <a:rPr lang="en-US" sz="2200" dirty="0">
+                <a:sym typeface="Wingdings" pitchFamily="2" charset="2"/>
+              </a:rPr>
+              <a:t>F  const</a:t>
+            </a:r>
+            <a:endParaRPr lang="en-US" sz="2200" dirty="0"/>
+          </a:p>
+        </p:txBody>
+      </p:sp>
+      <p:sp>
+        <p:nvSpPr>
+          <p:cNvPr id="8" name="Content Placeholder 2">
+            <a:extLst>
+              <a:ext uri="{FF2B5EF4-FFF2-40B4-BE49-F238E27FC236}">
+                <a16:creationId xmlns:a16="http://schemas.microsoft.com/office/drawing/2014/main" id="{F899447B-A5D7-9949-B230-DE19D534A4FD}"/>
+              </a:ext>
+            </a:extLst>
+          </p:cNvPr>
+          <p:cNvSpPr txBox="1">
+            <a:spLocks/>
+          </p:cNvSpPr>
+          <p:nvPr/>
+        </p:nvSpPr>
+        <p:spPr>
+          <a:xfrm>
+            <a:off x="6422573" y="1727654"/>
+            <a:ext cx="5584370" cy="4351338"/>
+          </a:xfrm>
+          <a:prstGeom prst="rect">
+            <a:avLst/>
+          </a:prstGeom>
+        </p:spPr>
+        <p:txBody>
+          <a:bodyPr vert="horz" lIns="91440" tIns="45720" rIns="91440" bIns="45720" rtlCol="0">
+            <a:normAutofit fontScale="77500" lnSpcReduction="20000"/>
+          </a:bodyPr>
+          <a:lstStyle>
+            <a:lvl1pPr marL="228600" indent="-228600" algn="l" defTabSz="914400" rtl="0" eaLnBrk="1" latinLnBrk="0" hangingPunct="1">
+              <a:lnSpc>
+                <a:spcPct val="90000"/>
+              </a:lnSpc>
+              <a:spcBef>
+                <a:spcPts val="1000"/>
+              </a:spcBef>
+              <a:buFont typeface="Arial" panose="020B0604020202020204" pitchFamily="34" charset="0"/>
+              <a:buChar char="•"/>
+              <a:defRPr sz="2800" kern="1200">
+                <a:solidFill>
+                  <a:schemeClr val="tx1"/>
+                </a:solidFill>
+                <a:latin typeface="+mn-lt"/>
+                <a:ea typeface="+mn-ea"/>
+                <a:cs typeface="+mn-cs"/>
+              </a:defRPr>
+            </a:lvl1pPr>
+            <a:lvl2pPr marL="685800" indent="-228600" algn="l" defTabSz="914400" rtl="0" eaLnBrk="1" latinLnBrk="0" hangingPunct="1">
+              <a:lnSpc>
+                <a:spcPct val="90000"/>
+              </a:lnSpc>
+              <a:spcBef>
+                <a:spcPts val="500"/>
+              </a:spcBef>
+              <a:buFont typeface="Arial" panose="020B0604020202020204" pitchFamily="34" charset="0"/>
+              <a:buChar char="•"/>
+              <a:defRPr sz="2400" kern="1200">
+                <a:solidFill>
+                  <a:schemeClr val="tx1"/>
+                </a:solidFill>
+                <a:latin typeface="+mn-lt"/>
+                <a:ea typeface="+mn-ea"/>
+                <a:cs typeface="+mn-cs"/>
+              </a:defRPr>
+            </a:lvl2pPr>
+            <a:lvl3pPr marL="1143000" indent="-228600" algn="l" defTabSz="914400" rtl="0" eaLnBrk="1" latinLnBrk="0" hangingPunct="1">
+              <a:lnSpc>
+                <a:spcPct val="90000"/>
+              </a:lnSpc>
+              <a:spcBef>
+                <a:spcPts val="500"/>
+              </a:spcBef>
+              <a:buFont typeface="Arial" panose="020B0604020202020204" pitchFamily="34" charset="0"/>
+              <a:buChar char="•"/>
+              <a:defRPr sz="2000" kern="1200">
+                <a:solidFill>
+                  <a:schemeClr val="tx1"/>
+                </a:solidFill>
+                <a:latin typeface="+mn-lt"/>
+                <a:ea typeface="+mn-ea"/>
+                <a:cs typeface="+mn-cs"/>
+              </a:defRPr>
+            </a:lvl3pPr>
+            <a:lvl4pPr marL="1600200" indent="-228600" algn="l" defTabSz="914400" rtl="0" eaLnBrk="1" latinLnBrk="0" hangingPunct="1">
+              <a:lnSpc>
+                <a:spcPct val="90000"/>
+              </a:lnSpc>
+              <a:spcBef>
+                <a:spcPts val="500"/>
+              </a:spcBef>
+              <a:buFont typeface="Arial" panose="020B0604020202020204" pitchFamily="34" charset="0"/>
+              <a:buChar char="•"/>
+              <a:defRPr sz="1800" kern="1200">
+                <a:solidFill>
+                  <a:schemeClr val="tx1"/>
+                </a:solidFill>
+                <a:latin typeface="+mn-lt"/>
+                <a:ea typeface="+mn-ea"/>
+                <a:cs typeface="+mn-cs"/>
+              </a:defRPr>
+            </a:lvl4pPr>
+            <a:lvl5pPr marL="2057400" indent="-228600" algn="l" defTabSz="914400" rtl="0" eaLnBrk="1" latinLnBrk="0" hangingPunct="1">
+              <a:lnSpc>
+                <a:spcPct val="90000"/>
+              </a:lnSpc>
+              <a:spcBef>
+                <a:spcPts val="500"/>
+              </a:spcBef>
+              <a:buFont typeface="Arial" panose="020B0604020202020204" pitchFamily="34" charset="0"/>
+              <a:buChar char="•"/>
+              <a:defRPr sz="1800" kern="1200">
+                <a:solidFill>
+                  <a:schemeClr val="tx1"/>
+                </a:solidFill>
+                <a:latin typeface="+mn-lt"/>
+                <a:ea typeface="+mn-ea"/>
+                <a:cs typeface="+mn-cs"/>
+              </a:defRPr>
+            </a:lvl5pPr>
+            <a:lvl6pPr marL="2514600" indent="-228600" algn="l" defTabSz="914400" rtl="0" eaLnBrk="1" latinLnBrk="0" hangingPunct="1">
+              <a:lnSpc>
+                <a:spcPct val="90000"/>
+              </a:lnSpc>
+              <a:spcBef>
+                <a:spcPts val="500"/>
+              </a:spcBef>
+              <a:buFont typeface="Arial" panose="020B0604020202020204" pitchFamily="34" charset="0"/>
+              <a:buChar char="•"/>
+              <a:defRPr sz="1800" kern="1200">
+                <a:solidFill>
+                  <a:schemeClr val="tx1"/>
+                </a:solidFill>
+                <a:latin typeface="+mn-lt"/>
+                <a:ea typeface="+mn-ea"/>
+                <a:cs typeface="+mn-cs"/>
+              </a:defRPr>
+            </a:lvl6pPr>
+            <a:lvl7pPr marL="2971800" indent="-228600" algn="l" defTabSz="914400" rtl="0" eaLnBrk="1" latinLnBrk="0" hangingPunct="1">
+              <a:lnSpc>
+                <a:spcPct val="90000"/>
+              </a:lnSpc>
+              <a:spcBef>
+                <a:spcPts val="500"/>
+              </a:spcBef>
+              <a:buFont typeface="Arial" panose="020B0604020202020204" pitchFamily="34" charset="0"/>
+              <a:buChar char="•"/>
+              <a:defRPr sz="1800" kern="1200">
+                <a:solidFill>
+                  <a:schemeClr val="tx1"/>
+                </a:solidFill>
+                <a:latin typeface="+mn-lt"/>
+                <a:ea typeface="+mn-ea"/>
+                <a:cs typeface="+mn-cs"/>
+              </a:defRPr>
+            </a:lvl7pPr>
+            <a:lvl8pPr marL="3429000" indent="-228600" algn="l" defTabSz="914400" rtl="0" eaLnBrk="1" latinLnBrk="0" hangingPunct="1">
+              <a:lnSpc>
+                <a:spcPct val="90000"/>
+              </a:lnSpc>
+              <a:spcBef>
+                <a:spcPts val="500"/>
+              </a:spcBef>
+              <a:buFont typeface="Arial" panose="020B0604020202020204" pitchFamily="34" charset="0"/>
+              <a:buChar char="•"/>
+              <a:defRPr sz="1800" kern="1200">
+                <a:solidFill>
+                  <a:schemeClr val="tx1"/>
+                </a:solidFill>
+                <a:latin typeface="+mn-lt"/>
+                <a:ea typeface="+mn-ea"/>
+                <a:cs typeface="+mn-cs"/>
+              </a:defRPr>
+            </a:lvl8pPr>
+            <a:lvl9pPr marL="3886200" indent="-228600" algn="l" defTabSz="914400" rtl="0" eaLnBrk="1" latinLnBrk="0" hangingPunct="1">
+              <a:lnSpc>
+                <a:spcPct val="90000"/>
+              </a:lnSpc>
+              <a:spcBef>
+                <a:spcPts val="500"/>
+              </a:spcBef>
+              <a:buFont typeface="Arial" panose="020B0604020202020204" pitchFamily="34" charset="0"/>
+              <a:buChar char="•"/>
+              <a:defRPr sz="1800" kern="1200">
+                <a:solidFill>
+                  <a:schemeClr val="tx1"/>
+                </a:solidFill>
+                <a:latin typeface="+mn-lt"/>
+                <a:ea typeface="+mn-ea"/>
+                <a:cs typeface="+mn-cs"/>
+              </a:defRPr>
+            </a:lvl9pPr>
+          </a:lstStyle>
+          <a:p>
+            <a:pPr marL="514350" indent="-514350">
+              <a:lnSpc>
+                <a:spcPct val="110000"/>
+              </a:lnSpc>
+              <a:buFont typeface="+mj-lt"/>
+              <a:buAutoNum type="arabicPeriod"/>
+            </a:pPr>
+            <a:r>
+              <a:rPr lang="en-US" dirty="0" err="1"/>
+              <a:t>ptr</a:t>
+            </a:r>
+            <a:r>
+              <a:rPr lang="en-US" dirty="0"/>
+              <a:t>(E</a:t>
+            </a:r>
+            <a:r>
+              <a:rPr lang="en-US" baseline="-25000" dirty="0"/>
+              <a:t>1</a:t>
+            </a:r>
+            <a:r>
+              <a:rPr lang="en-US" dirty="0"/>
+              <a:t>) := </a:t>
+            </a:r>
+            <a:r>
+              <a:rPr lang="en-US" dirty="0" err="1"/>
+              <a:t>make_bin_op</a:t>
+            </a:r>
+            <a:r>
+              <a:rPr lang="en-US" dirty="0"/>
+              <a:t>(“+”,</a:t>
+            </a:r>
+            <a:r>
+              <a:rPr lang="en-US" dirty="0" err="1"/>
+              <a:t>ptr</a:t>
+            </a:r>
+            <a:r>
+              <a:rPr lang="en-US" dirty="0"/>
+              <a:t>(E</a:t>
+            </a:r>
+            <a:r>
+              <a:rPr lang="en-US" baseline="-25000" dirty="0"/>
+              <a:t>2</a:t>
+            </a:r>
+            <a:r>
+              <a:rPr lang="en-US" dirty="0"/>
+              <a:t>), </a:t>
+            </a:r>
+            <a:r>
+              <a:rPr lang="en-US" dirty="0" err="1"/>
+              <a:t>ptr</a:t>
+            </a:r>
+            <a:r>
+              <a:rPr lang="en-US" dirty="0"/>
+              <a:t>(T))</a:t>
+            </a:r>
+          </a:p>
+          <a:p>
+            <a:pPr marL="514350" indent="-514350">
+              <a:lnSpc>
+                <a:spcPct val="110000"/>
+              </a:lnSpc>
+              <a:buFont typeface="+mj-lt"/>
+              <a:buAutoNum type="arabicPeriod"/>
+            </a:pPr>
+            <a:r>
+              <a:rPr lang="en-US" dirty="0" err="1"/>
+              <a:t>ptr</a:t>
+            </a:r>
+            <a:r>
+              <a:rPr lang="en-US" dirty="0"/>
+              <a:t>(E</a:t>
+            </a:r>
+            <a:r>
+              <a:rPr lang="en-US" baseline="-25000" dirty="0"/>
+              <a:t>1</a:t>
+            </a:r>
+            <a:r>
+              <a:rPr lang="en-US" dirty="0"/>
+              <a:t>) := </a:t>
+            </a:r>
+            <a:r>
+              <a:rPr lang="en-US" dirty="0" err="1"/>
+              <a:t>make_bin_op</a:t>
+            </a:r>
+            <a:r>
+              <a:rPr lang="en-US" dirty="0"/>
+              <a:t>(“-”,</a:t>
+            </a:r>
+            <a:r>
+              <a:rPr lang="en-US" dirty="0" err="1"/>
+              <a:t>ptr</a:t>
+            </a:r>
+            <a:r>
+              <a:rPr lang="en-US" dirty="0"/>
+              <a:t>(E</a:t>
+            </a:r>
+            <a:r>
+              <a:rPr lang="en-US" baseline="-25000" dirty="0"/>
+              <a:t>2</a:t>
+            </a:r>
+            <a:r>
+              <a:rPr lang="en-US" dirty="0"/>
+              <a:t>), </a:t>
+            </a:r>
+            <a:r>
+              <a:rPr lang="en-US" dirty="0" err="1"/>
+              <a:t>ptr</a:t>
+            </a:r>
+            <a:r>
+              <a:rPr lang="en-US" dirty="0"/>
+              <a:t>(T))</a:t>
+            </a:r>
+          </a:p>
+          <a:p>
+            <a:pPr marL="514350" indent="-514350">
+              <a:lnSpc>
+                <a:spcPct val="110000"/>
+              </a:lnSpc>
+              <a:buFont typeface="+mj-lt"/>
+              <a:buAutoNum type="arabicPeriod"/>
+            </a:pPr>
+            <a:r>
+              <a:rPr lang="en-US" dirty="0" err="1"/>
+              <a:t>ptr</a:t>
+            </a:r>
+            <a:r>
+              <a:rPr lang="en-US" dirty="0"/>
+              <a:t>(E) := </a:t>
+            </a:r>
+            <a:r>
+              <a:rPr lang="en-US" dirty="0" err="1"/>
+              <a:t>ptr</a:t>
+            </a:r>
+            <a:r>
+              <a:rPr lang="en-US" dirty="0"/>
+              <a:t>(T)</a:t>
+            </a:r>
+          </a:p>
+          <a:p>
+            <a:pPr marL="514350" indent="-514350">
+              <a:lnSpc>
+                <a:spcPct val="110000"/>
+              </a:lnSpc>
+              <a:buFont typeface="+mj-lt"/>
+              <a:buAutoNum type="arabicPeriod"/>
+            </a:pPr>
+            <a:r>
+              <a:rPr lang="en-US" dirty="0" err="1"/>
+              <a:t>ptr</a:t>
+            </a:r>
+            <a:r>
+              <a:rPr lang="en-US" dirty="0"/>
+              <a:t>(T</a:t>
+            </a:r>
+            <a:r>
+              <a:rPr lang="en-US" baseline="-25000" dirty="0"/>
+              <a:t>1</a:t>
+            </a:r>
+            <a:r>
+              <a:rPr lang="en-US" dirty="0"/>
+              <a:t>) := </a:t>
+            </a:r>
+            <a:r>
+              <a:rPr lang="en-US" dirty="0" err="1"/>
+              <a:t>make_bin_op</a:t>
+            </a:r>
+            <a:r>
+              <a:rPr lang="en-US" dirty="0"/>
+              <a:t>(“*”,</a:t>
+            </a:r>
+            <a:r>
+              <a:rPr lang="en-US" dirty="0" err="1"/>
+              <a:t>ptr</a:t>
+            </a:r>
+            <a:r>
+              <a:rPr lang="en-US" dirty="0"/>
+              <a:t>(T</a:t>
+            </a:r>
+            <a:r>
+              <a:rPr lang="en-US" baseline="-25000" dirty="0"/>
+              <a:t>2</a:t>
+            </a:r>
+            <a:r>
+              <a:rPr lang="en-US" dirty="0"/>
+              <a:t>), </a:t>
+            </a:r>
+            <a:r>
+              <a:rPr lang="en-US" dirty="0" err="1"/>
+              <a:t>ptr</a:t>
+            </a:r>
+            <a:r>
+              <a:rPr lang="en-US" dirty="0"/>
+              <a:t>(F))</a:t>
+            </a:r>
+          </a:p>
+          <a:p>
+            <a:pPr marL="514350" indent="-514350">
+              <a:lnSpc>
+                <a:spcPct val="110000"/>
+              </a:lnSpc>
+              <a:buFont typeface="+mj-lt"/>
+              <a:buAutoNum type="arabicPeriod"/>
+            </a:pPr>
+            <a:r>
+              <a:rPr lang="en-US" dirty="0" err="1"/>
+              <a:t>ptr</a:t>
+            </a:r>
+            <a:r>
+              <a:rPr lang="en-US" dirty="0"/>
+              <a:t>(T</a:t>
+            </a:r>
+            <a:r>
+              <a:rPr lang="en-US" baseline="-25000" dirty="0"/>
+              <a:t>1</a:t>
+            </a:r>
+            <a:r>
+              <a:rPr lang="en-US" dirty="0"/>
+              <a:t>) := </a:t>
+            </a:r>
+            <a:r>
+              <a:rPr lang="en-US" dirty="0" err="1"/>
+              <a:t>make_bin_op</a:t>
+            </a:r>
+            <a:r>
+              <a:rPr lang="en-US" dirty="0"/>
+              <a:t>(“/”,</a:t>
+            </a:r>
+            <a:r>
+              <a:rPr lang="en-US" dirty="0" err="1"/>
+              <a:t>ptr</a:t>
+            </a:r>
+            <a:r>
+              <a:rPr lang="en-US" dirty="0"/>
+              <a:t>(T</a:t>
+            </a:r>
+            <a:r>
+              <a:rPr lang="en-US" baseline="-25000" dirty="0"/>
+              <a:t>2</a:t>
+            </a:r>
+            <a:r>
+              <a:rPr lang="en-US" dirty="0"/>
+              <a:t>), </a:t>
+            </a:r>
+            <a:r>
+              <a:rPr lang="en-US" dirty="0" err="1"/>
+              <a:t>ptr</a:t>
+            </a:r>
+            <a:r>
+              <a:rPr lang="en-US" dirty="0"/>
+              <a:t>(F))</a:t>
+            </a:r>
+          </a:p>
+          <a:p>
+            <a:pPr marL="514350" indent="-514350">
+              <a:lnSpc>
+                <a:spcPct val="110000"/>
+              </a:lnSpc>
+              <a:buFont typeface="+mj-lt"/>
+              <a:buAutoNum type="arabicPeriod"/>
+            </a:pPr>
+            <a:r>
+              <a:rPr lang="en-US" dirty="0" err="1"/>
+              <a:t>ptr</a:t>
+            </a:r>
+            <a:r>
+              <a:rPr lang="en-US" dirty="0"/>
+              <a:t>(T) := </a:t>
+            </a:r>
+            <a:r>
+              <a:rPr lang="en-US" dirty="0" err="1"/>
+              <a:t>ptr</a:t>
+            </a:r>
+            <a:r>
+              <a:rPr lang="en-US" dirty="0"/>
+              <a:t>(F)</a:t>
+            </a:r>
+          </a:p>
+          <a:p>
+            <a:pPr marL="514350" indent="-514350">
+              <a:lnSpc>
+                <a:spcPct val="110000"/>
+              </a:lnSpc>
+              <a:buFont typeface="+mj-lt"/>
+              <a:buAutoNum type="arabicPeriod"/>
+            </a:pPr>
+            <a:r>
+              <a:rPr lang="en-US" dirty="0" err="1"/>
+              <a:t>ptr</a:t>
+            </a:r>
+            <a:r>
+              <a:rPr lang="en-US" dirty="0"/>
+              <a:t>(F</a:t>
+            </a:r>
+            <a:r>
+              <a:rPr lang="en-US" baseline="-25000" dirty="0"/>
+              <a:t>1</a:t>
+            </a:r>
+            <a:r>
+              <a:rPr lang="en-US" dirty="0"/>
+              <a:t>) := </a:t>
+            </a:r>
+            <a:r>
+              <a:rPr lang="en-US" dirty="0" err="1"/>
+              <a:t>make_un_op</a:t>
+            </a:r>
+            <a:r>
+              <a:rPr lang="en-US" dirty="0"/>
+              <a:t>(</a:t>
+            </a:r>
+            <a:r>
+              <a:rPr lang="en-US" dirty="0" err="1"/>
+              <a:t>ptr</a:t>
+            </a:r>
+            <a:r>
+              <a:rPr lang="en-US" dirty="0"/>
+              <a:t>(F</a:t>
+            </a:r>
+            <a:r>
+              <a:rPr lang="en-US" baseline="-25000" dirty="0"/>
+              <a:t>2</a:t>
+            </a:r>
+            <a:r>
+              <a:rPr lang="en-US" dirty="0"/>
+              <a:t>))</a:t>
+            </a:r>
+          </a:p>
+          <a:p>
+            <a:pPr marL="514350" indent="-514350">
+              <a:lnSpc>
+                <a:spcPct val="110000"/>
+              </a:lnSpc>
+              <a:buFont typeface="+mj-lt"/>
+              <a:buAutoNum type="arabicPeriod"/>
+            </a:pPr>
+            <a:r>
+              <a:rPr lang="en-US" dirty="0" err="1"/>
+              <a:t>ptr</a:t>
+            </a:r>
+            <a:r>
+              <a:rPr lang="en-US" dirty="0"/>
+              <a:t>(F) := </a:t>
+            </a:r>
+            <a:r>
+              <a:rPr lang="en-US" dirty="0" err="1"/>
+              <a:t>ptr</a:t>
+            </a:r>
+            <a:r>
+              <a:rPr lang="en-US" dirty="0"/>
+              <a:t>(E)</a:t>
+            </a:r>
+          </a:p>
+          <a:p>
+            <a:pPr marL="514350" indent="-514350">
+              <a:lnSpc>
+                <a:spcPct val="110000"/>
+              </a:lnSpc>
+              <a:buFont typeface="+mj-lt"/>
+              <a:buAutoNum type="arabicPeriod"/>
+            </a:pPr>
+            <a:r>
+              <a:rPr lang="en-US" dirty="0" err="1"/>
+              <a:t>ptr</a:t>
+            </a:r>
+            <a:r>
+              <a:rPr lang="en-US" dirty="0"/>
+              <a:t>(F) := </a:t>
+            </a:r>
+            <a:r>
+              <a:rPr lang="en-US" dirty="0" err="1"/>
+              <a:t>make_leaf</a:t>
+            </a:r>
+            <a:r>
+              <a:rPr lang="en-US" dirty="0"/>
+              <a:t>(</a:t>
+            </a:r>
+            <a:r>
+              <a:rPr lang="en-US" dirty="0" err="1"/>
+              <a:t>val</a:t>
+            </a:r>
+            <a:r>
+              <a:rPr lang="en-US" dirty="0"/>
+              <a:t>(const))</a:t>
+            </a:r>
+          </a:p>
+        </p:txBody>
+      </p:sp>
+      <p:sp>
+        <p:nvSpPr>
+          <p:cNvPr id="9" name="Rounded Rectangle 8">
+            <a:extLst>
+              <a:ext uri="{FF2B5EF4-FFF2-40B4-BE49-F238E27FC236}">
+                <a16:creationId xmlns:a16="http://schemas.microsoft.com/office/drawing/2014/main" id="{D8CD6A75-E217-834B-8717-54F20FDF4052}"/>
+              </a:ext>
+            </a:extLst>
+          </p:cNvPr>
+          <p:cNvSpPr/>
+          <p:nvPr/>
+        </p:nvSpPr>
+        <p:spPr>
+          <a:xfrm>
+            <a:off x="2797628" y="1447800"/>
+            <a:ext cx="2492829" cy="4810579"/>
+          </a:xfrm>
+          <a:prstGeom prst="roundRect">
+            <a:avLst>
+              <a:gd name="adj" fmla="val 9033"/>
+            </a:avLst>
+          </a:prstGeom>
+          <a:noFill/>
+          <a:ln w="57150">
+            <a:solidFill>
+              <a:srgbClr val="0070C0"/>
+            </a:solidFill>
+          </a:ln>
+        </p:spPr>
+        <p:style>
+          <a:lnRef idx="2">
+            <a:schemeClr val="accent1">
+              <a:shade val="50000"/>
+            </a:schemeClr>
+          </a:lnRef>
+          <a:fillRef idx="1">
+            <a:schemeClr val="accent1"/>
+          </a:fillRef>
+          <a:effectRef idx="0">
+            <a:schemeClr val="accent1"/>
+          </a:effectRef>
+          <a:fontRef idx="minor">
+            <a:schemeClr val="lt1"/>
+          </a:fontRef>
+        </p:style>
+        <p:txBody>
+          <a:bodyPr rtlCol="0" anchor="ctr"/>
+          <a:lstStyle/>
+          <a:p>
+            <a:pPr algn="ctr"/>
+            <a:endParaRPr lang="en-US"/>
+          </a:p>
+        </p:txBody>
+      </p:sp>
+      <p:sp>
+        <p:nvSpPr>
+          <p:cNvPr id="10" name="Rounded Rectangle 9">
+            <a:extLst>
+              <a:ext uri="{FF2B5EF4-FFF2-40B4-BE49-F238E27FC236}">
+                <a16:creationId xmlns:a16="http://schemas.microsoft.com/office/drawing/2014/main" id="{C80C5ABC-800D-E645-8C4F-0F6A6967EDED}"/>
+              </a:ext>
+            </a:extLst>
+          </p:cNvPr>
+          <p:cNvSpPr/>
+          <p:nvPr/>
+        </p:nvSpPr>
+        <p:spPr>
+          <a:xfrm>
+            <a:off x="6237515" y="1447800"/>
+            <a:ext cx="5769428" cy="4810579"/>
+          </a:xfrm>
+          <a:prstGeom prst="roundRect">
+            <a:avLst>
+              <a:gd name="adj" fmla="val 9033"/>
+            </a:avLst>
+          </a:prstGeom>
+          <a:noFill/>
+          <a:ln w="57150">
+            <a:solidFill>
+              <a:srgbClr val="0070C0"/>
+            </a:solidFill>
+          </a:ln>
+        </p:spPr>
+        <p:style>
+          <a:lnRef idx="2">
+            <a:schemeClr val="accent1">
+              <a:shade val="50000"/>
+            </a:schemeClr>
+          </a:lnRef>
+          <a:fillRef idx="1">
+            <a:schemeClr val="accent1"/>
+          </a:fillRef>
+          <a:effectRef idx="0">
+            <a:schemeClr val="accent1"/>
+          </a:effectRef>
+          <a:fontRef idx="minor">
+            <a:schemeClr val="lt1"/>
+          </a:fontRef>
+        </p:style>
+        <p:txBody>
+          <a:bodyPr rtlCol="0" anchor="ctr"/>
+          <a:lstStyle/>
+          <a:p>
+            <a:pPr algn="ctr"/>
+            <a:endParaRPr lang="en-US"/>
+          </a:p>
+        </p:txBody>
+      </p:sp>
+      <p:sp>
+        <p:nvSpPr>
+          <p:cNvPr id="15" name="Right Arrow 14">
+            <a:extLst>
+              <a:ext uri="{FF2B5EF4-FFF2-40B4-BE49-F238E27FC236}">
+                <a16:creationId xmlns:a16="http://schemas.microsoft.com/office/drawing/2014/main" id="{ABA9D087-3F5B-CB46-A23D-281C6986DB1E}"/>
+              </a:ext>
+            </a:extLst>
+          </p:cNvPr>
+          <p:cNvSpPr/>
+          <p:nvPr/>
+        </p:nvSpPr>
+        <p:spPr>
+          <a:xfrm>
+            <a:off x="5431971" y="3346903"/>
+            <a:ext cx="664029" cy="1012371"/>
+          </a:xfrm>
+          <a:prstGeom prst="rightArrow">
+            <a:avLst/>
+          </a:prstGeom>
+          <a:noFill/>
+          <a:ln w="57150">
+            <a:solidFill>
+              <a:srgbClr val="0070C0"/>
+            </a:solidFill>
+          </a:ln>
+        </p:spPr>
+        <p:style>
+          <a:lnRef idx="2">
+            <a:schemeClr val="accent1">
+              <a:shade val="50000"/>
+            </a:schemeClr>
+          </a:lnRef>
+          <a:fillRef idx="1">
+            <a:schemeClr val="accent1"/>
+          </a:fillRef>
+          <a:effectRef idx="0">
+            <a:schemeClr val="accent1"/>
+          </a:effectRef>
+          <a:fontRef idx="minor">
+            <a:schemeClr val="lt1"/>
+          </a:fontRef>
+        </p:style>
+        <p:txBody>
+          <a:bodyPr rtlCol="0" anchor="ctr"/>
+          <a:lstStyle/>
+          <a:p>
+            <a:pPr algn="ctr"/>
+            <a:endParaRPr lang="en-US"/>
+          </a:p>
+        </p:txBody>
+      </p:sp>
+    </p:spTree>
+    <p:extLst>
+      <p:ext uri="{BB962C8B-B14F-4D97-AF65-F5344CB8AC3E}">
+        <p14:creationId xmlns:p14="http://schemas.microsoft.com/office/powerpoint/2010/main" val="555810396"/>
+      </p:ext>
+    </p:extLst>
+  </p:cSld>
+  <p:clrMapOvr>
+    <a:masterClrMapping/>
+  </p:clrMapOvr>
+</p:sld>
+</file>
+
+<file path=ppt/slides/slide24.xml><?xml version="1.0" encoding="utf-8"?>
+<p:sld xmlns:a="http://schemas.openxmlformats.org/drawingml/2006/main" xmlns:r="http://schemas.openxmlformats.org/officeDocument/2006/relationships" xmlns:p="http://schemas.openxmlformats.org/presentationml/2006/main">
+  <p:cSld>
+    <p:spTree>
+      <p:nvGrpSpPr>
+        <p:cNvPr id="1" name=""/>
+        <p:cNvGrpSpPr/>
+        <p:nvPr/>
+      </p:nvGrpSpPr>
+      <p:grpSpPr>
+        <a:xfrm>
+          <a:off x="0" y="0"/>
+          <a:ext cx="0" cy="0"/>
+          <a:chOff x="0" y="0"/>
+          <a:chExt cx="0" cy="0"/>
+        </a:xfrm>
+      </p:grpSpPr>
+      <p:sp>
+        <p:nvSpPr>
+          <p:cNvPr id="2" name="Title 1">
+            <a:extLst>
+              <a:ext uri="{FF2B5EF4-FFF2-40B4-BE49-F238E27FC236}">
+                <a16:creationId xmlns:a16="http://schemas.microsoft.com/office/drawing/2014/main" id="{B969E557-DEDC-D44A-838B-36DFAB3B21AC}"/>
+              </a:ext>
+            </a:extLst>
+          </p:cNvPr>
+          <p:cNvSpPr>
+            <a:spLocks noGrp="1"/>
+          </p:cNvSpPr>
+          <p:nvPr>
+            <p:ph type="title"/>
+          </p:nvPr>
+        </p:nvSpPr>
+        <p:spPr/>
+        <p:txBody>
+          <a:bodyPr/>
+          <a:lstStyle/>
+          <a:p>
+            <a:r>
+              <a:rPr lang="en-US" dirty="0"/>
+              <a:t>Inherited Attributes</a:t>
+            </a:r>
+          </a:p>
+        </p:txBody>
+      </p:sp>
+      <p:sp>
+        <p:nvSpPr>
+          <p:cNvPr id="4" name="Footer Placeholder 3">
+            <a:extLst>
+              <a:ext uri="{FF2B5EF4-FFF2-40B4-BE49-F238E27FC236}">
+                <a16:creationId xmlns:a16="http://schemas.microsoft.com/office/drawing/2014/main" id="{2F461F52-2176-FA49-865B-93901786FDFB}"/>
+              </a:ext>
+            </a:extLst>
+          </p:cNvPr>
+          <p:cNvSpPr>
+            <a:spLocks noGrp="1"/>
+          </p:cNvSpPr>
+          <p:nvPr>
+            <p:ph type="ftr" sz="quarter" idx="11"/>
+          </p:nvPr>
+        </p:nvSpPr>
+        <p:spPr/>
+        <p:txBody>
+          <a:bodyPr/>
+          <a:lstStyle/>
+          <a:p>
+            <a:r>
+              <a:rPr lang="en-US"/>
+              <a:t>Principles of Programming Languages</a:t>
+            </a:r>
+          </a:p>
+        </p:txBody>
+      </p:sp>
+      <p:sp>
+        <p:nvSpPr>
+          <p:cNvPr id="5" name="Slide Number Placeholder 4">
+            <a:extLst>
+              <a:ext uri="{FF2B5EF4-FFF2-40B4-BE49-F238E27FC236}">
+                <a16:creationId xmlns:a16="http://schemas.microsoft.com/office/drawing/2014/main" id="{77020F8E-3CCC-B745-8CCF-D1830CABE20D}"/>
+              </a:ext>
+            </a:extLst>
+          </p:cNvPr>
+          <p:cNvSpPr>
+            <a:spLocks noGrp="1"/>
+          </p:cNvSpPr>
+          <p:nvPr>
+            <p:ph type="sldNum" sz="quarter" idx="12"/>
+          </p:nvPr>
+        </p:nvSpPr>
+        <p:spPr/>
+        <p:txBody>
+          <a:bodyPr/>
+          <a:lstStyle/>
+          <a:p>
+            <a:fld id="{AE2B63BD-8566-6841-8331-0BA2255B2CF6}" type="slidenum">
+              <a:rPr lang="en-US" smtClean="0"/>
+              <a:t>24</a:t>
+            </a:fld>
+            <a:endParaRPr lang="en-US"/>
+          </a:p>
+        </p:txBody>
+      </p:sp>
+      <p:sp>
+        <p:nvSpPr>
+          <p:cNvPr id="6" name="TextBox 5">
+            <a:extLst>
+              <a:ext uri="{FF2B5EF4-FFF2-40B4-BE49-F238E27FC236}">
+                <a16:creationId xmlns:a16="http://schemas.microsoft.com/office/drawing/2014/main" id="{861AD73F-9210-D844-903F-C47AFFAEFCC7}"/>
+              </a:ext>
+            </a:extLst>
+          </p:cNvPr>
+          <p:cNvSpPr txBox="1"/>
+          <p:nvPr/>
+        </p:nvSpPr>
+        <p:spPr>
+          <a:xfrm>
+            <a:off x="522757" y="1545041"/>
+            <a:ext cx="6449201" cy="4801314"/>
+          </a:xfrm>
+          <a:prstGeom prst="rect">
+            <a:avLst/>
+          </a:prstGeom>
+          <a:noFill/>
+          <a:ln w="57150">
+            <a:solidFill>
+              <a:srgbClr val="00B050"/>
+            </a:solidFill>
+          </a:ln>
+        </p:spPr>
+        <p:txBody>
+          <a:bodyPr wrap="none" rtlCol="0">
+            <a:spAutoFit/>
+          </a:bodyPr>
+          <a:lstStyle/>
+          <a:p>
+            <a:r>
+              <a:rPr lang="en-US" dirty="0">
+                <a:latin typeface="Courier" pitchFamily="2" charset="0"/>
+              </a:rPr>
+              <a:t>1. E </a:t>
+            </a:r>
+            <a:r>
+              <a:rPr lang="en-US" dirty="0">
+                <a:latin typeface="Courier" pitchFamily="2" charset="0"/>
+                <a:sym typeface="Wingdings" pitchFamily="2" charset="2"/>
+              </a:rPr>
+              <a:t> T TT		</a:t>
+            </a:r>
+          </a:p>
+          <a:p>
+            <a:pPr marL="285750" indent="-285750">
+              <a:buFont typeface="Arial" panose="020B0604020202020204" pitchFamily="34" charset="0"/>
+              <a:buChar char="•"/>
+            </a:pPr>
+            <a:r>
+              <a:rPr lang="en-US" dirty="0" err="1">
+                <a:latin typeface="Courier" pitchFamily="2" charset="0"/>
+                <a:sym typeface="Wingdings" pitchFamily="2" charset="2"/>
+              </a:rPr>
+              <a:t>st</a:t>
+            </a:r>
+            <a:r>
+              <a:rPr lang="en-US" dirty="0">
+                <a:latin typeface="Courier" pitchFamily="2" charset="0"/>
+                <a:sym typeface="Wingdings" pitchFamily="2" charset="2"/>
+              </a:rPr>
+              <a:t>(TT) := </a:t>
+            </a:r>
+            <a:r>
+              <a:rPr lang="en-US" dirty="0" err="1">
+                <a:latin typeface="Courier" pitchFamily="2" charset="0"/>
+                <a:sym typeface="Wingdings" pitchFamily="2" charset="2"/>
+              </a:rPr>
+              <a:t>ptr</a:t>
+            </a:r>
+            <a:r>
+              <a:rPr lang="en-US" dirty="0">
+                <a:latin typeface="Courier" pitchFamily="2" charset="0"/>
+                <a:sym typeface="Wingdings" pitchFamily="2" charset="2"/>
+              </a:rPr>
+              <a:t>(T)</a:t>
+            </a:r>
+          </a:p>
+          <a:p>
+            <a:pPr marL="285750" indent="-285750">
+              <a:buFont typeface="Arial" panose="020B0604020202020204" pitchFamily="34" charset="0"/>
+              <a:buChar char="•"/>
+            </a:pPr>
+            <a:r>
+              <a:rPr lang="en-US" dirty="0" err="1">
+                <a:latin typeface="Courier" pitchFamily="2" charset="0"/>
+                <a:sym typeface="Wingdings" pitchFamily="2" charset="2"/>
+              </a:rPr>
+              <a:t>ptr</a:t>
+            </a:r>
+            <a:r>
+              <a:rPr lang="en-US" dirty="0">
+                <a:latin typeface="Courier" pitchFamily="2" charset="0"/>
+                <a:sym typeface="Wingdings" pitchFamily="2" charset="2"/>
+              </a:rPr>
+              <a:t>(E) := </a:t>
+            </a:r>
+            <a:r>
+              <a:rPr lang="en-US" dirty="0" err="1">
+                <a:latin typeface="Courier" pitchFamily="2" charset="0"/>
+                <a:sym typeface="Wingdings" pitchFamily="2" charset="2"/>
+              </a:rPr>
+              <a:t>ptr</a:t>
+            </a:r>
+            <a:r>
+              <a:rPr lang="en-US" dirty="0">
+                <a:latin typeface="Courier" pitchFamily="2" charset="0"/>
+                <a:sym typeface="Wingdings" pitchFamily="2" charset="2"/>
+              </a:rPr>
+              <a:t>(TT)</a:t>
+            </a:r>
+          </a:p>
+          <a:p>
+            <a:r>
+              <a:rPr lang="en-US" dirty="0">
+                <a:latin typeface="Courier" pitchFamily="2" charset="0"/>
+                <a:sym typeface="Wingdings" pitchFamily="2" charset="2"/>
+              </a:rPr>
+              <a:t>2. TT</a:t>
+            </a:r>
+            <a:r>
+              <a:rPr lang="en-US" baseline="-25000" dirty="0">
+                <a:latin typeface="Courier" pitchFamily="2" charset="0"/>
+                <a:sym typeface="Wingdings" pitchFamily="2" charset="2"/>
+              </a:rPr>
+              <a:t>1</a:t>
+            </a:r>
+            <a:r>
+              <a:rPr lang="en-US" dirty="0">
+                <a:latin typeface="Courier" pitchFamily="2" charset="0"/>
+                <a:sym typeface="Wingdings" pitchFamily="2" charset="2"/>
+              </a:rPr>
+              <a:t>  + T TT</a:t>
+            </a:r>
+            <a:r>
+              <a:rPr lang="en-US" baseline="-25000" dirty="0">
+                <a:latin typeface="Courier" pitchFamily="2" charset="0"/>
+                <a:sym typeface="Wingdings" pitchFamily="2" charset="2"/>
+              </a:rPr>
+              <a:t>2</a:t>
+            </a:r>
+          </a:p>
+          <a:p>
+            <a:pPr marL="285750" indent="-285750">
+              <a:buFont typeface="Arial" panose="020B0604020202020204" pitchFamily="34" charset="0"/>
+              <a:buChar char="•"/>
+            </a:pPr>
+            <a:r>
+              <a:rPr lang="en-US" dirty="0" err="1">
+                <a:latin typeface="Courier" pitchFamily="2" charset="0"/>
+                <a:sym typeface="Wingdings" pitchFamily="2" charset="2"/>
+              </a:rPr>
+              <a:t>st</a:t>
+            </a:r>
+            <a:r>
+              <a:rPr lang="en-US" dirty="0">
+                <a:latin typeface="Courier" pitchFamily="2" charset="0"/>
+                <a:sym typeface="Wingdings" pitchFamily="2" charset="2"/>
+              </a:rPr>
+              <a:t>(TT</a:t>
+            </a:r>
+            <a:r>
+              <a:rPr lang="en-US" baseline="-25000" dirty="0">
+                <a:latin typeface="Courier" pitchFamily="2" charset="0"/>
+                <a:sym typeface="Wingdings" pitchFamily="2" charset="2"/>
+              </a:rPr>
+              <a:t>2</a:t>
+            </a:r>
+            <a:r>
+              <a:rPr lang="en-US" dirty="0">
+                <a:latin typeface="Courier" pitchFamily="2" charset="0"/>
+                <a:sym typeface="Wingdings" pitchFamily="2" charset="2"/>
+              </a:rPr>
+              <a:t>) := </a:t>
+            </a:r>
+            <a:r>
+              <a:rPr lang="en-US" dirty="0" err="1">
+                <a:latin typeface="Courier" pitchFamily="2" charset="0"/>
+                <a:sym typeface="Wingdings" pitchFamily="2" charset="2"/>
+              </a:rPr>
+              <a:t>make_bin_op</a:t>
+            </a:r>
+            <a:r>
+              <a:rPr lang="en-US" dirty="0">
+                <a:latin typeface="Courier" pitchFamily="2" charset="0"/>
+                <a:sym typeface="Wingdings" pitchFamily="2" charset="2"/>
+              </a:rPr>
+              <a:t>(“+”, </a:t>
+            </a:r>
+            <a:r>
+              <a:rPr lang="en-US" dirty="0" err="1">
+                <a:latin typeface="Courier" pitchFamily="2" charset="0"/>
+                <a:sym typeface="Wingdings" pitchFamily="2" charset="2"/>
+              </a:rPr>
+              <a:t>st</a:t>
+            </a:r>
+            <a:r>
+              <a:rPr lang="en-US" dirty="0">
+                <a:latin typeface="Courier" pitchFamily="2" charset="0"/>
+                <a:sym typeface="Wingdings" pitchFamily="2" charset="2"/>
+              </a:rPr>
+              <a:t>(TT</a:t>
+            </a:r>
+            <a:r>
+              <a:rPr lang="en-US" baseline="-25000" dirty="0">
+                <a:latin typeface="Courier" pitchFamily="2" charset="0"/>
+                <a:sym typeface="Wingdings" pitchFamily="2" charset="2"/>
+              </a:rPr>
+              <a:t>1</a:t>
+            </a:r>
+            <a:r>
+              <a:rPr lang="en-US" dirty="0">
+                <a:latin typeface="Courier" pitchFamily="2" charset="0"/>
+                <a:sym typeface="Wingdings" pitchFamily="2" charset="2"/>
+              </a:rPr>
+              <a:t>), </a:t>
+            </a:r>
+            <a:r>
+              <a:rPr lang="en-US" dirty="0" err="1">
+                <a:latin typeface="Courier" pitchFamily="2" charset="0"/>
+                <a:sym typeface="Wingdings" pitchFamily="2" charset="2"/>
+              </a:rPr>
+              <a:t>ptr</a:t>
+            </a:r>
+            <a:r>
+              <a:rPr lang="en-US" dirty="0">
+                <a:latin typeface="Courier" pitchFamily="2" charset="0"/>
+                <a:sym typeface="Wingdings" pitchFamily="2" charset="2"/>
+              </a:rPr>
+              <a:t>(T))</a:t>
+            </a:r>
+          </a:p>
+          <a:p>
+            <a:pPr marL="285750" indent="-285750">
+              <a:buFont typeface="Arial" panose="020B0604020202020204" pitchFamily="34" charset="0"/>
+              <a:buChar char="•"/>
+            </a:pPr>
+            <a:r>
+              <a:rPr lang="en-US" dirty="0" err="1">
+                <a:latin typeface="Courier" pitchFamily="2" charset="0"/>
+                <a:sym typeface="Wingdings" pitchFamily="2" charset="2"/>
+              </a:rPr>
+              <a:t>ptr</a:t>
+            </a:r>
+            <a:r>
+              <a:rPr lang="en-US" dirty="0">
+                <a:latin typeface="Courier" pitchFamily="2" charset="0"/>
+                <a:sym typeface="Wingdings" pitchFamily="2" charset="2"/>
+              </a:rPr>
+              <a:t>(TT</a:t>
+            </a:r>
+            <a:r>
+              <a:rPr lang="en-US" baseline="-25000" dirty="0">
+                <a:latin typeface="Courier" pitchFamily="2" charset="0"/>
+                <a:sym typeface="Wingdings" pitchFamily="2" charset="2"/>
+              </a:rPr>
+              <a:t>1</a:t>
+            </a:r>
+            <a:r>
+              <a:rPr lang="en-US" dirty="0">
+                <a:latin typeface="Courier" pitchFamily="2" charset="0"/>
+                <a:sym typeface="Wingdings" pitchFamily="2" charset="2"/>
+              </a:rPr>
+              <a:t>) := </a:t>
+            </a:r>
+            <a:r>
+              <a:rPr lang="en-US" dirty="0" err="1">
+                <a:latin typeface="Courier" pitchFamily="2" charset="0"/>
+                <a:sym typeface="Wingdings" pitchFamily="2" charset="2"/>
+              </a:rPr>
+              <a:t>ptr</a:t>
+            </a:r>
+            <a:r>
+              <a:rPr lang="en-US" dirty="0">
+                <a:latin typeface="Courier" pitchFamily="2" charset="0"/>
+                <a:sym typeface="Wingdings" pitchFamily="2" charset="2"/>
+              </a:rPr>
+              <a:t> (TT</a:t>
+            </a:r>
+            <a:r>
+              <a:rPr lang="en-US" baseline="-25000" dirty="0">
+                <a:latin typeface="Courier" pitchFamily="2" charset="0"/>
+                <a:sym typeface="Wingdings" pitchFamily="2" charset="2"/>
+              </a:rPr>
+              <a:t>2</a:t>
+            </a:r>
+            <a:r>
+              <a:rPr lang="en-US" dirty="0">
+                <a:latin typeface="Courier" pitchFamily="2" charset="0"/>
+                <a:sym typeface="Wingdings" pitchFamily="2" charset="2"/>
+              </a:rPr>
+              <a:t>)</a:t>
+            </a:r>
+          </a:p>
+          <a:p>
+            <a:r>
+              <a:rPr lang="en-US" dirty="0">
+                <a:latin typeface="Courier" pitchFamily="2" charset="0"/>
+                <a:sym typeface="Wingdings" pitchFamily="2" charset="2"/>
+              </a:rPr>
+              <a:t>3. TT</a:t>
+            </a:r>
+            <a:r>
+              <a:rPr lang="en-US" baseline="-25000" dirty="0">
+                <a:latin typeface="Courier" pitchFamily="2" charset="0"/>
+                <a:sym typeface="Wingdings" pitchFamily="2" charset="2"/>
+              </a:rPr>
+              <a:t>1</a:t>
+            </a:r>
+            <a:r>
+              <a:rPr lang="en-US" dirty="0">
+                <a:latin typeface="Courier" pitchFamily="2" charset="0"/>
+                <a:sym typeface="Wingdings" pitchFamily="2" charset="2"/>
+              </a:rPr>
+              <a:t> - T TT</a:t>
+            </a:r>
+            <a:r>
+              <a:rPr lang="en-US" baseline="-25000" dirty="0">
+                <a:latin typeface="Courier" pitchFamily="2" charset="0"/>
+                <a:sym typeface="Wingdings" pitchFamily="2" charset="2"/>
+              </a:rPr>
+              <a:t>2</a:t>
+            </a:r>
+          </a:p>
+          <a:p>
+            <a:pPr marL="285750" indent="-285750">
+              <a:buFont typeface="Arial" panose="020B0604020202020204" pitchFamily="34" charset="0"/>
+              <a:buChar char="•"/>
+            </a:pPr>
+            <a:r>
+              <a:rPr lang="en-US" dirty="0" err="1">
+                <a:latin typeface="Courier" pitchFamily="2" charset="0"/>
+                <a:sym typeface="Wingdings" pitchFamily="2" charset="2"/>
+              </a:rPr>
+              <a:t>st</a:t>
+            </a:r>
+            <a:r>
+              <a:rPr lang="en-US" dirty="0">
+                <a:latin typeface="Courier" pitchFamily="2" charset="0"/>
+                <a:sym typeface="Wingdings" pitchFamily="2" charset="2"/>
+              </a:rPr>
+              <a:t>(TT</a:t>
+            </a:r>
+            <a:r>
+              <a:rPr lang="en-US" baseline="-25000" dirty="0">
+                <a:latin typeface="Courier" pitchFamily="2" charset="0"/>
+                <a:sym typeface="Wingdings" pitchFamily="2" charset="2"/>
+              </a:rPr>
+              <a:t>2</a:t>
+            </a:r>
+            <a:r>
+              <a:rPr lang="en-US" dirty="0">
+                <a:latin typeface="Courier" pitchFamily="2" charset="0"/>
+                <a:sym typeface="Wingdings" pitchFamily="2" charset="2"/>
+              </a:rPr>
+              <a:t>) := </a:t>
+            </a:r>
+            <a:r>
+              <a:rPr lang="en-US" dirty="0" err="1">
+                <a:latin typeface="Courier" pitchFamily="2" charset="0"/>
+                <a:sym typeface="Wingdings" pitchFamily="2" charset="2"/>
+              </a:rPr>
+              <a:t>make_bin_op</a:t>
+            </a:r>
+            <a:r>
+              <a:rPr lang="en-US" dirty="0">
+                <a:latin typeface="Courier" pitchFamily="2" charset="0"/>
+                <a:sym typeface="Wingdings" pitchFamily="2" charset="2"/>
+              </a:rPr>
+              <a:t>(“-”, </a:t>
+            </a:r>
+            <a:r>
+              <a:rPr lang="en-US" dirty="0" err="1">
+                <a:latin typeface="Courier" pitchFamily="2" charset="0"/>
+                <a:sym typeface="Wingdings" pitchFamily="2" charset="2"/>
+              </a:rPr>
+              <a:t>st</a:t>
+            </a:r>
+            <a:r>
+              <a:rPr lang="en-US" dirty="0">
+                <a:latin typeface="Courier" pitchFamily="2" charset="0"/>
+                <a:sym typeface="Wingdings" pitchFamily="2" charset="2"/>
+              </a:rPr>
+              <a:t>(TT</a:t>
+            </a:r>
+            <a:r>
+              <a:rPr lang="en-US" baseline="-25000" dirty="0">
+                <a:latin typeface="Courier" pitchFamily="2" charset="0"/>
+                <a:sym typeface="Wingdings" pitchFamily="2" charset="2"/>
+              </a:rPr>
+              <a:t>1</a:t>
+            </a:r>
+            <a:r>
+              <a:rPr lang="en-US" dirty="0">
+                <a:latin typeface="Courier" pitchFamily="2" charset="0"/>
+                <a:sym typeface="Wingdings" pitchFamily="2" charset="2"/>
+              </a:rPr>
+              <a:t>), </a:t>
+            </a:r>
+            <a:r>
+              <a:rPr lang="en-US" dirty="0" err="1">
+                <a:latin typeface="Courier" pitchFamily="2" charset="0"/>
+                <a:sym typeface="Wingdings" pitchFamily="2" charset="2"/>
+              </a:rPr>
+              <a:t>ptr</a:t>
+            </a:r>
+            <a:r>
+              <a:rPr lang="en-US" dirty="0">
+                <a:latin typeface="Courier" pitchFamily="2" charset="0"/>
+                <a:sym typeface="Wingdings" pitchFamily="2" charset="2"/>
+              </a:rPr>
+              <a:t>(T))</a:t>
+            </a:r>
+          </a:p>
+          <a:p>
+            <a:pPr marL="285750" indent="-285750">
+              <a:buFont typeface="Arial" panose="020B0604020202020204" pitchFamily="34" charset="0"/>
+              <a:buChar char="•"/>
+            </a:pPr>
+            <a:r>
+              <a:rPr lang="en-US" dirty="0" err="1">
+                <a:latin typeface="Courier" pitchFamily="2" charset="0"/>
+                <a:sym typeface="Wingdings" pitchFamily="2" charset="2"/>
+              </a:rPr>
+              <a:t>ptr</a:t>
+            </a:r>
+            <a:r>
+              <a:rPr lang="en-US" dirty="0">
+                <a:latin typeface="Courier" pitchFamily="2" charset="0"/>
+                <a:sym typeface="Wingdings" pitchFamily="2" charset="2"/>
+              </a:rPr>
+              <a:t>(TT</a:t>
+            </a:r>
+            <a:r>
+              <a:rPr lang="en-US" baseline="-25000" dirty="0">
+                <a:latin typeface="Courier" pitchFamily="2" charset="0"/>
+                <a:sym typeface="Wingdings" pitchFamily="2" charset="2"/>
+              </a:rPr>
+              <a:t>1</a:t>
+            </a:r>
+            <a:r>
+              <a:rPr lang="en-US" dirty="0">
+                <a:latin typeface="Courier" pitchFamily="2" charset="0"/>
+                <a:sym typeface="Wingdings" pitchFamily="2" charset="2"/>
+              </a:rPr>
+              <a:t>) := </a:t>
+            </a:r>
+            <a:r>
+              <a:rPr lang="en-US" dirty="0" err="1">
+                <a:latin typeface="Courier" pitchFamily="2" charset="0"/>
+                <a:sym typeface="Wingdings" pitchFamily="2" charset="2"/>
+              </a:rPr>
+              <a:t>ptr</a:t>
+            </a:r>
+            <a:r>
+              <a:rPr lang="en-US" dirty="0">
+                <a:latin typeface="Courier" pitchFamily="2" charset="0"/>
+                <a:sym typeface="Wingdings" pitchFamily="2" charset="2"/>
+              </a:rPr>
+              <a:t> (TT</a:t>
+            </a:r>
+            <a:r>
+              <a:rPr lang="en-US" baseline="-25000" dirty="0">
+                <a:latin typeface="Courier" pitchFamily="2" charset="0"/>
+                <a:sym typeface="Wingdings" pitchFamily="2" charset="2"/>
+              </a:rPr>
+              <a:t>2</a:t>
+            </a:r>
+            <a:r>
+              <a:rPr lang="en-US" dirty="0">
+                <a:latin typeface="Courier" pitchFamily="2" charset="0"/>
+                <a:sym typeface="Wingdings" pitchFamily="2" charset="2"/>
+              </a:rPr>
+              <a:t>)</a:t>
+            </a:r>
+          </a:p>
+          <a:p>
+            <a:r>
+              <a:rPr lang="en-US" dirty="0">
+                <a:latin typeface="Courier" pitchFamily="2" charset="0"/>
+                <a:sym typeface="Wingdings" pitchFamily="2" charset="2"/>
+              </a:rPr>
+              <a:t>4. TT  </a:t>
+            </a:r>
+            <a:r>
+              <a:rPr lang="en-US" dirty="0">
+                <a:latin typeface="Symbol" pitchFamily="2" charset="2"/>
+                <a:sym typeface="Wingdings" pitchFamily="2" charset="2"/>
+              </a:rPr>
+              <a:t>e</a:t>
+            </a:r>
+          </a:p>
+          <a:p>
+            <a:pPr marL="285750" indent="-285750">
+              <a:buFont typeface="Arial" panose="020B0604020202020204" pitchFamily="34" charset="0"/>
+              <a:buChar char="•"/>
+            </a:pPr>
+            <a:r>
+              <a:rPr lang="en-US" dirty="0" err="1">
+                <a:latin typeface="Courier" pitchFamily="2" charset="0"/>
+                <a:sym typeface="Wingdings" pitchFamily="2" charset="2"/>
+              </a:rPr>
+              <a:t>val</a:t>
+            </a:r>
+            <a:r>
+              <a:rPr lang="en-US" dirty="0">
+                <a:latin typeface="Courier" pitchFamily="2" charset="0"/>
+                <a:sym typeface="Wingdings" pitchFamily="2" charset="2"/>
+              </a:rPr>
+              <a:t>(TT) := </a:t>
+            </a:r>
+            <a:r>
+              <a:rPr lang="en-US" dirty="0" err="1">
+                <a:latin typeface="Courier" pitchFamily="2" charset="0"/>
+                <a:sym typeface="Wingdings" pitchFamily="2" charset="2"/>
+              </a:rPr>
+              <a:t>st</a:t>
+            </a:r>
+            <a:r>
+              <a:rPr lang="en-US" dirty="0">
+                <a:latin typeface="Courier" pitchFamily="2" charset="0"/>
+                <a:sym typeface="Wingdings" pitchFamily="2" charset="2"/>
+              </a:rPr>
+              <a:t>(TT)</a:t>
+            </a:r>
+          </a:p>
+          <a:p>
+            <a:r>
+              <a:rPr lang="en-US" dirty="0">
+                <a:latin typeface="Courier" pitchFamily="2" charset="0"/>
+                <a:sym typeface="Wingdings" pitchFamily="2" charset="2"/>
+              </a:rPr>
+              <a:t>5. T  F FT</a:t>
+            </a:r>
+          </a:p>
+          <a:p>
+            <a:pPr marL="285750" indent="-285750">
+              <a:buFont typeface="Arial" panose="020B0604020202020204" pitchFamily="34" charset="0"/>
+              <a:buChar char="•"/>
+            </a:pPr>
+            <a:r>
+              <a:rPr lang="en-US" dirty="0" err="1">
+                <a:latin typeface="Courier" pitchFamily="2" charset="0"/>
+                <a:sym typeface="Wingdings" pitchFamily="2" charset="2"/>
+              </a:rPr>
+              <a:t>st</a:t>
+            </a:r>
+            <a:r>
+              <a:rPr lang="en-US" dirty="0">
+                <a:latin typeface="Courier" pitchFamily="2" charset="0"/>
+                <a:sym typeface="Wingdings" pitchFamily="2" charset="2"/>
+              </a:rPr>
+              <a:t>(FT) := </a:t>
+            </a:r>
+            <a:r>
+              <a:rPr lang="en-US" dirty="0" err="1">
+                <a:latin typeface="Courier" pitchFamily="2" charset="0"/>
+                <a:sym typeface="Wingdings" pitchFamily="2" charset="2"/>
+              </a:rPr>
+              <a:t>val</a:t>
+            </a:r>
+            <a:r>
+              <a:rPr lang="en-US" dirty="0">
+                <a:latin typeface="Courier" pitchFamily="2" charset="0"/>
+                <a:sym typeface="Wingdings" pitchFamily="2" charset="2"/>
+              </a:rPr>
+              <a:t>(F)</a:t>
+            </a:r>
+          </a:p>
+          <a:p>
+            <a:pPr marL="285750" indent="-285750">
+              <a:buFont typeface="Arial" panose="020B0604020202020204" pitchFamily="34" charset="0"/>
+              <a:buChar char="•"/>
+            </a:pPr>
+            <a:r>
+              <a:rPr lang="en-US" dirty="0" err="1">
+                <a:latin typeface="Courier" pitchFamily="2" charset="0"/>
+                <a:sym typeface="Wingdings" pitchFamily="2" charset="2"/>
+              </a:rPr>
+              <a:t>val</a:t>
+            </a:r>
+            <a:r>
+              <a:rPr lang="en-US" dirty="0">
+                <a:latin typeface="Courier" pitchFamily="2" charset="0"/>
+                <a:sym typeface="Wingdings" pitchFamily="2" charset="2"/>
+              </a:rPr>
+              <a:t>(T) := </a:t>
+            </a:r>
+            <a:r>
+              <a:rPr lang="en-US" dirty="0" err="1">
+                <a:latin typeface="Courier" pitchFamily="2" charset="0"/>
+                <a:sym typeface="Wingdings" pitchFamily="2" charset="2"/>
+              </a:rPr>
+              <a:t>val</a:t>
+            </a:r>
+            <a:r>
+              <a:rPr lang="en-US" dirty="0">
+                <a:latin typeface="Courier" pitchFamily="2" charset="0"/>
+                <a:sym typeface="Wingdings" pitchFamily="2" charset="2"/>
+              </a:rPr>
+              <a:t>(FT)</a:t>
+            </a:r>
+          </a:p>
+          <a:p>
+            <a:r>
+              <a:rPr lang="en-US" dirty="0">
+                <a:latin typeface="Courier" pitchFamily="2" charset="0"/>
+                <a:sym typeface="Wingdings" pitchFamily="2" charset="2"/>
+              </a:rPr>
+              <a:t>6. FT</a:t>
+            </a:r>
+            <a:r>
+              <a:rPr lang="en-US" baseline="-25000" dirty="0">
+                <a:latin typeface="Courier" pitchFamily="2" charset="0"/>
+                <a:sym typeface="Wingdings" pitchFamily="2" charset="2"/>
+              </a:rPr>
+              <a:t>1</a:t>
+            </a:r>
+            <a:r>
+              <a:rPr lang="en-US" dirty="0">
+                <a:latin typeface="Courier" pitchFamily="2" charset="0"/>
+                <a:sym typeface="Wingdings" pitchFamily="2" charset="2"/>
+              </a:rPr>
+              <a:t>  * F FT</a:t>
+            </a:r>
+            <a:r>
+              <a:rPr lang="en-US" baseline="-25000" dirty="0">
+                <a:latin typeface="Courier" pitchFamily="2" charset="0"/>
+                <a:sym typeface="Wingdings" pitchFamily="2" charset="2"/>
+              </a:rPr>
+              <a:t>2</a:t>
+            </a:r>
+          </a:p>
+          <a:p>
+            <a:pPr marL="285750" indent="-285750">
+              <a:buFont typeface="Arial" panose="020B0604020202020204" pitchFamily="34" charset="0"/>
+              <a:buChar char="•"/>
+            </a:pPr>
+            <a:r>
+              <a:rPr lang="en-US" dirty="0" err="1">
+                <a:latin typeface="Courier" pitchFamily="2" charset="0"/>
+                <a:sym typeface="Wingdings" pitchFamily="2" charset="2"/>
+              </a:rPr>
+              <a:t>st</a:t>
+            </a:r>
+            <a:r>
+              <a:rPr lang="en-US" dirty="0">
+                <a:latin typeface="Courier" pitchFamily="2" charset="0"/>
+                <a:sym typeface="Wingdings" pitchFamily="2" charset="2"/>
+              </a:rPr>
+              <a:t>(FT</a:t>
+            </a:r>
+            <a:r>
+              <a:rPr lang="en-US" baseline="-25000" dirty="0">
+                <a:latin typeface="Courier" pitchFamily="2" charset="0"/>
+                <a:sym typeface="Wingdings" pitchFamily="2" charset="2"/>
+              </a:rPr>
+              <a:t>2</a:t>
+            </a:r>
+            <a:r>
+              <a:rPr lang="en-US" dirty="0">
+                <a:latin typeface="Courier" pitchFamily="2" charset="0"/>
+                <a:sym typeface="Wingdings" pitchFamily="2" charset="2"/>
+              </a:rPr>
+              <a:t>) := </a:t>
+            </a:r>
+            <a:r>
+              <a:rPr lang="en-US" dirty="0" err="1">
+                <a:latin typeface="Courier" pitchFamily="2" charset="0"/>
+                <a:sym typeface="Wingdings" pitchFamily="2" charset="2"/>
+              </a:rPr>
+              <a:t>make_bin_op</a:t>
+            </a:r>
+            <a:r>
+              <a:rPr lang="en-US" dirty="0">
+                <a:latin typeface="Courier" pitchFamily="2" charset="0"/>
+                <a:sym typeface="Wingdings" pitchFamily="2" charset="2"/>
+              </a:rPr>
+              <a:t>(“*”, </a:t>
+            </a:r>
+            <a:r>
+              <a:rPr lang="en-US" dirty="0" err="1">
+                <a:latin typeface="Courier" pitchFamily="2" charset="0"/>
+                <a:sym typeface="Wingdings" pitchFamily="2" charset="2"/>
+              </a:rPr>
+              <a:t>st</a:t>
+            </a:r>
+            <a:r>
+              <a:rPr lang="en-US" dirty="0">
+                <a:latin typeface="Courier" pitchFamily="2" charset="0"/>
+                <a:sym typeface="Wingdings" pitchFamily="2" charset="2"/>
+              </a:rPr>
+              <a:t>(FT</a:t>
+            </a:r>
+            <a:r>
+              <a:rPr lang="en-US" baseline="-25000" dirty="0">
+                <a:latin typeface="Courier" pitchFamily="2" charset="0"/>
+                <a:sym typeface="Wingdings" pitchFamily="2" charset="2"/>
+              </a:rPr>
+              <a:t>1</a:t>
+            </a:r>
+            <a:r>
+              <a:rPr lang="en-US" dirty="0">
+                <a:latin typeface="Courier" pitchFamily="2" charset="0"/>
+                <a:sym typeface="Wingdings" pitchFamily="2" charset="2"/>
+              </a:rPr>
+              <a:t>), </a:t>
+            </a:r>
+            <a:r>
+              <a:rPr lang="en-US" dirty="0" err="1">
+                <a:latin typeface="Courier" pitchFamily="2" charset="0"/>
+                <a:sym typeface="Wingdings" pitchFamily="2" charset="2"/>
+              </a:rPr>
+              <a:t>ptr</a:t>
+            </a:r>
+            <a:r>
+              <a:rPr lang="en-US" dirty="0">
+                <a:latin typeface="Courier" pitchFamily="2" charset="0"/>
+                <a:sym typeface="Wingdings" pitchFamily="2" charset="2"/>
+              </a:rPr>
+              <a:t>(F))</a:t>
+            </a:r>
+          </a:p>
+          <a:p>
+            <a:pPr marL="285750" indent="-285750">
+              <a:buFont typeface="Arial" panose="020B0604020202020204" pitchFamily="34" charset="0"/>
+              <a:buChar char="•"/>
+            </a:pPr>
+            <a:r>
+              <a:rPr lang="en-US" dirty="0" err="1">
+                <a:latin typeface="Courier" pitchFamily="2" charset="0"/>
+                <a:sym typeface="Wingdings" pitchFamily="2" charset="2"/>
+              </a:rPr>
+              <a:t>ptr</a:t>
+            </a:r>
+            <a:r>
+              <a:rPr lang="en-US" dirty="0">
+                <a:latin typeface="Courier" pitchFamily="2" charset="0"/>
+                <a:sym typeface="Wingdings" pitchFamily="2" charset="2"/>
+              </a:rPr>
+              <a:t>(FT</a:t>
+            </a:r>
+            <a:r>
+              <a:rPr lang="en-US" baseline="-25000" dirty="0">
+                <a:latin typeface="Courier" pitchFamily="2" charset="0"/>
+                <a:sym typeface="Wingdings" pitchFamily="2" charset="2"/>
+              </a:rPr>
+              <a:t>1</a:t>
+            </a:r>
+            <a:r>
+              <a:rPr lang="en-US" dirty="0">
+                <a:latin typeface="Courier" pitchFamily="2" charset="0"/>
+                <a:sym typeface="Wingdings" pitchFamily="2" charset="2"/>
+              </a:rPr>
+              <a:t>) := </a:t>
+            </a:r>
+            <a:r>
+              <a:rPr lang="en-US" dirty="0" err="1">
+                <a:latin typeface="Courier" pitchFamily="2" charset="0"/>
+                <a:sym typeface="Wingdings" pitchFamily="2" charset="2"/>
+              </a:rPr>
+              <a:t>ptr</a:t>
+            </a:r>
+            <a:r>
+              <a:rPr lang="en-US" dirty="0">
+                <a:latin typeface="Courier" pitchFamily="2" charset="0"/>
+                <a:sym typeface="Wingdings" pitchFamily="2" charset="2"/>
+              </a:rPr>
+              <a:t> (FT</a:t>
+            </a:r>
+            <a:r>
+              <a:rPr lang="en-US" baseline="-25000" dirty="0">
+                <a:latin typeface="Courier" pitchFamily="2" charset="0"/>
+                <a:sym typeface="Wingdings" pitchFamily="2" charset="2"/>
+              </a:rPr>
+              <a:t>2</a:t>
+            </a:r>
+            <a:r>
+              <a:rPr lang="en-US" dirty="0">
+                <a:latin typeface="Courier" pitchFamily="2" charset="0"/>
+                <a:sym typeface="Wingdings" pitchFamily="2" charset="2"/>
+              </a:rPr>
+              <a:t>)</a:t>
+            </a:r>
+          </a:p>
+        </p:txBody>
+      </p:sp>
+      <p:sp>
+        <p:nvSpPr>
+          <p:cNvPr id="7" name="TextBox 6">
+            <a:extLst>
+              <a:ext uri="{FF2B5EF4-FFF2-40B4-BE49-F238E27FC236}">
+                <a16:creationId xmlns:a16="http://schemas.microsoft.com/office/drawing/2014/main" id="{82FB3199-35F7-4C41-AB29-9F1E588BE4A4}"/>
+              </a:ext>
+            </a:extLst>
+          </p:cNvPr>
+          <p:cNvSpPr txBox="1"/>
+          <p:nvPr/>
+        </p:nvSpPr>
+        <p:spPr>
+          <a:xfrm>
+            <a:off x="7151915" y="1545041"/>
+            <a:ext cx="4867963" cy="3693319"/>
+          </a:xfrm>
+          <a:prstGeom prst="rect">
+            <a:avLst/>
+          </a:prstGeom>
+          <a:noFill/>
+          <a:ln w="57150">
+            <a:solidFill>
+              <a:srgbClr val="00B050"/>
+            </a:solidFill>
+          </a:ln>
+        </p:spPr>
+        <p:txBody>
+          <a:bodyPr wrap="square" rtlCol="0">
+            <a:spAutoFit/>
+          </a:bodyPr>
+          <a:lstStyle/>
+          <a:p>
+            <a:r>
+              <a:rPr lang="en-US" dirty="0">
+                <a:latin typeface="Courier" pitchFamily="2" charset="0"/>
+              </a:rPr>
+              <a:t>7. FT</a:t>
+            </a:r>
+            <a:r>
+              <a:rPr lang="en-US" baseline="-25000" dirty="0">
+                <a:latin typeface="Courier" pitchFamily="2" charset="0"/>
+              </a:rPr>
+              <a:t>1</a:t>
+            </a:r>
+            <a:r>
+              <a:rPr lang="en-US" dirty="0">
+                <a:latin typeface="Courier" pitchFamily="2" charset="0"/>
+              </a:rPr>
+              <a:t> </a:t>
+            </a:r>
+            <a:r>
+              <a:rPr lang="en-US" dirty="0">
+                <a:latin typeface="Courier" pitchFamily="2" charset="0"/>
+                <a:sym typeface="Wingdings" pitchFamily="2" charset="2"/>
+              </a:rPr>
+              <a:t> / F FT</a:t>
+            </a:r>
+            <a:r>
+              <a:rPr lang="en-US" baseline="-25000" dirty="0">
+                <a:latin typeface="Courier" pitchFamily="2" charset="0"/>
+                <a:sym typeface="Wingdings" pitchFamily="2" charset="2"/>
+              </a:rPr>
+              <a:t>2</a:t>
+            </a:r>
+          </a:p>
+          <a:p>
+            <a:pPr marL="285750" indent="-285750">
+              <a:buFont typeface="Arial" panose="020B0604020202020204" pitchFamily="34" charset="0"/>
+              <a:buChar char="•"/>
+            </a:pPr>
+            <a:r>
+              <a:rPr lang="en-US" dirty="0" err="1">
+                <a:latin typeface="Courier" pitchFamily="2" charset="0"/>
+                <a:sym typeface="Wingdings" pitchFamily="2" charset="2"/>
+              </a:rPr>
+              <a:t>st</a:t>
+            </a:r>
+            <a:r>
+              <a:rPr lang="en-US" dirty="0">
+                <a:latin typeface="Courier" pitchFamily="2" charset="0"/>
+                <a:sym typeface="Wingdings" pitchFamily="2" charset="2"/>
+              </a:rPr>
+              <a:t>(FT</a:t>
+            </a:r>
+            <a:r>
+              <a:rPr lang="en-US" baseline="-25000" dirty="0">
+                <a:latin typeface="Courier" pitchFamily="2" charset="0"/>
+                <a:sym typeface="Wingdings" pitchFamily="2" charset="2"/>
+              </a:rPr>
+              <a:t>2</a:t>
+            </a:r>
+            <a:r>
+              <a:rPr lang="en-US" dirty="0">
+                <a:latin typeface="Courier" pitchFamily="2" charset="0"/>
+                <a:sym typeface="Wingdings" pitchFamily="2" charset="2"/>
+              </a:rPr>
+              <a:t>) := </a:t>
+            </a:r>
+            <a:r>
+              <a:rPr lang="en-US" dirty="0" err="1">
+                <a:latin typeface="Courier" pitchFamily="2" charset="0"/>
+                <a:sym typeface="Wingdings" pitchFamily="2" charset="2"/>
+              </a:rPr>
+              <a:t>make_bin_op</a:t>
+            </a:r>
+            <a:r>
+              <a:rPr lang="en-US" dirty="0">
+                <a:latin typeface="Courier" pitchFamily="2" charset="0"/>
+                <a:sym typeface="Wingdings" pitchFamily="2" charset="2"/>
+              </a:rPr>
+              <a:t>(“/”, </a:t>
+            </a:r>
+            <a:r>
+              <a:rPr lang="en-US" dirty="0" err="1">
+                <a:latin typeface="Courier" pitchFamily="2" charset="0"/>
+                <a:sym typeface="Wingdings" pitchFamily="2" charset="2"/>
+              </a:rPr>
+              <a:t>st</a:t>
+            </a:r>
+            <a:r>
+              <a:rPr lang="en-US" dirty="0">
+                <a:latin typeface="Courier" pitchFamily="2" charset="0"/>
+                <a:sym typeface="Wingdings" pitchFamily="2" charset="2"/>
+              </a:rPr>
+              <a:t>(FT</a:t>
+            </a:r>
+            <a:r>
+              <a:rPr lang="en-US" baseline="-25000" dirty="0">
+                <a:latin typeface="Courier" pitchFamily="2" charset="0"/>
+                <a:sym typeface="Wingdings" pitchFamily="2" charset="2"/>
+              </a:rPr>
+              <a:t>1</a:t>
+            </a:r>
+            <a:r>
+              <a:rPr lang="en-US" dirty="0">
+                <a:latin typeface="Courier" pitchFamily="2" charset="0"/>
+                <a:sym typeface="Wingdings" pitchFamily="2" charset="2"/>
+              </a:rPr>
+              <a:t>), </a:t>
+            </a:r>
+            <a:r>
+              <a:rPr lang="en-US" dirty="0" err="1">
+                <a:latin typeface="Courier" pitchFamily="2" charset="0"/>
+                <a:sym typeface="Wingdings" pitchFamily="2" charset="2"/>
+              </a:rPr>
+              <a:t>ptr</a:t>
+            </a:r>
+            <a:r>
+              <a:rPr lang="en-US" dirty="0">
+                <a:latin typeface="Courier" pitchFamily="2" charset="0"/>
+                <a:sym typeface="Wingdings" pitchFamily="2" charset="2"/>
+              </a:rPr>
+              <a:t>(F))</a:t>
+            </a:r>
+          </a:p>
+          <a:p>
+            <a:pPr marL="285750" indent="-285750">
+              <a:buFont typeface="Arial" panose="020B0604020202020204" pitchFamily="34" charset="0"/>
+              <a:buChar char="•"/>
+            </a:pPr>
+            <a:r>
+              <a:rPr lang="en-US" dirty="0" err="1">
+                <a:latin typeface="Courier" pitchFamily="2" charset="0"/>
+                <a:sym typeface="Wingdings" pitchFamily="2" charset="2"/>
+              </a:rPr>
+              <a:t>ptr</a:t>
+            </a:r>
+            <a:r>
+              <a:rPr lang="en-US" dirty="0">
+                <a:latin typeface="Courier" pitchFamily="2" charset="0"/>
+                <a:sym typeface="Wingdings" pitchFamily="2" charset="2"/>
+              </a:rPr>
+              <a:t>(FT</a:t>
+            </a:r>
+            <a:r>
+              <a:rPr lang="en-US" baseline="-25000" dirty="0">
+                <a:latin typeface="Courier" pitchFamily="2" charset="0"/>
+                <a:sym typeface="Wingdings" pitchFamily="2" charset="2"/>
+              </a:rPr>
+              <a:t>1</a:t>
+            </a:r>
+            <a:r>
+              <a:rPr lang="en-US" dirty="0">
+                <a:latin typeface="Courier" pitchFamily="2" charset="0"/>
+                <a:sym typeface="Wingdings" pitchFamily="2" charset="2"/>
+              </a:rPr>
+              <a:t>) := </a:t>
+            </a:r>
+            <a:r>
+              <a:rPr lang="en-US" dirty="0" err="1">
+                <a:latin typeface="Courier" pitchFamily="2" charset="0"/>
+                <a:sym typeface="Wingdings" pitchFamily="2" charset="2"/>
+              </a:rPr>
+              <a:t>ptr</a:t>
+            </a:r>
+            <a:r>
+              <a:rPr lang="en-US" dirty="0">
+                <a:latin typeface="Courier" pitchFamily="2" charset="0"/>
+                <a:sym typeface="Wingdings" pitchFamily="2" charset="2"/>
+              </a:rPr>
+              <a:t> (FT</a:t>
+            </a:r>
+            <a:r>
+              <a:rPr lang="en-US" baseline="-25000" dirty="0">
+                <a:latin typeface="Courier" pitchFamily="2" charset="0"/>
+                <a:sym typeface="Wingdings" pitchFamily="2" charset="2"/>
+              </a:rPr>
+              <a:t>2</a:t>
+            </a:r>
+            <a:r>
+              <a:rPr lang="en-US" dirty="0">
+                <a:latin typeface="Courier" pitchFamily="2" charset="0"/>
+                <a:sym typeface="Wingdings" pitchFamily="2" charset="2"/>
+              </a:rPr>
+              <a:t>)</a:t>
+            </a:r>
+          </a:p>
+          <a:p>
+            <a:r>
+              <a:rPr lang="en-US" dirty="0">
+                <a:latin typeface="Courier" pitchFamily="2" charset="0"/>
+                <a:sym typeface="Wingdings" pitchFamily="2" charset="2"/>
+              </a:rPr>
+              <a:t>8 FT  </a:t>
+            </a:r>
+            <a:r>
+              <a:rPr lang="en-US" dirty="0">
+                <a:latin typeface="Symbol" pitchFamily="2" charset="2"/>
+                <a:sym typeface="Wingdings" pitchFamily="2" charset="2"/>
+              </a:rPr>
+              <a:t>e</a:t>
+            </a:r>
+          </a:p>
+          <a:p>
+            <a:pPr marL="285750" indent="-285750">
+              <a:buFont typeface="Arial" panose="020B0604020202020204" pitchFamily="34" charset="0"/>
+              <a:buChar char="•"/>
+            </a:pPr>
+            <a:r>
+              <a:rPr lang="en-US" dirty="0" err="1">
+                <a:latin typeface="Courier" pitchFamily="2" charset="0"/>
+                <a:sym typeface="Wingdings" pitchFamily="2" charset="2"/>
+              </a:rPr>
+              <a:t>ptr</a:t>
+            </a:r>
+            <a:r>
+              <a:rPr lang="en-US" dirty="0">
+                <a:latin typeface="Courier" pitchFamily="2" charset="0"/>
+                <a:sym typeface="Wingdings" pitchFamily="2" charset="2"/>
+              </a:rPr>
+              <a:t>(FT) := </a:t>
+            </a:r>
+            <a:r>
+              <a:rPr lang="en-US" dirty="0" err="1">
+                <a:latin typeface="Courier" pitchFamily="2" charset="0"/>
+                <a:sym typeface="Wingdings" pitchFamily="2" charset="2"/>
+              </a:rPr>
+              <a:t>st</a:t>
+            </a:r>
+            <a:r>
+              <a:rPr lang="en-US" dirty="0">
+                <a:latin typeface="Courier" pitchFamily="2" charset="0"/>
+                <a:sym typeface="Wingdings" pitchFamily="2" charset="2"/>
+              </a:rPr>
+              <a:t>(FT)</a:t>
+            </a:r>
+          </a:p>
+          <a:p>
+            <a:r>
+              <a:rPr lang="en-US" dirty="0">
+                <a:latin typeface="Courier" pitchFamily="2" charset="0"/>
+                <a:sym typeface="Wingdings" pitchFamily="2" charset="2"/>
+              </a:rPr>
+              <a:t>9. F</a:t>
+            </a:r>
+            <a:r>
+              <a:rPr lang="en-US" baseline="-25000" dirty="0">
+                <a:latin typeface="Courier" pitchFamily="2" charset="0"/>
+                <a:sym typeface="Wingdings" pitchFamily="2" charset="2"/>
+              </a:rPr>
+              <a:t>1</a:t>
+            </a:r>
+            <a:r>
+              <a:rPr lang="en-US" dirty="0">
+                <a:latin typeface="Courier" pitchFamily="2" charset="0"/>
+                <a:sym typeface="Wingdings" pitchFamily="2" charset="2"/>
+              </a:rPr>
+              <a:t>  - F</a:t>
+            </a:r>
+            <a:r>
+              <a:rPr lang="en-US" baseline="-25000" dirty="0">
+                <a:latin typeface="Courier" pitchFamily="2" charset="0"/>
+                <a:sym typeface="Wingdings" pitchFamily="2" charset="2"/>
+              </a:rPr>
+              <a:t>2</a:t>
+            </a:r>
+          </a:p>
+          <a:p>
+            <a:pPr marL="285750" indent="-285750">
+              <a:buFont typeface="Arial" panose="020B0604020202020204" pitchFamily="34" charset="0"/>
+              <a:buChar char="•"/>
+            </a:pPr>
+            <a:r>
+              <a:rPr lang="en-US" dirty="0" err="1">
+                <a:latin typeface="Courier" pitchFamily="2" charset="0"/>
+                <a:sym typeface="Wingdings" pitchFamily="2" charset="2"/>
+              </a:rPr>
+              <a:t>ptr</a:t>
+            </a:r>
+            <a:r>
+              <a:rPr lang="en-US" dirty="0">
+                <a:latin typeface="Courier" pitchFamily="2" charset="0"/>
+                <a:sym typeface="Wingdings" pitchFamily="2" charset="2"/>
+              </a:rPr>
+              <a:t>(F</a:t>
+            </a:r>
+            <a:r>
+              <a:rPr lang="en-US" baseline="-25000" dirty="0">
+                <a:latin typeface="Courier" pitchFamily="2" charset="0"/>
+                <a:sym typeface="Wingdings" pitchFamily="2" charset="2"/>
+              </a:rPr>
+              <a:t>1</a:t>
+            </a:r>
+            <a:r>
+              <a:rPr lang="en-US" dirty="0">
+                <a:latin typeface="Courier" pitchFamily="2" charset="0"/>
+                <a:sym typeface="Wingdings" pitchFamily="2" charset="2"/>
+              </a:rPr>
+              <a:t>) := </a:t>
+            </a:r>
+            <a:r>
+              <a:rPr lang="en-US" dirty="0" err="1">
+                <a:latin typeface="Courier" pitchFamily="2" charset="0"/>
+                <a:sym typeface="Wingdings" pitchFamily="2" charset="2"/>
+              </a:rPr>
+              <a:t>make_un_op</a:t>
+            </a:r>
+            <a:r>
+              <a:rPr lang="en-US" dirty="0">
+                <a:latin typeface="Courier" pitchFamily="2" charset="0"/>
+                <a:sym typeface="Wingdings" pitchFamily="2" charset="2"/>
+              </a:rPr>
+              <a:t>(”-”,</a:t>
+            </a:r>
+            <a:r>
+              <a:rPr lang="en-US" dirty="0" err="1">
+                <a:latin typeface="Courier" pitchFamily="2" charset="0"/>
+                <a:sym typeface="Wingdings" pitchFamily="2" charset="2"/>
+              </a:rPr>
+              <a:t>ptr</a:t>
+            </a:r>
+            <a:r>
+              <a:rPr lang="en-US" dirty="0">
+                <a:latin typeface="Courier" pitchFamily="2" charset="0"/>
+                <a:sym typeface="Wingdings" pitchFamily="2" charset="2"/>
+              </a:rPr>
+              <a:t>(F</a:t>
+            </a:r>
+            <a:r>
+              <a:rPr lang="en-US" baseline="-25000" dirty="0">
+                <a:latin typeface="Courier" pitchFamily="2" charset="0"/>
+                <a:sym typeface="Wingdings" pitchFamily="2" charset="2"/>
+              </a:rPr>
+              <a:t>2</a:t>
+            </a:r>
+            <a:r>
+              <a:rPr lang="en-US" dirty="0">
+                <a:latin typeface="Courier" pitchFamily="2" charset="0"/>
+                <a:sym typeface="Wingdings" pitchFamily="2" charset="2"/>
+              </a:rPr>
+              <a:t>))</a:t>
+            </a:r>
+          </a:p>
+          <a:p>
+            <a:r>
+              <a:rPr lang="en-US" dirty="0">
+                <a:latin typeface="Courier" pitchFamily="2" charset="0"/>
+                <a:sym typeface="Wingdings" pitchFamily="2" charset="2"/>
+              </a:rPr>
+              <a:t>10. F  ( E )</a:t>
+            </a:r>
+          </a:p>
+          <a:p>
+            <a:pPr marL="285750" indent="-285750">
+              <a:buFont typeface="Arial" panose="020B0604020202020204" pitchFamily="34" charset="0"/>
+              <a:buChar char="•"/>
+            </a:pPr>
+            <a:r>
+              <a:rPr lang="en-US" dirty="0" err="1">
+                <a:latin typeface="Courier" pitchFamily="2" charset="0"/>
+                <a:sym typeface="Wingdings" pitchFamily="2" charset="2"/>
+              </a:rPr>
+              <a:t>ptr</a:t>
+            </a:r>
+            <a:r>
+              <a:rPr lang="en-US" dirty="0">
+                <a:latin typeface="Courier" pitchFamily="2" charset="0"/>
+                <a:sym typeface="Wingdings" pitchFamily="2" charset="2"/>
+              </a:rPr>
+              <a:t>(F) := </a:t>
+            </a:r>
+            <a:r>
+              <a:rPr lang="en-US" dirty="0" err="1">
+                <a:latin typeface="Courier" pitchFamily="2" charset="0"/>
+                <a:sym typeface="Wingdings" pitchFamily="2" charset="2"/>
+              </a:rPr>
+              <a:t>ptr</a:t>
+            </a:r>
+            <a:r>
+              <a:rPr lang="en-US" dirty="0">
+                <a:latin typeface="Courier" pitchFamily="2" charset="0"/>
+                <a:sym typeface="Wingdings" pitchFamily="2" charset="2"/>
+              </a:rPr>
+              <a:t>(E)</a:t>
+            </a:r>
+          </a:p>
+          <a:p>
+            <a:r>
+              <a:rPr lang="en-US" dirty="0">
+                <a:latin typeface="Courier" pitchFamily="2" charset="0"/>
+                <a:sym typeface="Wingdings" pitchFamily="2" charset="2"/>
+              </a:rPr>
+              <a:t>11. F  const</a:t>
+            </a:r>
+          </a:p>
+          <a:p>
+            <a:pPr marL="285750" indent="-285750">
+              <a:buFont typeface="Arial" panose="020B0604020202020204" pitchFamily="34" charset="0"/>
+              <a:buChar char="•"/>
+            </a:pPr>
+            <a:r>
+              <a:rPr lang="en-US" dirty="0" err="1">
+                <a:latin typeface="Courier" pitchFamily="2" charset="0"/>
+                <a:sym typeface="Wingdings" pitchFamily="2" charset="2"/>
+              </a:rPr>
+              <a:t>ptr</a:t>
+            </a:r>
+            <a:r>
+              <a:rPr lang="en-US" dirty="0">
+                <a:latin typeface="Courier" pitchFamily="2" charset="0"/>
+                <a:sym typeface="Wingdings" pitchFamily="2" charset="2"/>
+              </a:rPr>
+              <a:t>(F) := </a:t>
+            </a:r>
+            <a:r>
+              <a:rPr lang="en-US" dirty="0" err="1">
+                <a:latin typeface="Courier" pitchFamily="2" charset="0"/>
+                <a:sym typeface="Wingdings" pitchFamily="2" charset="2"/>
+              </a:rPr>
+              <a:t>make_leaf</a:t>
+            </a:r>
+            <a:r>
+              <a:rPr lang="en-US" dirty="0">
+                <a:latin typeface="Courier" pitchFamily="2" charset="0"/>
+                <a:sym typeface="Wingdings" pitchFamily="2" charset="2"/>
+              </a:rPr>
+              <a:t>(</a:t>
+            </a:r>
+            <a:r>
+              <a:rPr lang="en-US" dirty="0" err="1">
+                <a:latin typeface="Courier" pitchFamily="2" charset="0"/>
+                <a:sym typeface="Wingdings" pitchFamily="2" charset="2"/>
+              </a:rPr>
+              <a:t>val</a:t>
+            </a:r>
+            <a:r>
+              <a:rPr lang="en-US" dirty="0">
+                <a:latin typeface="Courier" pitchFamily="2" charset="0"/>
+                <a:sym typeface="Wingdings" pitchFamily="2" charset="2"/>
+              </a:rPr>
+              <a:t>(const))</a:t>
+            </a:r>
+            <a:endParaRPr lang="en-US" dirty="0">
+              <a:latin typeface="Courier" pitchFamily="2" charset="0"/>
+            </a:endParaRPr>
+          </a:p>
+        </p:txBody>
+      </p:sp>
+    </p:spTree>
+    <p:extLst>
+      <p:ext uri="{BB962C8B-B14F-4D97-AF65-F5344CB8AC3E}">
+        <p14:creationId xmlns:p14="http://schemas.microsoft.com/office/powerpoint/2010/main" val="1014401452"/>
+      </p:ext>
+    </p:extLst>
+  </p:cSld>
+  <p:clrMapOvr>
+    <a:masterClrMapping/>
+  </p:clrMapOvr>
+</p:sld>
+</file>
+
+<file path=ppt/slides/slide25.xml><?xml version="1.0" encoding="utf-8"?>
+<p:sld xmlns:a="http://schemas.openxmlformats.org/drawingml/2006/main" xmlns:r="http://schemas.openxmlformats.org/officeDocument/2006/relationships" xmlns:p="http://schemas.openxmlformats.org/presentationml/2006/main">
+  <p:cSld>
+    <p:spTree>
+      <p:nvGrpSpPr>
+        <p:cNvPr id="1" name=""/>
+        <p:cNvGrpSpPr/>
+        <p:nvPr/>
+      </p:nvGrpSpPr>
+      <p:grpSpPr>
+        <a:xfrm>
+          <a:off x="0" y="0"/>
+          <a:ext cx="0" cy="0"/>
+          <a:chOff x="0" y="0"/>
+          <a:chExt cx="0" cy="0"/>
+        </a:xfrm>
+      </p:grpSpPr>
+      <p:sp>
+        <p:nvSpPr>
+          <p:cNvPr id="2" name="Title 1">
+            <a:extLst>
+              <a:ext uri="{FF2B5EF4-FFF2-40B4-BE49-F238E27FC236}">
+                <a16:creationId xmlns:a16="http://schemas.microsoft.com/office/drawing/2014/main" id="{4D8885F9-E8BC-9D48-B42C-465B10FEFEA1}"/>
+              </a:ext>
+            </a:extLst>
+          </p:cNvPr>
+          <p:cNvSpPr>
+            <a:spLocks noGrp="1"/>
+          </p:cNvSpPr>
+          <p:nvPr>
+            <p:ph type="title"/>
+          </p:nvPr>
+        </p:nvSpPr>
+        <p:spPr/>
+        <p:txBody>
+          <a:bodyPr/>
+          <a:lstStyle/>
+          <a:p>
+            <a:r>
+              <a:rPr lang="en-US" dirty="0"/>
+              <a:t>Action Routines</a:t>
+            </a:r>
+          </a:p>
+        </p:txBody>
+      </p:sp>
+      <p:sp>
+        <p:nvSpPr>
+          <p:cNvPr id="3" name="Content Placeholder 2">
+            <a:extLst>
+              <a:ext uri="{FF2B5EF4-FFF2-40B4-BE49-F238E27FC236}">
+                <a16:creationId xmlns:a16="http://schemas.microsoft.com/office/drawing/2014/main" id="{41B6A95F-9C4D-EC4A-AAA8-2B8D26B15314}"/>
+              </a:ext>
+            </a:extLst>
+          </p:cNvPr>
+          <p:cNvSpPr>
+            <a:spLocks noGrp="1"/>
+          </p:cNvSpPr>
+          <p:nvPr>
+            <p:ph idx="1"/>
+          </p:nvPr>
+        </p:nvSpPr>
+        <p:spPr/>
+        <p:txBody>
+          <a:bodyPr>
+            <a:normAutofit/>
+          </a:bodyPr>
+          <a:lstStyle/>
+          <a:p>
+            <a:pPr>
+              <a:lnSpc>
+                <a:spcPct val="120000"/>
+              </a:lnSpc>
+            </a:pPr>
+            <a:r>
+              <a:rPr lang="en-US" sz="2400" dirty="0"/>
+              <a:t>Commonly used in parsing-driven translation</a:t>
+            </a:r>
+          </a:p>
+          <a:p>
+            <a:pPr>
+              <a:lnSpc>
+                <a:spcPct val="120000"/>
+              </a:lnSpc>
+            </a:pPr>
+            <a:r>
+              <a:rPr lang="en-US" sz="2400" dirty="0"/>
+              <a:t>An action is a semantic function invoked during specific points of the parsing process</a:t>
+            </a:r>
+          </a:p>
+          <a:p>
+            <a:pPr>
+              <a:lnSpc>
+                <a:spcPct val="120000"/>
+              </a:lnSpc>
+            </a:pPr>
+            <a:r>
+              <a:rPr lang="en-US" sz="2400" dirty="0"/>
+              <a:t>Compiler designer  decided what to call when, for instance, adding new variables to the symbol table</a:t>
+            </a:r>
+          </a:p>
+          <a:p>
+            <a:pPr>
+              <a:lnSpc>
+                <a:spcPct val="120000"/>
+              </a:lnSpc>
+            </a:pPr>
+            <a:r>
+              <a:rPr lang="en-US" sz="2400" dirty="0"/>
+              <a:t>We will normally have several semantic actions in each production</a:t>
+            </a:r>
+          </a:p>
+          <a:p>
+            <a:pPr>
+              <a:lnSpc>
+                <a:spcPct val="120000"/>
+              </a:lnSpc>
+            </a:pPr>
+            <a:r>
+              <a:rPr lang="en-US" sz="2400" dirty="0"/>
+              <a:t>During the compiler design and implementation process, we might notice that we want to change the structure of the productions / grammar</a:t>
+            </a:r>
+          </a:p>
+        </p:txBody>
+      </p:sp>
+      <p:sp>
+        <p:nvSpPr>
+          <p:cNvPr id="4" name="Footer Placeholder 3">
+            <a:extLst>
+              <a:ext uri="{FF2B5EF4-FFF2-40B4-BE49-F238E27FC236}">
+                <a16:creationId xmlns:a16="http://schemas.microsoft.com/office/drawing/2014/main" id="{0652AD63-5A4B-C44F-908E-78A983D26EA0}"/>
+              </a:ext>
+            </a:extLst>
+          </p:cNvPr>
+          <p:cNvSpPr>
+            <a:spLocks noGrp="1"/>
+          </p:cNvSpPr>
+          <p:nvPr>
+            <p:ph type="ftr" sz="quarter" idx="11"/>
+          </p:nvPr>
+        </p:nvSpPr>
+        <p:spPr/>
+        <p:txBody>
+          <a:bodyPr/>
+          <a:lstStyle/>
+          <a:p>
+            <a:r>
+              <a:rPr lang="en-US"/>
+              <a:t>Principles of Programming Languages</a:t>
+            </a:r>
+          </a:p>
+        </p:txBody>
+      </p:sp>
+      <p:sp>
+        <p:nvSpPr>
+          <p:cNvPr id="5" name="Slide Number Placeholder 4">
+            <a:extLst>
+              <a:ext uri="{FF2B5EF4-FFF2-40B4-BE49-F238E27FC236}">
+                <a16:creationId xmlns:a16="http://schemas.microsoft.com/office/drawing/2014/main" id="{2C21CF48-C291-9C4E-AE5B-EC0C6A2228A1}"/>
+              </a:ext>
+            </a:extLst>
+          </p:cNvPr>
+          <p:cNvSpPr>
+            <a:spLocks noGrp="1"/>
+          </p:cNvSpPr>
+          <p:nvPr>
+            <p:ph type="sldNum" sz="quarter" idx="12"/>
+          </p:nvPr>
+        </p:nvSpPr>
+        <p:spPr/>
+        <p:txBody>
+          <a:bodyPr/>
+          <a:lstStyle/>
+          <a:p>
+            <a:fld id="{AE2B63BD-8566-6841-8331-0BA2255B2CF6}" type="slidenum">
+              <a:rPr lang="en-US" smtClean="0"/>
+              <a:t>25</a:t>
+            </a:fld>
+            <a:endParaRPr lang="en-US"/>
+          </a:p>
+        </p:txBody>
+      </p:sp>
+    </p:spTree>
+    <p:extLst>
+      <p:ext uri="{BB962C8B-B14F-4D97-AF65-F5344CB8AC3E}">
+        <p14:creationId xmlns:p14="http://schemas.microsoft.com/office/powerpoint/2010/main" val="66300805"/>
       </p:ext>
     </p:extLst>
   </p:cSld>

--- a/semantics.pptx
+++ b/semantics.pptx
@@ -221,7 +221,7 @@
           <a:p>
             <a:fld id="{3BA3126A-9D2D-4B4A-8971-6014467F0872}" type="datetimeFigureOut">
               <a:rPr lang="en-US" smtClean="0"/>
-              <a:t>1/14/20</a:t>
+              <a:t>2/26/20</a:t>
             </a:fld>
             <a:endParaRPr lang="en-US"/>
           </a:p>
@@ -635,7 +635,7 @@
           <a:p>
             <a:fld id="{C4F7C10F-CACD-BC45-8FD3-842F0A9255EB}" type="datetime1">
               <a:rPr lang="en-US" smtClean="0"/>
-              <a:t>1/14/20</a:t>
+              <a:t>2/26/20</a:t>
             </a:fld>
             <a:endParaRPr lang="en-US"/>
           </a:p>
@@ -836,7 +836,7 @@
           <a:p>
             <a:fld id="{A7BE4BC0-3459-794A-A887-5632D7972A29}" type="datetime1">
               <a:rPr lang="en-US" smtClean="0"/>
-              <a:t>1/14/20</a:t>
+              <a:t>2/26/20</a:t>
             </a:fld>
             <a:endParaRPr lang="en-US"/>
           </a:p>
@@ -1047,7 +1047,7 @@
           <a:p>
             <a:fld id="{F742135D-B5DA-B74E-9E36-B446429B5DB2}" type="datetime1">
               <a:rPr lang="en-US" smtClean="0"/>
-              <a:t>1/14/20</a:t>
+              <a:t>2/26/20</a:t>
             </a:fld>
             <a:endParaRPr lang="en-US"/>
           </a:p>
@@ -1248,7 +1248,7 @@
           <a:p>
             <a:fld id="{1FB2F660-2A7E-4449-BC16-F03A8E8D72C1}" type="datetime1">
               <a:rPr lang="en-US" smtClean="0"/>
-              <a:t>1/14/20</a:t>
+              <a:t>2/26/20</a:t>
             </a:fld>
             <a:endParaRPr lang="en-US"/>
           </a:p>
@@ -1526,7 +1526,7 @@
           <a:p>
             <a:fld id="{ACF5311F-5D17-A644-902C-CD53A0E9F565}" type="datetime1">
               <a:rPr lang="en-US" smtClean="0"/>
-              <a:t>1/14/20</a:t>
+              <a:t>2/26/20</a:t>
             </a:fld>
             <a:endParaRPr lang="en-US"/>
           </a:p>
@@ -1794,7 +1794,7 @@
           <a:p>
             <a:fld id="{7323B60B-C76F-BD4F-8ED7-3A39496A150B}" type="datetime1">
               <a:rPr lang="en-US" smtClean="0"/>
-              <a:t>1/14/20</a:t>
+              <a:t>2/26/20</a:t>
             </a:fld>
             <a:endParaRPr lang="en-US"/>
           </a:p>
@@ -2209,7 +2209,7 @@
           <a:p>
             <a:fld id="{F8B69401-E09A-CA4A-9619-995AEA6D3123}" type="datetime1">
               <a:rPr lang="en-US" smtClean="0"/>
-              <a:t>1/14/20</a:t>
+              <a:t>2/26/20</a:t>
             </a:fld>
             <a:endParaRPr lang="en-US"/>
           </a:p>
@@ -2353,7 +2353,7 @@
           <a:p>
             <a:fld id="{C920AE4A-2A10-8245-9029-D816474677FF}" type="datetime1">
               <a:rPr lang="en-US" smtClean="0"/>
-              <a:t>1/14/20</a:t>
+              <a:t>2/26/20</a:t>
             </a:fld>
             <a:endParaRPr lang="en-US"/>
           </a:p>
@@ -2469,7 +2469,7 @@
           <a:p>
             <a:fld id="{CC287C52-3C16-584A-BA20-2441D6FBEB8D}" type="datetime1">
               <a:rPr lang="en-US" smtClean="0"/>
-              <a:t>1/14/20</a:t>
+              <a:t>2/26/20</a:t>
             </a:fld>
             <a:endParaRPr lang="en-US"/>
           </a:p>
@@ -2783,7 +2783,7 @@
           <a:p>
             <a:fld id="{DC303B03-4E07-294B-BDDF-858305A25AD4}" type="datetime1">
               <a:rPr lang="en-US" smtClean="0"/>
-              <a:t>1/14/20</a:t>
+              <a:t>2/26/20</a:t>
             </a:fld>
             <a:endParaRPr lang="en-US"/>
           </a:p>
@@ -3074,7 +3074,7 @@
           <a:p>
             <a:fld id="{45E61559-019B-DD48-A4E2-FED50C364E64}" type="datetime1">
               <a:rPr lang="en-US" smtClean="0"/>
-              <a:t>1/14/20</a:t>
+              <a:t>2/26/20</a:t>
             </a:fld>
             <a:endParaRPr lang="en-US"/>
           </a:p>
@@ -3318,7 +3318,7 @@
           <a:p>
             <a:fld id="{3C828E5F-98EF-2549-B0A3-7D36CD8789F5}" type="datetime1">
               <a:rPr lang="en-US" smtClean="0"/>
-              <a:t>1/14/20</a:t>
+              <a:t>2/26/20</a:t>
             </a:fld>
             <a:endParaRPr lang="en-US"/>
           </a:p>
@@ -13582,7 +13582,7 @@
           <a:p>
             <a:r>
               <a:rPr lang="en-US" dirty="0"/>
-              <a:t>Synthesize and inherited grammars</a:t>
+              <a:t>Synthesized and inherited grammars</a:t>
             </a:r>
           </a:p>
           <a:p>
@@ -19203,7 +19203,7 @@
             <a:pPr lvl="1"/>
             <a:r>
               <a:rPr lang="en-US" dirty="0"/>
-              <a:t>Provides information to produce equivalent program</a:t>
+              <a:t>Provides information to produce equivalent programs</a:t>
             </a:r>
           </a:p>
           <a:p>
@@ -20306,7 +20306,11 @@
             <a:avLst/>
           </a:prstGeom>
           <a:noFill/>
-          <a:ln w="57150"/>
+          <a:ln w="57150">
+            <a:solidFill>
+              <a:srgbClr val="FF0000"/>
+            </a:solidFill>
+          </a:ln>
         </p:spPr>
         <p:style>
           <a:lnRef idx="2">

--- a/semantics.pptx
+++ b/semantics.pptx
@@ -5,7 +5,7 @@
     <p:sldMasterId id="2147483648" r:id="rId1"/>
   </p:sldMasterIdLst>
   <p:notesMasterIdLst>
-    <p:notesMasterId r:id="rId27"/>
+    <p:notesMasterId r:id="rId28"/>
   </p:notesMasterIdLst>
   <p:sldIdLst>
     <p:sldId id="257" r:id="rId2"/>
@@ -23,16 +23,17 @@
     <p:sldId id="276" r:id="rId14"/>
     <p:sldId id="277" r:id="rId15"/>
     <p:sldId id="278" r:id="rId16"/>
-    <p:sldId id="279" r:id="rId17"/>
-    <p:sldId id="280" r:id="rId18"/>
-    <p:sldId id="282" r:id="rId19"/>
-    <p:sldId id="281" r:id="rId20"/>
-    <p:sldId id="283" r:id="rId21"/>
-    <p:sldId id="285" r:id="rId22"/>
-    <p:sldId id="284" r:id="rId23"/>
-    <p:sldId id="286" r:id="rId24"/>
-    <p:sldId id="287" r:id="rId25"/>
-    <p:sldId id="288" r:id="rId26"/>
+    <p:sldId id="289" r:id="rId17"/>
+    <p:sldId id="279" r:id="rId18"/>
+    <p:sldId id="280" r:id="rId19"/>
+    <p:sldId id="282" r:id="rId20"/>
+    <p:sldId id="281" r:id="rId21"/>
+    <p:sldId id="283" r:id="rId22"/>
+    <p:sldId id="285" r:id="rId23"/>
+    <p:sldId id="284" r:id="rId24"/>
+    <p:sldId id="286" r:id="rId25"/>
+    <p:sldId id="287" r:id="rId26"/>
+    <p:sldId id="288" r:id="rId27"/>
   </p:sldIdLst>
   <p:sldSz cx="12192000" cy="6858000"/>
   <p:notesSz cx="6858000" cy="9144000"/>
@@ -3922,7 +3923,7 @@
             </a:r>
             <a:r>
               <a:rPr lang="en-US" sz="2200" dirty="0"/>
-              <a:t> life conservative but with a “maybe” flavor</a:t>
+              <a:t> similar to conservative but with a “maybe” flavor</a:t>
             </a:r>
           </a:p>
         </p:txBody>
@@ -7130,8 +7131,8 @@
         </p:nvSpPr>
         <p:spPr>
           <a:xfrm>
-            <a:off x="838200" y="1825625"/>
-            <a:ext cx="10515600" cy="3922032"/>
+            <a:off x="511629" y="1825625"/>
+            <a:ext cx="10842171" cy="3922032"/>
           </a:xfrm>
         </p:spPr>
         <p:txBody>
@@ -7187,7 +7188,7 @@
               <a:rPr lang="en-US" sz="2200" dirty="0">
                 <a:sym typeface="Wingdings" pitchFamily="2" charset="2"/>
               </a:rPr>
-              <a:t>for a statement or expression, a reference to the code in the compilers intermediate form</a:t>
+              <a:t>for a statement or expression, a reference to the code in the compiler’s intermediate form</a:t>
             </a:r>
           </a:p>
           <a:p>
@@ -7200,7 +7201,7 @@
               <a:rPr lang="en-US" sz="2200" dirty="0">
                 <a:sym typeface="Wingdings" pitchFamily="2" charset="2"/>
               </a:rPr>
-              <a:t>for practically all constructs, information relating to file name, line, column, source code position</a:t>
+              <a:t>for practically all constructs, information relating to filename, line, column, source code position</a:t>
             </a:r>
           </a:p>
           <a:p>
@@ -8828,7 +8829,7 @@
           <p:cNvPr id="2" name="Title 1">
             <a:extLst>
               <a:ext uri="{FF2B5EF4-FFF2-40B4-BE49-F238E27FC236}">
-                <a16:creationId xmlns:a16="http://schemas.microsoft.com/office/drawing/2014/main" id="{E4755F5D-79CC-FA4A-BD35-EDEFB730856E}"/>
+                <a16:creationId xmlns:a16="http://schemas.microsoft.com/office/drawing/2014/main" id="{8A26A479-1E79-3549-B098-153A54998666}"/>
               </a:ext>
             </a:extLst>
           </p:cNvPr>
@@ -8846,7 +8847,7 @@
           <a:p>
             <a:r>
               <a:rPr lang="en-US" dirty="0"/>
-              <a:t>Synthesized Attributes</a:t>
+              <a:t>Attributes</a:t>
             </a:r>
           </a:p>
         </p:txBody>
@@ -8856,7 +8857,7 @@
           <p:cNvPr id="3" name="Content Placeholder 2">
             <a:extLst>
               <a:ext uri="{FF2B5EF4-FFF2-40B4-BE49-F238E27FC236}">
-                <a16:creationId xmlns:a16="http://schemas.microsoft.com/office/drawing/2014/main" id="{4D17E74E-2561-C940-98C2-6B399204C6B5}"/>
+                <a16:creationId xmlns:a16="http://schemas.microsoft.com/office/drawing/2014/main" id="{B560F827-E52B-6D4E-AA7E-0D0A8BC85CFA}"/>
               </a:ext>
             </a:extLst>
           </p:cNvPr>
@@ -8869,9 +8870,7 @@
         </p:nvSpPr>
         <p:spPr/>
         <p:txBody>
-          <a:bodyPr>
-            <a:normAutofit/>
-          </a:bodyPr>
+          <a:bodyPr/>
           <a:lstStyle/>
           <a:p>
             <a:pPr>
@@ -8880,52 +8879,8 @@
               </a:lnSpc>
             </a:pPr>
             <a:r>
-              <a:rPr lang="en-US" sz="2500" dirty="0"/>
-              <a:t>Values are calculated along the way</a:t>
-            </a:r>
-          </a:p>
-          <a:p>
-            <a:pPr>
-              <a:lnSpc>
-                <a:spcPct val="120000"/>
-              </a:lnSpc>
-            </a:pPr>
-            <a:r>
-              <a:rPr lang="en-US" sz="2500" dirty="0"/>
-              <a:t>Only in productions when the symbol appears on the left-hand side</a:t>
-            </a:r>
-          </a:p>
-          <a:p>
-            <a:pPr>
-              <a:lnSpc>
-                <a:spcPct val="120000"/>
-              </a:lnSpc>
-            </a:pPr>
-            <a:r>
-              <a:rPr lang="en-US" sz="2500" dirty="0"/>
-              <a:t>Attribute flow: boils down to information boiling up, from leaves to root</a:t>
-            </a:r>
-          </a:p>
-          <a:p>
-            <a:pPr>
-              <a:lnSpc>
-                <a:spcPct val="120000"/>
-              </a:lnSpc>
-            </a:pPr>
-            <a:r>
-              <a:rPr lang="en-US" sz="2100" dirty="0"/>
-              <a:t>Attribute grammars where all are attributes are synthesized are S-attributed</a:t>
-            </a:r>
-          </a:p>
-          <a:p>
-            <a:pPr>
-              <a:lnSpc>
-                <a:spcPct val="120000"/>
-              </a:lnSpc>
-            </a:pPr>
-            <a:r>
-              <a:rPr lang="en-US" sz="2100" dirty="0"/>
-              <a:t>In S-attributed grammars:</a:t>
+              <a:rPr lang="en-US" dirty="0"/>
+              <a:t>They come in two flavors:</a:t>
             </a:r>
           </a:p>
           <a:p>
@@ -8935,8 +8890,12 @@
               </a:lnSpc>
             </a:pPr>
             <a:r>
-              <a:rPr lang="en-US" sz="2100" dirty="0"/>
-              <a:t>Arguments to semantic functions can only be from the right-hand side</a:t>
+              <a:rPr lang="en-US" u="sng" dirty="0"/>
+              <a:t>Synthesized</a:t>
+            </a:r>
+            <a:r>
+              <a:rPr lang="en-US" dirty="0"/>
+              <a:t>: compute somewhere in the tree, and push up to parent</a:t>
             </a:r>
           </a:p>
           <a:p>
@@ -8946,28 +8905,13 @@
               </a:lnSpc>
             </a:pPr>
             <a:r>
-              <a:rPr lang="en-US" sz="2100" dirty="0"/>
-              <a:t>Result always goes to attribute on left-hand side symbol</a:t>
-            </a:r>
-          </a:p>
-          <a:p>
-            <a:pPr>
-              <a:lnSpc>
-                <a:spcPct val="120000"/>
-              </a:lnSpc>
-            </a:pPr>
-            <a:r>
-              <a:rPr lang="en-US" sz="2100" dirty="0"/>
-              <a:t>Attributes of tokens can only be initialized by information coming from scanner</a:t>
-            </a:r>
-          </a:p>
-          <a:p>
-            <a:pPr>
-              <a:lnSpc>
-                <a:spcPct val="120000"/>
-              </a:lnSpc>
-            </a:pPr>
-            <a:endParaRPr lang="en-US" sz="2100" dirty="0"/>
+              <a:rPr lang="en-US" u="sng" dirty="0"/>
+              <a:t>Inherited</a:t>
+            </a:r>
+            <a:r>
+              <a:rPr lang="en-US" dirty="0"/>
+              <a:t>: some node computes it, and then passes it to its children or younger sibling</a:t>
+            </a:r>
           </a:p>
         </p:txBody>
       </p:sp>
@@ -8976,7 +8920,7 @@
           <p:cNvPr id="4" name="Footer Placeholder 3">
             <a:extLst>
               <a:ext uri="{FF2B5EF4-FFF2-40B4-BE49-F238E27FC236}">
-                <a16:creationId xmlns:a16="http://schemas.microsoft.com/office/drawing/2014/main" id="{D6A87216-AD9D-5146-BBA1-D09C88F0D54B}"/>
+                <a16:creationId xmlns:a16="http://schemas.microsoft.com/office/drawing/2014/main" id="{57571E18-0F2C-6143-BFD5-B1BB3FA8DDE8}"/>
               </a:ext>
             </a:extLst>
           </p:cNvPr>
@@ -9004,7 +8948,7 @@
           <p:cNvPr id="5" name="Slide Number Placeholder 4">
             <a:extLst>
               <a:ext uri="{FF2B5EF4-FFF2-40B4-BE49-F238E27FC236}">
-                <a16:creationId xmlns:a16="http://schemas.microsoft.com/office/drawing/2014/main" id="{ACA94F14-54E9-AB45-A5A9-19AEF21925AE}"/>
+                <a16:creationId xmlns:a16="http://schemas.microsoft.com/office/drawing/2014/main" id="{68E42119-4397-C448-AC27-4EF197EA27F7}"/>
               </a:ext>
             </a:extLst>
           </p:cNvPr>
@@ -9031,7 +8975,7 @@
     </p:spTree>
     <p:extLst>
       <p:ext uri="{BB962C8B-B14F-4D97-AF65-F5344CB8AC3E}">
-        <p14:creationId xmlns:p14="http://schemas.microsoft.com/office/powerpoint/2010/main" val="858533844"/>
+        <p14:creationId xmlns:p14="http://schemas.microsoft.com/office/powerpoint/2010/main" val="582183082"/>
       </p:ext>
     </p:extLst>
   </p:cSld>
@@ -9063,7 +9007,7 @@
           <p:cNvPr id="2" name="Title 1">
             <a:extLst>
               <a:ext uri="{FF2B5EF4-FFF2-40B4-BE49-F238E27FC236}">
-                <a16:creationId xmlns:a16="http://schemas.microsoft.com/office/drawing/2014/main" id="{6BC52767-B390-E346-BBAD-24A0FA1FB263}"/>
+                <a16:creationId xmlns:a16="http://schemas.microsoft.com/office/drawing/2014/main" id="{E4755F5D-79CC-FA4A-BD35-EDEFB730856E}"/>
               </a:ext>
             </a:extLst>
           </p:cNvPr>
@@ -9081,7 +9025,7 @@
           <a:p>
             <a:r>
               <a:rPr lang="en-US" dirty="0"/>
-              <a:t>Inherited Attributes</a:t>
+              <a:t>Synthesized Attributes</a:t>
             </a:r>
           </a:p>
         </p:txBody>
@@ -9091,7 +9035,7 @@
           <p:cNvPr id="3" name="Content Placeholder 2">
             <a:extLst>
               <a:ext uri="{FF2B5EF4-FFF2-40B4-BE49-F238E27FC236}">
-                <a16:creationId xmlns:a16="http://schemas.microsoft.com/office/drawing/2014/main" id="{32531AB9-DE5C-6B42-9AC6-212C28EC1412}"/>
+                <a16:creationId xmlns:a16="http://schemas.microsoft.com/office/drawing/2014/main" id="{4D17E74E-2561-C940-98C2-6B399204C6B5}"/>
               </a:ext>
             </a:extLst>
           </p:cNvPr>
@@ -9102,6 +9046,241 @@
             <p:ph idx="1"/>
           </p:nvPr>
         </p:nvSpPr>
+        <p:spPr/>
+        <p:txBody>
+          <a:bodyPr>
+            <a:normAutofit/>
+          </a:bodyPr>
+          <a:lstStyle/>
+          <a:p>
+            <a:pPr>
+              <a:lnSpc>
+                <a:spcPct val="120000"/>
+              </a:lnSpc>
+            </a:pPr>
+            <a:r>
+              <a:rPr lang="en-US" sz="2100" dirty="0"/>
+              <a:t>Values are calculated along the way</a:t>
+            </a:r>
+          </a:p>
+          <a:p>
+            <a:pPr>
+              <a:lnSpc>
+                <a:spcPct val="120000"/>
+              </a:lnSpc>
+            </a:pPr>
+            <a:r>
+              <a:rPr lang="en-US" sz="2100" dirty="0"/>
+              <a:t>Only in productions when the symbol appears on the left-hand side</a:t>
+            </a:r>
+          </a:p>
+          <a:p>
+            <a:pPr>
+              <a:lnSpc>
+                <a:spcPct val="120000"/>
+              </a:lnSpc>
+            </a:pPr>
+            <a:r>
+              <a:rPr lang="en-US" sz="2100" dirty="0"/>
+              <a:t>Attribute flow: information boiling up, from leaves to root</a:t>
+            </a:r>
+          </a:p>
+          <a:p>
+            <a:pPr>
+              <a:lnSpc>
+                <a:spcPct val="120000"/>
+              </a:lnSpc>
+            </a:pPr>
+            <a:r>
+              <a:rPr lang="en-US" sz="2100" dirty="0"/>
+              <a:t>Attribute grammars where all are attributes are synthesized are S-attributed</a:t>
+            </a:r>
+          </a:p>
+          <a:p>
+            <a:pPr>
+              <a:lnSpc>
+                <a:spcPct val="120000"/>
+              </a:lnSpc>
+            </a:pPr>
+            <a:r>
+              <a:rPr lang="en-US" sz="2100" dirty="0"/>
+              <a:t>In S-attributed grammars:</a:t>
+            </a:r>
+          </a:p>
+          <a:p>
+            <a:pPr lvl="1">
+              <a:lnSpc>
+                <a:spcPct val="120000"/>
+              </a:lnSpc>
+            </a:pPr>
+            <a:r>
+              <a:rPr lang="en-US" sz="2100" dirty="0"/>
+              <a:t>Arguments to semantic functions can only be from the right-hand side (We’ll come back to this)</a:t>
+            </a:r>
+          </a:p>
+          <a:p>
+            <a:pPr lvl="1">
+              <a:lnSpc>
+                <a:spcPct val="120000"/>
+              </a:lnSpc>
+            </a:pPr>
+            <a:r>
+              <a:rPr lang="en-US" sz="2100" dirty="0"/>
+              <a:t>Result always goes to attribute on left-hand side symbol</a:t>
+            </a:r>
+          </a:p>
+          <a:p>
+            <a:pPr>
+              <a:lnSpc>
+                <a:spcPct val="120000"/>
+              </a:lnSpc>
+            </a:pPr>
+            <a:r>
+              <a:rPr lang="en-US" sz="2100" dirty="0"/>
+              <a:t>Attributes of tokens can only be initialized by information coming from scanner</a:t>
+            </a:r>
+          </a:p>
+          <a:p>
+            <a:pPr>
+              <a:lnSpc>
+                <a:spcPct val="120000"/>
+              </a:lnSpc>
+            </a:pPr>
+            <a:endParaRPr lang="en-US" sz="2100" dirty="0"/>
+          </a:p>
+        </p:txBody>
+      </p:sp>
+      <p:sp>
+        <p:nvSpPr>
+          <p:cNvPr id="4" name="Footer Placeholder 3">
+            <a:extLst>
+              <a:ext uri="{FF2B5EF4-FFF2-40B4-BE49-F238E27FC236}">
+                <a16:creationId xmlns:a16="http://schemas.microsoft.com/office/drawing/2014/main" id="{D6A87216-AD9D-5146-BBA1-D09C88F0D54B}"/>
+              </a:ext>
+            </a:extLst>
+          </p:cNvPr>
+          <p:cNvSpPr>
+            <a:spLocks noGrp="1"/>
+          </p:cNvSpPr>
+          <p:nvPr>
+            <p:ph type="ftr" sz="quarter" idx="11"/>
+          </p:nvPr>
+        </p:nvSpPr>
+        <p:spPr/>
+        <p:txBody>
+          <a:bodyPr/>
+          <a:lstStyle/>
+          <a:p>
+            <a:r>
+              <a:rPr lang="en-US"/>
+              <a:t>Principles of Programming Languages</a:t>
+            </a:r>
+          </a:p>
+        </p:txBody>
+      </p:sp>
+      <p:sp>
+        <p:nvSpPr>
+          <p:cNvPr id="5" name="Slide Number Placeholder 4">
+            <a:extLst>
+              <a:ext uri="{FF2B5EF4-FFF2-40B4-BE49-F238E27FC236}">
+                <a16:creationId xmlns:a16="http://schemas.microsoft.com/office/drawing/2014/main" id="{ACA94F14-54E9-AB45-A5A9-19AEF21925AE}"/>
+              </a:ext>
+            </a:extLst>
+          </p:cNvPr>
+          <p:cNvSpPr>
+            <a:spLocks noGrp="1"/>
+          </p:cNvSpPr>
+          <p:nvPr>
+            <p:ph type="sldNum" sz="quarter" idx="12"/>
+          </p:nvPr>
+        </p:nvSpPr>
+        <p:spPr/>
+        <p:txBody>
+          <a:bodyPr/>
+          <a:lstStyle/>
+          <a:p>
+            <a:fld id="{AE2B63BD-8566-6841-8331-0BA2255B2CF6}" type="slidenum">
+              <a:rPr lang="en-US" smtClean="0"/>
+              <a:t>17</a:t>
+            </a:fld>
+            <a:endParaRPr lang="en-US"/>
+          </a:p>
+        </p:txBody>
+      </p:sp>
+    </p:spTree>
+    <p:extLst>
+      <p:ext uri="{BB962C8B-B14F-4D97-AF65-F5344CB8AC3E}">
+        <p14:creationId xmlns:p14="http://schemas.microsoft.com/office/powerpoint/2010/main" val="858533844"/>
+      </p:ext>
+    </p:extLst>
+  </p:cSld>
+  <p:clrMapOvr>
+    <a:masterClrMapping/>
+  </p:clrMapOvr>
+</p:sld>
+</file>
+
+<file path=ppt/slides/slide18.xml><?xml version="1.0" encoding="utf-8"?>
+<p:sld xmlns:a="http://schemas.openxmlformats.org/drawingml/2006/main" xmlns:r="http://schemas.openxmlformats.org/officeDocument/2006/relationships" xmlns:p="http://schemas.openxmlformats.org/presentationml/2006/main">
+  <p:cSld>
+    <p:spTree>
+      <p:nvGrpSpPr>
+        <p:cNvPr id="1" name=""/>
+        <p:cNvGrpSpPr/>
+        <p:nvPr/>
+      </p:nvGrpSpPr>
+      <p:grpSpPr>
+        <a:xfrm>
+          <a:off x="0" y="0"/>
+          <a:ext cx="0" cy="0"/>
+          <a:chOff x="0" y="0"/>
+          <a:chExt cx="0" cy="0"/>
+        </a:xfrm>
+      </p:grpSpPr>
+      <p:sp>
+        <p:nvSpPr>
+          <p:cNvPr id="2" name="Title 1">
+            <a:extLst>
+              <a:ext uri="{FF2B5EF4-FFF2-40B4-BE49-F238E27FC236}">
+                <a16:creationId xmlns:a16="http://schemas.microsoft.com/office/drawing/2014/main" id="{6BC52767-B390-E346-BBAD-24A0FA1FB263}"/>
+              </a:ext>
+            </a:extLst>
+          </p:cNvPr>
+          <p:cNvSpPr>
+            <a:spLocks noGrp="1"/>
+          </p:cNvSpPr>
+          <p:nvPr>
+            <p:ph type="title"/>
+          </p:nvPr>
+        </p:nvSpPr>
+        <p:spPr/>
+        <p:txBody>
+          <a:bodyPr/>
+          <a:lstStyle/>
+          <a:p>
+            <a:r>
+              <a:rPr lang="en-US" dirty="0"/>
+              <a:t>Inherited Attributes</a:t>
+            </a:r>
+          </a:p>
+        </p:txBody>
+      </p:sp>
+      <p:sp>
+        <p:nvSpPr>
+          <p:cNvPr id="3" name="Content Placeholder 2">
+            <a:extLst>
+              <a:ext uri="{FF2B5EF4-FFF2-40B4-BE49-F238E27FC236}">
+                <a16:creationId xmlns:a16="http://schemas.microsoft.com/office/drawing/2014/main" id="{32531AB9-DE5C-6B42-9AC6-212C28EC1412}"/>
+              </a:ext>
+            </a:extLst>
+          </p:cNvPr>
+          <p:cNvSpPr>
+            <a:spLocks noGrp="1"/>
+          </p:cNvSpPr>
+          <p:nvPr>
+            <p:ph idx="1"/>
+          </p:nvPr>
+        </p:nvSpPr>
         <p:spPr>
           <a:xfrm>
             <a:off x="838200" y="1825625"/>
@@ -9126,7 +9305,7 @@
           <a:p>
             <a:r>
               <a:rPr lang="en-US" sz="2200" dirty="0"/>
-              <a:t>Key difference: Information flows from parent to child or among siblings; synthesized attributes from from children to parents</a:t>
+              <a:t>Key difference: Information flows from parent to child or among siblings; synthesized attributes flow from from children to parents</a:t>
             </a:r>
           </a:p>
           <a:p>
@@ -9188,7 +9367,7 @@
           <a:p>
             <a:fld id="{AE2B63BD-8566-6841-8331-0BA2255B2CF6}" type="slidenum">
               <a:rPr lang="en-US" smtClean="0"/>
-              <a:t>17</a:t>
+              <a:t>18</a:t>
             </a:fld>
             <a:endParaRPr lang="en-US" dirty="0"/>
           </a:p>
@@ -9526,7 +9705,19 @@
               <a:rPr lang="en-US" sz="2800" dirty="0">
                 <a:sym typeface="Wingdings" pitchFamily="2" charset="2"/>
               </a:rPr>
-              <a:t> const </a:t>
+              <a:t> </a:t>
+            </a:r>
+            <a:r>
+              <a:rPr lang="en-US" sz="2800" b="1" dirty="0">
+                <a:sym typeface="Wingdings" pitchFamily="2" charset="2"/>
+              </a:rPr>
+              <a:t>const</a:t>
+            </a:r>
+            <a:r>
+              <a:rPr lang="en-US" sz="2800" dirty="0">
+                <a:sym typeface="Wingdings" pitchFamily="2" charset="2"/>
+              </a:rPr>
+              <a:t> </a:t>
             </a:r>
             <a:r>
               <a:rPr lang="en-US" sz="2800" dirty="0" err="1">
@@ -9553,7 +9744,19 @@
               <a:rPr lang="en-US" sz="2800" dirty="0">
                 <a:sym typeface="Wingdings" pitchFamily="2" charset="2"/>
               </a:rPr>
-              <a:t>  - const </a:t>
+              <a:t>  - </a:t>
+            </a:r>
+            <a:r>
+              <a:rPr lang="en-US" sz="2800" b="1" dirty="0">
+                <a:sym typeface="Wingdings" pitchFamily="2" charset="2"/>
+              </a:rPr>
+              <a:t>const</a:t>
+            </a:r>
+            <a:r>
+              <a:rPr lang="en-US" sz="2800" dirty="0">
+                <a:sym typeface="Wingdings" pitchFamily="2" charset="2"/>
+              </a:rPr>
+              <a:t> </a:t>
             </a:r>
             <a:r>
               <a:rPr lang="en-US" sz="2800" dirty="0" err="1">
@@ -10297,7 +10500,7 @@
 </p:sld>
 </file>
 
-<file path=ppt/slides/slide18.xml><?xml version="1.0" encoding="utf-8"?>
+<file path=ppt/slides/slide19.xml><?xml version="1.0" encoding="utf-8"?>
 <p:sld xmlns:a="http://schemas.openxmlformats.org/drawingml/2006/main" xmlns:r="http://schemas.openxmlformats.org/officeDocument/2006/relationships" xmlns:p="http://schemas.openxmlformats.org/presentationml/2006/main">
   <p:cSld>
     <p:spTree>
@@ -10372,15 +10575,7 @@
           <a:p>
             <a:r>
               <a:rPr lang="en-US" sz="2200" dirty="0"/>
-              <a:t>An LL(1) grammar (top-</a:t>
-            </a:r>
-            <a:r>
-              <a:rPr lang="en-US" sz="2200" dirty="0" err="1"/>
-              <a:t>dow</a:t>
-            </a:r>
-            <a:r>
-              <a:rPr lang="en-US" sz="2200" dirty="0"/>
-              <a:t>, left-left) is natural for inherited attributes</a:t>
+              <a:t>An LL(1) grammar (top-down, left-left) is natural for inherited attributes</a:t>
             </a:r>
           </a:p>
           <a:p>
@@ -10463,7 +10658,7 @@
           <a:p>
             <a:fld id="{AE2B63BD-8566-6841-8331-0BA2255B2CF6}" type="slidenum">
               <a:rPr lang="en-US" smtClean="0"/>
-              <a:t>18</a:t>
+              <a:t>19</a:t>
             </a:fld>
             <a:endParaRPr lang="en-US" dirty="0"/>
           </a:p>
@@ -11756,7 +11951,7 @@
 </p:sld>
 </file>
 
-<file path=ppt/slides/slide19.xml><?xml version="1.0" encoding="utf-8"?>
+<file path=ppt/slides/slide2.xml><?xml version="1.0" encoding="utf-8"?>
 <p:sld xmlns:a="http://schemas.openxmlformats.org/drawingml/2006/main" xmlns:r="http://schemas.openxmlformats.org/officeDocument/2006/relationships" xmlns:p="http://schemas.openxmlformats.org/presentationml/2006/main">
   <p:cSld>
     <p:spTree>
@@ -11778,7 +11973,7 @@
           <p:cNvPr id="2" name="Title 1">
             <a:extLst>
               <a:ext uri="{FF2B5EF4-FFF2-40B4-BE49-F238E27FC236}">
-                <a16:creationId xmlns:a16="http://schemas.microsoft.com/office/drawing/2014/main" id="{6BC52767-B390-E346-BBAD-24A0FA1FB263}"/>
+                <a16:creationId xmlns:a16="http://schemas.microsoft.com/office/drawing/2014/main" id="{1A58F235-CBA3-734A-9A94-33443D18200A}"/>
               </a:ext>
             </a:extLst>
           </p:cNvPr>
@@ -11796,7 +11991,7 @@
           <a:p>
             <a:r>
               <a:rPr lang="en-US" dirty="0"/>
-              <a:t>Inherited Attributes</a:t>
+              <a:t>Overview</a:t>
             </a:r>
           </a:p>
         </p:txBody>
@@ -11806,7 +12001,7 @@
           <p:cNvPr id="3" name="Content Placeholder 2">
             <a:extLst>
               <a:ext uri="{FF2B5EF4-FFF2-40B4-BE49-F238E27FC236}">
-                <a16:creationId xmlns:a16="http://schemas.microsoft.com/office/drawing/2014/main" id="{32531AB9-DE5C-6B42-9AC6-212C28EC1412}"/>
+                <a16:creationId xmlns:a16="http://schemas.microsoft.com/office/drawing/2014/main" id="{63CCCB3A-EA9C-D04D-B9C6-898356633B70}"/>
               </a:ext>
             </a:extLst>
           </p:cNvPr>
@@ -11817,6 +12012,173 @@
             <p:ph idx="1"/>
           </p:nvPr>
         </p:nvSpPr>
+        <p:spPr/>
+        <p:txBody>
+          <a:bodyPr/>
+          <a:lstStyle/>
+          <a:p>
+            <a:r>
+              <a:rPr lang="en-US" dirty="0"/>
+              <a:t>What is semantic analysis?</a:t>
+            </a:r>
+          </a:p>
+          <a:p>
+            <a:r>
+              <a:rPr lang="en-US" dirty="0"/>
+              <a:t>Dynamic and static checks</a:t>
+            </a:r>
+          </a:p>
+          <a:p>
+            <a:r>
+              <a:rPr lang="en-US" dirty="0"/>
+              <a:t>Attribute grammars</a:t>
+            </a:r>
+          </a:p>
+          <a:p>
+            <a:r>
+              <a:rPr lang="en-US" dirty="0"/>
+              <a:t>Synthesized and inherited grammars</a:t>
+            </a:r>
+          </a:p>
+          <a:p>
+            <a:r>
+              <a:rPr lang="en-US" dirty="0"/>
+              <a:t>Explicit AST construction</a:t>
+            </a:r>
+          </a:p>
+        </p:txBody>
+      </p:sp>
+      <p:sp>
+        <p:nvSpPr>
+          <p:cNvPr id="4" name="Footer Placeholder 3">
+            <a:extLst>
+              <a:ext uri="{FF2B5EF4-FFF2-40B4-BE49-F238E27FC236}">
+                <a16:creationId xmlns:a16="http://schemas.microsoft.com/office/drawing/2014/main" id="{60F4F6F4-1ABF-7D46-9D23-7A10FECC10F7}"/>
+              </a:ext>
+            </a:extLst>
+          </p:cNvPr>
+          <p:cNvSpPr>
+            <a:spLocks noGrp="1"/>
+          </p:cNvSpPr>
+          <p:nvPr>
+            <p:ph type="ftr" sz="quarter" idx="11"/>
+          </p:nvPr>
+        </p:nvSpPr>
+        <p:spPr/>
+        <p:txBody>
+          <a:bodyPr/>
+          <a:lstStyle/>
+          <a:p>
+            <a:r>
+              <a:rPr lang="en-US"/>
+              <a:t>Principles of Programming Languages</a:t>
+            </a:r>
+          </a:p>
+        </p:txBody>
+      </p:sp>
+      <p:sp>
+        <p:nvSpPr>
+          <p:cNvPr id="5" name="Slide Number Placeholder 4">
+            <a:extLst>
+              <a:ext uri="{FF2B5EF4-FFF2-40B4-BE49-F238E27FC236}">
+                <a16:creationId xmlns:a16="http://schemas.microsoft.com/office/drawing/2014/main" id="{8B0E9D52-F740-8A4F-9564-EF7D1AACBA8A}"/>
+              </a:ext>
+            </a:extLst>
+          </p:cNvPr>
+          <p:cNvSpPr>
+            <a:spLocks noGrp="1"/>
+          </p:cNvSpPr>
+          <p:nvPr>
+            <p:ph type="sldNum" sz="quarter" idx="12"/>
+          </p:nvPr>
+        </p:nvSpPr>
+        <p:spPr/>
+        <p:txBody>
+          <a:bodyPr/>
+          <a:lstStyle/>
+          <a:p>
+            <a:fld id="{AC4C81C4-48DD-6D4A-89FE-CD0A8AD79FD8}" type="slidenum">
+              <a:rPr lang="en-US" smtClean="0"/>
+              <a:t>2</a:t>
+            </a:fld>
+            <a:endParaRPr lang="en-US"/>
+          </a:p>
+        </p:txBody>
+      </p:sp>
+    </p:spTree>
+    <p:extLst>
+      <p:ext uri="{BB962C8B-B14F-4D97-AF65-F5344CB8AC3E}">
+        <p14:creationId xmlns:p14="http://schemas.microsoft.com/office/powerpoint/2010/main" val="283133360"/>
+      </p:ext>
+    </p:extLst>
+  </p:cSld>
+  <p:clrMapOvr>
+    <a:masterClrMapping/>
+  </p:clrMapOvr>
+</p:sld>
+</file>
+
+<file path=ppt/slides/slide20.xml><?xml version="1.0" encoding="utf-8"?>
+<p:sld xmlns:a="http://schemas.openxmlformats.org/drawingml/2006/main" xmlns:r="http://schemas.openxmlformats.org/officeDocument/2006/relationships" xmlns:p="http://schemas.openxmlformats.org/presentationml/2006/main">
+  <p:cSld>
+    <p:spTree>
+      <p:nvGrpSpPr>
+        <p:cNvPr id="1" name=""/>
+        <p:cNvGrpSpPr/>
+        <p:nvPr/>
+      </p:nvGrpSpPr>
+      <p:grpSpPr>
+        <a:xfrm>
+          <a:off x="0" y="0"/>
+          <a:ext cx="0" cy="0"/>
+          <a:chOff x="0" y="0"/>
+          <a:chExt cx="0" cy="0"/>
+        </a:xfrm>
+      </p:grpSpPr>
+      <p:sp>
+        <p:nvSpPr>
+          <p:cNvPr id="2" name="Title 1">
+            <a:extLst>
+              <a:ext uri="{FF2B5EF4-FFF2-40B4-BE49-F238E27FC236}">
+                <a16:creationId xmlns:a16="http://schemas.microsoft.com/office/drawing/2014/main" id="{6BC52767-B390-E346-BBAD-24A0FA1FB263}"/>
+              </a:ext>
+            </a:extLst>
+          </p:cNvPr>
+          <p:cNvSpPr>
+            <a:spLocks noGrp="1"/>
+          </p:cNvSpPr>
+          <p:nvPr>
+            <p:ph type="title"/>
+          </p:nvPr>
+        </p:nvSpPr>
+        <p:spPr/>
+        <p:txBody>
+          <a:bodyPr/>
+          <a:lstStyle/>
+          <a:p>
+            <a:r>
+              <a:rPr lang="en-US" dirty="0"/>
+              <a:t>Inherited Attributes</a:t>
+            </a:r>
+          </a:p>
+        </p:txBody>
+      </p:sp>
+      <p:sp>
+        <p:nvSpPr>
+          <p:cNvPr id="3" name="Content Placeholder 2">
+            <a:extLst>
+              <a:ext uri="{FF2B5EF4-FFF2-40B4-BE49-F238E27FC236}">
+                <a16:creationId xmlns:a16="http://schemas.microsoft.com/office/drawing/2014/main" id="{32531AB9-DE5C-6B42-9AC6-212C28EC1412}"/>
+              </a:ext>
+            </a:extLst>
+          </p:cNvPr>
+          <p:cNvSpPr>
+            <a:spLocks noGrp="1"/>
+          </p:cNvSpPr>
+          <p:nvPr>
+            <p:ph idx="1"/>
+          </p:nvPr>
+        </p:nvSpPr>
         <p:spPr>
           <a:xfrm>
             <a:off x="838200" y="1825625"/>
@@ -12203,7 +12565,7 @@
           <a:p>
             <a:fld id="{AE2B63BD-8566-6841-8331-0BA2255B2CF6}" type="slidenum">
               <a:rPr lang="en-US" smtClean="0"/>
-              <a:t>19</a:t>
+              <a:t>20</a:t>
             </a:fld>
             <a:endParaRPr lang="en-US" dirty="0"/>
           </a:p>
@@ -13496,1529 +13858,6 @@
 </p:sld>
 </file>
 
-<file path=ppt/slides/slide2.xml><?xml version="1.0" encoding="utf-8"?>
-<p:sld xmlns:a="http://schemas.openxmlformats.org/drawingml/2006/main" xmlns:r="http://schemas.openxmlformats.org/officeDocument/2006/relationships" xmlns:p="http://schemas.openxmlformats.org/presentationml/2006/main">
-  <p:cSld>
-    <p:spTree>
-      <p:nvGrpSpPr>
-        <p:cNvPr id="1" name=""/>
-        <p:cNvGrpSpPr/>
-        <p:nvPr/>
-      </p:nvGrpSpPr>
-      <p:grpSpPr>
-        <a:xfrm>
-          <a:off x="0" y="0"/>
-          <a:ext cx="0" cy="0"/>
-          <a:chOff x="0" y="0"/>
-          <a:chExt cx="0" cy="0"/>
-        </a:xfrm>
-      </p:grpSpPr>
-      <p:sp>
-        <p:nvSpPr>
-          <p:cNvPr id="2" name="Title 1">
-            <a:extLst>
-              <a:ext uri="{FF2B5EF4-FFF2-40B4-BE49-F238E27FC236}">
-                <a16:creationId xmlns:a16="http://schemas.microsoft.com/office/drawing/2014/main" id="{1A58F235-CBA3-734A-9A94-33443D18200A}"/>
-              </a:ext>
-            </a:extLst>
-          </p:cNvPr>
-          <p:cNvSpPr>
-            <a:spLocks noGrp="1"/>
-          </p:cNvSpPr>
-          <p:nvPr>
-            <p:ph type="title"/>
-          </p:nvPr>
-        </p:nvSpPr>
-        <p:spPr/>
-        <p:txBody>
-          <a:bodyPr/>
-          <a:lstStyle/>
-          <a:p>
-            <a:r>
-              <a:rPr lang="en-US" dirty="0"/>
-              <a:t>Overview</a:t>
-            </a:r>
-          </a:p>
-        </p:txBody>
-      </p:sp>
-      <p:sp>
-        <p:nvSpPr>
-          <p:cNvPr id="3" name="Content Placeholder 2">
-            <a:extLst>
-              <a:ext uri="{FF2B5EF4-FFF2-40B4-BE49-F238E27FC236}">
-                <a16:creationId xmlns:a16="http://schemas.microsoft.com/office/drawing/2014/main" id="{63CCCB3A-EA9C-D04D-B9C6-898356633B70}"/>
-              </a:ext>
-            </a:extLst>
-          </p:cNvPr>
-          <p:cNvSpPr>
-            <a:spLocks noGrp="1"/>
-          </p:cNvSpPr>
-          <p:nvPr>
-            <p:ph idx="1"/>
-          </p:nvPr>
-        </p:nvSpPr>
-        <p:spPr/>
-        <p:txBody>
-          <a:bodyPr/>
-          <a:lstStyle/>
-          <a:p>
-            <a:r>
-              <a:rPr lang="en-US" dirty="0"/>
-              <a:t>What is semantic analysis?</a:t>
-            </a:r>
-          </a:p>
-          <a:p>
-            <a:r>
-              <a:rPr lang="en-US" dirty="0"/>
-              <a:t>Dynamic and static checks</a:t>
-            </a:r>
-          </a:p>
-          <a:p>
-            <a:r>
-              <a:rPr lang="en-US" dirty="0"/>
-              <a:t>Attribute grammars</a:t>
-            </a:r>
-          </a:p>
-          <a:p>
-            <a:r>
-              <a:rPr lang="en-US" dirty="0"/>
-              <a:t>Synthesized and inherited grammars</a:t>
-            </a:r>
-          </a:p>
-          <a:p>
-            <a:r>
-              <a:rPr lang="en-US" dirty="0"/>
-              <a:t>Explicit AST construction</a:t>
-            </a:r>
-          </a:p>
-        </p:txBody>
-      </p:sp>
-      <p:sp>
-        <p:nvSpPr>
-          <p:cNvPr id="4" name="Footer Placeholder 3">
-            <a:extLst>
-              <a:ext uri="{FF2B5EF4-FFF2-40B4-BE49-F238E27FC236}">
-                <a16:creationId xmlns:a16="http://schemas.microsoft.com/office/drawing/2014/main" id="{60F4F6F4-1ABF-7D46-9D23-7A10FECC10F7}"/>
-              </a:ext>
-            </a:extLst>
-          </p:cNvPr>
-          <p:cNvSpPr>
-            <a:spLocks noGrp="1"/>
-          </p:cNvSpPr>
-          <p:nvPr>
-            <p:ph type="ftr" sz="quarter" idx="11"/>
-          </p:nvPr>
-        </p:nvSpPr>
-        <p:spPr/>
-        <p:txBody>
-          <a:bodyPr/>
-          <a:lstStyle/>
-          <a:p>
-            <a:r>
-              <a:rPr lang="en-US"/>
-              <a:t>Principles of Programming Languages</a:t>
-            </a:r>
-          </a:p>
-        </p:txBody>
-      </p:sp>
-      <p:sp>
-        <p:nvSpPr>
-          <p:cNvPr id="5" name="Slide Number Placeholder 4">
-            <a:extLst>
-              <a:ext uri="{FF2B5EF4-FFF2-40B4-BE49-F238E27FC236}">
-                <a16:creationId xmlns:a16="http://schemas.microsoft.com/office/drawing/2014/main" id="{8B0E9D52-F740-8A4F-9564-EF7D1AACBA8A}"/>
-              </a:ext>
-            </a:extLst>
-          </p:cNvPr>
-          <p:cNvSpPr>
-            <a:spLocks noGrp="1"/>
-          </p:cNvSpPr>
-          <p:nvPr>
-            <p:ph type="sldNum" sz="quarter" idx="12"/>
-          </p:nvPr>
-        </p:nvSpPr>
-        <p:spPr/>
-        <p:txBody>
-          <a:bodyPr/>
-          <a:lstStyle/>
-          <a:p>
-            <a:fld id="{AC4C81C4-48DD-6D4A-89FE-CD0A8AD79FD8}" type="slidenum">
-              <a:rPr lang="en-US" smtClean="0"/>
-              <a:t>2</a:t>
-            </a:fld>
-            <a:endParaRPr lang="en-US"/>
-          </a:p>
-        </p:txBody>
-      </p:sp>
-    </p:spTree>
-    <p:extLst>
-      <p:ext uri="{BB962C8B-B14F-4D97-AF65-F5344CB8AC3E}">
-        <p14:creationId xmlns:p14="http://schemas.microsoft.com/office/powerpoint/2010/main" val="283133360"/>
-      </p:ext>
-    </p:extLst>
-  </p:cSld>
-  <p:clrMapOvr>
-    <a:masterClrMapping/>
-  </p:clrMapOvr>
-</p:sld>
-</file>
-
-<file path=ppt/slides/slide20.xml><?xml version="1.0" encoding="utf-8"?>
-<p:sld xmlns:a="http://schemas.openxmlformats.org/drawingml/2006/main" xmlns:r="http://schemas.openxmlformats.org/officeDocument/2006/relationships" xmlns:p="http://schemas.openxmlformats.org/presentationml/2006/main">
-  <p:cSld>
-    <p:spTree>
-      <p:nvGrpSpPr>
-        <p:cNvPr id="1" name=""/>
-        <p:cNvGrpSpPr/>
-        <p:nvPr/>
-      </p:nvGrpSpPr>
-      <p:grpSpPr>
-        <a:xfrm>
-          <a:off x="0" y="0"/>
-          <a:ext cx="0" cy="0"/>
-          <a:chOff x="0" y="0"/>
-          <a:chExt cx="0" cy="0"/>
-        </a:xfrm>
-      </p:grpSpPr>
-      <p:sp>
-        <p:nvSpPr>
-          <p:cNvPr id="2" name="Title 1">
-            <a:extLst>
-              <a:ext uri="{FF2B5EF4-FFF2-40B4-BE49-F238E27FC236}">
-                <a16:creationId xmlns:a16="http://schemas.microsoft.com/office/drawing/2014/main" id="{B969E557-DEDC-D44A-838B-36DFAB3B21AC}"/>
-              </a:ext>
-            </a:extLst>
-          </p:cNvPr>
-          <p:cNvSpPr>
-            <a:spLocks noGrp="1"/>
-          </p:cNvSpPr>
-          <p:nvPr>
-            <p:ph type="title"/>
-          </p:nvPr>
-        </p:nvSpPr>
-        <p:spPr/>
-        <p:txBody>
-          <a:bodyPr/>
-          <a:lstStyle/>
-          <a:p>
-            <a:r>
-              <a:rPr lang="en-US" dirty="0"/>
-              <a:t>Inherited Attributes</a:t>
-            </a:r>
-          </a:p>
-        </p:txBody>
-      </p:sp>
-      <p:sp>
-        <p:nvSpPr>
-          <p:cNvPr id="3" name="Content Placeholder 2">
-            <a:extLst>
-              <a:ext uri="{FF2B5EF4-FFF2-40B4-BE49-F238E27FC236}">
-                <a16:creationId xmlns:a16="http://schemas.microsoft.com/office/drawing/2014/main" id="{F85AFE32-E0C5-464C-822D-C29548BC1A89}"/>
-              </a:ext>
-            </a:extLst>
-          </p:cNvPr>
-          <p:cNvSpPr>
-            <a:spLocks noGrp="1"/>
-          </p:cNvSpPr>
-          <p:nvPr>
-            <p:ph idx="1"/>
-          </p:nvPr>
-        </p:nvSpPr>
-        <p:spPr>
-          <a:xfrm>
-            <a:off x="838200" y="1825625"/>
-            <a:ext cx="1807029" cy="4351338"/>
-          </a:xfrm>
-        </p:spPr>
-        <p:txBody>
-          <a:bodyPr>
-            <a:normAutofit/>
-          </a:bodyPr>
-          <a:lstStyle/>
-          <a:p>
-            <a:pPr marL="0" indent="0">
-              <a:buNone/>
-            </a:pPr>
-            <a:r>
-              <a:rPr lang="en-US" sz="2000" dirty="0"/>
-              <a:t>LL(1) grammar with inherit attributes:</a:t>
-            </a:r>
-          </a:p>
-          <a:p>
-            <a:pPr marL="0" indent="0">
-              <a:buNone/>
-            </a:pPr>
-            <a:r>
-              <a:rPr lang="en-US" sz="2000" dirty="0"/>
-              <a:t>Main source of problem: left associative operators</a:t>
-            </a:r>
-          </a:p>
-          <a:p>
-            <a:pPr marL="0" indent="0">
-              <a:buNone/>
-            </a:pPr>
-            <a:r>
-              <a:rPr lang="en-US" sz="2000" dirty="0"/>
-              <a:t>Left and right operands appear in separate productions</a:t>
-            </a:r>
-          </a:p>
-        </p:txBody>
-      </p:sp>
-      <p:sp>
-        <p:nvSpPr>
-          <p:cNvPr id="4" name="Footer Placeholder 3">
-            <a:extLst>
-              <a:ext uri="{FF2B5EF4-FFF2-40B4-BE49-F238E27FC236}">
-                <a16:creationId xmlns:a16="http://schemas.microsoft.com/office/drawing/2014/main" id="{2F461F52-2176-FA49-865B-93901786FDFB}"/>
-              </a:ext>
-            </a:extLst>
-          </p:cNvPr>
-          <p:cNvSpPr>
-            <a:spLocks noGrp="1"/>
-          </p:cNvSpPr>
-          <p:nvPr>
-            <p:ph type="ftr" sz="quarter" idx="11"/>
-          </p:nvPr>
-        </p:nvSpPr>
-        <p:spPr/>
-        <p:txBody>
-          <a:bodyPr/>
-          <a:lstStyle/>
-          <a:p>
-            <a:r>
-              <a:rPr lang="en-US"/>
-              <a:t>Principles of Programming Languages</a:t>
-            </a:r>
-          </a:p>
-        </p:txBody>
-      </p:sp>
-      <p:sp>
-        <p:nvSpPr>
-          <p:cNvPr id="5" name="Slide Number Placeholder 4">
-            <a:extLst>
-              <a:ext uri="{FF2B5EF4-FFF2-40B4-BE49-F238E27FC236}">
-                <a16:creationId xmlns:a16="http://schemas.microsoft.com/office/drawing/2014/main" id="{77020F8E-3CCC-B745-8CCF-D1830CABE20D}"/>
-              </a:ext>
-            </a:extLst>
-          </p:cNvPr>
-          <p:cNvSpPr>
-            <a:spLocks noGrp="1"/>
-          </p:cNvSpPr>
-          <p:nvPr>
-            <p:ph type="sldNum" sz="quarter" idx="12"/>
-          </p:nvPr>
-        </p:nvSpPr>
-        <p:spPr/>
-        <p:txBody>
-          <a:bodyPr/>
-          <a:lstStyle/>
-          <a:p>
-            <a:fld id="{AE2B63BD-8566-6841-8331-0BA2255B2CF6}" type="slidenum">
-              <a:rPr lang="en-US" smtClean="0"/>
-              <a:t>20</a:t>
-            </a:fld>
-            <a:endParaRPr lang="en-US"/>
-          </a:p>
-        </p:txBody>
-      </p:sp>
-      <p:sp>
-        <p:nvSpPr>
-          <p:cNvPr id="6" name="TextBox 5">
-            <a:extLst>
-              <a:ext uri="{FF2B5EF4-FFF2-40B4-BE49-F238E27FC236}">
-                <a16:creationId xmlns:a16="http://schemas.microsoft.com/office/drawing/2014/main" id="{861AD73F-9210-D844-903F-C47AFFAEFCC7}"/>
-              </a:ext>
-            </a:extLst>
-          </p:cNvPr>
-          <p:cNvSpPr txBox="1"/>
-          <p:nvPr/>
-        </p:nvSpPr>
-        <p:spPr>
-          <a:xfrm>
-            <a:off x="3276600" y="1622862"/>
-            <a:ext cx="4105611" cy="4801314"/>
-          </a:xfrm>
-          <a:prstGeom prst="rect">
-            <a:avLst/>
-          </a:prstGeom>
-          <a:noFill/>
-          <a:ln w="57150">
-            <a:solidFill>
-              <a:srgbClr val="00B050"/>
-            </a:solidFill>
-          </a:ln>
-        </p:spPr>
-        <p:txBody>
-          <a:bodyPr wrap="none" rtlCol="0">
-            <a:spAutoFit/>
-          </a:bodyPr>
-          <a:lstStyle/>
-          <a:p>
-            <a:r>
-              <a:rPr lang="en-US" dirty="0">
-                <a:latin typeface="Courier" pitchFamily="2" charset="0"/>
-              </a:rPr>
-              <a:t>1. E </a:t>
-            </a:r>
-            <a:r>
-              <a:rPr lang="en-US" dirty="0">
-                <a:latin typeface="Courier" pitchFamily="2" charset="0"/>
-                <a:sym typeface="Wingdings" pitchFamily="2" charset="2"/>
-              </a:rPr>
-              <a:t> T TT		</a:t>
-            </a:r>
-          </a:p>
-          <a:p>
-            <a:pPr marL="285750" indent="-285750">
-              <a:buFont typeface="Arial" panose="020B0604020202020204" pitchFamily="34" charset="0"/>
-              <a:buChar char="•"/>
-            </a:pPr>
-            <a:r>
-              <a:rPr lang="en-US" dirty="0" err="1">
-                <a:latin typeface="Courier" pitchFamily="2" charset="0"/>
-                <a:sym typeface="Wingdings" pitchFamily="2" charset="2"/>
-              </a:rPr>
-              <a:t>st</a:t>
-            </a:r>
-            <a:r>
-              <a:rPr lang="en-US" dirty="0">
-                <a:latin typeface="Courier" pitchFamily="2" charset="0"/>
-                <a:sym typeface="Wingdings" pitchFamily="2" charset="2"/>
-              </a:rPr>
-              <a:t>(TT) := </a:t>
-            </a:r>
-            <a:r>
-              <a:rPr lang="en-US" dirty="0" err="1">
-                <a:latin typeface="Courier" pitchFamily="2" charset="0"/>
-                <a:sym typeface="Wingdings" pitchFamily="2" charset="2"/>
-              </a:rPr>
-              <a:t>val</a:t>
-            </a:r>
-            <a:r>
-              <a:rPr lang="en-US" dirty="0">
-                <a:latin typeface="Courier" pitchFamily="2" charset="0"/>
-                <a:sym typeface="Wingdings" pitchFamily="2" charset="2"/>
-              </a:rPr>
-              <a:t>(TT)</a:t>
-            </a:r>
-          </a:p>
-          <a:p>
-            <a:pPr marL="285750" indent="-285750">
-              <a:buFont typeface="Arial" panose="020B0604020202020204" pitchFamily="34" charset="0"/>
-              <a:buChar char="•"/>
-            </a:pPr>
-            <a:r>
-              <a:rPr lang="en-US" dirty="0" err="1">
-                <a:latin typeface="Courier" pitchFamily="2" charset="0"/>
-                <a:sym typeface="Wingdings" pitchFamily="2" charset="2"/>
-              </a:rPr>
-              <a:t>val</a:t>
-            </a:r>
-            <a:r>
-              <a:rPr lang="en-US" dirty="0">
-                <a:latin typeface="Courier" pitchFamily="2" charset="0"/>
-                <a:sym typeface="Wingdings" pitchFamily="2" charset="2"/>
-              </a:rPr>
-              <a:t>(E) := </a:t>
-            </a:r>
-            <a:r>
-              <a:rPr lang="en-US" dirty="0" err="1">
-                <a:latin typeface="Courier" pitchFamily="2" charset="0"/>
-                <a:sym typeface="Wingdings" pitchFamily="2" charset="2"/>
-              </a:rPr>
-              <a:t>val</a:t>
-            </a:r>
-            <a:r>
-              <a:rPr lang="en-US" dirty="0">
-                <a:latin typeface="Courier" pitchFamily="2" charset="0"/>
-                <a:sym typeface="Wingdings" pitchFamily="2" charset="2"/>
-              </a:rPr>
-              <a:t>(TT)</a:t>
-            </a:r>
-          </a:p>
-          <a:p>
-            <a:r>
-              <a:rPr lang="en-US" dirty="0">
-                <a:latin typeface="Courier" pitchFamily="2" charset="0"/>
-                <a:sym typeface="Wingdings" pitchFamily="2" charset="2"/>
-              </a:rPr>
-              <a:t>2. TT</a:t>
-            </a:r>
-            <a:r>
-              <a:rPr lang="en-US" baseline="-25000" dirty="0">
-                <a:latin typeface="Courier" pitchFamily="2" charset="0"/>
-                <a:sym typeface="Wingdings" pitchFamily="2" charset="2"/>
-              </a:rPr>
-              <a:t>1</a:t>
-            </a:r>
-            <a:r>
-              <a:rPr lang="en-US" dirty="0">
-                <a:latin typeface="Courier" pitchFamily="2" charset="0"/>
-                <a:sym typeface="Wingdings" pitchFamily="2" charset="2"/>
-              </a:rPr>
-              <a:t>  + T TT</a:t>
-            </a:r>
-            <a:r>
-              <a:rPr lang="en-US" baseline="-25000" dirty="0">
-                <a:latin typeface="Courier" pitchFamily="2" charset="0"/>
-                <a:sym typeface="Wingdings" pitchFamily="2" charset="2"/>
-              </a:rPr>
-              <a:t>2</a:t>
-            </a:r>
-          </a:p>
-          <a:p>
-            <a:pPr marL="285750" indent="-285750">
-              <a:buFont typeface="Arial" panose="020B0604020202020204" pitchFamily="34" charset="0"/>
-              <a:buChar char="•"/>
-            </a:pPr>
-            <a:r>
-              <a:rPr lang="en-US" dirty="0" err="1">
-                <a:latin typeface="Courier" pitchFamily="2" charset="0"/>
-                <a:sym typeface="Wingdings" pitchFamily="2" charset="2"/>
-              </a:rPr>
-              <a:t>st</a:t>
-            </a:r>
-            <a:r>
-              <a:rPr lang="en-US" dirty="0">
-                <a:latin typeface="Courier" pitchFamily="2" charset="0"/>
-                <a:sym typeface="Wingdings" pitchFamily="2" charset="2"/>
-              </a:rPr>
-              <a:t>(TT</a:t>
-            </a:r>
-            <a:r>
-              <a:rPr lang="en-US" baseline="-25000" dirty="0">
-                <a:latin typeface="Courier" pitchFamily="2" charset="0"/>
-                <a:sym typeface="Wingdings" pitchFamily="2" charset="2"/>
-              </a:rPr>
-              <a:t>2</a:t>
-            </a:r>
-            <a:r>
-              <a:rPr lang="en-US" dirty="0">
-                <a:latin typeface="Courier" pitchFamily="2" charset="0"/>
-                <a:sym typeface="Wingdings" pitchFamily="2" charset="2"/>
-              </a:rPr>
-              <a:t>) := </a:t>
-            </a:r>
-            <a:r>
-              <a:rPr lang="en-US" dirty="0" err="1">
-                <a:latin typeface="Courier" pitchFamily="2" charset="0"/>
-                <a:sym typeface="Wingdings" pitchFamily="2" charset="2"/>
-              </a:rPr>
-              <a:t>st</a:t>
-            </a:r>
-            <a:r>
-              <a:rPr lang="en-US" dirty="0">
-                <a:latin typeface="Courier" pitchFamily="2" charset="0"/>
-                <a:sym typeface="Wingdings" pitchFamily="2" charset="2"/>
-              </a:rPr>
-              <a:t>(TT</a:t>
-            </a:r>
-            <a:r>
-              <a:rPr lang="en-US" baseline="-25000" dirty="0">
-                <a:latin typeface="Courier" pitchFamily="2" charset="0"/>
-                <a:sym typeface="Wingdings" pitchFamily="2" charset="2"/>
-              </a:rPr>
-              <a:t>1</a:t>
-            </a:r>
-            <a:r>
-              <a:rPr lang="en-US" dirty="0">
-                <a:latin typeface="Courier" pitchFamily="2" charset="0"/>
-                <a:sym typeface="Wingdings" pitchFamily="2" charset="2"/>
-              </a:rPr>
-              <a:t>) + </a:t>
-            </a:r>
-            <a:r>
-              <a:rPr lang="en-US" dirty="0" err="1">
-                <a:latin typeface="Courier" pitchFamily="2" charset="0"/>
-                <a:sym typeface="Wingdings" pitchFamily="2" charset="2"/>
-              </a:rPr>
-              <a:t>val</a:t>
-            </a:r>
-            <a:r>
-              <a:rPr lang="en-US" dirty="0">
-                <a:latin typeface="Courier" pitchFamily="2" charset="0"/>
-                <a:sym typeface="Wingdings" pitchFamily="2" charset="2"/>
-              </a:rPr>
-              <a:t>(T)</a:t>
-            </a:r>
-          </a:p>
-          <a:p>
-            <a:pPr marL="285750" indent="-285750">
-              <a:buFont typeface="Arial" panose="020B0604020202020204" pitchFamily="34" charset="0"/>
-              <a:buChar char="•"/>
-            </a:pPr>
-            <a:r>
-              <a:rPr lang="en-US" dirty="0" err="1">
-                <a:latin typeface="Courier" pitchFamily="2" charset="0"/>
-                <a:sym typeface="Wingdings" pitchFamily="2" charset="2"/>
-              </a:rPr>
-              <a:t>val</a:t>
-            </a:r>
-            <a:r>
-              <a:rPr lang="en-US" dirty="0">
-                <a:latin typeface="Courier" pitchFamily="2" charset="0"/>
-                <a:sym typeface="Wingdings" pitchFamily="2" charset="2"/>
-              </a:rPr>
-              <a:t>(TT</a:t>
-            </a:r>
-            <a:r>
-              <a:rPr lang="en-US" baseline="-25000" dirty="0">
-                <a:latin typeface="Courier" pitchFamily="2" charset="0"/>
-                <a:sym typeface="Wingdings" pitchFamily="2" charset="2"/>
-              </a:rPr>
-              <a:t>1</a:t>
-            </a:r>
-            <a:r>
-              <a:rPr lang="en-US" dirty="0">
-                <a:latin typeface="Courier" pitchFamily="2" charset="0"/>
-                <a:sym typeface="Wingdings" pitchFamily="2" charset="2"/>
-              </a:rPr>
-              <a:t>) := </a:t>
-            </a:r>
-            <a:r>
-              <a:rPr lang="en-US" dirty="0" err="1">
-                <a:latin typeface="Courier" pitchFamily="2" charset="0"/>
-                <a:sym typeface="Wingdings" pitchFamily="2" charset="2"/>
-              </a:rPr>
-              <a:t>val</a:t>
-            </a:r>
-            <a:r>
-              <a:rPr lang="en-US" dirty="0">
-                <a:latin typeface="Courier" pitchFamily="2" charset="0"/>
-                <a:sym typeface="Wingdings" pitchFamily="2" charset="2"/>
-              </a:rPr>
-              <a:t> (TT</a:t>
-            </a:r>
-            <a:r>
-              <a:rPr lang="en-US" baseline="-25000" dirty="0">
-                <a:latin typeface="Courier" pitchFamily="2" charset="0"/>
-                <a:sym typeface="Wingdings" pitchFamily="2" charset="2"/>
-              </a:rPr>
-              <a:t>2</a:t>
-            </a:r>
-            <a:r>
-              <a:rPr lang="en-US" dirty="0">
-                <a:latin typeface="Courier" pitchFamily="2" charset="0"/>
-                <a:sym typeface="Wingdings" pitchFamily="2" charset="2"/>
-              </a:rPr>
-              <a:t>)</a:t>
-            </a:r>
-          </a:p>
-          <a:p>
-            <a:r>
-              <a:rPr lang="en-US" dirty="0">
-                <a:latin typeface="Courier" pitchFamily="2" charset="0"/>
-                <a:sym typeface="Wingdings" pitchFamily="2" charset="2"/>
-              </a:rPr>
-              <a:t>3. TT</a:t>
-            </a:r>
-            <a:r>
-              <a:rPr lang="en-US" baseline="-25000" dirty="0">
-                <a:latin typeface="Courier" pitchFamily="2" charset="0"/>
-                <a:sym typeface="Wingdings" pitchFamily="2" charset="2"/>
-              </a:rPr>
-              <a:t>1</a:t>
-            </a:r>
-            <a:r>
-              <a:rPr lang="en-US" dirty="0">
-                <a:latin typeface="Courier" pitchFamily="2" charset="0"/>
-                <a:sym typeface="Wingdings" pitchFamily="2" charset="2"/>
-              </a:rPr>
-              <a:t> - T TT</a:t>
-            </a:r>
-            <a:r>
-              <a:rPr lang="en-US" baseline="-25000" dirty="0">
-                <a:latin typeface="Courier" pitchFamily="2" charset="0"/>
-                <a:sym typeface="Wingdings" pitchFamily="2" charset="2"/>
-              </a:rPr>
-              <a:t>2</a:t>
-            </a:r>
-          </a:p>
-          <a:p>
-            <a:pPr marL="285750" indent="-285750">
-              <a:buFont typeface="Arial" panose="020B0604020202020204" pitchFamily="34" charset="0"/>
-              <a:buChar char="•"/>
-            </a:pPr>
-            <a:r>
-              <a:rPr lang="en-US" dirty="0" err="1">
-                <a:latin typeface="Courier" pitchFamily="2" charset="0"/>
-                <a:sym typeface="Wingdings" pitchFamily="2" charset="2"/>
-              </a:rPr>
-              <a:t>st</a:t>
-            </a:r>
-            <a:r>
-              <a:rPr lang="en-US" dirty="0">
-                <a:latin typeface="Courier" pitchFamily="2" charset="0"/>
-                <a:sym typeface="Wingdings" pitchFamily="2" charset="2"/>
-              </a:rPr>
-              <a:t>(TT</a:t>
-            </a:r>
-            <a:r>
-              <a:rPr lang="en-US" baseline="-25000" dirty="0">
-                <a:latin typeface="Courier" pitchFamily="2" charset="0"/>
-                <a:sym typeface="Wingdings" pitchFamily="2" charset="2"/>
-              </a:rPr>
-              <a:t>2</a:t>
-            </a:r>
-            <a:r>
-              <a:rPr lang="en-US" dirty="0">
-                <a:latin typeface="Courier" pitchFamily="2" charset="0"/>
-                <a:sym typeface="Wingdings" pitchFamily="2" charset="2"/>
-              </a:rPr>
-              <a:t>) := </a:t>
-            </a:r>
-            <a:r>
-              <a:rPr lang="en-US" dirty="0" err="1">
-                <a:latin typeface="Courier" pitchFamily="2" charset="0"/>
-                <a:sym typeface="Wingdings" pitchFamily="2" charset="2"/>
-              </a:rPr>
-              <a:t>st</a:t>
-            </a:r>
-            <a:r>
-              <a:rPr lang="en-US" dirty="0">
-                <a:latin typeface="Courier" pitchFamily="2" charset="0"/>
-                <a:sym typeface="Wingdings" pitchFamily="2" charset="2"/>
-              </a:rPr>
-              <a:t>(TT</a:t>
-            </a:r>
-            <a:r>
-              <a:rPr lang="en-US" baseline="-25000" dirty="0">
-                <a:latin typeface="Courier" pitchFamily="2" charset="0"/>
-                <a:sym typeface="Wingdings" pitchFamily="2" charset="2"/>
-              </a:rPr>
-              <a:t>1</a:t>
-            </a:r>
-            <a:r>
-              <a:rPr lang="en-US" dirty="0">
-                <a:latin typeface="Courier" pitchFamily="2" charset="0"/>
-                <a:sym typeface="Wingdings" pitchFamily="2" charset="2"/>
-              </a:rPr>
-              <a:t>) – </a:t>
-            </a:r>
-            <a:r>
-              <a:rPr lang="en-US" dirty="0" err="1">
-                <a:latin typeface="Courier" pitchFamily="2" charset="0"/>
-                <a:sym typeface="Wingdings" pitchFamily="2" charset="2"/>
-              </a:rPr>
-              <a:t>val</a:t>
-            </a:r>
-            <a:r>
-              <a:rPr lang="en-US" dirty="0">
-                <a:latin typeface="Courier" pitchFamily="2" charset="0"/>
-                <a:sym typeface="Wingdings" pitchFamily="2" charset="2"/>
-              </a:rPr>
-              <a:t>(T)</a:t>
-            </a:r>
-          </a:p>
-          <a:p>
-            <a:pPr marL="285750" indent="-285750">
-              <a:buFont typeface="Arial" panose="020B0604020202020204" pitchFamily="34" charset="0"/>
-              <a:buChar char="•"/>
-            </a:pPr>
-            <a:r>
-              <a:rPr lang="en-US" dirty="0" err="1">
-                <a:latin typeface="Courier" pitchFamily="2" charset="0"/>
-                <a:sym typeface="Wingdings" pitchFamily="2" charset="2"/>
-              </a:rPr>
-              <a:t>val</a:t>
-            </a:r>
-            <a:r>
-              <a:rPr lang="en-US" dirty="0">
-                <a:latin typeface="Courier" pitchFamily="2" charset="0"/>
-                <a:sym typeface="Wingdings" pitchFamily="2" charset="2"/>
-              </a:rPr>
-              <a:t>(TT</a:t>
-            </a:r>
-            <a:r>
-              <a:rPr lang="en-US" baseline="-25000" dirty="0">
-                <a:latin typeface="Courier" pitchFamily="2" charset="0"/>
-                <a:sym typeface="Wingdings" pitchFamily="2" charset="2"/>
-              </a:rPr>
-              <a:t>1</a:t>
-            </a:r>
-            <a:r>
-              <a:rPr lang="en-US" dirty="0">
-                <a:latin typeface="Courier" pitchFamily="2" charset="0"/>
-                <a:sym typeface="Wingdings" pitchFamily="2" charset="2"/>
-              </a:rPr>
-              <a:t>) := </a:t>
-            </a:r>
-            <a:r>
-              <a:rPr lang="en-US" dirty="0" err="1">
-                <a:latin typeface="Courier" pitchFamily="2" charset="0"/>
-                <a:sym typeface="Wingdings" pitchFamily="2" charset="2"/>
-              </a:rPr>
-              <a:t>val</a:t>
-            </a:r>
-            <a:r>
-              <a:rPr lang="en-US" dirty="0">
-                <a:latin typeface="Courier" pitchFamily="2" charset="0"/>
-                <a:sym typeface="Wingdings" pitchFamily="2" charset="2"/>
-              </a:rPr>
-              <a:t>(TT</a:t>
-            </a:r>
-            <a:r>
-              <a:rPr lang="en-US" baseline="-25000" dirty="0">
-                <a:latin typeface="Courier" pitchFamily="2" charset="0"/>
-                <a:sym typeface="Wingdings" pitchFamily="2" charset="2"/>
-              </a:rPr>
-              <a:t>2</a:t>
-            </a:r>
-            <a:r>
-              <a:rPr lang="en-US" dirty="0">
-                <a:latin typeface="Courier" pitchFamily="2" charset="0"/>
-                <a:sym typeface="Wingdings" pitchFamily="2" charset="2"/>
-              </a:rPr>
-              <a:t>)</a:t>
-            </a:r>
-          </a:p>
-          <a:p>
-            <a:r>
-              <a:rPr lang="en-US" dirty="0">
-                <a:latin typeface="Courier" pitchFamily="2" charset="0"/>
-                <a:sym typeface="Wingdings" pitchFamily="2" charset="2"/>
-              </a:rPr>
-              <a:t>4. TT  </a:t>
-            </a:r>
-            <a:r>
-              <a:rPr lang="en-US" dirty="0">
-                <a:latin typeface="Symbol" pitchFamily="2" charset="2"/>
-                <a:sym typeface="Wingdings" pitchFamily="2" charset="2"/>
-              </a:rPr>
-              <a:t>e</a:t>
-            </a:r>
-          </a:p>
-          <a:p>
-            <a:pPr marL="285750" indent="-285750">
-              <a:buFont typeface="Arial" panose="020B0604020202020204" pitchFamily="34" charset="0"/>
-              <a:buChar char="•"/>
-            </a:pPr>
-            <a:r>
-              <a:rPr lang="en-US" dirty="0" err="1">
-                <a:latin typeface="Courier" pitchFamily="2" charset="0"/>
-                <a:sym typeface="Wingdings" pitchFamily="2" charset="2"/>
-              </a:rPr>
-              <a:t>val</a:t>
-            </a:r>
-            <a:r>
-              <a:rPr lang="en-US" dirty="0">
-                <a:latin typeface="Courier" pitchFamily="2" charset="0"/>
-                <a:sym typeface="Wingdings" pitchFamily="2" charset="2"/>
-              </a:rPr>
-              <a:t>(TT) := </a:t>
-            </a:r>
-            <a:r>
-              <a:rPr lang="en-US" dirty="0" err="1">
-                <a:latin typeface="Courier" pitchFamily="2" charset="0"/>
-                <a:sym typeface="Wingdings" pitchFamily="2" charset="2"/>
-              </a:rPr>
-              <a:t>st</a:t>
-            </a:r>
-            <a:r>
-              <a:rPr lang="en-US" dirty="0">
-                <a:latin typeface="Courier" pitchFamily="2" charset="0"/>
-                <a:sym typeface="Wingdings" pitchFamily="2" charset="2"/>
-              </a:rPr>
-              <a:t>(TT)</a:t>
-            </a:r>
-          </a:p>
-          <a:p>
-            <a:r>
-              <a:rPr lang="en-US" dirty="0">
-                <a:latin typeface="Courier" pitchFamily="2" charset="0"/>
-                <a:sym typeface="Wingdings" pitchFamily="2" charset="2"/>
-              </a:rPr>
-              <a:t>5. T  F FT</a:t>
-            </a:r>
-          </a:p>
-          <a:p>
-            <a:pPr marL="285750" indent="-285750">
-              <a:buFont typeface="Arial" panose="020B0604020202020204" pitchFamily="34" charset="0"/>
-              <a:buChar char="•"/>
-            </a:pPr>
-            <a:r>
-              <a:rPr lang="en-US" dirty="0" err="1">
-                <a:latin typeface="Courier" pitchFamily="2" charset="0"/>
-                <a:sym typeface="Wingdings" pitchFamily="2" charset="2"/>
-              </a:rPr>
-              <a:t>st</a:t>
-            </a:r>
-            <a:r>
-              <a:rPr lang="en-US" dirty="0">
-                <a:latin typeface="Courier" pitchFamily="2" charset="0"/>
-                <a:sym typeface="Wingdings" pitchFamily="2" charset="2"/>
-              </a:rPr>
-              <a:t>(FT) := </a:t>
-            </a:r>
-            <a:r>
-              <a:rPr lang="en-US" dirty="0" err="1">
-                <a:latin typeface="Courier" pitchFamily="2" charset="0"/>
-                <a:sym typeface="Wingdings" pitchFamily="2" charset="2"/>
-              </a:rPr>
-              <a:t>val</a:t>
-            </a:r>
-            <a:r>
-              <a:rPr lang="en-US" dirty="0">
-                <a:latin typeface="Courier" pitchFamily="2" charset="0"/>
-                <a:sym typeface="Wingdings" pitchFamily="2" charset="2"/>
-              </a:rPr>
-              <a:t>(F)</a:t>
-            </a:r>
-          </a:p>
-          <a:p>
-            <a:pPr marL="285750" indent="-285750">
-              <a:buFont typeface="Arial" panose="020B0604020202020204" pitchFamily="34" charset="0"/>
-              <a:buChar char="•"/>
-            </a:pPr>
-            <a:r>
-              <a:rPr lang="en-US" dirty="0" err="1">
-                <a:latin typeface="Courier" pitchFamily="2" charset="0"/>
-                <a:sym typeface="Wingdings" pitchFamily="2" charset="2"/>
-              </a:rPr>
-              <a:t>val</a:t>
-            </a:r>
-            <a:r>
-              <a:rPr lang="en-US" dirty="0">
-                <a:latin typeface="Courier" pitchFamily="2" charset="0"/>
-                <a:sym typeface="Wingdings" pitchFamily="2" charset="2"/>
-              </a:rPr>
-              <a:t>(T) := </a:t>
-            </a:r>
-            <a:r>
-              <a:rPr lang="en-US" dirty="0" err="1">
-                <a:latin typeface="Courier" pitchFamily="2" charset="0"/>
-                <a:sym typeface="Wingdings" pitchFamily="2" charset="2"/>
-              </a:rPr>
-              <a:t>val</a:t>
-            </a:r>
-            <a:r>
-              <a:rPr lang="en-US" dirty="0">
-                <a:latin typeface="Courier" pitchFamily="2" charset="0"/>
-                <a:sym typeface="Wingdings" pitchFamily="2" charset="2"/>
-              </a:rPr>
-              <a:t>(FT)</a:t>
-            </a:r>
-          </a:p>
-          <a:p>
-            <a:r>
-              <a:rPr lang="en-US" dirty="0">
-                <a:latin typeface="Courier" pitchFamily="2" charset="0"/>
-                <a:sym typeface="Wingdings" pitchFamily="2" charset="2"/>
-              </a:rPr>
-              <a:t>6. FT</a:t>
-            </a:r>
-            <a:r>
-              <a:rPr lang="en-US" baseline="-25000" dirty="0">
-                <a:latin typeface="Courier" pitchFamily="2" charset="0"/>
-                <a:sym typeface="Wingdings" pitchFamily="2" charset="2"/>
-              </a:rPr>
-              <a:t>1</a:t>
-            </a:r>
-            <a:r>
-              <a:rPr lang="en-US" dirty="0">
-                <a:latin typeface="Courier" pitchFamily="2" charset="0"/>
-                <a:sym typeface="Wingdings" pitchFamily="2" charset="2"/>
-              </a:rPr>
-              <a:t>  * F FT</a:t>
-            </a:r>
-            <a:r>
-              <a:rPr lang="en-US" baseline="-25000" dirty="0">
-                <a:latin typeface="Courier" pitchFamily="2" charset="0"/>
-                <a:sym typeface="Wingdings" pitchFamily="2" charset="2"/>
-              </a:rPr>
-              <a:t>2</a:t>
-            </a:r>
-          </a:p>
-          <a:p>
-            <a:pPr marL="285750" indent="-285750">
-              <a:buFont typeface="Arial" panose="020B0604020202020204" pitchFamily="34" charset="0"/>
-              <a:buChar char="•"/>
-            </a:pPr>
-            <a:r>
-              <a:rPr lang="en-US" dirty="0" err="1">
-                <a:latin typeface="Courier" pitchFamily="2" charset="0"/>
-                <a:sym typeface="Wingdings" pitchFamily="2" charset="2"/>
-              </a:rPr>
-              <a:t>st</a:t>
-            </a:r>
-            <a:r>
-              <a:rPr lang="en-US" dirty="0">
-                <a:latin typeface="Courier" pitchFamily="2" charset="0"/>
-                <a:sym typeface="Wingdings" pitchFamily="2" charset="2"/>
-              </a:rPr>
-              <a:t>(FT</a:t>
-            </a:r>
-            <a:r>
-              <a:rPr lang="en-US" baseline="-25000" dirty="0">
-                <a:latin typeface="Courier" pitchFamily="2" charset="0"/>
-                <a:sym typeface="Wingdings" pitchFamily="2" charset="2"/>
-              </a:rPr>
-              <a:t>2</a:t>
-            </a:r>
-            <a:r>
-              <a:rPr lang="en-US" dirty="0">
-                <a:latin typeface="Courier" pitchFamily="2" charset="0"/>
-                <a:sym typeface="Wingdings" pitchFamily="2" charset="2"/>
-              </a:rPr>
-              <a:t>) := </a:t>
-            </a:r>
-            <a:r>
-              <a:rPr lang="en-US" dirty="0" err="1">
-                <a:latin typeface="Courier" pitchFamily="2" charset="0"/>
-                <a:sym typeface="Wingdings" pitchFamily="2" charset="2"/>
-              </a:rPr>
-              <a:t>st</a:t>
-            </a:r>
-            <a:r>
-              <a:rPr lang="en-US" dirty="0">
-                <a:latin typeface="Courier" pitchFamily="2" charset="0"/>
-                <a:sym typeface="Wingdings" pitchFamily="2" charset="2"/>
-              </a:rPr>
-              <a:t>(FT</a:t>
-            </a:r>
-            <a:r>
-              <a:rPr lang="en-US" baseline="-25000" dirty="0">
-                <a:latin typeface="Courier" pitchFamily="2" charset="0"/>
-                <a:sym typeface="Wingdings" pitchFamily="2" charset="2"/>
-              </a:rPr>
-              <a:t>1</a:t>
-            </a:r>
-            <a:r>
-              <a:rPr lang="en-US" dirty="0">
-                <a:latin typeface="Courier" pitchFamily="2" charset="0"/>
-                <a:sym typeface="Wingdings" pitchFamily="2" charset="2"/>
-              </a:rPr>
-              <a:t>) * </a:t>
-            </a:r>
-            <a:r>
-              <a:rPr lang="en-US" dirty="0" err="1">
-                <a:latin typeface="Courier" pitchFamily="2" charset="0"/>
-                <a:sym typeface="Wingdings" pitchFamily="2" charset="2"/>
-              </a:rPr>
-              <a:t>val</a:t>
-            </a:r>
-            <a:r>
-              <a:rPr lang="en-US" dirty="0">
-                <a:latin typeface="Courier" pitchFamily="2" charset="0"/>
-                <a:sym typeface="Wingdings" pitchFamily="2" charset="2"/>
-              </a:rPr>
-              <a:t>(F)</a:t>
-            </a:r>
-          </a:p>
-          <a:p>
-            <a:pPr marL="285750" indent="-285750">
-              <a:buFont typeface="Arial" panose="020B0604020202020204" pitchFamily="34" charset="0"/>
-              <a:buChar char="•"/>
-            </a:pPr>
-            <a:r>
-              <a:rPr lang="en-US" dirty="0" err="1">
-                <a:latin typeface="Courier" pitchFamily="2" charset="0"/>
-                <a:sym typeface="Wingdings" pitchFamily="2" charset="2"/>
-              </a:rPr>
-              <a:t>val</a:t>
-            </a:r>
-            <a:r>
-              <a:rPr lang="en-US" dirty="0">
-                <a:latin typeface="Courier" pitchFamily="2" charset="0"/>
-                <a:sym typeface="Wingdings" pitchFamily="2" charset="2"/>
-              </a:rPr>
-              <a:t>(FT</a:t>
-            </a:r>
-            <a:r>
-              <a:rPr lang="en-US" baseline="-25000" dirty="0">
-                <a:latin typeface="Courier" pitchFamily="2" charset="0"/>
-                <a:sym typeface="Wingdings" pitchFamily="2" charset="2"/>
-              </a:rPr>
-              <a:t>1</a:t>
-            </a:r>
-            <a:r>
-              <a:rPr lang="en-US" dirty="0">
-                <a:latin typeface="Courier" pitchFamily="2" charset="0"/>
-                <a:sym typeface="Wingdings" pitchFamily="2" charset="2"/>
-              </a:rPr>
-              <a:t>) := </a:t>
-            </a:r>
-            <a:r>
-              <a:rPr lang="en-US" dirty="0" err="1">
-                <a:latin typeface="Courier" pitchFamily="2" charset="0"/>
-                <a:sym typeface="Wingdings" pitchFamily="2" charset="2"/>
-              </a:rPr>
-              <a:t>val</a:t>
-            </a:r>
-            <a:r>
-              <a:rPr lang="en-US" dirty="0">
-                <a:latin typeface="Courier" pitchFamily="2" charset="0"/>
-                <a:sym typeface="Wingdings" pitchFamily="2" charset="2"/>
-              </a:rPr>
-              <a:t>(FT</a:t>
-            </a:r>
-            <a:r>
-              <a:rPr lang="en-US" baseline="-25000" dirty="0">
-                <a:latin typeface="Courier" pitchFamily="2" charset="0"/>
-                <a:sym typeface="Wingdings" pitchFamily="2" charset="2"/>
-              </a:rPr>
-              <a:t>2</a:t>
-            </a:r>
-            <a:r>
-              <a:rPr lang="en-US" dirty="0">
-                <a:latin typeface="Courier" pitchFamily="2" charset="0"/>
-                <a:sym typeface="Wingdings" pitchFamily="2" charset="2"/>
-              </a:rPr>
-              <a:t>)</a:t>
-            </a:r>
-          </a:p>
-        </p:txBody>
-      </p:sp>
-      <p:sp>
-        <p:nvSpPr>
-          <p:cNvPr id="7" name="TextBox 6">
-            <a:extLst>
-              <a:ext uri="{FF2B5EF4-FFF2-40B4-BE49-F238E27FC236}">
-                <a16:creationId xmlns:a16="http://schemas.microsoft.com/office/drawing/2014/main" id="{82FB3199-35F7-4C41-AB29-9F1E588BE4A4}"/>
-              </a:ext>
-            </a:extLst>
-          </p:cNvPr>
-          <p:cNvSpPr txBox="1"/>
-          <p:nvPr/>
-        </p:nvSpPr>
-        <p:spPr>
-          <a:xfrm>
-            <a:off x="7814810" y="1622862"/>
-            <a:ext cx="3919990" cy="3416320"/>
-          </a:xfrm>
-          <a:prstGeom prst="rect">
-            <a:avLst/>
-          </a:prstGeom>
-          <a:noFill/>
-          <a:ln w="57150">
-            <a:solidFill>
-              <a:srgbClr val="00B050"/>
-            </a:solidFill>
-          </a:ln>
-        </p:spPr>
-        <p:txBody>
-          <a:bodyPr wrap="square" rtlCol="0">
-            <a:spAutoFit/>
-          </a:bodyPr>
-          <a:lstStyle/>
-          <a:p>
-            <a:r>
-              <a:rPr lang="en-US" dirty="0">
-                <a:latin typeface="Courier" pitchFamily="2" charset="0"/>
-              </a:rPr>
-              <a:t>7. FT</a:t>
-            </a:r>
-            <a:r>
-              <a:rPr lang="en-US" baseline="-25000" dirty="0">
-                <a:latin typeface="Courier" pitchFamily="2" charset="0"/>
-              </a:rPr>
-              <a:t>1</a:t>
-            </a:r>
-            <a:r>
-              <a:rPr lang="en-US" dirty="0">
-                <a:latin typeface="Courier" pitchFamily="2" charset="0"/>
-              </a:rPr>
-              <a:t> </a:t>
-            </a:r>
-            <a:r>
-              <a:rPr lang="en-US" dirty="0">
-                <a:latin typeface="Courier" pitchFamily="2" charset="0"/>
-                <a:sym typeface="Wingdings" pitchFamily="2" charset="2"/>
-              </a:rPr>
-              <a:t> / F FT</a:t>
-            </a:r>
-            <a:r>
-              <a:rPr lang="en-US" baseline="-25000" dirty="0">
-                <a:latin typeface="Courier" pitchFamily="2" charset="0"/>
-                <a:sym typeface="Wingdings" pitchFamily="2" charset="2"/>
-              </a:rPr>
-              <a:t>2</a:t>
-            </a:r>
-          </a:p>
-          <a:p>
-            <a:pPr marL="285750" indent="-285750">
-              <a:buFont typeface="Arial" panose="020B0604020202020204" pitchFamily="34" charset="0"/>
-              <a:buChar char="•"/>
-            </a:pPr>
-            <a:r>
-              <a:rPr lang="en-US" dirty="0" err="1">
-                <a:latin typeface="Courier" pitchFamily="2" charset="0"/>
-                <a:sym typeface="Wingdings" pitchFamily="2" charset="2"/>
-              </a:rPr>
-              <a:t>st</a:t>
-            </a:r>
-            <a:r>
-              <a:rPr lang="en-US" dirty="0">
-                <a:latin typeface="Courier" pitchFamily="2" charset="0"/>
-                <a:sym typeface="Wingdings" pitchFamily="2" charset="2"/>
-              </a:rPr>
-              <a:t>(FT</a:t>
-            </a:r>
-            <a:r>
-              <a:rPr lang="en-US" baseline="-25000" dirty="0">
-                <a:latin typeface="Courier" pitchFamily="2" charset="0"/>
-                <a:sym typeface="Wingdings" pitchFamily="2" charset="2"/>
-              </a:rPr>
-              <a:t>2</a:t>
-            </a:r>
-            <a:r>
-              <a:rPr lang="en-US" dirty="0">
-                <a:latin typeface="Courier" pitchFamily="2" charset="0"/>
-                <a:sym typeface="Wingdings" pitchFamily="2" charset="2"/>
-              </a:rPr>
-              <a:t>) := </a:t>
-            </a:r>
-            <a:r>
-              <a:rPr lang="en-US" dirty="0" err="1">
-                <a:latin typeface="Courier" pitchFamily="2" charset="0"/>
-                <a:sym typeface="Wingdings" pitchFamily="2" charset="2"/>
-              </a:rPr>
-              <a:t>st</a:t>
-            </a:r>
-            <a:r>
-              <a:rPr lang="en-US" dirty="0">
-                <a:latin typeface="Courier" pitchFamily="2" charset="0"/>
-                <a:sym typeface="Wingdings" pitchFamily="2" charset="2"/>
-              </a:rPr>
-              <a:t>(FT</a:t>
-            </a:r>
-            <a:r>
-              <a:rPr lang="en-US" baseline="-25000" dirty="0">
-                <a:latin typeface="Courier" pitchFamily="2" charset="0"/>
-                <a:sym typeface="Wingdings" pitchFamily="2" charset="2"/>
-              </a:rPr>
-              <a:t>1</a:t>
-            </a:r>
-            <a:r>
-              <a:rPr lang="en-US" dirty="0">
-                <a:latin typeface="Courier" pitchFamily="2" charset="0"/>
-                <a:sym typeface="Wingdings" pitchFamily="2" charset="2"/>
-              </a:rPr>
-              <a:t>) / </a:t>
-            </a:r>
-            <a:r>
-              <a:rPr lang="en-US" dirty="0" err="1">
-                <a:latin typeface="Courier" pitchFamily="2" charset="0"/>
-                <a:sym typeface="Wingdings" pitchFamily="2" charset="2"/>
-              </a:rPr>
-              <a:t>val</a:t>
-            </a:r>
-            <a:r>
-              <a:rPr lang="en-US" dirty="0">
-                <a:latin typeface="Courier" pitchFamily="2" charset="0"/>
-                <a:sym typeface="Wingdings" pitchFamily="2" charset="2"/>
-              </a:rPr>
-              <a:t>(F)</a:t>
-            </a:r>
-          </a:p>
-          <a:p>
-            <a:pPr marL="285750" indent="-285750">
-              <a:buFont typeface="Arial" panose="020B0604020202020204" pitchFamily="34" charset="0"/>
-              <a:buChar char="•"/>
-            </a:pPr>
-            <a:r>
-              <a:rPr lang="en-US" dirty="0" err="1">
-                <a:latin typeface="Courier" pitchFamily="2" charset="0"/>
-                <a:sym typeface="Wingdings" pitchFamily="2" charset="2"/>
-              </a:rPr>
-              <a:t>val</a:t>
-            </a:r>
-            <a:r>
-              <a:rPr lang="en-US" dirty="0">
-                <a:latin typeface="Courier" pitchFamily="2" charset="0"/>
-                <a:sym typeface="Wingdings" pitchFamily="2" charset="2"/>
-              </a:rPr>
-              <a:t>(FT</a:t>
-            </a:r>
-            <a:r>
-              <a:rPr lang="en-US" baseline="-25000" dirty="0">
-                <a:latin typeface="Courier" pitchFamily="2" charset="0"/>
-                <a:sym typeface="Wingdings" pitchFamily="2" charset="2"/>
-              </a:rPr>
-              <a:t>1</a:t>
-            </a:r>
-            <a:r>
-              <a:rPr lang="en-US" dirty="0">
-                <a:latin typeface="Courier" pitchFamily="2" charset="0"/>
-                <a:sym typeface="Wingdings" pitchFamily="2" charset="2"/>
-              </a:rPr>
-              <a:t>) := </a:t>
-            </a:r>
-            <a:r>
-              <a:rPr lang="en-US" dirty="0" err="1">
-                <a:latin typeface="Courier" pitchFamily="2" charset="0"/>
-                <a:sym typeface="Wingdings" pitchFamily="2" charset="2"/>
-              </a:rPr>
-              <a:t>val</a:t>
-            </a:r>
-            <a:r>
-              <a:rPr lang="en-US" dirty="0">
-                <a:latin typeface="Courier" pitchFamily="2" charset="0"/>
-                <a:sym typeface="Wingdings" pitchFamily="2" charset="2"/>
-              </a:rPr>
-              <a:t>(FT</a:t>
-            </a:r>
-            <a:r>
-              <a:rPr lang="en-US" baseline="-25000" dirty="0">
-                <a:latin typeface="Courier" pitchFamily="2" charset="0"/>
-                <a:sym typeface="Wingdings" pitchFamily="2" charset="2"/>
-              </a:rPr>
-              <a:t>2</a:t>
-            </a:r>
-            <a:r>
-              <a:rPr lang="en-US" dirty="0">
-                <a:latin typeface="Courier" pitchFamily="2" charset="0"/>
-                <a:sym typeface="Wingdings" pitchFamily="2" charset="2"/>
-              </a:rPr>
-              <a:t>)</a:t>
-            </a:r>
-          </a:p>
-          <a:p>
-            <a:r>
-              <a:rPr lang="en-US" dirty="0">
-                <a:latin typeface="Courier" pitchFamily="2" charset="0"/>
-                <a:sym typeface="Wingdings" pitchFamily="2" charset="2"/>
-              </a:rPr>
-              <a:t>8 FT  </a:t>
-            </a:r>
-            <a:r>
-              <a:rPr lang="en-US" dirty="0">
-                <a:latin typeface="Symbol" pitchFamily="2" charset="2"/>
-                <a:sym typeface="Wingdings" pitchFamily="2" charset="2"/>
-              </a:rPr>
-              <a:t>e</a:t>
-            </a:r>
-          </a:p>
-          <a:p>
-            <a:pPr marL="285750" indent="-285750">
-              <a:buFont typeface="Arial" panose="020B0604020202020204" pitchFamily="34" charset="0"/>
-              <a:buChar char="•"/>
-            </a:pPr>
-            <a:r>
-              <a:rPr lang="en-US" dirty="0" err="1">
-                <a:latin typeface="Courier" pitchFamily="2" charset="0"/>
-                <a:sym typeface="Wingdings" pitchFamily="2" charset="2"/>
-              </a:rPr>
-              <a:t>val</a:t>
-            </a:r>
-            <a:r>
-              <a:rPr lang="en-US" dirty="0">
-                <a:latin typeface="Courier" pitchFamily="2" charset="0"/>
-                <a:sym typeface="Wingdings" pitchFamily="2" charset="2"/>
-              </a:rPr>
-              <a:t>(FT) := </a:t>
-            </a:r>
-            <a:r>
-              <a:rPr lang="en-US" dirty="0" err="1">
-                <a:latin typeface="Courier" pitchFamily="2" charset="0"/>
-                <a:sym typeface="Wingdings" pitchFamily="2" charset="2"/>
-              </a:rPr>
-              <a:t>st</a:t>
-            </a:r>
-            <a:r>
-              <a:rPr lang="en-US" dirty="0">
-                <a:latin typeface="Courier" pitchFamily="2" charset="0"/>
-                <a:sym typeface="Wingdings" pitchFamily="2" charset="2"/>
-              </a:rPr>
-              <a:t>(FT)</a:t>
-            </a:r>
-          </a:p>
-          <a:p>
-            <a:r>
-              <a:rPr lang="en-US" dirty="0">
-                <a:latin typeface="Courier" pitchFamily="2" charset="0"/>
-                <a:sym typeface="Wingdings" pitchFamily="2" charset="2"/>
-              </a:rPr>
-              <a:t>9. F</a:t>
-            </a:r>
-            <a:r>
-              <a:rPr lang="en-US" baseline="-25000" dirty="0">
-                <a:latin typeface="Courier" pitchFamily="2" charset="0"/>
-                <a:sym typeface="Wingdings" pitchFamily="2" charset="2"/>
-              </a:rPr>
-              <a:t>1</a:t>
-            </a:r>
-            <a:r>
-              <a:rPr lang="en-US" dirty="0">
-                <a:latin typeface="Courier" pitchFamily="2" charset="0"/>
-                <a:sym typeface="Wingdings" pitchFamily="2" charset="2"/>
-              </a:rPr>
-              <a:t>  - F</a:t>
-            </a:r>
-            <a:r>
-              <a:rPr lang="en-US" baseline="-25000" dirty="0">
-                <a:latin typeface="Courier" pitchFamily="2" charset="0"/>
-                <a:sym typeface="Wingdings" pitchFamily="2" charset="2"/>
-              </a:rPr>
-              <a:t>2</a:t>
-            </a:r>
-          </a:p>
-          <a:p>
-            <a:pPr marL="285750" indent="-285750">
-              <a:buFont typeface="Arial" panose="020B0604020202020204" pitchFamily="34" charset="0"/>
-              <a:buChar char="•"/>
-            </a:pPr>
-            <a:r>
-              <a:rPr lang="en-US" dirty="0" err="1">
-                <a:latin typeface="Courier" pitchFamily="2" charset="0"/>
-                <a:sym typeface="Wingdings" pitchFamily="2" charset="2"/>
-              </a:rPr>
-              <a:t>val</a:t>
-            </a:r>
-            <a:r>
-              <a:rPr lang="en-US" dirty="0">
-                <a:latin typeface="Courier" pitchFamily="2" charset="0"/>
-                <a:sym typeface="Wingdings" pitchFamily="2" charset="2"/>
-              </a:rPr>
-              <a:t>(F</a:t>
-            </a:r>
-            <a:r>
-              <a:rPr lang="en-US" baseline="-25000" dirty="0">
-                <a:latin typeface="Courier" pitchFamily="2" charset="0"/>
-                <a:sym typeface="Wingdings" pitchFamily="2" charset="2"/>
-              </a:rPr>
-              <a:t>1</a:t>
-            </a:r>
-            <a:r>
-              <a:rPr lang="en-US" dirty="0">
-                <a:latin typeface="Courier" pitchFamily="2" charset="0"/>
-                <a:sym typeface="Wingdings" pitchFamily="2" charset="2"/>
-              </a:rPr>
-              <a:t>) :=  - </a:t>
-            </a:r>
-            <a:r>
-              <a:rPr lang="en-US" dirty="0" err="1">
-                <a:latin typeface="Courier" pitchFamily="2" charset="0"/>
-                <a:sym typeface="Wingdings" pitchFamily="2" charset="2"/>
-              </a:rPr>
-              <a:t>val</a:t>
-            </a:r>
-            <a:r>
-              <a:rPr lang="en-US" dirty="0">
-                <a:latin typeface="Courier" pitchFamily="2" charset="0"/>
-                <a:sym typeface="Wingdings" pitchFamily="2" charset="2"/>
-              </a:rPr>
-              <a:t>(F</a:t>
-            </a:r>
-            <a:r>
-              <a:rPr lang="en-US" baseline="-25000" dirty="0">
-                <a:latin typeface="Courier" pitchFamily="2" charset="0"/>
-                <a:sym typeface="Wingdings" pitchFamily="2" charset="2"/>
-              </a:rPr>
-              <a:t>2</a:t>
-            </a:r>
-            <a:r>
-              <a:rPr lang="en-US" dirty="0">
-                <a:latin typeface="Courier" pitchFamily="2" charset="0"/>
-                <a:sym typeface="Wingdings" pitchFamily="2" charset="2"/>
-              </a:rPr>
-              <a:t>)</a:t>
-            </a:r>
-          </a:p>
-          <a:p>
-            <a:r>
-              <a:rPr lang="en-US" dirty="0">
-                <a:latin typeface="Courier" pitchFamily="2" charset="0"/>
-                <a:sym typeface="Wingdings" pitchFamily="2" charset="2"/>
-              </a:rPr>
-              <a:t>10. F  ( E )</a:t>
-            </a:r>
-          </a:p>
-          <a:p>
-            <a:pPr marL="285750" indent="-285750">
-              <a:buFont typeface="Arial" panose="020B0604020202020204" pitchFamily="34" charset="0"/>
-              <a:buChar char="•"/>
-            </a:pPr>
-            <a:r>
-              <a:rPr lang="en-US" dirty="0" err="1">
-                <a:latin typeface="Courier" pitchFamily="2" charset="0"/>
-                <a:sym typeface="Wingdings" pitchFamily="2" charset="2"/>
-              </a:rPr>
-              <a:t>val</a:t>
-            </a:r>
-            <a:r>
-              <a:rPr lang="en-US" dirty="0">
-                <a:latin typeface="Courier" pitchFamily="2" charset="0"/>
-                <a:sym typeface="Wingdings" pitchFamily="2" charset="2"/>
-              </a:rPr>
-              <a:t>(F) := </a:t>
-            </a:r>
-            <a:r>
-              <a:rPr lang="en-US" dirty="0" err="1">
-                <a:latin typeface="Courier" pitchFamily="2" charset="0"/>
-                <a:sym typeface="Wingdings" pitchFamily="2" charset="2"/>
-              </a:rPr>
-              <a:t>val</a:t>
-            </a:r>
-            <a:r>
-              <a:rPr lang="en-US" dirty="0">
-                <a:latin typeface="Courier" pitchFamily="2" charset="0"/>
-                <a:sym typeface="Wingdings" pitchFamily="2" charset="2"/>
-              </a:rPr>
-              <a:t>(E)</a:t>
-            </a:r>
-          </a:p>
-          <a:p>
-            <a:r>
-              <a:rPr lang="en-US" dirty="0">
-                <a:latin typeface="Courier" pitchFamily="2" charset="0"/>
-                <a:sym typeface="Wingdings" pitchFamily="2" charset="2"/>
-              </a:rPr>
-              <a:t>11. F  const</a:t>
-            </a:r>
-          </a:p>
-          <a:p>
-            <a:pPr marL="285750" indent="-285750">
-              <a:buFont typeface="Arial" panose="020B0604020202020204" pitchFamily="34" charset="0"/>
-              <a:buChar char="•"/>
-            </a:pPr>
-            <a:r>
-              <a:rPr lang="en-US" dirty="0" err="1">
-                <a:latin typeface="Courier" pitchFamily="2" charset="0"/>
-                <a:sym typeface="Wingdings" pitchFamily="2" charset="2"/>
-              </a:rPr>
-              <a:t>val</a:t>
-            </a:r>
-            <a:r>
-              <a:rPr lang="en-US" dirty="0">
-                <a:latin typeface="Courier" pitchFamily="2" charset="0"/>
-                <a:sym typeface="Wingdings" pitchFamily="2" charset="2"/>
-              </a:rPr>
-              <a:t>(F) := </a:t>
-            </a:r>
-            <a:r>
-              <a:rPr lang="en-US" dirty="0" err="1">
-                <a:latin typeface="Courier" pitchFamily="2" charset="0"/>
-                <a:sym typeface="Wingdings" pitchFamily="2" charset="2"/>
-              </a:rPr>
-              <a:t>val</a:t>
-            </a:r>
-            <a:r>
-              <a:rPr lang="en-US" dirty="0">
-                <a:latin typeface="Courier" pitchFamily="2" charset="0"/>
-                <a:sym typeface="Wingdings" pitchFamily="2" charset="2"/>
-              </a:rPr>
-              <a:t>(const)</a:t>
-            </a:r>
-            <a:endParaRPr lang="en-US" dirty="0">
-              <a:latin typeface="Courier" pitchFamily="2" charset="0"/>
-            </a:endParaRPr>
-          </a:p>
-        </p:txBody>
-      </p:sp>
-    </p:spTree>
-    <p:extLst>
-      <p:ext uri="{BB962C8B-B14F-4D97-AF65-F5344CB8AC3E}">
-        <p14:creationId xmlns:p14="http://schemas.microsoft.com/office/powerpoint/2010/main" val="2249490451"/>
-      </p:ext>
-    </p:extLst>
-  </p:cSld>
-  <p:clrMapOvr>
-    <a:masterClrMapping/>
-  </p:clrMapOvr>
-</p:sld>
-</file>
-
 <file path=ppt/slides/slide21.xml><?xml version="1.0" encoding="utf-8"?>
 <p:sld xmlns:a="http://schemas.openxmlformats.org/drawingml/2006/main" xmlns:r="http://schemas.openxmlformats.org/officeDocument/2006/relationships" xmlns:p="http://schemas.openxmlformats.org/presentationml/2006/main">
   <p:cSld>
@@ -15041,7 +13880,7 @@
           <p:cNvPr id="2" name="Title 1">
             <a:extLst>
               <a:ext uri="{FF2B5EF4-FFF2-40B4-BE49-F238E27FC236}">
-                <a16:creationId xmlns:a16="http://schemas.microsoft.com/office/drawing/2014/main" id="{02B29308-4AE4-8C4F-AA2D-FF654F9436B5}"/>
+                <a16:creationId xmlns:a16="http://schemas.microsoft.com/office/drawing/2014/main" id="{B969E557-DEDC-D44A-838B-36DFAB3B21AC}"/>
               </a:ext>
             </a:extLst>
           </p:cNvPr>
@@ -15059,7 +13898,7 @@
           <a:p>
             <a:r>
               <a:rPr lang="en-US" dirty="0"/>
-              <a:t>Attribute Flow</a:t>
+              <a:t>Inherited Attributes</a:t>
             </a:r>
           </a:p>
         </p:txBody>
@@ -15069,7 +13908,7 @@
           <p:cNvPr id="3" name="Content Placeholder 2">
             <a:extLst>
               <a:ext uri="{FF2B5EF4-FFF2-40B4-BE49-F238E27FC236}">
-                <a16:creationId xmlns:a16="http://schemas.microsoft.com/office/drawing/2014/main" id="{9CE26BFA-B219-644B-930E-81B1F6922CE4}"/>
+                <a16:creationId xmlns:a16="http://schemas.microsoft.com/office/drawing/2014/main" id="{F85AFE32-E0C5-464C-822D-C29548BC1A89}"/>
               </a:ext>
             </a:extLst>
           </p:cNvPr>
@@ -15080,76 +13919,42 @@
             <p:ph idx="1"/>
           </p:nvPr>
         </p:nvSpPr>
-        <p:spPr/>
+        <p:spPr>
+          <a:xfrm>
+            <a:off x="838200" y="1825625"/>
+            <a:ext cx="1807029" cy="4351338"/>
+          </a:xfrm>
+        </p:spPr>
         <p:txBody>
           <a:bodyPr>
             <a:normAutofit/>
           </a:bodyPr>
           <a:lstStyle/>
           <a:p>
-            <a:pPr>
-              <a:lnSpc>
-                <a:spcPct val="120000"/>
-              </a:lnSpc>
+            <a:pPr marL="0" indent="0">
+              <a:buNone/>
             </a:pPr>
             <a:r>
-              <a:rPr lang="en-US" sz="2200" dirty="0"/>
-              <a:t>Attribute grammars do not specify the order in which attribute rules are or should be invoked</a:t>
-            </a:r>
-          </a:p>
-          <a:p>
-            <a:pPr>
-              <a:lnSpc>
-                <a:spcPct val="120000"/>
-              </a:lnSpc>
+              <a:rPr lang="en-US" sz="2000" dirty="0"/>
+              <a:t>LL(1) grammar with inherit attributes:</a:t>
+            </a:r>
+          </a:p>
+          <a:p>
+            <a:pPr marL="0" indent="0">
+              <a:buNone/>
             </a:pPr>
             <a:r>
-              <a:rPr lang="en-US" sz="2200" dirty="0"/>
-              <a:t>Annotations are declarative: define set of trees, but not how to annotate them</a:t>
-            </a:r>
-          </a:p>
-          <a:p>
-            <a:pPr>
-              <a:lnSpc>
-                <a:spcPct val="120000"/>
-              </a:lnSpc>
+              <a:rPr lang="en-US" sz="2000" dirty="0"/>
+              <a:t>Main source of problem: left associative operators</a:t>
+            </a:r>
+          </a:p>
+          <a:p>
+            <a:pPr marL="0" indent="0">
+              <a:buNone/>
             </a:pPr>
             <a:r>
-              <a:rPr lang="en-US" sz="2200" dirty="0"/>
-              <a:t>S-attribute grammars:</a:t>
-            </a:r>
-          </a:p>
-          <a:p>
-            <a:pPr lvl="1">
-              <a:lnSpc>
-                <a:spcPct val="120000"/>
-              </a:lnSpc>
-            </a:pPr>
-            <a:r>
-              <a:rPr lang="en-US" sz="2200" dirty="0"/>
-              <a:t>Strictly bottom-up</a:t>
-            </a:r>
-          </a:p>
-          <a:p>
-            <a:pPr lvl="1">
-              <a:lnSpc>
-                <a:spcPct val="120000"/>
-              </a:lnSpc>
-            </a:pPr>
-            <a:r>
-              <a:rPr lang="en-US" sz="2200" dirty="0"/>
-              <a:t>Evaluation of attributes follows visiting order of parse tree (of an LR-parser)</a:t>
-            </a:r>
-          </a:p>
-          <a:p>
-            <a:pPr lvl="1">
-              <a:lnSpc>
-                <a:spcPct val="120000"/>
-              </a:lnSpc>
-            </a:pPr>
-            <a:r>
-              <a:rPr lang="en-US" sz="2200" dirty="0"/>
-              <a:t>Attributes can be evaluated on the fly, interleaving semantic and syntactic analysis (and lexical analysis)</a:t>
+              <a:rPr lang="en-US" sz="2000" dirty="0"/>
+              <a:t>Left and right operands appear in separate productions</a:t>
             </a:r>
           </a:p>
         </p:txBody>
@@ -15159,7 +13964,7 @@
           <p:cNvPr id="4" name="Footer Placeholder 3">
             <a:extLst>
               <a:ext uri="{FF2B5EF4-FFF2-40B4-BE49-F238E27FC236}">
-                <a16:creationId xmlns:a16="http://schemas.microsoft.com/office/drawing/2014/main" id="{902FB986-6424-3241-AC68-7C6B7BB31C99}"/>
+                <a16:creationId xmlns:a16="http://schemas.microsoft.com/office/drawing/2014/main" id="{2F461F52-2176-FA49-865B-93901786FDFB}"/>
               </a:ext>
             </a:extLst>
           </p:cNvPr>
@@ -15187,7 +13992,7 @@
           <p:cNvPr id="5" name="Slide Number Placeholder 4">
             <a:extLst>
               <a:ext uri="{FF2B5EF4-FFF2-40B4-BE49-F238E27FC236}">
-                <a16:creationId xmlns:a16="http://schemas.microsoft.com/office/drawing/2014/main" id="{A781598B-419D-C546-BE2B-BE3A676FC913}"/>
+                <a16:creationId xmlns:a16="http://schemas.microsoft.com/office/drawing/2014/main" id="{77020F8E-3CCC-B745-8CCF-D1830CABE20D}"/>
               </a:ext>
             </a:extLst>
           </p:cNvPr>
@@ -15211,10 +14016,1195 @@
           </a:p>
         </p:txBody>
       </p:sp>
+      <p:sp>
+        <p:nvSpPr>
+          <p:cNvPr id="6" name="TextBox 5">
+            <a:extLst>
+              <a:ext uri="{FF2B5EF4-FFF2-40B4-BE49-F238E27FC236}">
+                <a16:creationId xmlns:a16="http://schemas.microsoft.com/office/drawing/2014/main" id="{861AD73F-9210-D844-903F-C47AFFAEFCC7}"/>
+              </a:ext>
+            </a:extLst>
+          </p:cNvPr>
+          <p:cNvSpPr txBox="1"/>
+          <p:nvPr/>
+        </p:nvSpPr>
+        <p:spPr>
+          <a:xfrm>
+            <a:off x="3276600" y="1622862"/>
+            <a:ext cx="4105611" cy="4801314"/>
+          </a:xfrm>
+          <a:prstGeom prst="rect">
+            <a:avLst/>
+          </a:prstGeom>
+          <a:noFill/>
+          <a:ln w="57150">
+            <a:solidFill>
+              <a:srgbClr val="00B050"/>
+            </a:solidFill>
+          </a:ln>
+        </p:spPr>
+        <p:txBody>
+          <a:bodyPr wrap="none" rtlCol="0">
+            <a:spAutoFit/>
+          </a:bodyPr>
+          <a:lstStyle/>
+          <a:p>
+            <a:r>
+              <a:rPr lang="en-US" dirty="0">
+                <a:latin typeface="Courier" pitchFamily="2" charset="0"/>
+              </a:rPr>
+              <a:t>1. E </a:t>
+            </a:r>
+            <a:r>
+              <a:rPr lang="en-US" dirty="0">
+                <a:latin typeface="Courier" pitchFamily="2" charset="0"/>
+                <a:sym typeface="Wingdings" pitchFamily="2" charset="2"/>
+              </a:rPr>
+              <a:t> T TT		</a:t>
+            </a:r>
+          </a:p>
+          <a:p>
+            <a:pPr marL="285750" indent="-285750">
+              <a:buFont typeface="Arial" panose="020B0604020202020204" pitchFamily="34" charset="0"/>
+              <a:buChar char="•"/>
+            </a:pPr>
+            <a:r>
+              <a:rPr lang="en-US" dirty="0" err="1">
+                <a:latin typeface="Courier" pitchFamily="2" charset="0"/>
+                <a:sym typeface="Wingdings" pitchFamily="2" charset="2"/>
+              </a:rPr>
+              <a:t>st</a:t>
+            </a:r>
+            <a:r>
+              <a:rPr lang="en-US" dirty="0">
+                <a:latin typeface="Courier" pitchFamily="2" charset="0"/>
+                <a:sym typeface="Wingdings" pitchFamily="2" charset="2"/>
+              </a:rPr>
+              <a:t>(TT) := </a:t>
+            </a:r>
+            <a:r>
+              <a:rPr lang="en-US" dirty="0" err="1">
+                <a:latin typeface="Courier" pitchFamily="2" charset="0"/>
+                <a:sym typeface="Wingdings" pitchFamily="2" charset="2"/>
+              </a:rPr>
+              <a:t>val</a:t>
+            </a:r>
+            <a:r>
+              <a:rPr lang="en-US" dirty="0">
+                <a:latin typeface="Courier" pitchFamily="2" charset="0"/>
+                <a:sym typeface="Wingdings" pitchFamily="2" charset="2"/>
+              </a:rPr>
+              <a:t>(TT)</a:t>
+            </a:r>
+          </a:p>
+          <a:p>
+            <a:pPr marL="285750" indent="-285750">
+              <a:buFont typeface="Arial" panose="020B0604020202020204" pitchFamily="34" charset="0"/>
+              <a:buChar char="•"/>
+            </a:pPr>
+            <a:r>
+              <a:rPr lang="en-US" dirty="0" err="1">
+                <a:latin typeface="Courier" pitchFamily="2" charset="0"/>
+                <a:sym typeface="Wingdings" pitchFamily="2" charset="2"/>
+              </a:rPr>
+              <a:t>val</a:t>
+            </a:r>
+            <a:r>
+              <a:rPr lang="en-US" dirty="0">
+                <a:latin typeface="Courier" pitchFamily="2" charset="0"/>
+                <a:sym typeface="Wingdings" pitchFamily="2" charset="2"/>
+              </a:rPr>
+              <a:t>(E) := </a:t>
+            </a:r>
+            <a:r>
+              <a:rPr lang="en-US" dirty="0" err="1">
+                <a:latin typeface="Courier" pitchFamily="2" charset="0"/>
+                <a:sym typeface="Wingdings" pitchFamily="2" charset="2"/>
+              </a:rPr>
+              <a:t>val</a:t>
+            </a:r>
+            <a:r>
+              <a:rPr lang="en-US" dirty="0">
+                <a:latin typeface="Courier" pitchFamily="2" charset="0"/>
+                <a:sym typeface="Wingdings" pitchFamily="2" charset="2"/>
+              </a:rPr>
+              <a:t>(TT)</a:t>
+            </a:r>
+          </a:p>
+          <a:p>
+            <a:r>
+              <a:rPr lang="en-US" dirty="0">
+                <a:latin typeface="Courier" pitchFamily="2" charset="0"/>
+                <a:sym typeface="Wingdings" pitchFamily="2" charset="2"/>
+              </a:rPr>
+              <a:t>2. TT</a:t>
+            </a:r>
+            <a:r>
+              <a:rPr lang="en-US" baseline="-25000" dirty="0">
+                <a:latin typeface="Courier" pitchFamily="2" charset="0"/>
+                <a:sym typeface="Wingdings" pitchFamily="2" charset="2"/>
+              </a:rPr>
+              <a:t>1</a:t>
+            </a:r>
+            <a:r>
+              <a:rPr lang="en-US" dirty="0">
+                <a:latin typeface="Courier" pitchFamily="2" charset="0"/>
+                <a:sym typeface="Wingdings" pitchFamily="2" charset="2"/>
+              </a:rPr>
+              <a:t>  + T TT</a:t>
+            </a:r>
+            <a:r>
+              <a:rPr lang="en-US" baseline="-25000" dirty="0">
+                <a:latin typeface="Courier" pitchFamily="2" charset="0"/>
+                <a:sym typeface="Wingdings" pitchFamily="2" charset="2"/>
+              </a:rPr>
+              <a:t>2</a:t>
+            </a:r>
+          </a:p>
+          <a:p>
+            <a:pPr marL="285750" indent="-285750">
+              <a:buFont typeface="Arial" panose="020B0604020202020204" pitchFamily="34" charset="0"/>
+              <a:buChar char="•"/>
+            </a:pPr>
+            <a:r>
+              <a:rPr lang="en-US" dirty="0" err="1">
+                <a:latin typeface="Courier" pitchFamily="2" charset="0"/>
+                <a:sym typeface="Wingdings" pitchFamily="2" charset="2"/>
+              </a:rPr>
+              <a:t>st</a:t>
+            </a:r>
+            <a:r>
+              <a:rPr lang="en-US" dirty="0">
+                <a:latin typeface="Courier" pitchFamily="2" charset="0"/>
+                <a:sym typeface="Wingdings" pitchFamily="2" charset="2"/>
+              </a:rPr>
+              <a:t>(TT</a:t>
+            </a:r>
+            <a:r>
+              <a:rPr lang="en-US" baseline="-25000" dirty="0">
+                <a:latin typeface="Courier" pitchFamily="2" charset="0"/>
+                <a:sym typeface="Wingdings" pitchFamily="2" charset="2"/>
+              </a:rPr>
+              <a:t>2</a:t>
+            </a:r>
+            <a:r>
+              <a:rPr lang="en-US" dirty="0">
+                <a:latin typeface="Courier" pitchFamily="2" charset="0"/>
+                <a:sym typeface="Wingdings" pitchFamily="2" charset="2"/>
+              </a:rPr>
+              <a:t>) := </a:t>
+            </a:r>
+            <a:r>
+              <a:rPr lang="en-US" dirty="0" err="1">
+                <a:latin typeface="Courier" pitchFamily="2" charset="0"/>
+                <a:sym typeface="Wingdings" pitchFamily="2" charset="2"/>
+              </a:rPr>
+              <a:t>st</a:t>
+            </a:r>
+            <a:r>
+              <a:rPr lang="en-US" dirty="0">
+                <a:latin typeface="Courier" pitchFamily="2" charset="0"/>
+                <a:sym typeface="Wingdings" pitchFamily="2" charset="2"/>
+              </a:rPr>
+              <a:t>(TT</a:t>
+            </a:r>
+            <a:r>
+              <a:rPr lang="en-US" baseline="-25000" dirty="0">
+                <a:latin typeface="Courier" pitchFamily="2" charset="0"/>
+                <a:sym typeface="Wingdings" pitchFamily="2" charset="2"/>
+              </a:rPr>
+              <a:t>1</a:t>
+            </a:r>
+            <a:r>
+              <a:rPr lang="en-US" dirty="0">
+                <a:latin typeface="Courier" pitchFamily="2" charset="0"/>
+                <a:sym typeface="Wingdings" pitchFamily="2" charset="2"/>
+              </a:rPr>
+              <a:t>) + </a:t>
+            </a:r>
+            <a:r>
+              <a:rPr lang="en-US" dirty="0" err="1">
+                <a:latin typeface="Courier" pitchFamily="2" charset="0"/>
+                <a:sym typeface="Wingdings" pitchFamily="2" charset="2"/>
+              </a:rPr>
+              <a:t>val</a:t>
+            </a:r>
+            <a:r>
+              <a:rPr lang="en-US" dirty="0">
+                <a:latin typeface="Courier" pitchFamily="2" charset="0"/>
+                <a:sym typeface="Wingdings" pitchFamily="2" charset="2"/>
+              </a:rPr>
+              <a:t>(T)</a:t>
+            </a:r>
+          </a:p>
+          <a:p>
+            <a:pPr marL="285750" indent="-285750">
+              <a:buFont typeface="Arial" panose="020B0604020202020204" pitchFamily="34" charset="0"/>
+              <a:buChar char="•"/>
+            </a:pPr>
+            <a:r>
+              <a:rPr lang="en-US" dirty="0" err="1">
+                <a:latin typeface="Courier" pitchFamily="2" charset="0"/>
+                <a:sym typeface="Wingdings" pitchFamily="2" charset="2"/>
+              </a:rPr>
+              <a:t>val</a:t>
+            </a:r>
+            <a:r>
+              <a:rPr lang="en-US" dirty="0">
+                <a:latin typeface="Courier" pitchFamily="2" charset="0"/>
+                <a:sym typeface="Wingdings" pitchFamily="2" charset="2"/>
+              </a:rPr>
+              <a:t>(TT</a:t>
+            </a:r>
+            <a:r>
+              <a:rPr lang="en-US" baseline="-25000" dirty="0">
+                <a:latin typeface="Courier" pitchFamily="2" charset="0"/>
+                <a:sym typeface="Wingdings" pitchFamily="2" charset="2"/>
+              </a:rPr>
+              <a:t>1</a:t>
+            </a:r>
+            <a:r>
+              <a:rPr lang="en-US" dirty="0">
+                <a:latin typeface="Courier" pitchFamily="2" charset="0"/>
+                <a:sym typeface="Wingdings" pitchFamily="2" charset="2"/>
+              </a:rPr>
+              <a:t>) := </a:t>
+            </a:r>
+            <a:r>
+              <a:rPr lang="en-US" dirty="0" err="1">
+                <a:latin typeface="Courier" pitchFamily="2" charset="0"/>
+                <a:sym typeface="Wingdings" pitchFamily="2" charset="2"/>
+              </a:rPr>
+              <a:t>val</a:t>
+            </a:r>
+            <a:r>
+              <a:rPr lang="en-US" dirty="0">
+                <a:latin typeface="Courier" pitchFamily="2" charset="0"/>
+                <a:sym typeface="Wingdings" pitchFamily="2" charset="2"/>
+              </a:rPr>
+              <a:t> (TT</a:t>
+            </a:r>
+            <a:r>
+              <a:rPr lang="en-US" baseline="-25000" dirty="0">
+                <a:latin typeface="Courier" pitchFamily="2" charset="0"/>
+                <a:sym typeface="Wingdings" pitchFamily="2" charset="2"/>
+              </a:rPr>
+              <a:t>2</a:t>
+            </a:r>
+            <a:r>
+              <a:rPr lang="en-US" dirty="0">
+                <a:latin typeface="Courier" pitchFamily="2" charset="0"/>
+                <a:sym typeface="Wingdings" pitchFamily="2" charset="2"/>
+              </a:rPr>
+              <a:t>)</a:t>
+            </a:r>
+          </a:p>
+          <a:p>
+            <a:r>
+              <a:rPr lang="en-US" dirty="0">
+                <a:latin typeface="Courier" pitchFamily="2" charset="0"/>
+                <a:sym typeface="Wingdings" pitchFamily="2" charset="2"/>
+              </a:rPr>
+              <a:t>3. TT</a:t>
+            </a:r>
+            <a:r>
+              <a:rPr lang="en-US" baseline="-25000" dirty="0">
+                <a:latin typeface="Courier" pitchFamily="2" charset="0"/>
+                <a:sym typeface="Wingdings" pitchFamily="2" charset="2"/>
+              </a:rPr>
+              <a:t>1</a:t>
+            </a:r>
+            <a:r>
+              <a:rPr lang="en-US" dirty="0">
+                <a:latin typeface="Courier" pitchFamily="2" charset="0"/>
+                <a:sym typeface="Wingdings" pitchFamily="2" charset="2"/>
+              </a:rPr>
+              <a:t> - T TT</a:t>
+            </a:r>
+            <a:r>
+              <a:rPr lang="en-US" baseline="-25000" dirty="0">
+                <a:latin typeface="Courier" pitchFamily="2" charset="0"/>
+                <a:sym typeface="Wingdings" pitchFamily="2" charset="2"/>
+              </a:rPr>
+              <a:t>2</a:t>
+            </a:r>
+          </a:p>
+          <a:p>
+            <a:pPr marL="285750" indent="-285750">
+              <a:buFont typeface="Arial" panose="020B0604020202020204" pitchFamily="34" charset="0"/>
+              <a:buChar char="•"/>
+            </a:pPr>
+            <a:r>
+              <a:rPr lang="en-US" dirty="0" err="1">
+                <a:latin typeface="Courier" pitchFamily="2" charset="0"/>
+                <a:sym typeface="Wingdings" pitchFamily="2" charset="2"/>
+              </a:rPr>
+              <a:t>st</a:t>
+            </a:r>
+            <a:r>
+              <a:rPr lang="en-US" dirty="0">
+                <a:latin typeface="Courier" pitchFamily="2" charset="0"/>
+                <a:sym typeface="Wingdings" pitchFamily="2" charset="2"/>
+              </a:rPr>
+              <a:t>(TT</a:t>
+            </a:r>
+            <a:r>
+              <a:rPr lang="en-US" baseline="-25000" dirty="0">
+                <a:latin typeface="Courier" pitchFamily="2" charset="0"/>
+                <a:sym typeface="Wingdings" pitchFamily="2" charset="2"/>
+              </a:rPr>
+              <a:t>2</a:t>
+            </a:r>
+            <a:r>
+              <a:rPr lang="en-US" dirty="0">
+                <a:latin typeface="Courier" pitchFamily="2" charset="0"/>
+                <a:sym typeface="Wingdings" pitchFamily="2" charset="2"/>
+              </a:rPr>
+              <a:t>) := </a:t>
+            </a:r>
+            <a:r>
+              <a:rPr lang="en-US" dirty="0" err="1">
+                <a:latin typeface="Courier" pitchFamily="2" charset="0"/>
+                <a:sym typeface="Wingdings" pitchFamily="2" charset="2"/>
+              </a:rPr>
+              <a:t>st</a:t>
+            </a:r>
+            <a:r>
+              <a:rPr lang="en-US" dirty="0">
+                <a:latin typeface="Courier" pitchFamily="2" charset="0"/>
+                <a:sym typeface="Wingdings" pitchFamily="2" charset="2"/>
+              </a:rPr>
+              <a:t>(TT</a:t>
+            </a:r>
+            <a:r>
+              <a:rPr lang="en-US" baseline="-25000" dirty="0">
+                <a:latin typeface="Courier" pitchFamily="2" charset="0"/>
+                <a:sym typeface="Wingdings" pitchFamily="2" charset="2"/>
+              </a:rPr>
+              <a:t>1</a:t>
+            </a:r>
+            <a:r>
+              <a:rPr lang="en-US" dirty="0">
+                <a:latin typeface="Courier" pitchFamily="2" charset="0"/>
+                <a:sym typeface="Wingdings" pitchFamily="2" charset="2"/>
+              </a:rPr>
+              <a:t>) – </a:t>
+            </a:r>
+            <a:r>
+              <a:rPr lang="en-US" dirty="0" err="1">
+                <a:latin typeface="Courier" pitchFamily="2" charset="0"/>
+                <a:sym typeface="Wingdings" pitchFamily="2" charset="2"/>
+              </a:rPr>
+              <a:t>val</a:t>
+            </a:r>
+            <a:r>
+              <a:rPr lang="en-US" dirty="0">
+                <a:latin typeface="Courier" pitchFamily="2" charset="0"/>
+                <a:sym typeface="Wingdings" pitchFamily="2" charset="2"/>
+              </a:rPr>
+              <a:t>(T)</a:t>
+            </a:r>
+          </a:p>
+          <a:p>
+            <a:pPr marL="285750" indent="-285750">
+              <a:buFont typeface="Arial" panose="020B0604020202020204" pitchFamily="34" charset="0"/>
+              <a:buChar char="•"/>
+            </a:pPr>
+            <a:r>
+              <a:rPr lang="en-US" dirty="0" err="1">
+                <a:latin typeface="Courier" pitchFamily="2" charset="0"/>
+                <a:sym typeface="Wingdings" pitchFamily="2" charset="2"/>
+              </a:rPr>
+              <a:t>val</a:t>
+            </a:r>
+            <a:r>
+              <a:rPr lang="en-US" dirty="0">
+                <a:latin typeface="Courier" pitchFamily="2" charset="0"/>
+                <a:sym typeface="Wingdings" pitchFamily="2" charset="2"/>
+              </a:rPr>
+              <a:t>(TT</a:t>
+            </a:r>
+            <a:r>
+              <a:rPr lang="en-US" baseline="-25000" dirty="0">
+                <a:latin typeface="Courier" pitchFamily="2" charset="0"/>
+                <a:sym typeface="Wingdings" pitchFamily="2" charset="2"/>
+              </a:rPr>
+              <a:t>1</a:t>
+            </a:r>
+            <a:r>
+              <a:rPr lang="en-US" dirty="0">
+                <a:latin typeface="Courier" pitchFamily="2" charset="0"/>
+                <a:sym typeface="Wingdings" pitchFamily="2" charset="2"/>
+              </a:rPr>
+              <a:t>) := </a:t>
+            </a:r>
+            <a:r>
+              <a:rPr lang="en-US" dirty="0" err="1">
+                <a:latin typeface="Courier" pitchFamily="2" charset="0"/>
+                <a:sym typeface="Wingdings" pitchFamily="2" charset="2"/>
+              </a:rPr>
+              <a:t>val</a:t>
+            </a:r>
+            <a:r>
+              <a:rPr lang="en-US" dirty="0">
+                <a:latin typeface="Courier" pitchFamily="2" charset="0"/>
+                <a:sym typeface="Wingdings" pitchFamily="2" charset="2"/>
+              </a:rPr>
+              <a:t>(TT</a:t>
+            </a:r>
+            <a:r>
+              <a:rPr lang="en-US" baseline="-25000" dirty="0">
+                <a:latin typeface="Courier" pitchFamily="2" charset="0"/>
+                <a:sym typeface="Wingdings" pitchFamily="2" charset="2"/>
+              </a:rPr>
+              <a:t>2</a:t>
+            </a:r>
+            <a:r>
+              <a:rPr lang="en-US" dirty="0">
+                <a:latin typeface="Courier" pitchFamily="2" charset="0"/>
+                <a:sym typeface="Wingdings" pitchFamily="2" charset="2"/>
+              </a:rPr>
+              <a:t>)</a:t>
+            </a:r>
+          </a:p>
+          <a:p>
+            <a:r>
+              <a:rPr lang="en-US" dirty="0">
+                <a:latin typeface="Courier" pitchFamily="2" charset="0"/>
+                <a:sym typeface="Wingdings" pitchFamily="2" charset="2"/>
+              </a:rPr>
+              <a:t>4. TT  </a:t>
+            </a:r>
+            <a:r>
+              <a:rPr lang="en-US" dirty="0">
+                <a:latin typeface="Symbol" pitchFamily="2" charset="2"/>
+                <a:sym typeface="Wingdings" pitchFamily="2" charset="2"/>
+              </a:rPr>
+              <a:t>e</a:t>
+            </a:r>
+          </a:p>
+          <a:p>
+            <a:pPr marL="285750" indent="-285750">
+              <a:buFont typeface="Arial" panose="020B0604020202020204" pitchFamily="34" charset="0"/>
+              <a:buChar char="•"/>
+            </a:pPr>
+            <a:r>
+              <a:rPr lang="en-US" dirty="0" err="1">
+                <a:latin typeface="Courier" pitchFamily="2" charset="0"/>
+                <a:sym typeface="Wingdings" pitchFamily="2" charset="2"/>
+              </a:rPr>
+              <a:t>val</a:t>
+            </a:r>
+            <a:r>
+              <a:rPr lang="en-US" dirty="0">
+                <a:latin typeface="Courier" pitchFamily="2" charset="0"/>
+                <a:sym typeface="Wingdings" pitchFamily="2" charset="2"/>
+              </a:rPr>
+              <a:t>(TT) := </a:t>
+            </a:r>
+            <a:r>
+              <a:rPr lang="en-US" dirty="0" err="1">
+                <a:latin typeface="Courier" pitchFamily="2" charset="0"/>
+                <a:sym typeface="Wingdings" pitchFamily="2" charset="2"/>
+              </a:rPr>
+              <a:t>st</a:t>
+            </a:r>
+            <a:r>
+              <a:rPr lang="en-US" dirty="0">
+                <a:latin typeface="Courier" pitchFamily="2" charset="0"/>
+                <a:sym typeface="Wingdings" pitchFamily="2" charset="2"/>
+              </a:rPr>
+              <a:t>(TT)</a:t>
+            </a:r>
+          </a:p>
+          <a:p>
+            <a:r>
+              <a:rPr lang="en-US" dirty="0">
+                <a:latin typeface="Courier" pitchFamily="2" charset="0"/>
+                <a:sym typeface="Wingdings" pitchFamily="2" charset="2"/>
+              </a:rPr>
+              <a:t>5. T  F FT</a:t>
+            </a:r>
+          </a:p>
+          <a:p>
+            <a:pPr marL="285750" indent="-285750">
+              <a:buFont typeface="Arial" panose="020B0604020202020204" pitchFamily="34" charset="0"/>
+              <a:buChar char="•"/>
+            </a:pPr>
+            <a:r>
+              <a:rPr lang="en-US" dirty="0" err="1">
+                <a:latin typeface="Courier" pitchFamily="2" charset="0"/>
+                <a:sym typeface="Wingdings" pitchFamily="2" charset="2"/>
+              </a:rPr>
+              <a:t>st</a:t>
+            </a:r>
+            <a:r>
+              <a:rPr lang="en-US" dirty="0">
+                <a:latin typeface="Courier" pitchFamily="2" charset="0"/>
+                <a:sym typeface="Wingdings" pitchFamily="2" charset="2"/>
+              </a:rPr>
+              <a:t>(FT) := </a:t>
+            </a:r>
+            <a:r>
+              <a:rPr lang="en-US" dirty="0" err="1">
+                <a:latin typeface="Courier" pitchFamily="2" charset="0"/>
+                <a:sym typeface="Wingdings" pitchFamily="2" charset="2"/>
+              </a:rPr>
+              <a:t>val</a:t>
+            </a:r>
+            <a:r>
+              <a:rPr lang="en-US" dirty="0">
+                <a:latin typeface="Courier" pitchFamily="2" charset="0"/>
+                <a:sym typeface="Wingdings" pitchFamily="2" charset="2"/>
+              </a:rPr>
+              <a:t>(F)</a:t>
+            </a:r>
+          </a:p>
+          <a:p>
+            <a:pPr marL="285750" indent="-285750">
+              <a:buFont typeface="Arial" panose="020B0604020202020204" pitchFamily="34" charset="0"/>
+              <a:buChar char="•"/>
+            </a:pPr>
+            <a:r>
+              <a:rPr lang="en-US" dirty="0" err="1">
+                <a:latin typeface="Courier" pitchFamily="2" charset="0"/>
+                <a:sym typeface="Wingdings" pitchFamily="2" charset="2"/>
+              </a:rPr>
+              <a:t>val</a:t>
+            </a:r>
+            <a:r>
+              <a:rPr lang="en-US" dirty="0">
+                <a:latin typeface="Courier" pitchFamily="2" charset="0"/>
+                <a:sym typeface="Wingdings" pitchFamily="2" charset="2"/>
+              </a:rPr>
+              <a:t>(T) := </a:t>
+            </a:r>
+            <a:r>
+              <a:rPr lang="en-US" dirty="0" err="1">
+                <a:latin typeface="Courier" pitchFamily="2" charset="0"/>
+                <a:sym typeface="Wingdings" pitchFamily="2" charset="2"/>
+              </a:rPr>
+              <a:t>val</a:t>
+            </a:r>
+            <a:r>
+              <a:rPr lang="en-US" dirty="0">
+                <a:latin typeface="Courier" pitchFamily="2" charset="0"/>
+                <a:sym typeface="Wingdings" pitchFamily="2" charset="2"/>
+              </a:rPr>
+              <a:t>(FT)</a:t>
+            </a:r>
+          </a:p>
+          <a:p>
+            <a:r>
+              <a:rPr lang="en-US" dirty="0">
+                <a:latin typeface="Courier" pitchFamily="2" charset="0"/>
+                <a:sym typeface="Wingdings" pitchFamily="2" charset="2"/>
+              </a:rPr>
+              <a:t>6. FT</a:t>
+            </a:r>
+            <a:r>
+              <a:rPr lang="en-US" baseline="-25000" dirty="0">
+                <a:latin typeface="Courier" pitchFamily="2" charset="0"/>
+                <a:sym typeface="Wingdings" pitchFamily="2" charset="2"/>
+              </a:rPr>
+              <a:t>1</a:t>
+            </a:r>
+            <a:r>
+              <a:rPr lang="en-US" dirty="0">
+                <a:latin typeface="Courier" pitchFamily="2" charset="0"/>
+                <a:sym typeface="Wingdings" pitchFamily="2" charset="2"/>
+              </a:rPr>
+              <a:t>  * F FT</a:t>
+            </a:r>
+            <a:r>
+              <a:rPr lang="en-US" baseline="-25000" dirty="0">
+                <a:latin typeface="Courier" pitchFamily="2" charset="0"/>
+                <a:sym typeface="Wingdings" pitchFamily="2" charset="2"/>
+              </a:rPr>
+              <a:t>2</a:t>
+            </a:r>
+          </a:p>
+          <a:p>
+            <a:pPr marL="285750" indent="-285750">
+              <a:buFont typeface="Arial" panose="020B0604020202020204" pitchFamily="34" charset="0"/>
+              <a:buChar char="•"/>
+            </a:pPr>
+            <a:r>
+              <a:rPr lang="en-US" dirty="0" err="1">
+                <a:latin typeface="Courier" pitchFamily="2" charset="0"/>
+                <a:sym typeface="Wingdings" pitchFamily="2" charset="2"/>
+              </a:rPr>
+              <a:t>st</a:t>
+            </a:r>
+            <a:r>
+              <a:rPr lang="en-US" dirty="0">
+                <a:latin typeface="Courier" pitchFamily="2" charset="0"/>
+                <a:sym typeface="Wingdings" pitchFamily="2" charset="2"/>
+              </a:rPr>
+              <a:t>(FT</a:t>
+            </a:r>
+            <a:r>
+              <a:rPr lang="en-US" baseline="-25000" dirty="0">
+                <a:latin typeface="Courier" pitchFamily="2" charset="0"/>
+                <a:sym typeface="Wingdings" pitchFamily="2" charset="2"/>
+              </a:rPr>
+              <a:t>2</a:t>
+            </a:r>
+            <a:r>
+              <a:rPr lang="en-US" dirty="0">
+                <a:latin typeface="Courier" pitchFamily="2" charset="0"/>
+                <a:sym typeface="Wingdings" pitchFamily="2" charset="2"/>
+              </a:rPr>
+              <a:t>) := </a:t>
+            </a:r>
+            <a:r>
+              <a:rPr lang="en-US" dirty="0" err="1">
+                <a:latin typeface="Courier" pitchFamily="2" charset="0"/>
+                <a:sym typeface="Wingdings" pitchFamily="2" charset="2"/>
+              </a:rPr>
+              <a:t>st</a:t>
+            </a:r>
+            <a:r>
+              <a:rPr lang="en-US" dirty="0">
+                <a:latin typeface="Courier" pitchFamily="2" charset="0"/>
+                <a:sym typeface="Wingdings" pitchFamily="2" charset="2"/>
+              </a:rPr>
+              <a:t>(FT</a:t>
+            </a:r>
+            <a:r>
+              <a:rPr lang="en-US" baseline="-25000" dirty="0">
+                <a:latin typeface="Courier" pitchFamily="2" charset="0"/>
+                <a:sym typeface="Wingdings" pitchFamily="2" charset="2"/>
+              </a:rPr>
+              <a:t>1</a:t>
+            </a:r>
+            <a:r>
+              <a:rPr lang="en-US" dirty="0">
+                <a:latin typeface="Courier" pitchFamily="2" charset="0"/>
+                <a:sym typeface="Wingdings" pitchFamily="2" charset="2"/>
+              </a:rPr>
+              <a:t>) * </a:t>
+            </a:r>
+            <a:r>
+              <a:rPr lang="en-US" dirty="0" err="1">
+                <a:latin typeface="Courier" pitchFamily="2" charset="0"/>
+                <a:sym typeface="Wingdings" pitchFamily="2" charset="2"/>
+              </a:rPr>
+              <a:t>val</a:t>
+            </a:r>
+            <a:r>
+              <a:rPr lang="en-US" dirty="0">
+                <a:latin typeface="Courier" pitchFamily="2" charset="0"/>
+                <a:sym typeface="Wingdings" pitchFamily="2" charset="2"/>
+              </a:rPr>
+              <a:t>(F)</a:t>
+            </a:r>
+          </a:p>
+          <a:p>
+            <a:pPr marL="285750" indent="-285750">
+              <a:buFont typeface="Arial" panose="020B0604020202020204" pitchFamily="34" charset="0"/>
+              <a:buChar char="•"/>
+            </a:pPr>
+            <a:r>
+              <a:rPr lang="en-US" dirty="0" err="1">
+                <a:latin typeface="Courier" pitchFamily="2" charset="0"/>
+                <a:sym typeface="Wingdings" pitchFamily="2" charset="2"/>
+              </a:rPr>
+              <a:t>val</a:t>
+            </a:r>
+            <a:r>
+              <a:rPr lang="en-US" dirty="0">
+                <a:latin typeface="Courier" pitchFamily="2" charset="0"/>
+                <a:sym typeface="Wingdings" pitchFamily="2" charset="2"/>
+              </a:rPr>
+              <a:t>(FT</a:t>
+            </a:r>
+            <a:r>
+              <a:rPr lang="en-US" baseline="-25000" dirty="0">
+                <a:latin typeface="Courier" pitchFamily="2" charset="0"/>
+                <a:sym typeface="Wingdings" pitchFamily="2" charset="2"/>
+              </a:rPr>
+              <a:t>1</a:t>
+            </a:r>
+            <a:r>
+              <a:rPr lang="en-US" dirty="0">
+                <a:latin typeface="Courier" pitchFamily="2" charset="0"/>
+                <a:sym typeface="Wingdings" pitchFamily="2" charset="2"/>
+              </a:rPr>
+              <a:t>) := </a:t>
+            </a:r>
+            <a:r>
+              <a:rPr lang="en-US" dirty="0" err="1">
+                <a:latin typeface="Courier" pitchFamily="2" charset="0"/>
+                <a:sym typeface="Wingdings" pitchFamily="2" charset="2"/>
+              </a:rPr>
+              <a:t>val</a:t>
+            </a:r>
+            <a:r>
+              <a:rPr lang="en-US" dirty="0">
+                <a:latin typeface="Courier" pitchFamily="2" charset="0"/>
+                <a:sym typeface="Wingdings" pitchFamily="2" charset="2"/>
+              </a:rPr>
+              <a:t>(FT</a:t>
+            </a:r>
+            <a:r>
+              <a:rPr lang="en-US" baseline="-25000" dirty="0">
+                <a:latin typeface="Courier" pitchFamily="2" charset="0"/>
+                <a:sym typeface="Wingdings" pitchFamily="2" charset="2"/>
+              </a:rPr>
+              <a:t>2</a:t>
+            </a:r>
+            <a:r>
+              <a:rPr lang="en-US" dirty="0">
+                <a:latin typeface="Courier" pitchFamily="2" charset="0"/>
+                <a:sym typeface="Wingdings" pitchFamily="2" charset="2"/>
+              </a:rPr>
+              <a:t>)</a:t>
+            </a:r>
+          </a:p>
+        </p:txBody>
+      </p:sp>
+      <p:sp>
+        <p:nvSpPr>
+          <p:cNvPr id="7" name="TextBox 6">
+            <a:extLst>
+              <a:ext uri="{FF2B5EF4-FFF2-40B4-BE49-F238E27FC236}">
+                <a16:creationId xmlns:a16="http://schemas.microsoft.com/office/drawing/2014/main" id="{82FB3199-35F7-4C41-AB29-9F1E588BE4A4}"/>
+              </a:ext>
+            </a:extLst>
+          </p:cNvPr>
+          <p:cNvSpPr txBox="1"/>
+          <p:nvPr/>
+        </p:nvSpPr>
+        <p:spPr>
+          <a:xfrm>
+            <a:off x="7814810" y="1622862"/>
+            <a:ext cx="3919990" cy="3416320"/>
+          </a:xfrm>
+          <a:prstGeom prst="rect">
+            <a:avLst/>
+          </a:prstGeom>
+          <a:noFill/>
+          <a:ln w="57150">
+            <a:solidFill>
+              <a:srgbClr val="00B050"/>
+            </a:solidFill>
+          </a:ln>
+        </p:spPr>
+        <p:txBody>
+          <a:bodyPr wrap="square" rtlCol="0">
+            <a:spAutoFit/>
+          </a:bodyPr>
+          <a:lstStyle/>
+          <a:p>
+            <a:r>
+              <a:rPr lang="en-US" dirty="0">
+                <a:latin typeface="Courier" pitchFamily="2" charset="0"/>
+              </a:rPr>
+              <a:t>7. FT</a:t>
+            </a:r>
+            <a:r>
+              <a:rPr lang="en-US" baseline="-25000" dirty="0">
+                <a:latin typeface="Courier" pitchFamily="2" charset="0"/>
+              </a:rPr>
+              <a:t>1</a:t>
+            </a:r>
+            <a:r>
+              <a:rPr lang="en-US" dirty="0">
+                <a:latin typeface="Courier" pitchFamily="2" charset="0"/>
+              </a:rPr>
+              <a:t> </a:t>
+            </a:r>
+            <a:r>
+              <a:rPr lang="en-US" dirty="0">
+                <a:latin typeface="Courier" pitchFamily="2" charset="0"/>
+                <a:sym typeface="Wingdings" pitchFamily="2" charset="2"/>
+              </a:rPr>
+              <a:t> / F FT</a:t>
+            </a:r>
+            <a:r>
+              <a:rPr lang="en-US" baseline="-25000" dirty="0">
+                <a:latin typeface="Courier" pitchFamily="2" charset="0"/>
+                <a:sym typeface="Wingdings" pitchFamily="2" charset="2"/>
+              </a:rPr>
+              <a:t>2</a:t>
+            </a:r>
+          </a:p>
+          <a:p>
+            <a:pPr marL="285750" indent="-285750">
+              <a:buFont typeface="Arial" panose="020B0604020202020204" pitchFamily="34" charset="0"/>
+              <a:buChar char="•"/>
+            </a:pPr>
+            <a:r>
+              <a:rPr lang="en-US" dirty="0" err="1">
+                <a:latin typeface="Courier" pitchFamily="2" charset="0"/>
+                <a:sym typeface="Wingdings" pitchFamily="2" charset="2"/>
+              </a:rPr>
+              <a:t>st</a:t>
+            </a:r>
+            <a:r>
+              <a:rPr lang="en-US" dirty="0">
+                <a:latin typeface="Courier" pitchFamily="2" charset="0"/>
+                <a:sym typeface="Wingdings" pitchFamily="2" charset="2"/>
+              </a:rPr>
+              <a:t>(FT</a:t>
+            </a:r>
+            <a:r>
+              <a:rPr lang="en-US" baseline="-25000" dirty="0">
+                <a:latin typeface="Courier" pitchFamily="2" charset="0"/>
+                <a:sym typeface="Wingdings" pitchFamily="2" charset="2"/>
+              </a:rPr>
+              <a:t>2</a:t>
+            </a:r>
+            <a:r>
+              <a:rPr lang="en-US" dirty="0">
+                <a:latin typeface="Courier" pitchFamily="2" charset="0"/>
+                <a:sym typeface="Wingdings" pitchFamily="2" charset="2"/>
+              </a:rPr>
+              <a:t>) := </a:t>
+            </a:r>
+            <a:r>
+              <a:rPr lang="en-US" dirty="0" err="1">
+                <a:latin typeface="Courier" pitchFamily="2" charset="0"/>
+                <a:sym typeface="Wingdings" pitchFamily="2" charset="2"/>
+              </a:rPr>
+              <a:t>st</a:t>
+            </a:r>
+            <a:r>
+              <a:rPr lang="en-US" dirty="0">
+                <a:latin typeface="Courier" pitchFamily="2" charset="0"/>
+                <a:sym typeface="Wingdings" pitchFamily="2" charset="2"/>
+              </a:rPr>
+              <a:t>(FT</a:t>
+            </a:r>
+            <a:r>
+              <a:rPr lang="en-US" baseline="-25000" dirty="0">
+                <a:latin typeface="Courier" pitchFamily="2" charset="0"/>
+                <a:sym typeface="Wingdings" pitchFamily="2" charset="2"/>
+              </a:rPr>
+              <a:t>1</a:t>
+            </a:r>
+            <a:r>
+              <a:rPr lang="en-US" dirty="0">
+                <a:latin typeface="Courier" pitchFamily="2" charset="0"/>
+                <a:sym typeface="Wingdings" pitchFamily="2" charset="2"/>
+              </a:rPr>
+              <a:t>) / </a:t>
+            </a:r>
+            <a:r>
+              <a:rPr lang="en-US" dirty="0" err="1">
+                <a:latin typeface="Courier" pitchFamily="2" charset="0"/>
+                <a:sym typeface="Wingdings" pitchFamily="2" charset="2"/>
+              </a:rPr>
+              <a:t>val</a:t>
+            </a:r>
+            <a:r>
+              <a:rPr lang="en-US" dirty="0">
+                <a:latin typeface="Courier" pitchFamily="2" charset="0"/>
+                <a:sym typeface="Wingdings" pitchFamily="2" charset="2"/>
+              </a:rPr>
+              <a:t>(F)</a:t>
+            </a:r>
+          </a:p>
+          <a:p>
+            <a:pPr marL="285750" indent="-285750">
+              <a:buFont typeface="Arial" panose="020B0604020202020204" pitchFamily="34" charset="0"/>
+              <a:buChar char="•"/>
+            </a:pPr>
+            <a:r>
+              <a:rPr lang="en-US" dirty="0" err="1">
+                <a:latin typeface="Courier" pitchFamily="2" charset="0"/>
+                <a:sym typeface="Wingdings" pitchFamily="2" charset="2"/>
+              </a:rPr>
+              <a:t>val</a:t>
+            </a:r>
+            <a:r>
+              <a:rPr lang="en-US" dirty="0">
+                <a:latin typeface="Courier" pitchFamily="2" charset="0"/>
+                <a:sym typeface="Wingdings" pitchFamily="2" charset="2"/>
+              </a:rPr>
+              <a:t>(FT</a:t>
+            </a:r>
+            <a:r>
+              <a:rPr lang="en-US" baseline="-25000" dirty="0">
+                <a:latin typeface="Courier" pitchFamily="2" charset="0"/>
+                <a:sym typeface="Wingdings" pitchFamily="2" charset="2"/>
+              </a:rPr>
+              <a:t>1</a:t>
+            </a:r>
+            <a:r>
+              <a:rPr lang="en-US" dirty="0">
+                <a:latin typeface="Courier" pitchFamily="2" charset="0"/>
+                <a:sym typeface="Wingdings" pitchFamily="2" charset="2"/>
+              </a:rPr>
+              <a:t>) := </a:t>
+            </a:r>
+            <a:r>
+              <a:rPr lang="en-US" dirty="0" err="1">
+                <a:latin typeface="Courier" pitchFamily="2" charset="0"/>
+                <a:sym typeface="Wingdings" pitchFamily="2" charset="2"/>
+              </a:rPr>
+              <a:t>val</a:t>
+            </a:r>
+            <a:r>
+              <a:rPr lang="en-US" dirty="0">
+                <a:latin typeface="Courier" pitchFamily="2" charset="0"/>
+                <a:sym typeface="Wingdings" pitchFamily="2" charset="2"/>
+              </a:rPr>
+              <a:t>(FT</a:t>
+            </a:r>
+            <a:r>
+              <a:rPr lang="en-US" baseline="-25000" dirty="0">
+                <a:latin typeface="Courier" pitchFamily="2" charset="0"/>
+                <a:sym typeface="Wingdings" pitchFamily="2" charset="2"/>
+              </a:rPr>
+              <a:t>2</a:t>
+            </a:r>
+            <a:r>
+              <a:rPr lang="en-US" dirty="0">
+                <a:latin typeface="Courier" pitchFamily="2" charset="0"/>
+                <a:sym typeface="Wingdings" pitchFamily="2" charset="2"/>
+              </a:rPr>
+              <a:t>)</a:t>
+            </a:r>
+          </a:p>
+          <a:p>
+            <a:r>
+              <a:rPr lang="en-US" dirty="0">
+                <a:latin typeface="Courier" pitchFamily="2" charset="0"/>
+                <a:sym typeface="Wingdings" pitchFamily="2" charset="2"/>
+              </a:rPr>
+              <a:t>8 FT  </a:t>
+            </a:r>
+            <a:r>
+              <a:rPr lang="en-US" dirty="0">
+                <a:latin typeface="Symbol" pitchFamily="2" charset="2"/>
+                <a:sym typeface="Wingdings" pitchFamily="2" charset="2"/>
+              </a:rPr>
+              <a:t>e</a:t>
+            </a:r>
+          </a:p>
+          <a:p>
+            <a:pPr marL="285750" indent="-285750">
+              <a:buFont typeface="Arial" panose="020B0604020202020204" pitchFamily="34" charset="0"/>
+              <a:buChar char="•"/>
+            </a:pPr>
+            <a:r>
+              <a:rPr lang="en-US" dirty="0" err="1">
+                <a:latin typeface="Courier" pitchFamily="2" charset="0"/>
+                <a:sym typeface="Wingdings" pitchFamily="2" charset="2"/>
+              </a:rPr>
+              <a:t>val</a:t>
+            </a:r>
+            <a:r>
+              <a:rPr lang="en-US" dirty="0">
+                <a:latin typeface="Courier" pitchFamily="2" charset="0"/>
+                <a:sym typeface="Wingdings" pitchFamily="2" charset="2"/>
+              </a:rPr>
+              <a:t>(FT) := </a:t>
+            </a:r>
+            <a:r>
+              <a:rPr lang="en-US" dirty="0" err="1">
+                <a:latin typeface="Courier" pitchFamily="2" charset="0"/>
+                <a:sym typeface="Wingdings" pitchFamily="2" charset="2"/>
+              </a:rPr>
+              <a:t>st</a:t>
+            </a:r>
+            <a:r>
+              <a:rPr lang="en-US" dirty="0">
+                <a:latin typeface="Courier" pitchFamily="2" charset="0"/>
+                <a:sym typeface="Wingdings" pitchFamily="2" charset="2"/>
+              </a:rPr>
+              <a:t>(FT)</a:t>
+            </a:r>
+          </a:p>
+          <a:p>
+            <a:r>
+              <a:rPr lang="en-US" dirty="0">
+                <a:latin typeface="Courier" pitchFamily="2" charset="0"/>
+                <a:sym typeface="Wingdings" pitchFamily="2" charset="2"/>
+              </a:rPr>
+              <a:t>9. F</a:t>
+            </a:r>
+            <a:r>
+              <a:rPr lang="en-US" baseline="-25000" dirty="0">
+                <a:latin typeface="Courier" pitchFamily="2" charset="0"/>
+                <a:sym typeface="Wingdings" pitchFamily="2" charset="2"/>
+              </a:rPr>
+              <a:t>1</a:t>
+            </a:r>
+            <a:r>
+              <a:rPr lang="en-US" dirty="0">
+                <a:latin typeface="Courier" pitchFamily="2" charset="0"/>
+                <a:sym typeface="Wingdings" pitchFamily="2" charset="2"/>
+              </a:rPr>
+              <a:t>  - F</a:t>
+            </a:r>
+            <a:r>
+              <a:rPr lang="en-US" baseline="-25000" dirty="0">
+                <a:latin typeface="Courier" pitchFamily="2" charset="0"/>
+                <a:sym typeface="Wingdings" pitchFamily="2" charset="2"/>
+              </a:rPr>
+              <a:t>2</a:t>
+            </a:r>
+          </a:p>
+          <a:p>
+            <a:pPr marL="285750" indent="-285750">
+              <a:buFont typeface="Arial" panose="020B0604020202020204" pitchFamily="34" charset="0"/>
+              <a:buChar char="•"/>
+            </a:pPr>
+            <a:r>
+              <a:rPr lang="en-US" dirty="0" err="1">
+                <a:latin typeface="Courier" pitchFamily="2" charset="0"/>
+                <a:sym typeface="Wingdings" pitchFamily="2" charset="2"/>
+              </a:rPr>
+              <a:t>val</a:t>
+            </a:r>
+            <a:r>
+              <a:rPr lang="en-US" dirty="0">
+                <a:latin typeface="Courier" pitchFamily="2" charset="0"/>
+                <a:sym typeface="Wingdings" pitchFamily="2" charset="2"/>
+              </a:rPr>
+              <a:t>(F</a:t>
+            </a:r>
+            <a:r>
+              <a:rPr lang="en-US" baseline="-25000" dirty="0">
+                <a:latin typeface="Courier" pitchFamily="2" charset="0"/>
+                <a:sym typeface="Wingdings" pitchFamily="2" charset="2"/>
+              </a:rPr>
+              <a:t>1</a:t>
+            </a:r>
+            <a:r>
+              <a:rPr lang="en-US" dirty="0">
+                <a:latin typeface="Courier" pitchFamily="2" charset="0"/>
+                <a:sym typeface="Wingdings" pitchFamily="2" charset="2"/>
+              </a:rPr>
+              <a:t>) :=  - </a:t>
+            </a:r>
+            <a:r>
+              <a:rPr lang="en-US" dirty="0" err="1">
+                <a:latin typeface="Courier" pitchFamily="2" charset="0"/>
+                <a:sym typeface="Wingdings" pitchFamily="2" charset="2"/>
+              </a:rPr>
+              <a:t>val</a:t>
+            </a:r>
+            <a:r>
+              <a:rPr lang="en-US" dirty="0">
+                <a:latin typeface="Courier" pitchFamily="2" charset="0"/>
+                <a:sym typeface="Wingdings" pitchFamily="2" charset="2"/>
+              </a:rPr>
+              <a:t>(F</a:t>
+            </a:r>
+            <a:r>
+              <a:rPr lang="en-US" baseline="-25000" dirty="0">
+                <a:latin typeface="Courier" pitchFamily="2" charset="0"/>
+                <a:sym typeface="Wingdings" pitchFamily="2" charset="2"/>
+              </a:rPr>
+              <a:t>2</a:t>
+            </a:r>
+            <a:r>
+              <a:rPr lang="en-US" dirty="0">
+                <a:latin typeface="Courier" pitchFamily="2" charset="0"/>
+                <a:sym typeface="Wingdings" pitchFamily="2" charset="2"/>
+              </a:rPr>
+              <a:t>)</a:t>
+            </a:r>
+          </a:p>
+          <a:p>
+            <a:r>
+              <a:rPr lang="en-US" dirty="0">
+                <a:latin typeface="Courier" pitchFamily="2" charset="0"/>
+                <a:sym typeface="Wingdings" pitchFamily="2" charset="2"/>
+              </a:rPr>
+              <a:t>10. F  ( E )</a:t>
+            </a:r>
+          </a:p>
+          <a:p>
+            <a:pPr marL="285750" indent="-285750">
+              <a:buFont typeface="Arial" panose="020B0604020202020204" pitchFamily="34" charset="0"/>
+              <a:buChar char="•"/>
+            </a:pPr>
+            <a:r>
+              <a:rPr lang="en-US" dirty="0" err="1">
+                <a:latin typeface="Courier" pitchFamily="2" charset="0"/>
+                <a:sym typeface="Wingdings" pitchFamily="2" charset="2"/>
+              </a:rPr>
+              <a:t>val</a:t>
+            </a:r>
+            <a:r>
+              <a:rPr lang="en-US" dirty="0">
+                <a:latin typeface="Courier" pitchFamily="2" charset="0"/>
+                <a:sym typeface="Wingdings" pitchFamily="2" charset="2"/>
+              </a:rPr>
+              <a:t>(F) := </a:t>
+            </a:r>
+            <a:r>
+              <a:rPr lang="en-US" dirty="0" err="1">
+                <a:latin typeface="Courier" pitchFamily="2" charset="0"/>
+                <a:sym typeface="Wingdings" pitchFamily="2" charset="2"/>
+              </a:rPr>
+              <a:t>val</a:t>
+            </a:r>
+            <a:r>
+              <a:rPr lang="en-US" dirty="0">
+                <a:latin typeface="Courier" pitchFamily="2" charset="0"/>
+                <a:sym typeface="Wingdings" pitchFamily="2" charset="2"/>
+              </a:rPr>
+              <a:t>(E)</a:t>
+            </a:r>
+          </a:p>
+          <a:p>
+            <a:r>
+              <a:rPr lang="en-US" dirty="0">
+                <a:latin typeface="Courier" pitchFamily="2" charset="0"/>
+                <a:sym typeface="Wingdings" pitchFamily="2" charset="2"/>
+              </a:rPr>
+              <a:t>11. F  const</a:t>
+            </a:r>
+          </a:p>
+          <a:p>
+            <a:pPr marL="285750" indent="-285750">
+              <a:buFont typeface="Arial" panose="020B0604020202020204" pitchFamily="34" charset="0"/>
+              <a:buChar char="•"/>
+            </a:pPr>
+            <a:r>
+              <a:rPr lang="en-US" dirty="0" err="1">
+                <a:latin typeface="Courier" pitchFamily="2" charset="0"/>
+                <a:sym typeface="Wingdings" pitchFamily="2" charset="2"/>
+              </a:rPr>
+              <a:t>val</a:t>
+            </a:r>
+            <a:r>
+              <a:rPr lang="en-US" dirty="0">
+                <a:latin typeface="Courier" pitchFamily="2" charset="0"/>
+                <a:sym typeface="Wingdings" pitchFamily="2" charset="2"/>
+              </a:rPr>
+              <a:t>(F) := </a:t>
+            </a:r>
+            <a:r>
+              <a:rPr lang="en-US" dirty="0" err="1">
+                <a:latin typeface="Courier" pitchFamily="2" charset="0"/>
+                <a:sym typeface="Wingdings" pitchFamily="2" charset="2"/>
+              </a:rPr>
+              <a:t>val</a:t>
+            </a:r>
+            <a:r>
+              <a:rPr lang="en-US" dirty="0">
+                <a:latin typeface="Courier" pitchFamily="2" charset="0"/>
+                <a:sym typeface="Wingdings" pitchFamily="2" charset="2"/>
+              </a:rPr>
+              <a:t>(const)</a:t>
+            </a:r>
+            <a:endParaRPr lang="en-US" dirty="0">
+              <a:latin typeface="Courier" pitchFamily="2" charset="0"/>
+            </a:endParaRPr>
+          </a:p>
+        </p:txBody>
+      </p:sp>
     </p:spTree>
     <p:extLst>
       <p:ext uri="{BB962C8B-B14F-4D97-AF65-F5344CB8AC3E}">
-        <p14:creationId xmlns:p14="http://schemas.microsoft.com/office/powerpoint/2010/main" val="2006966931"/>
+        <p14:creationId xmlns:p14="http://schemas.microsoft.com/office/powerpoint/2010/main" val="2249490451"/>
       </p:ext>
     </p:extLst>
   </p:cSld>
@@ -15285,6 +15275,211 @@
             <p:ph idx="1"/>
           </p:nvPr>
         </p:nvSpPr>
+        <p:spPr/>
+        <p:txBody>
+          <a:bodyPr>
+            <a:normAutofit/>
+          </a:bodyPr>
+          <a:lstStyle/>
+          <a:p>
+            <a:pPr>
+              <a:lnSpc>
+                <a:spcPct val="120000"/>
+              </a:lnSpc>
+            </a:pPr>
+            <a:r>
+              <a:rPr lang="en-US" sz="2200" dirty="0"/>
+              <a:t>Attribute grammars do not specify the order in which attribute rules are or should be invoked</a:t>
+            </a:r>
+          </a:p>
+          <a:p>
+            <a:pPr>
+              <a:lnSpc>
+                <a:spcPct val="120000"/>
+              </a:lnSpc>
+            </a:pPr>
+            <a:r>
+              <a:rPr lang="en-US" sz="2200" dirty="0"/>
+              <a:t>Annotations are declarative: define set of trees, but not how to annotate them</a:t>
+            </a:r>
+          </a:p>
+          <a:p>
+            <a:pPr>
+              <a:lnSpc>
+                <a:spcPct val="120000"/>
+              </a:lnSpc>
+            </a:pPr>
+            <a:r>
+              <a:rPr lang="en-US" sz="2200" dirty="0"/>
+              <a:t>S-attribute grammars:</a:t>
+            </a:r>
+          </a:p>
+          <a:p>
+            <a:pPr lvl="1">
+              <a:lnSpc>
+                <a:spcPct val="120000"/>
+              </a:lnSpc>
+            </a:pPr>
+            <a:r>
+              <a:rPr lang="en-US" sz="2200" dirty="0"/>
+              <a:t>Strictly bottom-up</a:t>
+            </a:r>
+          </a:p>
+          <a:p>
+            <a:pPr lvl="1">
+              <a:lnSpc>
+                <a:spcPct val="120000"/>
+              </a:lnSpc>
+            </a:pPr>
+            <a:r>
+              <a:rPr lang="en-US" sz="2200" dirty="0"/>
+              <a:t>Evaluation of attributes follows visiting order of parse tree (of an LR-parser)</a:t>
+            </a:r>
+          </a:p>
+          <a:p>
+            <a:pPr lvl="1">
+              <a:lnSpc>
+                <a:spcPct val="120000"/>
+              </a:lnSpc>
+            </a:pPr>
+            <a:r>
+              <a:rPr lang="en-US" sz="2200" dirty="0"/>
+              <a:t>Attributes can be evaluated on the fly, interleaving semantic and syntactic analysis (and lexical analysis)</a:t>
+            </a:r>
+          </a:p>
+        </p:txBody>
+      </p:sp>
+      <p:sp>
+        <p:nvSpPr>
+          <p:cNvPr id="4" name="Footer Placeholder 3">
+            <a:extLst>
+              <a:ext uri="{FF2B5EF4-FFF2-40B4-BE49-F238E27FC236}">
+                <a16:creationId xmlns:a16="http://schemas.microsoft.com/office/drawing/2014/main" id="{902FB986-6424-3241-AC68-7C6B7BB31C99}"/>
+              </a:ext>
+            </a:extLst>
+          </p:cNvPr>
+          <p:cNvSpPr>
+            <a:spLocks noGrp="1"/>
+          </p:cNvSpPr>
+          <p:nvPr>
+            <p:ph type="ftr" sz="quarter" idx="11"/>
+          </p:nvPr>
+        </p:nvSpPr>
+        <p:spPr/>
+        <p:txBody>
+          <a:bodyPr/>
+          <a:lstStyle/>
+          <a:p>
+            <a:r>
+              <a:rPr lang="en-US"/>
+              <a:t>Principles of Programming Languages</a:t>
+            </a:r>
+          </a:p>
+        </p:txBody>
+      </p:sp>
+      <p:sp>
+        <p:nvSpPr>
+          <p:cNvPr id="5" name="Slide Number Placeholder 4">
+            <a:extLst>
+              <a:ext uri="{FF2B5EF4-FFF2-40B4-BE49-F238E27FC236}">
+                <a16:creationId xmlns:a16="http://schemas.microsoft.com/office/drawing/2014/main" id="{A781598B-419D-C546-BE2B-BE3A676FC913}"/>
+              </a:ext>
+            </a:extLst>
+          </p:cNvPr>
+          <p:cNvSpPr>
+            <a:spLocks noGrp="1"/>
+          </p:cNvSpPr>
+          <p:nvPr>
+            <p:ph type="sldNum" sz="quarter" idx="12"/>
+          </p:nvPr>
+        </p:nvSpPr>
+        <p:spPr/>
+        <p:txBody>
+          <a:bodyPr/>
+          <a:lstStyle/>
+          <a:p>
+            <a:fld id="{AE2B63BD-8566-6841-8331-0BA2255B2CF6}" type="slidenum">
+              <a:rPr lang="en-US" smtClean="0"/>
+              <a:t>22</a:t>
+            </a:fld>
+            <a:endParaRPr lang="en-US"/>
+          </a:p>
+        </p:txBody>
+      </p:sp>
+    </p:spTree>
+    <p:extLst>
+      <p:ext uri="{BB962C8B-B14F-4D97-AF65-F5344CB8AC3E}">
+        <p14:creationId xmlns:p14="http://schemas.microsoft.com/office/powerpoint/2010/main" val="2006966931"/>
+      </p:ext>
+    </p:extLst>
+  </p:cSld>
+  <p:clrMapOvr>
+    <a:masterClrMapping/>
+  </p:clrMapOvr>
+</p:sld>
+</file>
+
+<file path=ppt/slides/slide23.xml><?xml version="1.0" encoding="utf-8"?>
+<p:sld xmlns:a="http://schemas.openxmlformats.org/drawingml/2006/main" xmlns:r="http://schemas.openxmlformats.org/officeDocument/2006/relationships" xmlns:p="http://schemas.openxmlformats.org/presentationml/2006/main">
+  <p:cSld>
+    <p:spTree>
+      <p:nvGrpSpPr>
+        <p:cNvPr id="1" name=""/>
+        <p:cNvGrpSpPr/>
+        <p:nvPr/>
+      </p:nvGrpSpPr>
+      <p:grpSpPr>
+        <a:xfrm>
+          <a:off x="0" y="0"/>
+          <a:ext cx="0" cy="0"/>
+          <a:chOff x="0" y="0"/>
+          <a:chExt cx="0" cy="0"/>
+        </a:xfrm>
+      </p:grpSpPr>
+      <p:sp>
+        <p:nvSpPr>
+          <p:cNvPr id="2" name="Title 1">
+            <a:extLst>
+              <a:ext uri="{FF2B5EF4-FFF2-40B4-BE49-F238E27FC236}">
+                <a16:creationId xmlns:a16="http://schemas.microsoft.com/office/drawing/2014/main" id="{02B29308-4AE4-8C4F-AA2D-FF654F9436B5}"/>
+              </a:ext>
+            </a:extLst>
+          </p:cNvPr>
+          <p:cNvSpPr>
+            <a:spLocks noGrp="1"/>
+          </p:cNvSpPr>
+          <p:nvPr>
+            <p:ph type="title"/>
+          </p:nvPr>
+        </p:nvSpPr>
+        <p:spPr/>
+        <p:txBody>
+          <a:bodyPr/>
+          <a:lstStyle/>
+          <a:p>
+            <a:r>
+              <a:rPr lang="en-US" dirty="0"/>
+              <a:t>Attribute Flow</a:t>
+            </a:r>
+          </a:p>
+        </p:txBody>
+      </p:sp>
+      <p:sp>
+        <p:nvSpPr>
+          <p:cNvPr id="3" name="Content Placeholder 2">
+            <a:extLst>
+              <a:ext uri="{FF2B5EF4-FFF2-40B4-BE49-F238E27FC236}">
+                <a16:creationId xmlns:a16="http://schemas.microsoft.com/office/drawing/2014/main" id="{9CE26BFA-B219-644B-930E-81B1F6922CE4}"/>
+              </a:ext>
+            </a:extLst>
+          </p:cNvPr>
+          <p:cNvSpPr>
+            <a:spLocks noGrp="1"/>
+          </p:cNvSpPr>
+          <p:nvPr>
+            <p:ph idx="1"/>
+          </p:nvPr>
+        </p:nvSpPr>
         <p:spPr>
           <a:xfrm>
             <a:off x="555172" y="1869730"/>
@@ -15443,7 +15638,7 @@
           <a:p>
             <a:fld id="{AE2B63BD-8566-6841-8331-0BA2255B2CF6}" type="slidenum">
               <a:rPr lang="en-US" smtClean="0"/>
-              <a:t>22</a:t>
+              <a:t>23</a:t>
             </a:fld>
             <a:endParaRPr lang="en-US"/>
           </a:p>
@@ -16214,7 +16409,7 @@
 </p:sld>
 </file>
 
-<file path=ppt/slides/slide23.xml><?xml version="1.0" encoding="utf-8"?>
+<file path=ppt/slides/slide24.xml><?xml version="1.0" encoding="utf-8"?>
 <p:sld xmlns:a="http://schemas.openxmlformats.org/drawingml/2006/main" xmlns:r="http://schemas.openxmlformats.org/officeDocument/2006/relationships" xmlns:p="http://schemas.openxmlformats.org/presentationml/2006/main">
   <p:cSld>
     <p:spTree>
@@ -16364,7 +16559,7 @@
           <a:p>
             <a:fld id="{AE2B63BD-8566-6841-8331-0BA2255B2CF6}" type="slidenum">
               <a:rPr lang="en-US" smtClean="0"/>
-              <a:t>23</a:t>
+              <a:t>24</a:t>
             </a:fld>
             <a:endParaRPr lang="en-US"/>
           </a:p>
@@ -17529,1390 +17724,6 @@
 </p:sld>
 </file>
 
-<file path=ppt/slides/slide24.xml><?xml version="1.0" encoding="utf-8"?>
-<p:sld xmlns:a="http://schemas.openxmlformats.org/drawingml/2006/main" xmlns:r="http://schemas.openxmlformats.org/officeDocument/2006/relationships" xmlns:p="http://schemas.openxmlformats.org/presentationml/2006/main">
-  <p:cSld>
-    <p:spTree>
-      <p:nvGrpSpPr>
-        <p:cNvPr id="1" name=""/>
-        <p:cNvGrpSpPr/>
-        <p:nvPr/>
-      </p:nvGrpSpPr>
-      <p:grpSpPr>
-        <a:xfrm>
-          <a:off x="0" y="0"/>
-          <a:ext cx="0" cy="0"/>
-          <a:chOff x="0" y="0"/>
-          <a:chExt cx="0" cy="0"/>
-        </a:xfrm>
-      </p:grpSpPr>
-      <p:sp>
-        <p:nvSpPr>
-          <p:cNvPr id="2" name="Title 1">
-            <a:extLst>
-              <a:ext uri="{FF2B5EF4-FFF2-40B4-BE49-F238E27FC236}">
-                <a16:creationId xmlns:a16="http://schemas.microsoft.com/office/drawing/2014/main" id="{B969E557-DEDC-D44A-838B-36DFAB3B21AC}"/>
-              </a:ext>
-            </a:extLst>
-          </p:cNvPr>
-          <p:cNvSpPr>
-            <a:spLocks noGrp="1"/>
-          </p:cNvSpPr>
-          <p:nvPr>
-            <p:ph type="title"/>
-          </p:nvPr>
-        </p:nvSpPr>
-        <p:spPr/>
-        <p:txBody>
-          <a:bodyPr/>
-          <a:lstStyle/>
-          <a:p>
-            <a:r>
-              <a:rPr lang="en-US" dirty="0"/>
-              <a:t>Inherited Attributes</a:t>
-            </a:r>
-          </a:p>
-        </p:txBody>
-      </p:sp>
-      <p:sp>
-        <p:nvSpPr>
-          <p:cNvPr id="4" name="Footer Placeholder 3">
-            <a:extLst>
-              <a:ext uri="{FF2B5EF4-FFF2-40B4-BE49-F238E27FC236}">
-                <a16:creationId xmlns:a16="http://schemas.microsoft.com/office/drawing/2014/main" id="{2F461F52-2176-FA49-865B-93901786FDFB}"/>
-              </a:ext>
-            </a:extLst>
-          </p:cNvPr>
-          <p:cNvSpPr>
-            <a:spLocks noGrp="1"/>
-          </p:cNvSpPr>
-          <p:nvPr>
-            <p:ph type="ftr" sz="quarter" idx="11"/>
-          </p:nvPr>
-        </p:nvSpPr>
-        <p:spPr/>
-        <p:txBody>
-          <a:bodyPr/>
-          <a:lstStyle/>
-          <a:p>
-            <a:r>
-              <a:rPr lang="en-US"/>
-              <a:t>Principles of Programming Languages</a:t>
-            </a:r>
-          </a:p>
-        </p:txBody>
-      </p:sp>
-      <p:sp>
-        <p:nvSpPr>
-          <p:cNvPr id="5" name="Slide Number Placeholder 4">
-            <a:extLst>
-              <a:ext uri="{FF2B5EF4-FFF2-40B4-BE49-F238E27FC236}">
-                <a16:creationId xmlns:a16="http://schemas.microsoft.com/office/drawing/2014/main" id="{77020F8E-3CCC-B745-8CCF-D1830CABE20D}"/>
-              </a:ext>
-            </a:extLst>
-          </p:cNvPr>
-          <p:cNvSpPr>
-            <a:spLocks noGrp="1"/>
-          </p:cNvSpPr>
-          <p:nvPr>
-            <p:ph type="sldNum" sz="quarter" idx="12"/>
-          </p:nvPr>
-        </p:nvSpPr>
-        <p:spPr/>
-        <p:txBody>
-          <a:bodyPr/>
-          <a:lstStyle/>
-          <a:p>
-            <a:fld id="{AE2B63BD-8566-6841-8331-0BA2255B2CF6}" type="slidenum">
-              <a:rPr lang="en-US" smtClean="0"/>
-              <a:t>24</a:t>
-            </a:fld>
-            <a:endParaRPr lang="en-US"/>
-          </a:p>
-        </p:txBody>
-      </p:sp>
-      <p:sp>
-        <p:nvSpPr>
-          <p:cNvPr id="6" name="TextBox 5">
-            <a:extLst>
-              <a:ext uri="{FF2B5EF4-FFF2-40B4-BE49-F238E27FC236}">
-                <a16:creationId xmlns:a16="http://schemas.microsoft.com/office/drawing/2014/main" id="{861AD73F-9210-D844-903F-C47AFFAEFCC7}"/>
-              </a:ext>
-            </a:extLst>
-          </p:cNvPr>
-          <p:cNvSpPr txBox="1"/>
-          <p:nvPr/>
-        </p:nvSpPr>
-        <p:spPr>
-          <a:xfrm>
-            <a:off x="522757" y="1545041"/>
-            <a:ext cx="6449201" cy="4801314"/>
-          </a:xfrm>
-          <a:prstGeom prst="rect">
-            <a:avLst/>
-          </a:prstGeom>
-          <a:noFill/>
-          <a:ln w="57150">
-            <a:solidFill>
-              <a:srgbClr val="00B050"/>
-            </a:solidFill>
-          </a:ln>
-        </p:spPr>
-        <p:txBody>
-          <a:bodyPr wrap="none" rtlCol="0">
-            <a:spAutoFit/>
-          </a:bodyPr>
-          <a:lstStyle/>
-          <a:p>
-            <a:r>
-              <a:rPr lang="en-US" dirty="0">
-                <a:latin typeface="Courier" pitchFamily="2" charset="0"/>
-              </a:rPr>
-              <a:t>1. E </a:t>
-            </a:r>
-            <a:r>
-              <a:rPr lang="en-US" dirty="0">
-                <a:latin typeface="Courier" pitchFamily="2" charset="0"/>
-                <a:sym typeface="Wingdings" pitchFamily="2" charset="2"/>
-              </a:rPr>
-              <a:t> T TT		</a:t>
-            </a:r>
-          </a:p>
-          <a:p>
-            <a:pPr marL="285750" indent="-285750">
-              <a:buFont typeface="Arial" panose="020B0604020202020204" pitchFamily="34" charset="0"/>
-              <a:buChar char="•"/>
-            </a:pPr>
-            <a:r>
-              <a:rPr lang="en-US" dirty="0" err="1">
-                <a:latin typeface="Courier" pitchFamily="2" charset="0"/>
-                <a:sym typeface="Wingdings" pitchFamily="2" charset="2"/>
-              </a:rPr>
-              <a:t>st</a:t>
-            </a:r>
-            <a:r>
-              <a:rPr lang="en-US" dirty="0">
-                <a:latin typeface="Courier" pitchFamily="2" charset="0"/>
-                <a:sym typeface="Wingdings" pitchFamily="2" charset="2"/>
-              </a:rPr>
-              <a:t>(TT) := </a:t>
-            </a:r>
-            <a:r>
-              <a:rPr lang="en-US" dirty="0" err="1">
-                <a:latin typeface="Courier" pitchFamily="2" charset="0"/>
-                <a:sym typeface="Wingdings" pitchFamily="2" charset="2"/>
-              </a:rPr>
-              <a:t>ptr</a:t>
-            </a:r>
-            <a:r>
-              <a:rPr lang="en-US" dirty="0">
-                <a:latin typeface="Courier" pitchFamily="2" charset="0"/>
-                <a:sym typeface="Wingdings" pitchFamily="2" charset="2"/>
-              </a:rPr>
-              <a:t>(T)</a:t>
-            </a:r>
-          </a:p>
-          <a:p>
-            <a:pPr marL="285750" indent="-285750">
-              <a:buFont typeface="Arial" panose="020B0604020202020204" pitchFamily="34" charset="0"/>
-              <a:buChar char="•"/>
-            </a:pPr>
-            <a:r>
-              <a:rPr lang="en-US" dirty="0" err="1">
-                <a:latin typeface="Courier" pitchFamily="2" charset="0"/>
-                <a:sym typeface="Wingdings" pitchFamily="2" charset="2"/>
-              </a:rPr>
-              <a:t>ptr</a:t>
-            </a:r>
-            <a:r>
-              <a:rPr lang="en-US" dirty="0">
-                <a:latin typeface="Courier" pitchFamily="2" charset="0"/>
-                <a:sym typeface="Wingdings" pitchFamily="2" charset="2"/>
-              </a:rPr>
-              <a:t>(E) := </a:t>
-            </a:r>
-            <a:r>
-              <a:rPr lang="en-US" dirty="0" err="1">
-                <a:latin typeface="Courier" pitchFamily="2" charset="0"/>
-                <a:sym typeface="Wingdings" pitchFamily="2" charset="2"/>
-              </a:rPr>
-              <a:t>ptr</a:t>
-            </a:r>
-            <a:r>
-              <a:rPr lang="en-US" dirty="0">
-                <a:latin typeface="Courier" pitchFamily="2" charset="0"/>
-                <a:sym typeface="Wingdings" pitchFamily="2" charset="2"/>
-              </a:rPr>
-              <a:t>(TT)</a:t>
-            </a:r>
-          </a:p>
-          <a:p>
-            <a:r>
-              <a:rPr lang="en-US" dirty="0">
-                <a:latin typeface="Courier" pitchFamily="2" charset="0"/>
-                <a:sym typeface="Wingdings" pitchFamily="2" charset="2"/>
-              </a:rPr>
-              <a:t>2. TT</a:t>
-            </a:r>
-            <a:r>
-              <a:rPr lang="en-US" baseline="-25000" dirty="0">
-                <a:latin typeface="Courier" pitchFamily="2" charset="0"/>
-                <a:sym typeface="Wingdings" pitchFamily="2" charset="2"/>
-              </a:rPr>
-              <a:t>1</a:t>
-            </a:r>
-            <a:r>
-              <a:rPr lang="en-US" dirty="0">
-                <a:latin typeface="Courier" pitchFamily="2" charset="0"/>
-                <a:sym typeface="Wingdings" pitchFamily="2" charset="2"/>
-              </a:rPr>
-              <a:t>  + T TT</a:t>
-            </a:r>
-            <a:r>
-              <a:rPr lang="en-US" baseline="-25000" dirty="0">
-                <a:latin typeface="Courier" pitchFamily="2" charset="0"/>
-                <a:sym typeface="Wingdings" pitchFamily="2" charset="2"/>
-              </a:rPr>
-              <a:t>2</a:t>
-            </a:r>
-          </a:p>
-          <a:p>
-            <a:pPr marL="285750" indent="-285750">
-              <a:buFont typeface="Arial" panose="020B0604020202020204" pitchFamily="34" charset="0"/>
-              <a:buChar char="•"/>
-            </a:pPr>
-            <a:r>
-              <a:rPr lang="en-US" dirty="0" err="1">
-                <a:latin typeface="Courier" pitchFamily="2" charset="0"/>
-                <a:sym typeface="Wingdings" pitchFamily="2" charset="2"/>
-              </a:rPr>
-              <a:t>st</a:t>
-            </a:r>
-            <a:r>
-              <a:rPr lang="en-US" dirty="0">
-                <a:latin typeface="Courier" pitchFamily="2" charset="0"/>
-                <a:sym typeface="Wingdings" pitchFamily="2" charset="2"/>
-              </a:rPr>
-              <a:t>(TT</a:t>
-            </a:r>
-            <a:r>
-              <a:rPr lang="en-US" baseline="-25000" dirty="0">
-                <a:latin typeface="Courier" pitchFamily="2" charset="0"/>
-                <a:sym typeface="Wingdings" pitchFamily="2" charset="2"/>
-              </a:rPr>
-              <a:t>2</a:t>
-            </a:r>
-            <a:r>
-              <a:rPr lang="en-US" dirty="0">
-                <a:latin typeface="Courier" pitchFamily="2" charset="0"/>
-                <a:sym typeface="Wingdings" pitchFamily="2" charset="2"/>
-              </a:rPr>
-              <a:t>) := </a:t>
-            </a:r>
-            <a:r>
-              <a:rPr lang="en-US" dirty="0" err="1">
-                <a:latin typeface="Courier" pitchFamily="2" charset="0"/>
-                <a:sym typeface="Wingdings" pitchFamily="2" charset="2"/>
-              </a:rPr>
-              <a:t>make_bin_op</a:t>
-            </a:r>
-            <a:r>
-              <a:rPr lang="en-US" dirty="0">
-                <a:latin typeface="Courier" pitchFamily="2" charset="0"/>
-                <a:sym typeface="Wingdings" pitchFamily="2" charset="2"/>
-              </a:rPr>
-              <a:t>(“+”, </a:t>
-            </a:r>
-            <a:r>
-              <a:rPr lang="en-US" dirty="0" err="1">
-                <a:latin typeface="Courier" pitchFamily="2" charset="0"/>
-                <a:sym typeface="Wingdings" pitchFamily="2" charset="2"/>
-              </a:rPr>
-              <a:t>st</a:t>
-            </a:r>
-            <a:r>
-              <a:rPr lang="en-US" dirty="0">
-                <a:latin typeface="Courier" pitchFamily="2" charset="0"/>
-                <a:sym typeface="Wingdings" pitchFamily="2" charset="2"/>
-              </a:rPr>
-              <a:t>(TT</a:t>
-            </a:r>
-            <a:r>
-              <a:rPr lang="en-US" baseline="-25000" dirty="0">
-                <a:latin typeface="Courier" pitchFamily="2" charset="0"/>
-                <a:sym typeface="Wingdings" pitchFamily="2" charset="2"/>
-              </a:rPr>
-              <a:t>1</a:t>
-            </a:r>
-            <a:r>
-              <a:rPr lang="en-US" dirty="0">
-                <a:latin typeface="Courier" pitchFamily="2" charset="0"/>
-                <a:sym typeface="Wingdings" pitchFamily="2" charset="2"/>
-              </a:rPr>
-              <a:t>), </a:t>
-            </a:r>
-            <a:r>
-              <a:rPr lang="en-US" dirty="0" err="1">
-                <a:latin typeface="Courier" pitchFamily="2" charset="0"/>
-                <a:sym typeface="Wingdings" pitchFamily="2" charset="2"/>
-              </a:rPr>
-              <a:t>ptr</a:t>
-            </a:r>
-            <a:r>
-              <a:rPr lang="en-US" dirty="0">
-                <a:latin typeface="Courier" pitchFamily="2" charset="0"/>
-                <a:sym typeface="Wingdings" pitchFamily="2" charset="2"/>
-              </a:rPr>
-              <a:t>(T))</a:t>
-            </a:r>
-          </a:p>
-          <a:p>
-            <a:pPr marL="285750" indent="-285750">
-              <a:buFont typeface="Arial" panose="020B0604020202020204" pitchFamily="34" charset="0"/>
-              <a:buChar char="•"/>
-            </a:pPr>
-            <a:r>
-              <a:rPr lang="en-US" dirty="0" err="1">
-                <a:latin typeface="Courier" pitchFamily="2" charset="0"/>
-                <a:sym typeface="Wingdings" pitchFamily="2" charset="2"/>
-              </a:rPr>
-              <a:t>ptr</a:t>
-            </a:r>
-            <a:r>
-              <a:rPr lang="en-US" dirty="0">
-                <a:latin typeface="Courier" pitchFamily="2" charset="0"/>
-                <a:sym typeface="Wingdings" pitchFamily="2" charset="2"/>
-              </a:rPr>
-              <a:t>(TT</a:t>
-            </a:r>
-            <a:r>
-              <a:rPr lang="en-US" baseline="-25000" dirty="0">
-                <a:latin typeface="Courier" pitchFamily="2" charset="0"/>
-                <a:sym typeface="Wingdings" pitchFamily="2" charset="2"/>
-              </a:rPr>
-              <a:t>1</a:t>
-            </a:r>
-            <a:r>
-              <a:rPr lang="en-US" dirty="0">
-                <a:latin typeface="Courier" pitchFamily="2" charset="0"/>
-                <a:sym typeface="Wingdings" pitchFamily="2" charset="2"/>
-              </a:rPr>
-              <a:t>) := </a:t>
-            </a:r>
-            <a:r>
-              <a:rPr lang="en-US" dirty="0" err="1">
-                <a:latin typeface="Courier" pitchFamily="2" charset="0"/>
-                <a:sym typeface="Wingdings" pitchFamily="2" charset="2"/>
-              </a:rPr>
-              <a:t>ptr</a:t>
-            </a:r>
-            <a:r>
-              <a:rPr lang="en-US" dirty="0">
-                <a:latin typeface="Courier" pitchFamily="2" charset="0"/>
-                <a:sym typeface="Wingdings" pitchFamily="2" charset="2"/>
-              </a:rPr>
-              <a:t> (TT</a:t>
-            </a:r>
-            <a:r>
-              <a:rPr lang="en-US" baseline="-25000" dirty="0">
-                <a:latin typeface="Courier" pitchFamily="2" charset="0"/>
-                <a:sym typeface="Wingdings" pitchFamily="2" charset="2"/>
-              </a:rPr>
-              <a:t>2</a:t>
-            </a:r>
-            <a:r>
-              <a:rPr lang="en-US" dirty="0">
-                <a:latin typeface="Courier" pitchFamily="2" charset="0"/>
-                <a:sym typeface="Wingdings" pitchFamily="2" charset="2"/>
-              </a:rPr>
-              <a:t>)</a:t>
-            </a:r>
-          </a:p>
-          <a:p>
-            <a:r>
-              <a:rPr lang="en-US" dirty="0">
-                <a:latin typeface="Courier" pitchFamily="2" charset="0"/>
-                <a:sym typeface="Wingdings" pitchFamily="2" charset="2"/>
-              </a:rPr>
-              <a:t>3. TT</a:t>
-            </a:r>
-            <a:r>
-              <a:rPr lang="en-US" baseline="-25000" dirty="0">
-                <a:latin typeface="Courier" pitchFamily="2" charset="0"/>
-                <a:sym typeface="Wingdings" pitchFamily="2" charset="2"/>
-              </a:rPr>
-              <a:t>1</a:t>
-            </a:r>
-            <a:r>
-              <a:rPr lang="en-US" dirty="0">
-                <a:latin typeface="Courier" pitchFamily="2" charset="0"/>
-                <a:sym typeface="Wingdings" pitchFamily="2" charset="2"/>
-              </a:rPr>
-              <a:t> - T TT</a:t>
-            </a:r>
-            <a:r>
-              <a:rPr lang="en-US" baseline="-25000" dirty="0">
-                <a:latin typeface="Courier" pitchFamily="2" charset="0"/>
-                <a:sym typeface="Wingdings" pitchFamily="2" charset="2"/>
-              </a:rPr>
-              <a:t>2</a:t>
-            </a:r>
-          </a:p>
-          <a:p>
-            <a:pPr marL="285750" indent="-285750">
-              <a:buFont typeface="Arial" panose="020B0604020202020204" pitchFamily="34" charset="0"/>
-              <a:buChar char="•"/>
-            </a:pPr>
-            <a:r>
-              <a:rPr lang="en-US" dirty="0" err="1">
-                <a:latin typeface="Courier" pitchFamily="2" charset="0"/>
-                <a:sym typeface="Wingdings" pitchFamily="2" charset="2"/>
-              </a:rPr>
-              <a:t>st</a:t>
-            </a:r>
-            <a:r>
-              <a:rPr lang="en-US" dirty="0">
-                <a:latin typeface="Courier" pitchFamily="2" charset="0"/>
-                <a:sym typeface="Wingdings" pitchFamily="2" charset="2"/>
-              </a:rPr>
-              <a:t>(TT</a:t>
-            </a:r>
-            <a:r>
-              <a:rPr lang="en-US" baseline="-25000" dirty="0">
-                <a:latin typeface="Courier" pitchFamily="2" charset="0"/>
-                <a:sym typeface="Wingdings" pitchFamily="2" charset="2"/>
-              </a:rPr>
-              <a:t>2</a:t>
-            </a:r>
-            <a:r>
-              <a:rPr lang="en-US" dirty="0">
-                <a:latin typeface="Courier" pitchFamily="2" charset="0"/>
-                <a:sym typeface="Wingdings" pitchFamily="2" charset="2"/>
-              </a:rPr>
-              <a:t>) := </a:t>
-            </a:r>
-            <a:r>
-              <a:rPr lang="en-US" dirty="0" err="1">
-                <a:latin typeface="Courier" pitchFamily="2" charset="0"/>
-                <a:sym typeface="Wingdings" pitchFamily="2" charset="2"/>
-              </a:rPr>
-              <a:t>make_bin_op</a:t>
-            </a:r>
-            <a:r>
-              <a:rPr lang="en-US" dirty="0">
-                <a:latin typeface="Courier" pitchFamily="2" charset="0"/>
-                <a:sym typeface="Wingdings" pitchFamily="2" charset="2"/>
-              </a:rPr>
-              <a:t>(“-”, </a:t>
-            </a:r>
-            <a:r>
-              <a:rPr lang="en-US" dirty="0" err="1">
-                <a:latin typeface="Courier" pitchFamily="2" charset="0"/>
-                <a:sym typeface="Wingdings" pitchFamily="2" charset="2"/>
-              </a:rPr>
-              <a:t>st</a:t>
-            </a:r>
-            <a:r>
-              <a:rPr lang="en-US" dirty="0">
-                <a:latin typeface="Courier" pitchFamily="2" charset="0"/>
-                <a:sym typeface="Wingdings" pitchFamily="2" charset="2"/>
-              </a:rPr>
-              <a:t>(TT</a:t>
-            </a:r>
-            <a:r>
-              <a:rPr lang="en-US" baseline="-25000" dirty="0">
-                <a:latin typeface="Courier" pitchFamily="2" charset="0"/>
-                <a:sym typeface="Wingdings" pitchFamily="2" charset="2"/>
-              </a:rPr>
-              <a:t>1</a:t>
-            </a:r>
-            <a:r>
-              <a:rPr lang="en-US" dirty="0">
-                <a:latin typeface="Courier" pitchFamily="2" charset="0"/>
-                <a:sym typeface="Wingdings" pitchFamily="2" charset="2"/>
-              </a:rPr>
-              <a:t>), </a:t>
-            </a:r>
-            <a:r>
-              <a:rPr lang="en-US" dirty="0" err="1">
-                <a:latin typeface="Courier" pitchFamily="2" charset="0"/>
-                <a:sym typeface="Wingdings" pitchFamily="2" charset="2"/>
-              </a:rPr>
-              <a:t>ptr</a:t>
-            </a:r>
-            <a:r>
-              <a:rPr lang="en-US" dirty="0">
-                <a:latin typeface="Courier" pitchFamily="2" charset="0"/>
-                <a:sym typeface="Wingdings" pitchFamily="2" charset="2"/>
-              </a:rPr>
-              <a:t>(T))</a:t>
-            </a:r>
-          </a:p>
-          <a:p>
-            <a:pPr marL="285750" indent="-285750">
-              <a:buFont typeface="Arial" panose="020B0604020202020204" pitchFamily="34" charset="0"/>
-              <a:buChar char="•"/>
-            </a:pPr>
-            <a:r>
-              <a:rPr lang="en-US" dirty="0" err="1">
-                <a:latin typeface="Courier" pitchFamily="2" charset="0"/>
-                <a:sym typeface="Wingdings" pitchFamily="2" charset="2"/>
-              </a:rPr>
-              <a:t>ptr</a:t>
-            </a:r>
-            <a:r>
-              <a:rPr lang="en-US" dirty="0">
-                <a:latin typeface="Courier" pitchFamily="2" charset="0"/>
-                <a:sym typeface="Wingdings" pitchFamily="2" charset="2"/>
-              </a:rPr>
-              <a:t>(TT</a:t>
-            </a:r>
-            <a:r>
-              <a:rPr lang="en-US" baseline="-25000" dirty="0">
-                <a:latin typeface="Courier" pitchFamily="2" charset="0"/>
-                <a:sym typeface="Wingdings" pitchFamily="2" charset="2"/>
-              </a:rPr>
-              <a:t>1</a:t>
-            </a:r>
-            <a:r>
-              <a:rPr lang="en-US" dirty="0">
-                <a:latin typeface="Courier" pitchFamily="2" charset="0"/>
-                <a:sym typeface="Wingdings" pitchFamily="2" charset="2"/>
-              </a:rPr>
-              <a:t>) := </a:t>
-            </a:r>
-            <a:r>
-              <a:rPr lang="en-US" dirty="0" err="1">
-                <a:latin typeface="Courier" pitchFamily="2" charset="0"/>
-                <a:sym typeface="Wingdings" pitchFamily="2" charset="2"/>
-              </a:rPr>
-              <a:t>ptr</a:t>
-            </a:r>
-            <a:r>
-              <a:rPr lang="en-US" dirty="0">
-                <a:latin typeface="Courier" pitchFamily="2" charset="0"/>
-                <a:sym typeface="Wingdings" pitchFamily="2" charset="2"/>
-              </a:rPr>
-              <a:t> (TT</a:t>
-            </a:r>
-            <a:r>
-              <a:rPr lang="en-US" baseline="-25000" dirty="0">
-                <a:latin typeface="Courier" pitchFamily="2" charset="0"/>
-                <a:sym typeface="Wingdings" pitchFamily="2" charset="2"/>
-              </a:rPr>
-              <a:t>2</a:t>
-            </a:r>
-            <a:r>
-              <a:rPr lang="en-US" dirty="0">
-                <a:latin typeface="Courier" pitchFamily="2" charset="0"/>
-                <a:sym typeface="Wingdings" pitchFamily="2" charset="2"/>
-              </a:rPr>
-              <a:t>)</a:t>
-            </a:r>
-          </a:p>
-          <a:p>
-            <a:r>
-              <a:rPr lang="en-US" dirty="0">
-                <a:latin typeface="Courier" pitchFamily="2" charset="0"/>
-                <a:sym typeface="Wingdings" pitchFamily="2" charset="2"/>
-              </a:rPr>
-              <a:t>4. TT  </a:t>
-            </a:r>
-            <a:r>
-              <a:rPr lang="en-US" dirty="0">
-                <a:latin typeface="Symbol" pitchFamily="2" charset="2"/>
-                <a:sym typeface="Wingdings" pitchFamily="2" charset="2"/>
-              </a:rPr>
-              <a:t>e</a:t>
-            </a:r>
-          </a:p>
-          <a:p>
-            <a:pPr marL="285750" indent="-285750">
-              <a:buFont typeface="Arial" panose="020B0604020202020204" pitchFamily="34" charset="0"/>
-              <a:buChar char="•"/>
-            </a:pPr>
-            <a:r>
-              <a:rPr lang="en-US" dirty="0" err="1">
-                <a:latin typeface="Courier" pitchFamily="2" charset="0"/>
-                <a:sym typeface="Wingdings" pitchFamily="2" charset="2"/>
-              </a:rPr>
-              <a:t>val</a:t>
-            </a:r>
-            <a:r>
-              <a:rPr lang="en-US" dirty="0">
-                <a:latin typeface="Courier" pitchFamily="2" charset="0"/>
-                <a:sym typeface="Wingdings" pitchFamily="2" charset="2"/>
-              </a:rPr>
-              <a:t>(TT) := </a:t>
-            </a:r>
-            <a:r>
-              <a:rPr lang="en-US" dirty="0" err="1">
-                <a:latin typeface="Courier" pitchFamily="2" charset="0"/>
-                <a:sym typeface="Wingdings" pitchFamily="2" charset="2"/>
-              </a:rPr>
-              <a:t>st</a:t>
-            </a:r>
-            <a:r>
-              <a:rPr lang="en-US" dirty="0">
-                <a:latin typeface="Courier" pitchFamily="2" charset="0"/>
-                <a:sym typeface="Wingdings" pitchFamily="2" charset="2"/>
-              </a:rPr>
-              <a:t>(TT)</a:t>
-            </a:r>
-          </a:p>
-          <a:p>
-            <a:r>
-              <a:rPr lang="en-US" dirty="0">
-                <a:latin typeface="Courier" pitchFamily="2" charset="0"/>
-                <a:sym typeface="Wingdings" pitchFamily="2" charset="2"/>
-              </a:rPr>
-              <a:t>5. T  F FT</a:t>
-            </a:r>
-          </a:p>
-          <a:p>
-            <a:pPr marL="285750" indent="-285750">
-              <a:buFont typeface="Arial" panose="020B0604020202020204" pitchFamily="34" charset="0"/>
-              <a:buChar char="•"/>
-            </a:pPr>
-            <a:r>
-              <a:rPr lang="en-US" dirty="0" err="1">
-                <a:latin typeface="Courier" pitchFamily="2" charset="0"/>
-                <a:sym typeface="Wingdings" pitchFamily="2" charset="2"/>
-              </a:rPr>
-              <a:t>st</a:t>
-            </a:r>
-            <a:r>
-              <a:rPr lang="en-US" dirty="0">
-                <a:latin typeface="Courier" pitchFamily="2" charset="0"/>
-                <a:sym typeface="Wingdings" pitchFamily="2" charset="2"/>
-              </a:rPr>
-              <a:t>(FT) := </a:t>
-            </a:r>
-            <a:r>
-              <a:rPr lang="en-US" dirty="0" err="1">
-                <a:latin typeface="Courier" pitchFamily="2" charset="0"/>
-                <a:sym typeface="Wingdings" pitchFamily="2" charset="2"/>
-              </a:rPr>
-              <a:t>val</a:t>
-            </a:r>
-            <a:r>
-              <a:rPr lang="en-US" dirty="0">
-                <a:latin typeface="Courier" pitchFamily="2" charset="0"/>
-                <a:sym typeface="Wingdings" pitchFamily="2" charset="2"/>
-              </a:rPr>
-              <a:t>(F)</a:t>
-            </a:r>
-          </a:p>
-          <a:p>
-            <a:pPr marL="285750" indent="-285750">
-              <a:buFont typeface="Arial" panose="020B0604020202020204" pitchFamily="34" charset="0"/>
-              <a:buChar char="•"/>
-            </a:pPr>
-            <a:r>
-              <a:rPr lang="en-US" dirty="0" err="1">
-                <a:latin typeface="Courier" pitchFamily="2" charset="0"/>
-                <a:sym typeface="Wingdings" pitchFamily="2" charset="2"/>
-              </a:rPr>
-              <a:t>val</a:t>
-            </a:r>
-            <a:r>
-              <a:rPr lang="en-US" dirty="0">
-                <a:latin typeface="Courier" pitchFamily="2" charset="0"/>
-                <a:sym typeface="Wingdings" pitchFamily="2" charset="2"/>
-              </a:rPr>
-              <a:t>(T) := </a:t>
-            </a:r>
-            <a:r>
-              <a:rPr lang="en-US" dirty="0" err="1">
-                <a:latin typeface="Courier" pitchFamily="2" charset="0"/>
-                <a:sym typeface="Wingdings" pitchFamily="2" charset="2"/>
-              </a:rPr>
-              <a:t>val</a:t>
-            </a:r>
-            <a:r>
-              <a:rPr lang="en-US" dirty="0">
-                <a:latin typeface="Courier" pitchFamily="2" charset="0"/>
-                <a:sym typeface="Wingdings" pitchFamily="2" charset="2"/>
-              </a:rPr>
-              <a:t>(FT)</a:t>
-            </a:r>
-          </a:p>
-          <a:p>
-            <a:r>
-              <a:rPr lang="en-US" dirty="0">
-                <a:latin typeface="Courier" pitchFamily="2" charset="0"/>
-                <a:sym typeface="Wingdings" pitchFamily="2" charset="2"/>
-              </a:rPr>
-              <a:t>6. FT</a:t>
-            </a:r>
-            <a:r>
-              <a:rPr lang="en-US" baseline="-25000" dirty="0">
-                <a:latin typeface="Courier" pitchFamily="2" charset="0"/>
-                <a:sym typeface="Wingdings" pitchFamily="2" charset="2"/>
-              </a:rPr>
-              <a:t>1</a:t>
-            </a:r>
-            <a:r>
-              <a:rPr lang="en-US" dirty="0">
-                <a:latin typeface="Courier" pitchFamily="2" charset="0"/>
-                <a:sym typeface="Wingdings" pitchFamily="2" charset="2"/>
-              </a:rPr>
-              <a:t>  * F FT</a:t>
-            </a:r>
-            <a:r>
-              <a:rPr lang="en-US" baseline="-25000" dirty="0">
-                <a:latin typeface="Courier" pitchFamily="2" charset="0"/>
-                <a:sym typeface="Wingdings" pitchFamily="2" charset="2"/>
-              </a:rPr>
-              <a:t>2</a:t>
-            </a:r>
-          </a:p>
-          <a:p>
-            <a:pPr marL="285750" indent="-285750">
-              <a:buFont typeface="Arial" panose="020B0604020202020204" pitchFamily="34" charset="0"/>
-              <a:buChar char="•"/>
-            </a:pPr>
-            <a:r>
-              <a:rPr lang="en-US" dirty="0" err="1">
-                <a:latin typeface="Courier" pitchFamily="2" charset="0"/>
-                <a:sym typeface="Wingdings" pitchFamily="2" charset="2"/>
-              </a:rPr>
-              <a:t>st</a:t>
-            </a:r>
-            <a:r>
-              <a:rPr lang="en-US" dirty="0">
-                <a:latin typeface="Courier" pitchFamily="2" charset="0"/>
-                <a:sym typeface="Wingdings" pitchFamily="2" charset="2"/>
-              </a:rPr>
-              <a:t>(FT</a:t>
-            </a:r>
-            <a:r>
-              <a:rPr lang="en-US" baseline="-25000" dirty="0">
-                <a:latin typeface="Courier" pitchFamily="2" charset="0"/>
-                <a:sym typeface="Wingdings" pitchFamily="2" charset="2"/>
-              </a:rPr>
-              <a:t>2</a:t>
-            </a:r>
-            <a:r>
-              <a:rPr lang="en-US" dirty="0">
-                <a:latin typeface="Courier" pitchFamily="2" charset="0"/>
-                <a:sym typeface="Wingdings" pitchFamily="2" charset="2"/>
-              </a:rPr>
-              <a:t>) := </a:t>
-            </a:r>
-            <a:r>
-              <a:rPr lang="en-US" dirty="0" err="1">
-                <a:latin typeface="Courier" pitchFamily="2" charset="0"/>
-                <a:sym typeface="Wingdings" pitchFamily="2" charset="2"/>
-              </a:rPr>
-              <a:t>make_bin_op</a:t>
-            </a:r>
-            <a:r>
-              <a:rPr lang="en-US" dirty="0">
-                <a:latin typeface="Courier" pitchFamily="2" charset="0"/>
-                <a:sym typeface="Wingdings" pitchFamily="2" charset="2"/>
-              </a:rPr>
-              <a:t>(“*”, </a:t>
-            </a:r>
-            <a:r>
-              <a:rPr lang="en-US" dirty="0" err="1">
-                <a:latin typeface="Courier" pitchFamily="2" charset="0"/>
-                <a:sym typeface="Wingdings" pitchFamily="2" charset="2"/>
-              </a:rPr>
-              <a:t>st</a:t>
-            </a:r>
-            <a:r>
-              <a:rPr lang="en-US" dirty="0">
-                <a:latin typeface="Courier" pitchFamily="2" charset="0"/>
-                <a:sym typeface="Wingdings" pitchFamily="2" charset="2"/>
-              </a:rPr>
-              <a:t>(FT</a:t>
-            </a:r>
-            <a:r>
-              <a:rPr lang="en-US" baseline="-25000" dirty="0">
-                <a:latin typeface="Courier" pitchFamily="2" charset="0"/>
-                <a:sym typeface="Wingdings" pitchFamily="2" charset="2"/>
-              </a:rPr>
-              <a:t>1</a:t>
-            </a:r>
-            <a:r>
-              <a:rPr lang="en-US" dirty="0">
-                <a:latin typeface="Courier" pitchFamily="2" charset="0"/>
-                <a:sym typeface="Wingdings" pitchFamily="2" charset="2"/>
-              </a:rPr>
-              <a:t>), </a:t>
-            </a:r>
-            <a:r>
-              <a:rPr lang="en-US" dirty="0" err="1">
-                <a:latin typeface="Courier" pitchFamily="2" charset="0"/>
-                <a:sym typeface="Wingdings" pitchFamily="2" charset="2"/>
-              </a:rPr>
-              <a:t>ptr</a:t>
-            </a:r>
-            <a:r>
-              <a:rPr lang="en-US" dirty="0">
-                <a:latin typeface="Courier" pitchFamily="2" charset="0"/>
-                <a:sym typeface="Wingdings" pitchFamily="2" charset="2"/>
-              </a:rPr>
-              <a:t>(F))</a:t>
-            </a:r>
-          </a:p>
-          <a:p>
-            <a:pPr marL="285750" indent="-285750">
-              <a:buFont typeface="Arial" panose="020B0604020202020204" pitchFamily="34" charset="0"/>
-              <a:buChar char="•"/>
-            </a:pPr>
-            <a:r>
-              <a:rPr lang="en-US" dirty="0" err="1">
-                <a:latin typeface="Courier" pitchFamily="2" charset="0"/>
-                <a:sym typeface="Wingdings" pitchFamily="2" charset="2"/>
-              </a:rPr>
-              <a:t>ptr</a:t>
-            </a:r>
-            <a:r>
-              <a:rPr lang="en-US" dirty="0">
-                <a:latin typeface="Courier" pitchFamily="2" charset="0"/>
-                <a:sym typeface="Wingdings" pitchFamily="2" charset="2"/>
-              </a:rPr>
-              <a:t>(FT</a:t>
-            </a:r>
-            <a:r>
-              <a:rPr lang="en-US" baseline="-25000" dirty="0">
-                <a:latin typeface="Courier" pitchFamily="2" charset="0"/>
-                <a:sym typeface="Wingdings" pitchFamily="2" charset="2"/>
-              </a:rPr>
-              <a:t>1</a:t>
-            </a:r>
-            <a:r>
-              <a:rPr lang="en-US" dirty="0">
-                <a:latin typeface="Courier" pitchFamily="2" charset="0"/>
-                <a:sym typeface="Wingdings" pitchFamily="2" charset="2"/>
-              </a:rPr>
-              <a:t>) := </a:t>
-            </a:r>
-            <a:r>
-              <a:rPr lang="en-US" dirty="0" err="1">
-                <a:latin typeface="Courier" pitchFamily="2" charset="0"/>
-                <a:sym typeface="Wingdings" pitchFamily="2" charset="2"/>
-              </a:rPr>
-              <a:t>ptr</a:t>
-            </a:r>
-            <a:r>
-              <a:rPr lang="en-US" dirty="0">
-                <a:latin typeface="Courier" pitchFamily="2" charset="0"/>
-                <a:sym typeface="Wingdings" pitchFamily="2" charset="2"/>
-              </a:rPr>
-              <a:t> (FT</a:t>
-            </a:r>
-            <a:r>
-              <a:rPr lang="en-US" baseline="-25000" dirty="0">
-                <a:latin typeface="Courier" pitchFamily="2" charset="0"/>
-                <a:sym typeface="Wingdings" pitchFamily="2" charset="2"/>
-              </a:rPr>
-              <a:t>2</a:t>
-            </a:r>
-            <a:r>
-              <a:rPr lang="en-US" dirty="0">
-                <a:latin typeface="Courier" pitchFamily="2" charset="0"/>
-                <a:sym typeface="Wingdings" pitchFamily="2" charset="2"/>
-              </a:rPr>
-              <a:t>)</a:t>
-            </a:r>
-          </a:p>
-        </p:txBody>
-      </p:sp>
-      <p:sp>
-        <p:nvSpPr>
-          <p:cNvPr id="7" name="TextBox 6">
-            <a:extLst>
-              <a:ext uri="{FF2B5EF4-FFF2-40B4-BE49-F238E27FC236}">
-                <a16:creationId xmlns:a16="http://schemas.microsoft.com/office/drawing/2014/main" id="{82FB3199-35F7-4C41-AB29-9F1E588BE4A4}"/>
-              </a:ext>
-            </a:extLst>
-          </p:cNvPr>
-          <p:cNvSpPr txBox="1"/>
-          <p:nvPr/>
-        </p:nvSpPr>
-        <p:spPr>
-          <a:xfrm>
-            <a:off x="7151915" y="1545041"/>
-            <a:ext cx="4867963" cy="3693319"/>
-          </a:xfrm>
-          <a:prstGeom prst="rect">
-            <a:avLst/>
-          </a:prstGeom>
-          <a:noFill/>
-          <a:ln w="57150">
-            <a:solidFill>
-              <a:srgbClr val="00B050"/>
-            </a:solidFill>
-          </a:ln>
-        </p:spPr>
-        <p:txBody>
-          <a:bodyPr wrap="square" rtlCol="0">
-            <a:spAutoFit/>
-          </a:bodyPr>
-          <a:lstStyle/>
-          <a:p>
-            <a:r>
-              <a:rPr lang="en-US" dirty="0">
-                <a:latin typeface="Courier" pitchFamily="2" charset="0"/>
-              </a:rPr>
-              <a:t>7. FT</a:t>
-            </a:r>
-            <a:r>
-              <a:rPr lang="en-US" baseline="-25000" dirty="0">
-                <a:latin typeface="Courier" pitchFamily="2" charset="0"/>
-              </a:rPr>
-              <a:t>1</a:t>
-            </a:r>
-            <a:r>
-              <a:rPr lang="en-US" dirty="0">
-                <a:latin typeface="Courier" pitchFamily="2" charset="0"/>
-              </a:rPr>
-              <a:t> </a:t>
-            </a:r>
-            <a:r>
-              <a:rPr lang="en-US" dirty="0">
-                <a:latin typeface="Courier" pitchFamily="2" charset="0"/>
-                <a:sym typeface="Wingdings" pitchFamily="2" charset="2"/>
-              </a:rPr>
-              <a:t> / F FT</a:t>
-            </a:r>
-            <a:r>
-              <a:rPr lang="en-US" baseline="-25000" dirty="0">
-                <a:latin typeface="Courier" pitchFamily="2" charset="0"/>
-                <a:sym typeface="Wingdings" pitchFamily="2" charset="2"/>
-              </a:rPr>
-              <a:t>2</a:t>
-            </a:r>
-          </a:p>
-          <a:p>
-            <a:pPr marL="285750" indent="-285750">
-              <a:buFont typeface="Arial" panose="020B0604020202020204" pitchFamily="34" charset="0"/>
-              <a:buChar char="•"/>
-            </a:pPr>
-            <a:r>
-              <a:rPr lang="en-US" dirty="0" err="1">
-                <a:latin typeface="Courier" pitchFamily="2" charset="0"/>
-                <a:sym typeface="Wingdings" pitchFamily="2" charset="2"/>
-              </a:rPr>
-              <a:t>st</a:t>
-            </a:r>
-            <a:r>
-              <a:rPr lang="en-US" dirty="0">
-                <a:latin typeface="Courier" pitchFamily="2" charset="0"/>
-                <a:sym typeface="Wingdings" pitchFamily="2" charset="2"/>
-              </a:rPr>
-              <a:t>(FT</a:t>
-            </a:r>
-            <a:r>
-              <a:rPr lang="en-US" baseline="-25000" dirty="0">
-                <a:latin typeface="Courier" pitchFamily="2" charset="0"/>
-                <a:sym typeface="Wingdings" pitchFamily="2" charset="2"/>
-              </a:rPr>
-              <a:t>2</a:t>
-            </a:r>
-            <a:r>
-              <a:rPr lang="en-US" dirty="0">
-                <a:latin typeface="Courier" pitchFamily="2" charset="0"/>
-                <a:sym typeface="Wingdings" pitchFamily="2" charset="2"/>
-              </a:rPr>
-              <a:t>) := </a:t>
-            </a:r>
-            <a:r>
-              <a:rPr lang="en-US" dirty="0" err="1">
-                <a:latin typeface="Courier" pitchFamily="2" charset="0"/>
-                <a:sym typeface="Wingdings" pitchFamily="2" charset="2"/>
-              </a:rPr>
-              <a:t>make_bin_op</a:t>
-            </a:r>
-            <a:r>
-              <a:rPr lang="en-US" dirty="0">
-                <a:latin typeface="Courier" pitchFamily="2" charset="0"/>
-                <a:sym typeface="Wingdings" pitchFamily="2" charset="2"/>
-              </a:rPr>
-              <a:t>(“/”, </a:t>
-            </a:r>
-            <a:r>
-              <a:rPr lang="en-US" dirty="0" err="1">
-                <a:latin typeface="Courier" pitchFamily="2" charset="0"/>
-                <a:sym typeface="Wingdings" pitchFamily="2" charset="2"/>
-              </a:rPr>
-              <a:t>st</a:t>
-            </a:r>
-            <a:r>
-              <a:rPr lang="en-US" dirty="0">
-                <a:latin typeface="Courier" pitchFamily="2" charset="0"/>
-                <a:sym typeface="Wingdings" pitchFamily="2" charset="2"/>
-              </a:rPr>
-              <a:t>(FT</a:t>
-            </a:r>
-            <a:r>
-              <a:rPr lang="en-US" baseline="-25000" dirty="0">
-                <a:latin typeface="Courier" pitchFamily="2" charset="0"/>
-                <a:sym typeface="Wingdings" pitchFamily="2" charset="2"/>
-              </a:rPr>
-              <a:t>1</a:t>
-            </a:r>
-            <a:r>
-              <a:rPr lang="en-US" dirty="0">
-                <a:latin typeface="Courier" pitchFamily="2" charset="0"/>
-                <a:sym typeface="Wingdings" pitchFamily="2" charset="2"/>
-              </a:rPr>
-              <a:t>), </a:t>
-            </a:r>
-            <a:r>
-              <a:rPr lang="en-US" dirty="0" err="1">
-                <a:latin typeface="Courier" pitchFamily="2" charset="0"/>
-                <a:sym typeface="Wingdings" pitchFamily="2" charset="2"/>
-              </a:rPr>
-              <a:t>ptr</a:t>
-            </a:r>
-            <a:r>
-              <a:rPr lang="en-US" dirty="0">
-                <a:latin typeface="Courier" pitchFamily="2" charset="0"/>
-                <a:sym typeface="Wingdings" pitchFamily="2" charset="2"/>
-              </a:rPr>
-              <a:t>(F))</a:t>
-            </a:r>
-          </a:p>
-          <a:p>
-            <a:pPr marL="285750" indent="-285750">
-              <a:buFont typeface="Arial" panose="020B0604020202020204" pitchFamily="34" charset="0"/>
-              <a:buChar char="•"/>
-            </a:pPr>
-            <a:r>
-              <a:rPr lang="en-US" dirty="0" err="1">
-                <a:latin typeface="Courier" pitchFamily="2" charset="0"/>
-                <a:sym typeface="Wingdings" pitchFamily="2" charset="2"/>
-              </a:rPr>
-              <a:t>ptr</a:t>
-            </a:r>
-            <a:r>
-              <a:rPr lang="en-US" dirty="0">
-                <a:latin typeface="Courier" pitchFamily="2" charset="0"/>
-                <a:sym typeface="Wingdings" pitchFamily="2" charset="2"/>
-              </a:rPr>
-              <a:t>(FT</a:t>
-            </a:r>
-            <a:r>
-              <a:rPr lang="en-US" baseline="-25000" dirty="0">
-                <a:latin typeface="Courier" pitchFamily="2" charset="0"/>
-                <a:sym typeface="Wingdings" pitchFamily="2" charset="2"/>
-              </a:rPr>
-              <a:t>1</a:t>
-            </a:r>
-            <a:r>
-              <a:rPr lang="en-US" dirty="0">
-                <a:latin typeface="Courier" pitchFamily="2" charset="0"/>
-                <a:sym typeface="Wingdings" pitchFamily="2" charset="2"/>
-              </a:rPr>
-              <a:t>) := </a:t>
-            </a:r>
-            <a:r>
-              <a:rPr lang="en-US" dirty="0" err="1">
-                <a:latin typeface="Courier" pitchFamily="2" charset="0"/>
-                <a:sym typeface="Wingdings" pitchFamily="2" charset="2"/>
-              </a:rPr>
-              <a:t>ptr</a:t>
-            </a:r>
-            <a:r>
-              <a:rPr lang="en-US" dirty="0">
-                <a:latin typeface="Courier" pitchFamily="2" charset="0"/>
-                <a:sym typeface="Wingdings" pitchFamily="2" charset="2"/>
-              </a:rPr>
-              <a:t> (FT</a:t>
-            </a:r>
-            <a:r>
-              <a:rPr lang="en-US" baseline="-25000" dirty="0">
-                <a:latin typeface="Courier" pitchFamily="2" charset="0"/>
-                <a:sym typeface="Wingdings" pitchFamily="2" charset="2"/>
-              </a:rPr>
-              <a:t>2</a:t>
-            </a:r>
-            <a:r>
-              <a:rPr lang="en-US" dirty="0">
-                <a:latin typeface="Courier" pitchFamily="2" charset="0"/>
-                <a:sym typeface="Wingdings" pitchFamily="2" charset="2"/>
-              </a:rPr>
-              <a:t>)</a:t>
-            </a:r>
-          </a:p>
-          <a:p>
-            <a:r>
-              <a:rPr lang="en-US" dirty="0">
-                <a:latin typeface="Courier" pitchFamily="2" charset="0"/>
-                <a:sym typeface="Wingdings" pitchFamily="2" charset="2"/>
-              </a:rPr>
-              <a:t>8 FT  </a:t>
-            </a:r>
-            <a:r>
-              <a:rPr lang="en-US" dirty="0">
-                <a:latin typeface="Symbol" pitchFamily="2" charset="2"/>
-                <a:sym typeface="Wingdings" pitchFamily="2" charset="2"/>
-              </a:rPr>
-              <a:t>e</a:t>
-            </a:r>
-          </a:p>
-          <a:p>
-            <a:pPr marL="285750" indent="-285750">
-              <a:buFont typeface="Arial" panose="020B0604020202020204" pitchFamily="34" charset="0"/>
-              <a:buChar char="•"/>
-            </a:pPr>
-            <a:r>
-              <a:rPr lang="en-US" dirty="0" err="1">
-                <a:latin typeface="Courier" pitchFamily="2" charset="0"/>
-                <a:sym typeface="Wingdings" pitchFamily="2" charset="2"/>
-              </a:rPr>
-              <a:t>ptr</a:t>
-            </a:r>
-            <a:r>
-              <a:rPr lang="en-US" dirty="0">
-                <a:latin typeface="Courier" pitchFamily="2" charset="0"/>
-                <a:sym typeface="Wingdings" pitchFamily="2" charset="2"/>
-              </a:rPr>
-              <a:t>(FT) := </a:t>
-            </a:r>
-            <a:r>
-              <a:rPr lang="en-US" dirty="0" err="1">
-                <a:latin typeface="Courier" pitchFamily="2" charset="0"/>
-                <a:sym typeface="Wingdings" pitchFamily="2" charset="2"/>
-              </a:rPr>
-              <a:t>st</a:t>
-            </a:r>
-            <a:r>
-              <a:rPr lang="en-US" dirty="0">
-                <a:latin typeface="Courier" pitchFamily="2" charset="0"/>
-                <a:sym typeface="Wingdings" pitchFamily="2" charset="2"/>
-              </a:rPr>
-              <a:t>(FT)</a:t>
-            </a:r>
-          </a:p>
-          <a:p>
-            <a:r>
-              <a:rPr lang="en-US" dirty="0">
-                <a:latin typeface="Courier" pitchFamily="2" charset="0"/>
-                <a:sym typeface="Wingdings" pitchFamily="2" charset="2"/>
-              </a:rPr>
-              <a:t>9. F</a:t>
-            </a:r>
-            <a:r>
-              <a:rPr lang="en-US" baseline="-25000" dirty="0">
-                <a:latin typeface="Courier" pitchFamily="2" charset="0"/>
-                <a:sym typeface="Wingdings" pitchFamily="2" charset="2"/>
-              </a:rPr>
-              <a:t>1</a:t>
-            </a:r>
-            <a:r>
-              <a:rPr lang="en-US" dirty="0">
-                <a:latin typeface="Courier" pitchFamily="2" charset="0"/>
-                <a:sym typeface="Wingdings" pitchFamily="2" charset="2"/>
-              </a:rPr>
-              <a:t>  - F</a:t>
-            </a:r>
-            <a:r>
-              <a:rPr lang="en-US" baseline="-25000" dirty="0">
-                <a:latin typeface="Courier" pitchFamily="2" charset="0"/>
-                <a:sym typeface="Wingdings" pitchFamily="2" charset="2"/>
-              </a:rPr>
-              <a:t>2</a:t>
-            </a:r>
-          </a:p>
-          <a:p>
-            <a:pPr marL="285750" indent="-285750">
-              <a:buFont typeface="Arial" panose="020B0604020202020204" pitchFamily="34" charset="0"/>
-              <a:buChar char="•"/>
-            </a:pPr>
-            <a:r>
-              <a:rPr lang="en-US" dirty="0" err="1">
-                <a:latin typeface="Courier" pitchFamily="2" charset="0"/>
-                <a:sym typeface="Wingdings" pitchFamily="2" charset="2"/>
-              </a:rPr>
-              <a:t>ptr</a:t>
-            </a:r>
-            <a:r>
-              <a:rPr lang="en-US" dirty="0">
-                <a:latin typeface="Courier" pitchFamily="2" charset="0"/>
-                <a:sym typeface="Wingdings" pitchFamily="2" charset="2"/>
-              </a:rPr>
-              <a:t>(F</a:t>
-            </a:r>
-            <a:r>
-              <a:rPr lang="en-US" baseline="-25000" dirty="0">
-                <a:latin typeface="Courier" pitchFamily="2" charset="0"/>
-                <a:sym typeface="Wingdings" pitchFamily="2" charset="2"/>
-              </a:rPr>
-              <a:t>1</a:t>
-            </a:r>
-            <a:r>
-              <a:rPr lang="en-US" dirty="0">
-                <a:latin typeface="Courier" pitchFamily="2" charset="0"/>
-                <a:sym typeface="Wingdings" pitchFamily="2" charset="2"/>
-              </a:rPr>
-              <a:t>) := </a:t>
-            </a:r>
-            <a:r>
-              <a:rPr lang="en-US" dirty="0" err="1">
-                <a:latin typeface="Courier" pitchFamily="2" charset="0"/>
-                <a:sym typeface="Wingdings" pitchFamily="2" charset="2"/>
-              </a:rPr>
-              <a:t>make_un_op</a:t>
-            </a:r>
-            <a:r>
-              <a:rPr lang="en-US" dirty="0">
-                <a:latin typeface="Courier" pitchFamily="2" charset="0"/>
-                <a:sym typeface="Wingdings" pitchFamily="2" charset="2"/>
-              </a:rPr>
-              <a:t>(”-”,</a:t>
-            </a:r>
-            <a:r>
-              <a:rPr lang="en-US" dirty="0" err="1">
-                <a:latin typeface="Courier" pitchFamily="2" charset="0"/>
-                <a:sym typeface="Wingdings" pitchFamily="2" charset="2"/>
-              </a:rPr>
-              <a:t>ptr</a:t>
-            </a:r>
-            <a:r>
-              <a:rPr lang="en-US" dirty="0">
-                <a:latin typeface="Courier" pitchFamily="2" charset="0"/>
-                <a:sym typeface="Wingdings" pitchFamily="2" charset="2"/>
-              </a:rPr>
-              <a:t>(F</a:t>
-            </a:r>
-            <a:r>
-              <a:rPr lang="en-US" baseline="-25000" dirty="0">
-                <a:latin typeface="Courier" pitchFamily="2" charset="0"/>
-                <a:sym typeface="Wingdings" pitchFamily="2" charset="2"/>
-              </a:rPr>
-              <a:t>2</a:t>
-            </a:r>
-            <a:r>
-              <a:rPr lang="en-US" dirty="0">
-                <a:latin typeface="Courier" pitchFamily="2" charset="0"/>
-                <a:sym typeface="Wingdings" pitchFamily="2" charset="2"/>
-              </a:rPr>
-              <a:t>))</a:t>
-            </a:r>
-          </a:p>
-          <a:p>
-            <a:r>
-              <a:rPr lang="en-US" dirty="0">
-                <a:latin typeface="Courier" pitchFamily="2" charset="0"/>
-                <a:sym typeface="Wingdings" pitchFamily="2" charset="2"/>
-              </a:rPr>
-              <a:t>10. F  ( E )</a:t>
-            </a:r>
-          </a:p>
-          <a:p>
-            <a:pPr marL="285750" indent="-285750">
-              <a:buFont typeface="Arial" panose="020B0604020202020204" pitchFamily="34" charset="0"/>
-              <a:buChar char="•"/>
-            </a:pPr>
-            <a:r>
-              <a:rPr lang="en-US" dirty="0" err="1">
-                <a:latin typeface="Courier" pitchFamily="2" charset="0"/>
-                <a:sym typeface="Wingdings" pitchFamily="2" charset="2"/>
-              </a:rPr>
-              <a:t>ptr</a:t>
-            </a:r>
-            <a:r>
-              <a:rPr lang="en-US" dirty="0">
-                <a:latin typeface="Courier" pitchFamily="2" charset="0"/>
-                <a:sym typeface="Wingdings" pitchFamily="2" charset="2"/>
-              </a:rPr>
-              <a:t>(F) := </a:t>
-            </a:r>
-            <a:r>
-              <a:rPr lang="en-US" dirty="0" err="1">
-                <a:latin typeface="Courier" pitchFamily="2" charset="0"/>
-                <a:sym typeface="Wingdings" pitchFamily="2" charset="2"/>
-              </a:rPr>
-              <a:t>ptr</a:t>
-            </a:r>
-            <a:r>
-              <a:rPr lang="en-US" dirty="0">
-                <a:latin typeface="Courier" pitchFamily="2" charset="0"/>
-                <a:sym typeface="Wingdings" pitchFamily="2" charset="2"/>
-              </a:rPr>
-              <a:t>(E)</a:t>
-            </a:r>
-          </a:p>
-          <a:p>
-            <a:r>
-              <a:rPr lang="en-US" dirty="0">
-                <a:latin typeface="Courier" pitchFamily="2" charset="0"/>
-                <a:sym typeface="Wingdings" pitchFamily="2" charset="2"/>
-              </a:rPr>
-              <a:t>11. F  const</a:t>
-            </a:r>
-          </a:p>
-          <a:p>
-            <a:pPr marL="285750" indent="-285750">
-              <a:buFont typeface="Arial" panose="020B0604020202020204" pitchFamily="34" charset="0"/>
-              <a:buChar char="•"/>
-            </a:pPr>
-            <a:r>
-              <a:rPr lang="en-US" dirty="0" err="1">
-                <a:latin typeface="Courier" pitchFamily="2" charset="0"/>
-                <a:sym typeface="Wingdings" pitchFamily="2" charset="2"/>
-              </a:rPr>
-              <a:t>ptr</a:t>
-            </a:r>
-            <a:r>
-              <a:rPr lang="en-US" dirty="0">
-                <a:latin typeface="Courier" pitchFamily="2" charset="0"/>
-                <a:sym typeface="Wingdings" pitchFamily="2" charset="2"/>
-              </a:rPr>
-              <a:t>(F) := </a:t>
-            </a:r>
-            <a:r>
-              <a:rPr lang="en-US" dirty="0" err="1">
-                <a:latin typeface="Courier" pitchFamily="2" charset="0"/>
-                <a:sym typeface="Wingdings" pitchFamily="2" charset="2"/>
-              </a:rPr>
-              <a:t>make_leaf</a:t>
-            </a:r>
-            <a:r>
-              <a:rPr lang="en-US" dirty="0">
-                <a:latin typeface="Courier" pitchFamily="2" charset="0"/>
-                <a:sym typeface="Wingdings" pitchFamily="2" charset="2"/>
-              </a:rPr>
-              <a:t>(</a:t>
-            </a:r>
-            <a:r>
-              <a:rPr lang="en-US" dirty="0" err="1">
-                <a:latin typeface="Courier" pitchFamily="2" charset="0"/>
-                <a:sym typeface="Wingdings" pitchFamily="2" charset="2"/>
-              </a:rPr>
-              <a:t>val</a:t>
-            </a:r>
-            <a:r>
-              <a:rPr lang="en-US" dirty="0">
-                <a:latin typeface="Courier" pitchFamily="2" charset="0"/>
-                <a:sym typeface="Wingdings" pitchFamily="2" charset="2"/>
-              </a:rPr>
-              <a:t>(const))</a:t>
-            </a:r>
-            <a:endParaRPr lang="en-US" dirty="0">
-              <a:latin typeface="Courier" pitchFamily="2" charset="0"/>
-            </a:endParaRPr>
-          </a:p>
-        </p:txBody>
-      </p:sp>
-    </p:spTree>
-    <p:extLst>
-      <p:ext uri="{BB962C8B-B14F-4D97-AF65-F5344CB8AC3E}">
-        <p14:creationId xmlns:p14="http://schemas.microsoft.com/office/powerpoint/2010/main" val="1014401452"/>
-      </p:ext>
-    </p:extLst>
-  </p:cSld>
-  <p:clrMapOvr>
-    <a:masterClrMapping/>
-  </p:clrMapOvr>
-</p:sld>
-</file>
-
 <file path=ppt/slides/slide25.xml><?xml version="1.0" encoding="utf-8"?>
 <p:sld xmlns:a="http://schemas.openxmlformats.org/drawingml/2006/main" xmlns:r="http://schemas.openxmlformats.org/officeDocument/2006/relationships" xmlns:p="http://schemas.openxmlformats.org/presentationml/2006/main">
   <p:cSld>
@@ -18935,7 +17746,7 @@
           <p:cNvPr id="2" name="Title 1">
             <a:extLst>
               <a:ext uri="{FF2B5EF4-FFF2-40B4-BE49-F238E27FC236}">
-                <a16:creationId xmlns:a16="http://schemas.microsoft.com/office/drawing/2014/main" id="{4D8885F9-E8BC-9D48-B42C-465B10FEFEA1}"/>
+                <a16:creationId xmlns:a16="http://schemas.microsoft.com/office/drawing/2014/main" id="{B969E557-DEDC-D44A-838B-36DFAB3B21AC}"/>
               </a:ext>
             </a:extLst>
           </p:cNvPr>
@@ -18953,6 +17764,1390 @@
           <a:p>
             <a:r>
               <a:rPr lang="en-US" dirty="0"/>
+              <a:t>Inherited Attributes</a:t>
+            </a:r>
+          </a:p>
+        </p:txBody>
+      </p:sp>
+      <p:sp>
+        <p:nvSpPr>
+          <p:cNvPr id="4" name="Footer Placeholder 3">
+            <a:extLst>
+              <a:ext uri="{FF2B5EF4-FFF2-40B4-BE49-F238E27FC236}">
+                <a16:creationId xmlns:a16="http://schemas.microsoft.com/office/drawing/2014/main" id="{2F461F52-2176-FA49-865B-93901786FDFB}"/>
+              </a:ext>
+            </a:extLst>
+          </p:cNvPr>
+          <p:cNvSpPr>
+            <a:spLocks noGrp="1"/>
+          </p:cNvSpPr>
+          <p:nvPr>
+            <p:ph type="ftr" sz="quarter" idx="11"/>
+          </p:nvPr>
+        </p:nvSpPr>
+        <p:spPr/>
+        <p:txBody>
+          <a:bodyPr/>
+          <a:lstStyle/>
+          <a:p>
+            <a:r>
+              <a:rPr lang="en-US"/>
+              <a:t>Principles of Programming Languages</a:t>
+            </a:r>
+          </a:p>
+        </p:txBody>
+      </p:sp>
+      <p:sp>
+        <p:nvSpPr>
+          <p:cNvPr id="5" name="Slide Number Placeholder 4">
+            <a:extLst>
+              <a:ext uri="{FF2B5EF4-FFF2-40B4-BE49-F238E27FC236}">
+                <a16:creationId xmlns:a16="http://schemas.microsoft.com/office/drawing/2014/main" id="{77020F8E-3CCC-B745-8CCF-D1830CABE20D}"/>
+              </a:ext>
+            </a:extLst>
+          </p:cNvPr>
+          <p:cNvSpPr>
+            <a:spLocks noGrp="1"/>
+          </p:cNvSpPr>
+          <p:nvPr>
+            <p:ph type="sldNum" sz="quarter" idx="12"/>
+          </p:nvPr>
+        </p:nvSpPr>
+        <p:spPr/>
+        <p:txBody>
+          <a:bodyPr/>
+          <a:lstStyle/>
+          <a:p>
+            <a:fld id="{AE2B63BD-8566-6841-8331-0BA2255B2CF6}" type="slidenum">
+              <a:rPr lang="en-US" smtClean="0"/>
+              <a:t>25</a:t>
+            </a:fld>
+            <a:endParaRPr lang="en-US"/>
+          </a:p>
+        </p:txBody>
+      </p:sp>
+      <p:sp>
+        <p:nvSpPr>
+          <p:cNvPr id="6" name="TextBox 5">
+            <a:extLst>
+              <a:ext uri="{FF2B5EF4-FFF2-40B4-BE49-F238E27FC236}">
+                <a16:creationId xmlns:a16="http://schemas.microsoft.com/office/drawing/2014/main" id="{861AD73F-9210-D844-903F-C47AFFAEFCC7}"/>
+              </a:ext>
+            </a:extLst>
+          </p:cNvPr>
+          <p:cNvSpPr txBox="1"/>
+          <p:nvPr/>
+        </p:nvSpPr>
+        <p:spPr>
+          <a:xfrm>
+            <a:off x="522757" y="1545041"/>
+            <a:ext cx="6449201" cy="4801314"/>
+          </a:xfrm>
+          <a:prstGeom prst="rect">
+            <a:avLst/>
+          </a:prstGeom>
+          <a:noFill/>
+          <a:ln w="57150">
+            <a:solidFill>
+              <a:srgbClr val="00B050"/>
+            </a:solidFill>
+          </a:ln>
+        </p:spPr>
+        <p:txBody>
+          <a:bodyPr wrap="none" rtlCol="0">
+            <a:spAutoFit/>
+          </a:bodyPr>
+          <a:lstStyle/>
+          <a:p>
+            <a:r>
+              <a:rPr lang="en-US" dirty="0">
+                <a:latin typeface="Courier" pitchFamily="2" charset="0"/>
+              </a:rPr>
+              <a:t>1. E </a:t>
+            </a:r>
+            <a:r>
+              <a:rPr lang="en-US" dirty="0">
+                <a:latin typeface="Courier" pitchFamily="2" charset="0"/>
+                <a:sym typeface="Wingdings" pitchFamily="2" charset="2"/>
+              </a:rPr>
+              <a:t> T TT		</a:t>
+            </a:r>
+          </a:p>
+          <a:p>
+            <a:pPr marL="285750" indent="-285750">
+              <a:buFont typeface="Arial" panose="020B0604020202020204" pitchFamily="34" charset="0"/>
+              <a:buChar char="•"/>
+            </a:pPr>
+            <a:r>
+              <a:rPr lang="en-US" dirty="0" err="1">
+                <a:latin typeface="Courier" pitchFamily="2" charset="0"/>
+                <a:sym typeface="Wingdings" pitchFamily="2" charset="2"/>
+              </a:rPr>
+              <a:t>st</a:t>
+            </a:r>
+            <a:r>
+              <a:rPr lang="en-US" dirty="0">
+                <a:latin typeface="Courier" pitchFamily="2" charset="0"/>
+                <a:sym typeface="Wingdings" pitchFamily="2" charset="2"/>
+              </a:rPr>
+              <a:t>(TT) := </a:t>
+            </a:r>
+            <a:r>
+              <a:rPr lang="en-US" dirty="0" err="1">
+                <a:latin typeface="Courier" pitchFamily="2" charset="0"/>
+                <a:sym typeface="Wingdings" pitchFamily="2" charset="2"/>
+              </a:rPr>
+              <a:t>ptr</a:t>
+            </a:r>
+            <a:r>
+              <a:rPr lang="en-US" dirty="0">
+                <a:latin typeface="Courier" pitchFamily="2" charset="0"/>
+                <a:sym typeface="Wingdings" pitchFamily="2" charset="2"/>
+              </a:rPr>
+              <a:t>(T)</a:t>
+            </a:r>
+          </a:p>
+          <a:p>
+            <a:pPr marL="285750" indent="-285750">
+              <a:buFont typeface="Arial" panose="020B0604020202020204" pitchFamily="34" charset="0"/>
+              <a:buChar char="•"/>
+            </a:pPr>
+            <a:r>
+              <a:rPr lang="en-US" dirty="0" err="1">
+                <a:latin typeface="Courier" pitchFamily="2" charset="0"/>
+                <a:sym typeface="Wingdings" pitchFamily="2" charset="2"/>
+              </a:rPr>
+              <a:t>ptr</a:t>
+            </a:r>
+            <a:r>
+              <a:rPr lang="en-US" dirty="0">
+                <a:latin typeface="Courier" pitchFamily="2" charset="0"/>
+                <a:sym typeface="Wingdings" pitchFamily="2" charset="2"/>
+              </a:rPr>
+              <a:t>(E) := </a:t>
+            </a:r>
+            <a:r>
+              <a:rPr lang="en-US" dirty="0" err="1">
+                <a:latin typeface="Courier" pitchFamily="2" charset="0"/>
+                <a:sym typeface="Wingdings" pitchFamily="2" charset="2"/>
+              </a:rPr>
+              <a:t>ptr</a:t>
+            </a:r>
+            <a:r>
+              <a:rPr lang="en-US" dirty="0">
+                <a:latin typeface="Courier" pitchFamily="2" charset="0"/>
+                <a:sym typeface="Wingdings" pitchFamily="2" charset="2"/>
+              </a:rPr>
+              <a:t>(TT)</a:t>
+            </a:r>
+          </a:p>
+          <a:p>
+            <a:r>
+              <a:rPr lang="en-US" dirty="0">
+                <a:latin typeface="Courier" pitchFamily="2" charset="0"/>
+                <a:sym typeface="Wingdings" pitchFamily="2" charset="2"/>
+              </a:rPr>
+              <a:t>2. TT</a:t>
+            </a:r>
+            <a:r>
+              <a:rPr lang="en-US" baseline="-25000" dirty="0">
+                <a:latin typeface="Courier" pitchFamily="2" charset="0"/>
+                <a:sym typeface="Wingdings" pitchFamily="2" charset="2"/>
+              </a:rPr>
+              <a:t>1</a:t>
+            </a:r>
+            <a:r>
+              <a:rPr lang="en-US" dirty="0">
+                <a:latin typeface="Courier" pitchFamily="2" charset="0"/>
+                <a:sym typeface="Wingdings" pitchFamily="2" charset="2"/>
+              </a:rPr>
+              <a:t>  + T TT</a:t>
+            </a:r>
+            <a:r>
+              <a:rPr lang="en-US" baseline="-25000" dirty="0">
+                <a:latin typeface="Courier" pitchFamily="2" charset="0"/>
+                <a:sym typeface="Wingdings" pitchFamily="2" charset="2"/>
+              </a:rPr>
+              <a:t>2</a:t>
+            </a:r>
+          </a:p>
+          <a:p>
+            <a:pPr marL="285750" indent="-285750">
+              <a:buFont typeface="Arial" panose="020B0604020202020204" pitchFamily="34" charset="0"/>
+              <a:buChar char="•"/>
+            </a:pPr>
+            <a:r>
+              <a:rPr lang="en-US" dirty="0" err="1">
+                <a:latin typeface="Courier" pitchFamily="2" charset="0"/>
+                <a:sym typeface="Wingdings" pitchFamily="2" charset="2"/>
+              </a:rPr>
+              <a:t>st</a:t>
+            </a:r>
+            <a:r>
+              <a:rPr lang="en-US" dirty="0">
+                <a:latin typeface="Courier" pitchFamily="2" charset="0"/>
+                <a:sym typeface="Wingdings" pitchFamily="2" charset="2"/>
+              </a:rPr>
+              <a:t>(TT</a:t>
+            </a:r>
+            <a:r>
+              <a:rPr lang="en-US" baseline="-25000" dirty="0">
+                <a:latin typeface="Courier" pitchFamily="2" charset="0"/>
+                <a:sym typeface="Wingdings" pitchFamily="2" charset="2"/>
+              </a:rPr>
+              <a:t>2</a:t>
+            </a:r>
+            <a:r>
+              <a:rPr lang="en-US" dirty="0">
+                <a:latin typeface="Courier" pitchFamily="2" charset="0"/>
+                <a:sym typeface="Wingdings" pitchFamily="2" charset="2"/>
+              </a:rPr>
+              <a:t>) := </a:t>
+            </a:r>
+            <a:r>
+              <a:rPr lang="en-US" dirty="0" err="1">
+                <a:latin typeface="Courier" pitchFamily="2" charset="0"/>
+                <a:sym typeface="Wingdings" pitchFamily="2" charset="2"/>
+              </a:rPr>
+              <a:t>make_bin_op</a:t>
+            </a:r>
+            <a:r>
+              <a:rPr lang="en-US" dirty="0">
+                <a:latin typeface="Courier" pitchFamily="2" charset="0"/>
+                <a:sym typeface="Wingdings" pitchFamily="2" charset="2"/>
+              </a:rPr>
+              <a:t>(“+”, </a:t>
+            </a:r>
+            <a:r>
+              <a:rPr lang="en-US" dirty="0" err="1">
+                <a:latin typeface="Courier" pitchFamily="2" charset="0"/>
+                <a:sym typeface="Wingdings" pitchFamily="2" charset="2"/>
+              </a:rPr>
+              <a:t>st</a:t>
+            </a:r>
+            <a:r>
+              <a:rPr lang="en-US" dirty="0">
+                <a:latin typeface="Courier" pitchFamily="2" charset="0"/>
+                <a:sym typeface="Wingdings" pitchFamily="2" charset="2"/>
+              </a:rPr>
+              <a:t>(TT</a:t>
+            </a:r>
+            <a:r>
+              <a:rPr lang="en-US" baseline="-25000" dirty="0">
+                <a:latin typeface="Courier" pitchFamily="2" charset="0"/>
+                <a:sym typeface="Wingdings" pitchFamily="2" charset="2"/>
+              </a:rPr>
+              <a:t>1</a:t>
+            </a:r>
+            <a:r>
+              <a:rPr lang="en-US" dirty="0">
+                <a:latin typeface="Courier" pitchFamily="2" charset="0"/>
+                <a:sym typeface="Wingdings" pitchFamily="2" charset="2"/>
+              </a:rPr>
+              <a:t>), </a:t>
+            </a:r>
+            <a:r>
+              <a:rPr lang="en-US" dirty="0" err="1">
+                <a:latin typeface="Courier" pitchFamily="2" charset="0"/>
+                <a:sym typeface="Wingdings" pitchFamily="2" charset="2"/>
+              </a:rPr>
+              <a:t>ptr</a:t>
+            </a:r>
+            <a:r>
+              <a:rPr lang="en-US" dirty="0">
+                <a:latin typeface="Courier" pitchFamily="2" charset="0"/>
+                <a:sym typeface="Wingdings" pitchFamily="2" charset="2"/>
+              </a:rPr>
+              <a:t>(T))</a:t>
+            </a:r>
+          </a:p>
+          <a:p>
+            <a:pPr marL="285750" indent="-285750">
+              <a:buFont typeface="Arial" panose="020B0604020202020204" pitchFamily="34" charset="0"/>
+              <a:buChar char="•"/>
+            </a:pPr>
+            <a:r>
+              <a:rPr lang="en-US" dirty="0" err="1">
+                <a:latin typeface="Courier" pitchFamily="2" charset="0"/>
+                <a:sym typeface="Wingdings" pitchFamily="2" charset="2"/>
+              </a:rPr>
+              <a:t>ptr</a:t>
+            </a:r>
+            <a:r>
+              <a:rPr lang="en-US" dirty="0">
+                <a:latin typeface="Courier" pitchFamily="2" charset="0"/>
+                <a:sym typeface="Wingdings" pitchFamily="2" charset="2"/>
+              </a:rPr>
+              <a:t>(TT</a:t>
+            </a:r>
+            <a:r>
+              <a:rPr lang="en-US" baseline="-25000" dirty="0">
+                <a:latin typeface="Courier" pitchFamily="2" charset="0"/>
+                <a:sym typeface="Wingdings" pitchFamily="2" charset="2"/>
+              </a:rPr>
+              <a:t>1</a:t>
+            </a:r>
+            <a:r>
+              <a:rPr lang="en-US" dirty="0">
+                <a:latin typeface="Courier" pitchFamily="2" charset="0"/>
+                <a:sym typeface="Wingdings" pitchFamily="2" charset="2"/>
+              </a:rPr>
+              <a:t>) := </a:t>
+            </a:r>
+            <a:r>
+              <a:rPr lang="en-US" dirty="0" err="1">
+                <a:latin typeface="Courier" pitchFamily="2" charset="0"/>
+                <a:sym typeface="Wingdings" pitchFamily="2" charset="2"/>
+              </a:rPr>
+              <a:t>ptr</a:t>
+            </a:r>
+            <a:r>
+              <a:rPr lang="en-US" dirty="0">
+                <a:latin typeface="Courier" pitchFamily="2" charset="0"/>
+                <a:sym typeface="Wingdings" pitchFamily="2" charset="2"/>
+              </a:rPr>
+              <a:t> (TT</a:t>
+            </a:r>
+            <a:r>
+              <a:rPr lang="en-US" baseline="-25000" dirty="0">
+                <a:latin typeface="Courier" pitchFamily="2" charset="0"/>
+                <a:sym typeface="Wingdings" pitchFamily="2" charset="2"/>
+              </a:rPr>
+              <a:t>2</a:t>
+            </a:r>
+            <a:r>
+              <a:rPr lang="en-US" dirty="0">
+                <a:latin typeface="Courier" pitchFamily="2" charset="0"/>
+                <a:sym typeface="Wingdings" pitchFamily="2" charset="2"/>
+              </a:rPr>
+              <a:t>)</a:t>
+            </a:r>
+          </a:p>
+          <a:p>
+            <a:r>
+              <a:rPr lang="en-US" dirty="0">
+                <a:latin typeface="Courier" pitchFamily="2" charset="0"/>
+                <a:sym typeface="Wingdings" pitchFamily="2" charset="2"/>
+              </a:rPr>
+              <a:t>3. TT</a:t>
+            </a:r>
+            <a:r>
+              <a:rPr lang="en-US" baseline="-25000" dirty="0">
+                <a:latin typeface="Courier" pitchFamily="2" charset="0"/>
+                <a:sym typeface="Wingdings" pitchFamily="2" charset="2"/>
+              </a:rPr>
+              <a:t>1</a:t>
+            </a:r>
+            <a:r>
+              <a:rPr lang="en-US" dirty="0">
+                <a:latin typeface="Courier" pitchFamily="2" charset="0"/>
+                <a:sym typeface="Wingdings" pitchFamily="2" charset="2"/>
+              </a:rPr>
+              <a:t> - T TT</a:t>
+            </a:r>
+            <a:r>
+              <a:rPr lang="en-US" baseline="-25000" dirty="0">
+                <a:latin typeface="Courier" pitchFamily="2" charset="0"/>
+                <a:sym typeface="Wingdings" pitchFamily="2" charset="2"/>
+              </a:rPr>
+              <a:t>2</a:t>
+            </a:r>
+          </a:p>
+          <a:p>
+            <a:pPr marL="285750" indent="-285750">
+              <a:buFont typeface="Arial" panose="020B0604020202020204" pitchFamily="34" charset="0"/>
+              <a:buChar char="•"/>
+            </a:pPr>
+            <a:r>
+              <a:rPr lang="en-US" dirty="0" err="1">
+                <a:latin typeface="Courier" pitchFamily="2" charset="0"/>
+                <a:sym typeface="Wingdings" pitchFamily="2" charset="2"/>
+              </a:rPr>
+              <a:t>st</a:t>
+            </a:r>
+            <a:r>
+              <a:rPr lang="en-US" dirty="0">
+                <a:latin typeface="Courier" pitchFamily="2" charset="0"/>
+                <a:sym typeface="Wingdings" pitchFamily="2" charset="2"/>
+              </a:rPr>
+              <a:t>(TT</a:t>
+            </a:r>
+            <a:r>
+              <a:rPr lang="en-US" baseline="-25000" dirty="0">
+                <a:latin typeface="Courier" pitchFamily="2" charset="0"/>
+                <a:sym typeface="Wingdings" pitchFamily="2" charset="2"/>
+              </a:rPr>
+              <a:t>2</a:t>
+            </a:r>
+            <a:r>
+              <a:rPr lang="en-US" dirty="0">
+                <a:latin typeface="Courier" pitchFamily="2" charset="0"/>
+                <a:sym typeface="Wingdings" pitchFamily="2" charset="2"/>
+              </a:rPr>
+              <a:t>) := </a:t>
+            </a:r>
+            <a:r>
+              <a:rPr lang="en-US" dirty="0" err="1">
+                <a:latin typeface="Courier" pitchFamily="2" charset="0"/>
+                <a:sym typeface="Wingdings" pitchFamily="2" charset="2"/>
+              </a:rPr>
+              <a:t>make_bin_op</a:t>
+            </a:r>
+            <a:r>
+              <a:rPr lang="en-US" dirty="0">
+                <a:latin typeface="Courier" pitchFamily="2" charset="0"/>
+                <a:sym typeface="Wingdings" pitchFamily="2" charset="2"/>
+              </a:rPr>
+              <a:t>(“-”, </a:t>
+            </a:r>
+            <a:r>
+              <a:rPr lang="en-US" dirty="0" err="1">
+                <a:latin typeface="Courier" pitchFamily="2" charset="0"/>
+                <a:sym typeface="Wingdings" pitchFamily="2" charset="2"/>
+              </a:rPr>
+              <a:t>st</a:t>
+            </a:r>
+            <a:r>
+              <a:rPr lang="en-US" dirty="0">
+                <a:latin typeface="Courier" pitchFamily="2" charset="0"/>
+                <a:sym typeface="Wingdings" pitchFamily="2" charset="2"/>
+              </a:rPr>
+              <a:t>(TT</a:t>
+            </a:r>
+            <a:r>
+              <a:rPr lang="en-US" baseline="-25000" dirty="0">
+                <a:latin typeface="Courier" pitchFamily="2" charset="0"/>
+                <a:sym typeface="Wingdings" pitchFamily="2" charset="2"/>
+              </a:rPr>
+              <a:t>1</a:t>
+            </a:r>
+            <a:r>
+              <a:rPr lang="en-US" dirty="0">
+                <a:latin typeface="Courier" pitchFamily="2" charset="0"/>
+                <a:sym typeface="Wingdings" pitchFamily="2" charset="2"/>
+              </a:rPr>
+              <a:t>), </a:t>
+            </a:r>
+            <a:r>
+              <a:rPr lang="en-US" dirty="0" err="1">
+                <a:latin typeface="Courier" pitchFamily="2" charset="0"/>
+                <a:sym typeface="Wingdings" pitchFamily="2" charset="2"/>
+              </a:rPr>
+              <a:t>ptr</a:t>
+            </a:r>
+            <a:r>
+              <a:rPr lang="en-US" dirty="0">
+                <a:latin typeface="Courier" pitchFamily="2" charset="0"/>
+                <a:sym typeface="Wingdings" pitchFamily="2" charset="2"/>
+              </a:rPr>
+              <a:t>(T))</a:t>
+            </a:r>
+          </a:p>
+          <a:p>
+            <a:pPr marL="285750" indent="-285750">
+              <a:buFont typeface="Arial" panose="020B0604020202020204" pitchFamily="34" charset="0"/>
+              <a:buChar char="•"/>
+            </a:pPr>
+            <a:r>
+              <a:rPr lang="en-US" dirty="0" err="1">
+                <a:latin typeface="Courier" pitchFamily="2" charset="0"/>
+                <a:sym typeface="Wingdings" pitchFamily="2" charset="2"/>
+              </a:rPr>
+              <a:t>ptr</a:t>
+            </a:r>
+            <a:r>
+              <a:rPr lang="en-US" dirty="0">
+                <a:latin typeface="Courier" pitchFamily="2" charset="0"/>
+                <a:sym typeface="Wingdings" pitchFamily="2" charset="2"/>
+              </a:rPr>
+              <a:t>(TT</a:t>
+            </a:r>
+            <a:r>
+              <a:rPr lang="en-US" baseline="-25000" dirty="0">
+                <a:latin typeface="Courier" pitchFamily="2" charset="0"/>
+                <a:sym typeface="Wingdings" pitchFamily="2" charset="2"/>
+              </a:rPr>
+              <a:t>1</a:t>
+            </a:r>
+            <a:r>
+              <a:rPr lang="en-US" dirty="0">
+                <a:latin typeface="Courier" pitchFamily="2" charset="0"/>
+                <a:sym typeface="Wingdings" pitchFamily="2" charset="2"/>
+              </a:rPr>
+              <a:t>) := </a:t>
+            </a:r>
+            <a:r>
+              <a:rPr lang="en-US" dirty="0" err="1">
+                <a:latin typeface="Courier" pitchFamily="2" charset="0"/>
+                <a:sym typeface="Wingdings" pitchFamily="2" charset="2"/>
+              </a:rPr>
+              <a:t>ptr</a:t>
+            </a:r>
+            <a:r>
+              <a:rPr lang="en-US" dirty="0">
+                <a:latin typeface="Courier" pitchFamily="2" charset="0"/>
+                <a:sym typeface="Wingdings" pitchFamily="2" charset="2"/>
+              </a:rPr>
+              <a:t> (TT</a:t>
+            </a:r>
+            <a:r>
+              <a:rPr lang="en-US" baseline="-25000" dirty="0">
+                <a:latin typeface="Courier" pitchFamily="2" charset="0"/>
+                <a:sym typeface="Wingdings" pitchFamily="2" charset="2"/>
+              </a:rPr>
+              <a:t>2</a:t>
+            </a:r>
+            <a:r>
+              <a:rPr lang="en-US" dirty="0">
+                <a:latin typeface="Courier" pitchFamily="2" charset="0"/>
+                <a:sym typeface="Wingdings" pitchFamily="2" charset="2"/>
+              </a:rPr>
+              <a:t>)</a:t>
+            </a:r>
+          </a:p>
+          <a:p>
+            <a:r>
+              <a:rPr lang="en-US" dirty="0">
+                <a:latin typeface="Courier" pitchFamily="2" charset="0"/>
+                <a:sym typeface="Wingdings" pitchFamily="2" charset="2"/>
+              </a:rPr>
+              <a:t>4. TT  </a:t>
+            </a:r>
+            <a:r>
+              <a:rPr lang="en-US" dirty="0">
+                <a:latin typeface="Symbol" pitchFamily="2" charset="2"/>
+                <a:sym typeface="Wingdings" pitchFamily="2" charset="2"/>
+              </a:rPr>
+              <a:t>e</a:t>
+            </a:r>
+          </a:p>
+          <a:p>
+            <a:pPr marL="285750" indent="-285750">
+              <a:buFont typeface="Arial" panose="020B0604020202020204" pitchFamily="34" charset="0"/>
+              <a:buChar char="•"/>
+            </a:pPr>
+            <a:r>
+              <a:rPr lang="en-US" dirty="0" err="1">
+                <a:latin typeface="Courier" pitchFamily="2" charset="0"/>
+                <a:sym typeface="Wingdings" pitchFamily="2" charset="2"/>
+              </a:rPr>
+              <a:t>val</a:t>
+            </a:r>
+            <a:r>
+              <a:rPr lang="en-US" dirty="0">
+                <a:latin typeface="Courier" pitchFamily="2" charset="0"/>
+                <a:sym typeface="Wingdings" pitchFamily="2" charset="2"/>
+              </a:rPr>
+              <a:t>(TT) := </a:t>
+            </a:r>
+            <a:r>
+              <a:rPr lang="en-US" dirty="0" err="1">
+                <a:latin typeface="Courier" pitchFamily="2" charset="0"/>
+                <a:sym typeface="Wingdings" pitchFamily="2" charset="2"/>
+              </a:rPr>
+              <a:t>st</a:t>
+            </a:r>
+            <a:r>
+              <a:rPr lang="en-US" dirty="0">
+                <a:latin typeface="Courier" pitchFamily="2" charset="0"/>
+                <a:sym typeface="Wingdings" pitchFamily="2" charset="2"/>
+              </a:rPr>
+              <a:t>(TT)</a:t>
+            </a:r>
+          </a:p>
+          <a:p>
+            <a:r>
+              <a:rPr lang="en-US" dirty="0">
+                <a:latin typeface="Courier" pitchFamily="2" charset="0"/>
+                <a:sym typeface="Wingdings" pitchFamily="2" charset="2"/>
+              </a:rPr>
+              <a:t>5. T  F FT</a:t>
+            </a:r>
+          </a:p>
+          <a:p>
+            <a:pPr marL="285750" indent="-285750">
+              <a:buFont typeface="Arial" panose="020B0604020202020204" pitchFamily="34" charset="0"/>
+              <a:buChar char="•"/>
+            </a:pPr>
+            <a:r>
+              <a:rPr lang="en-US" dirty="0" err="1">
+                <a:latin typeface="Courier" pitchFamily="2" charset="0"/>
+                <a:sym typeface="Wingdings" pitchFamily="2" charset="2"/>
+              </a:rPr>
+              <a:t>st</a:t>
+            </a:r>
+            <a:r>
+              <a:rPr lang="en-US" dirty="0">
+                <a:latin typeface="Courier" pitchFamily="2" charset="0"/>
+                <a:sym typeface="Wingdings" pitchFamily="2" charset="2"/>
+              </a:rPr>
+              <a:t>(FT) := </a:t>
+            </a:r>
+            <a:r>
+              <a:rPr lang="en-US" dirty="0" err="1">
+                <a:latin typeface="Courier" pitchFamily="2" charset="0"/>
+                <a:sym typeface="Wingdings" pitchFamily="2" charset="2"/>
+              </a:rPr>
+              <a:t>val</a:t>
+            </a:r>
+            <a:r>
+              <a:rPr lang="en-US" dirty="0">
+                <a:latin typeface="Courier" pitchFamily="2" charset="0"/>
+                <a:sym typeface="Wingdings" pitchFamily="2" charset="2"/>
+              </a:rPr>
+              <a:t>(F)</a:t>
+            </a:r>
+          </a:p>
+          <a:p>
+            <a:pPr marL="285750" indent="-285750">
+              <a:buFont typeface="Arial" panose="020B0604020202020204" pitchFamily="34" charset="0"/>
+              <a:buChar char="•"/>
+            </a:pPr>
+            <a:r>
+              <a:rPr lang="en-US" dirty="0" err="1">
+                <a:latin typeface="Courier" pitchFamily="2" charset="0"/>
+                <a:sym typeface="Wingdings" pitchFamily="2" charset="2"/>
+              </a:rPr>
+              <a:t>val</a:t>
+            </a:r>
+            <a:r>
+              <a:rPr lang="en-US" dirty="0">
+                <a:latin typeface="Courier" pitchFamily="2" charset="0"/>
+                <a:sym typeface="Wingdings" pitchFamily="2" charset="2"/>
+              </a:rPr>
+              <a:t>(T) := </a:t>
+            </a:r>
+            <a:r>
+              <a:rPr lang="en-US" dirty="0" err="1">
+                <a:latin typeface="Courier" pitchFamily="2" charset="0"/>
+                <a:sym typeface="Wingdings" pitchFamily="2" charset="2"/>
+              </a:rPr>
+              <a:t>val</a:t>
+            </a:r>
+            <a:r>
+              <a:rPr lang="en-US" dirty="0">
+                <a:latin typeface="Courier" pitchFamily="2" charset="0"/>
+                <a:sym typeface="Wingdings" pitchFamily="2" charset="2"/>
+              </a:rPr>
+              <a:t>(FT)</a:t>
+            </a:r>
+          </a:p>
+          <a:p>
+            <a:r>
+              <a:rPr lang="en-US" dirty="0">
+                <a:latin typeface="Courier" pitchFamily="2" charset="0"/>
+                <a:sym typeface="Wingdings" pitchFamily="2" charset="2"/>
+              </a:rPr>
+              <a:t>6. FT</a:t>
+            </a:r>
+            <a:r>
+              <a:rPr lang="en-US" baseline="-25000" dirty="0">
+                <a:latin typeface="Courier" pitchFamily="2" charset="0"/>
+                <a:sym typeface="Wingdings" pitchFamily="2" charset="2"/>
+              </a:rPr>
+              <a:t>1</a:t>
+            </a:r>
+            <a:r>
+              <a:rPr lang="en-US" dirty="0">
+                <a:latin typeface="Courier" pitchFamily="2" charset="0"/>
+                <a:sym typeface="Wingdings" pitchFamily="2" charset="2"/>
+              </a:rPr>
+              <a:t>  * F FT</a:t>
+            </a:r>
+            <a:r>
+              <a:rPr lang="en-US" baseline="-25000" dirty="0">
+                <a:latin typeface="Courier" pitchFamily="2" charset="0"/>
+                <a:sym typeface="Wingdings" pitchFamily="2" charset="2"/>
+              </a:rPr>
+              <a:t>2</a:t>
+            </a:r>
+          </a:p>
+          <a:p>
+            <a:pPr marL="285750" indent="-285750">
+              <a:buFont typeface="Arial" panose="020B0604020202020204" pitchFamily="34" charset="0"/>
+              <a:buChar char="•"/>
+            </a:pPr>
+            <a:r>
+              <a:rPr lang="en-US" dirty="0" err="1">
+                <a:latin typeface="Courier" pitchFamily="2" charset="0"/>
+                <a:sym typeface="Wingdings" pitchFamily="2" charset="2"/>
+              </a:rPr>
+              <a:t>st</a:t>
+            </a:r>
+            <a:r>
+              <a:rPr lang="en-US" dirty="0">
+                <a:latin typeface="Courier" pitchFamily="2" charset="0"/>
+                <a:sym typeface="Wingdings" pitchFamily="2" charset="2"/>
+              </a:rPr>
+              <a:t>(FT</a:t>
+            </a:r>
+            <a:r>
+              <a:rPr lang="en-US" baseline="-25000" dirty="0">
+                <a:latin typeface="Courier" pitchFamily="2" charset="0"/>
+                <a:sym typeface="Wingdings" pitchFamily="2" charset="2"/>
+              </a:rPr>
+              <a:t>2</a:t>
+            </a:r>
+            <a:r>
+              <a:rPr lang="en-US" dirty="0">
+                <a:latin typeface="Courier" pitchFamily="2" charset="0"/>
+                <a:sym typeface="Wingdings" pitchFamily="2" charset="2"/>
+              </a:rPr>
+              <a:t>) := </a:t>
+            </a:r>
+            <a:r>
+              <a:rPr lang="en-US" dirty="0" err="1">
+                <a:latin typeface="Courier" pitchFamily="2" charset="0"/>
+                <a:sym typeface="Wingdings" pitchFamily="2" charset="2"/>
+              </a:rPr>
+              <a:t>make_bin_op</a:t>
+            </a:r>
+            <a:r>
+              <a:rPr lang="en-US" dirty="0">
+                <a:latin typeface="Courier" pitchFamily="2" charset="0"/>
+                <a:sym typeface="Wingdings" pitchFamily="2" charset="2"/>
+              </a:rPr>
+              <a:t>(“*”, </a:t>
+            </a:r>
+            <a:r>
+              <a:rPr lang="en-US" dirty="0" err="1">
+                <a:latin typeface="Courier" pitchFamily="2" charset="0"/>
+                <a:sym typeface="Wingdings" pitchFamily="2" charset="2"/>
+              </a:rPr>
+              <a:t>st</a:t>
+            </a:r>
+            <a:r>
+              <a:rPr lang="en-US" dirty="0">
+                <a:latin typeface="Courier" pitchFamily="2" charset="0"/>
+                <a:sym typeface="Wingdings" pitchFamily="2" charset="2"/>
+              </a:rPr>
+              <a:t>(FT</a:t>
+            </a:r>
+            <a:r>
+              <a:rPr lang="en-US" baseline="-25000" dirty="0">
+                <a:latin typeface="Courier" pitchFamily="2" charset="0"/>
+                <a:sym typeface="Wingdings" pitchFamily="2" charset="2"/>
+              </a:rPr>
+              <a:t>1</a:t>
+            </a:r>
+            <a:r>
+              <a:rPr lang="en-US" dirty="0">
+                <a:latin typeface="Courier" pitchFamily="2" charset="0"/>
+                <a:sym typeface="Wingdings" pitchFamily="2" charset="2"/>
+              </a:rPr>
+              <a:t>), </a:t>
+            </a:r>
+            <a:r>
+              <a:rPr lang="en-US" dirty="0" err="1">
+                <a:latin typeface="Courier" pitchFamily="2" charset="0"/>
+                <a:sym typeface="Wingdings" pitchFamily="2" charset="2"/>
+              </a:rPr>
+              <a:t>ptr</a:t>
+            </a:r>
+            <a:r>
+              <a:rPr lang="en-US" dirty="0">
+                <a:latin typeface="Courier" pitchFamily="2" charset="0"/>
+                <a:sym typeface="Wingdings" pitchFamily="2" charset="2"/>
+              </a:rPr>
+              <a:t>(F))</a:t>
+            </a:r>
+          </a:p>
+          <a:p>
+            <a:pPr marL="285750" indent="-285750">
+              <a:buFont typeface="Arial" panose="020B0604020202020204" pitchFamily="34" charset="0"/>
+              <a:buChar char="•"/>
+            </a:pPr>
+            <a:r>
+              <a:rPr lang="en-US" dirty="0" err="1">
+                <a:latin typeface="Courier" pitchFamily="2" charset="0"/>
+                <a:sym typeface="Wingdings" pitchFamily="2" charset="2"/>
+              </a:rPr>
+              <a:t>ptr</a:t>
+            </a:r>
+            <a:r>
+              <a:rPr lang="en-US" dirty="0">
+                <a:latin typeface="Courier" pitchFamily="2" charset="0"/>
+                <a:sym typeface="Wingdings" pitchFamily="2" charset="2"/>
+              </a:rPr>
+              <a:t>(FT</a:t>
+            </a:r>
+            <a:r>
+              <a:rPr lang="en-US" baseline="-25000" dirty="0">
+                <a:latin typeface="Courier" pitchFamily="2" charset="0"/>
+                <a:sym typeface="Wingdings" pitchFamily="2" charset="2"/>
+              </a:rPr>
+              <a:t>1</a:t>
+            </a:r>
+            <a:r>
+              <a:rPr lang="en-US" dirty="0">
+                <a:latin typeface="Courier" pitchFamily="2" charset="0"/>
+                <a:sym typeface="Wingdings" pitchFamily="2" charset="2"/>
+              </a:rPr>
+              <a:t>) := </a:t>
+            </a:r>
+            <a:r>
+              <a:rPr lang="en-US" dirty="0" err="1">
+                <a:latin typeface="Courier" pitchFamily="2" charset="0"/>
+                <a:sym typeface="Wingdings" pitchFamily="2" charset="2"/>
+              </a:rPr>
+              <a:t>ptr</a:t>
+            </a:r>
+            <a:r>
+              <a:rPr lang="en-US" dirty="0">
+                <a:latin typeface="Courier" pitchFamily="2" charset="0"/>
+                <a:sym typeface="Wingdings" pitchFamily="2" charset="2"/>
+              </a:rPr>
+              <a:t> (FT</a:t>
+            </a:r>
+            <a:r>
+              <a:rPr lang="en-US" baseline="-25000" dirty="0">
+                <a:latin typeface="Courier" pitchFamily="2" charset="0"/>
+                <a:sym typeface="Wingdings" pitchFamily="2" charset="2"/>
+              </a:rPr>
+              <a:t>2</a:t>
+            </a:r>
+            <a:r>
+              <a:rPr lang="en-US" dirty="0">
+                <a:latin typeface="Courier" pitchFamily="2" charset="0"/>
+                <a:sym typeface="Wingdings" pitchFamily="2" charset="2"/>
+              </a:rPr>
+              <a:t>)</a:t>
+            </a:r>
+          </a:p>
+        </p:txBody>
+      </p:sp>
+      <p:sp>
+        <p:nvSpPr>
+          <p:cNvPr id="7" name="TextBox 6">
+            <a:extLst>
+              <a:ext uri="{FF2B5EF4-FFF2-40B4-BE49-F238E27FC236}">
+                <a16:creationId xmlns:a16="http://schemas.microsoft.com/office/drawing/2014/main" id="{82FB3199-35F7-4C41-AB29-9F1E588BE4A4}"/>
+              </a:ext>
+            </a:extLst>
+          </p:cNvPr>
+          <p:cNvSpPr txBox="1"/>
+          <p:nvPr/>
+        </p:nvSpPr>
+        <p:spPr>
+          <a:xfrm>
+            <a:off x="7151915" y="1545041"/>
+            <a:ext cx="4867963" cy="3693319"/>
+          </a:xfrm>
+          <a:prstGeom prst="rect">
+            <a:avLst/>
+          </a:prstGeom>
+          <a:noFill/>
+          <a:ln w="57150">
+            <a:solidFill>
+              <a:srgbClr val="00B050"/>
+            </a:solidFill>
+          </a:ln>
+        </p:spPr>
+        <p:txBody>
+          <a:bodyPr wrap="square" rtlCol="0">
+            <a:spAutoFit/>
+          </a:bodyPr>
+          <a:lstStyle/>
+          <a:p>
+            <a:r>
+              <a:rPr lang="en-US" dirty="0">
+                <a:latin typeface="Courier" pitchFamily="2" charset="0"/>
+              </a:rPr>
+              <a:t>7. FT</a:t>
+            </a:r>
+            <a:r>
+              <a:rPr lang="en-US" baseline="-25000" dirty="0">
+                <a:latin typeface="Courier" pitchFamily="2" charset="0"/>
+              </a:rPr>
+              <a:t>1</a:t>
+            </a:r>
+            <a:r>
+              <a:rPr lang="en-US" dirty="0">
+                <a:latin typeface="Courier" pitchFamily="2" charset="0"/>
+              </a:rPr>
+              <a:t> </a:t>
+            </a:r>
+            <a:r>
+              <a:rPr lang="en-US" dirty="0">
+                <a:latin typeface="Courier" pitchFamily="2" charset="0"/>
+                <a:sym typeface="Wingdings" pitchFamily="2" charset="2"/>
+              </a:rPr>
+              <a:t> / F FT</a:t>
+            </a:r>
+            <a:r>
+              <a:rPr lang="en-US" baseline="-25000" dirty="0">
+                <a:latin typeface="Courier" pitchFamily="2" charset="0"/>
+                <a:sym typeface="Wingdings" pitchFamily="2" charset="2"/>
+              </a:rPr>
+              <a:t>2</a:t>
+            </a:r>
+          </a:p>
+          <a:p>
+            <a:pPr marL="285750" indent="-285750">
+              <a:buFont typeface="Arial" panose="020B0604020202020204" pitchFamily="34" charset="0"/>
+              <a:buChar char="•"/>
+            </a:pPr>
+            <a:r>
+              <a:rPr lang="en-US" dirty="0" err="1">
+                <a:latin typeface="Courier" pitchFamily="2" charset="0"/>
+                <a:sym typeface="Wingdings" pitchFamily="2" charset="2"/>
+              </a:rPr>
+              <a:t>st</a:t>
+            </a:r>
+            <a:r>
+              <a:rPr lang="en-US" dirty="0">
+                <a:latin typeface="Courier" pitchFamily="2" charset="0"/>
+                <a:sym typeface="Wingdings" pitchFamily="2" charset="2"/>
+              </a:rPr>
+              <a:t>(FT</a:t>
+            </a:r>
+            <a:r>
+              <a:rPr lang="en-US" baseline="-25000" dirty="0">
+                <a:latin typeface="Courier" pitchFamily="2" charset="0"/>
+                <a:sym typeface="Wingdings" pitchFamily="2" charset="2"/>
+              </a:rPr>
+              <a:t>2</a:t>
+            </a:r>
+            <a:r>
+              <a:rPr lang="en-US" dirty="0">
+                <a:latin typeface="Courier" pitchFamily="2" charset="0"/>
+                <a:sym typeface="Wingdings" pitchFamily="2" charset="2"/>
+              </a:rPr>
+              <a:t>) := </a:t>
+            </a:r>
+            <a:r>
+              <a:rPr lang="en-US" dirty="0" err="1">
+                <a:latin typeface="Courier" pitchFamily="2" charset="0"/>
+                <a:sym typeface="Wingdings" pitchFamily="2" charset="2"/>
+              </a:rPr>
+              <a:t>make_bin_op</a:t>
+            </a:r>
+            <a:r>
+              <a:rPr lang="en-US" dirty="0">
+                <a:latin typeface="Courier" pitchFamily="2" charset="0"/>
+                <a:sym typeface="Wingdings" pitchFamily="2" charset="2"/>
+              </a:rPr>
+              <a:t>(“/”, </a:t>
+            </a:r>
+            <a:r>
+              <a:rPr lang="en-US" dirty="0" err="1">
+                <a:latin typeface="Courier" pitchFamily="2" charset="0"/>
+                <a:sym typeface="Wingdings" pitchFamily="2" charset="2"/>
+              </a:rPr>
+              <a:t>st</a:t>
+            </a:r>
+            <a:r>
+              <a:rPr lang="en-US" dirty="0">
+                <a:latin typeface="Courier" pitchFamily="2" charset="0"/>
+                <a:sym typeface="Wingdings" pitchFamily="2" charset="2"/>
+              </a:rPr>
+              <a:t>(FT</a:t>
+            </a:r>
+            <a:r>
+              <a:rPr lang="en-US" baseline="-25000" dirty="0">
+                <a:latin typeface="Courier" pitchFamily="2" charset="0"/>
+                <a:sym typeface="Wingdings" pitchFamily="2" charset="2"/>
+              </a:rPr>
+              <a:t>1</a:t>
+            </a:r>
+            <a:r>
+              <a:rPr lang="en-US" dirty="0">
+                <a:latin typeface="Courier" pitchFamily="2" charset="0"/>
+                <a:sym typeface="Wingdings" pitchFamily="2" charset="2"/>
+              </a:rPr>
+              <a:t>), </a:t>
+            </a:r>
+            <a:r>
+              <a:rPr lang="en-US" dirty="0" err="1">
+                <a:latin typeface="Courier" pitchFamily="2" charset="0"/>
+                <a:sym typeface="Wingdings" pitchFamily="2" charset="2"/>
+              </a:rPr>
+              <a:t>ptr</a:t>
+            </a:r>
+            <a:r>
+              <a:rPr lang="en-US" dirty="0">
+                <a:latin typeface="Courier" pitchFamily="2" charset="0"/>
+                <a:sym typeface="Wingdings" pitchFamily="2" charset="2"/>
+              </a:rPr>
+              <a:t>(F))</a:t>
+            </a:r>
+          </a:p>
+          <a:p>
+            <a:pPr marL="285750" indent="-285750">
+              <a:buFont typeface="Arial" panose="020B0604020202020204" pitchFamily="34" charset="0"/>
+              <a:buChar char="•"/>
+            </a:pPr>
+            <a:r>
+              <a:rPr lang="en-US" dirty="0" err="1">
+                <a:latin typeface="Courier" pitchFamily="2" charset="0"/>
+                <a:sym typeface="Wingdings" pitchFamily="2" charset="2"/>
+              </a:rPr>
+              <a:t>ptr</a:t>
+            </a:r>
+            <a:r>
+              <a:rPr lang="en-US" dirty="0">
+                <a:latin typeface="Courier" pitchFamily="2" charset="0"/>
+                <a:sym typeface="Wingdings" pitchFamily="2" charset="2"/>
+              </a:rPr>
+              <a:t>(FT</a:t>
+            </a:r>
+            <a:r>
+              <a:rPr lang="en-US" baseline="-25000" dirty="0">
+                <a:latin typeface="Courier" pitchFamily="2" charset="0"/>
+                <a:sym typeface="Wingdings" pitchFamily="2" charset="2"/>
+              </a:rPr>
+              <a:t>1</a:t>
+            </a:r>
+            <a:r>
+              <a:rPr lang="en-US" dirty="0">
+                <a:latin typeface="Courier" pitchFamily="2" charset="0"/>
+                <a:sym typeface="Wingdings" pitchFamily="2" charset="2"/>
+              </a:rPr>
+              <a:t>) := </a:t>
+            </a:r>
+            <a:r>
+              <a:rPr lang="en-US" dirty="0" err="1">
+                <a:latin typeface="Courier" pitchFamily="2" charset="0"/>
+                <a:sym typeface="Wingdings" pitchFamily="2" charset="2"/>
+              </a:rPr>
+              <a:t>ptr</a:t>
+            </a:r>
+            <a:r>
+              <a:rPr lang="en-US" dirty="0">
+                <a:latin typeface="Courier" pitchFamily="2" charset="0"/>
+                <a:sym typeface="Wingdings" pitchFamily="2" charset="2"/>
+              </a:rPr>
+              <a:t> (FT</a:t>
+            </a:r>
+            <a:r>
+              <a:rPr lang="en-US" baseline="-25000" dirty="0">
+                <a:latin typeface="Courier" pitchFamily="2" charset="0"/>
+                <a:sym typeface="Wingdings" pitchFamily="2" charset="2"/>
+              </a:rPr>
+              <a:t>2</a:t>
+            </a:r>
+            <a:r>
+              <a:rPr lang="en-US" dirty="0">
+                <a:latin typeface="Courier" pitchFamily="2" charset="0"/>
+                <a:sym typeface="Wingdings" pitchFamily="2" charset="2"/>
+              </a:rPr>
+              <a:t>)</a:t>
+            </a:r>
+          </a:p>
+          <a:p>
+            <a:r>
+              <a:rPr lang="en-US" dirty="0">
+                <a:latin typeface="Courier" pitchFamily="2" charset="0"/>
+                <a:sym typeface="Wingdings" pitchFamily="2" charset="2"/>
+              </a:rPr>
+              <a:t>8 FT  </a:t>
+            </a:r>
+            <a:r>
+              <a:rPr lang="en-US" dirty="0">
+                <a:latin typeface="Symbol" pitchFamily="2" charset="2"/>
+                <a:sym typeface="Wingdings" pitchFamily="2" charset="2"/>
+              </a:rPr>
+              <a:t>e</a:t>
+            </a:r>
+          </a:p>
+          <a:p>
+            <a:pPr marL="285750" indent="-285750">
+              <a:buFont typeface="Arial" panose="020B0604020202020204" pitchFamily="34" charset="0"/>
+              <a:buChar char="•"/>
+            </a:pPr>
+            <a:r>
+              <a:rPr lang="en-US" dirty="0" err="1">
+                <a:latin typeface="Courier" pitchFamily="2" charset="0"/>
+                <a:sym typeface="Wingdings" pitchFamily="2" charset="2"/>
+              </a:rPr>
+              <a:t>ptr</a:t>
+            </a:r>
+            <a:r>
+              <a:rPr lang="en-US" dirty="0">
+                <a:latin typeface="Courier" pitchFamily="2" charset="0"/>
+                <a:sym typeface="Wingdings" pitchFamily="2" charset="2"/>
+              </a:rPr>
+              <a:t>(FT) := </a:t>
+            </a:r>
+            <a:r>
+              <a:rPr lang="en-US" dirty="0" err="1">
+                <a:latin typeface="Courier" pitchFamily="2" charset="0"/>
+                <a:sym typeface="Wingdings" pitchFamily="2" charset="2"/>
+              </a:rPr>
+              <a:t>st</a:t>
+            </a:r>
+            <a:r>
+              <a:rPr lang="en-US" dirty="0">
+                <a:latin typeface="Courier" pitchFamily="2" charset="0"/>
+                <a:sym typeface="Wingdings" pitchFamily="2" charset="2"/>
+              </a:rPr>
+              <a:t>(FT)</a:t>
+            </a:r>
+          </a:p>
+          <a:p>
+            <a:r>
+              <a:rPr lang="en-US" dirty="0">
+                <a:latin typeface="Courier" pitchFamily="2" charset="0"/>
+                <a:sym typeface="Wingdings" pitchFamily="2" charset="2"/>
+              </a:rPr>
+              <a:t>9. F</a:t>
+            </a:r>
+            <a:r>
+              <a:rPr lang="en-US" baseline="-25000" dirty="0">
+                <a:latin typeface="Courier" pitchFamily="2" charset="0"/>
+                <a:sym typeface="Wingdings" pitchFamily="2" charset="2"/>
+              </a:rPr>
+              <a:t>1</a:t>
+            </a:r>
+            <a:r>
+              <a:rPr lang="en-US" dirty="0">
+                <a:latin typeface="Courier" pitchFamily="2" charset="0"/>
+                <a:sym typeface="Wingdings" pitchFamily="2" charset="2"/>
+              </a:rPr>
+              <a:t>  - F</a:t>
+            </a:r>
+            <a:r>
+              <a:rPr lang="en-US" baseline="-25000" dirty="0">
+                <a:latin typeface="Courier" pitchFamily="2" charset="0"/>
+                <a:sym typeface="Wingdings" pitchFamily="2" charset="2"/>
+              </a:rPr>
+              <a:t>2</a:t>
+            </a:r>
+          </a:p>
+          <a:p>
+            <a:pPr marL="285750" indent="-285750">
+              <a:buFont typeface="Arial" panose="020B0604020202020204" pitchFamily="34" charset="0"/>
+              <a:buChar char="•"/>
+            </a:pPr>
+            <a:r>
+              <a:rPr lang="en-US" dirty="0" err="1">
+                <a:latin typeface="Courier" pitchFamily="2" charset="0"/>
+                <a:sym typeface="Wingdings" pitchFamily="2" charset="2"/>
+              </a:rPr>
+              <a:t>ptr</a:t>
+            </a:r>
+            <a:r>
+              <a:rPr lang="en-US" dirty="0">
+                <a:latin typeface="Courier" pitchFamily="2" charset="0"/>
+                <a:sym typeface="Wingdings" pitchFamily="2" charset="2"/>
+              </a:rPr>
+              <a:t>(F</a:t>
+            </a:r>
+            <a:r>
+              <a:rPr lang="en-US" baseline="-25000" dirty="0">
+                <a:latin typeface="Courier" pitchFamily="2" charset="0"/>
+                <a:sym typeface="Wingdings" pitchFamily="2" charset="2"/>
+              </a:rPr>
+              <a:t>1</a:t>
+            </a:r>
+            <a:r>
+              <a:rPr lang="en-US" dirty="0">
+                <a:latin typeface="Courier" pitchFamily="2" charset="0"/>
+                <a:sym typeface="Wingdings" pitchFamily="2" charset="2"/>
+              </a:rPr>
+              <a:t>) := </a:t>
+            </a:r>
+            <a:r>
+              <a:rPr lang="en-US" dirty="0" err="1">
+                <a:latin typeface="Courier" pitchFamily="2" charset="0"/>
+                <a:sym typeface="Wingdings" pitchFamily="2" charset="2"/>
+              </a:rPr>
+              <a:t>make_un_op</a:t>
+            </a:r>
+            <a:r>
+              <a:rPr lang="en-US" dirty="0">
+                <a:latin typeface="Courier" pitchFamily="2" charset="0"/>
+                <a:sym typeface="Wingdings" pitchFamily="2" charset="2"/>
+              </a:rPr>
+              <a:t>(”-”,</a:t>
+            </a:r>
+            <a:r>
+              <a:rPr lang="en-US" dirty="0" err="1">
+                <a:latin typeface="Courier" pitchFamily="2" charset="0"/>
+                <a:sym typeface="Wingdings" pitchFamily="2" charset="2"/>
+              </a:rPr>
+              <a:t>ptr</a:t>
+            </a:r>
+            <a:r>
+              <a:rPr lang="en-US" dirty="0">
+                <a:latin typeface="Courier" pitchFamily="2" charset="0"/>
+                <a:sym typeface="Wingdings" pitchFamily="2" charset="2"/>
+              </a:rPr>
+              <a:t>(F</a:t>
+            </a:r>
+            <a:r>
+              <a:rPr lang="en-US" baseline="-25000" dirty="0">
+                <a:latin typeface="Courier" pitchFamily="2" charset="0"/>
+                <a:sym typeface="Wingdings" pitchFamily="2" charset="2"/>
+              </a:rPr>
+              <a:t>2</a:t>
+            </a:r>
+            <a:r>
+              <a:rPr lang="en-US" dirty="0">
+                <a:latin typeface="Courier" pitchFamily="2" charset="0"/>
+                <a:sym typeface="Wingdings" pitchFamily="2" charset="2"/>
+              </a:rPr>
+              <a:t>))</a:t>
+            </a:r>
+          </a:p>
+          <a:p>
+            <a:r>
+              <a:rPr lang="en-US" dirty="0">
+                <a:latin typeface="Courier" pitchFamily="2" charset="0"/>
+                <a:sym typeface="Wingdings" pitchFamily="2" charset="2"/>
+              </a:rPr>
+              <a:t>10. F  ( E )</a:t>
+            </a:r>
+          </a:p>
+          <a:p>
+            <a:pPr marL="285750" indent="-285750">
+              <a:buFont typeface="Arial" panose="020B0604020202020204" pitchFamily="34" charset="0"/>
+              <a:buChar char="•"/>
+            </a:pPr>
+            <a:r>
+              <a:rPr lang="en-US" dirty="0" err="1">
+                <a:latin typeface="Courier" pitchFamily="2" charset="0"/>
+                <a:sym typeface="Wingdings" pitchFamily="2" charset="2"/>
+              </a:rPr>
+              <a:t>ptr</a:t>
+            </a:r>
+            <a:r>
+              <a:rPr lang="en-US" dirty="0">
+                <a:latin typeface="Courier" pitchFamily="2" charset="0"/>
+                <a:sym typeface="Wingdings" pitchFamily="2" charset="2"/>
+              </a:rPr>
+              <a:t>(F) := </a:t>
+            </a:r>
+            <a:r>
+              <a:rPr lang="en-US" dirty="0" err="1">
+                <a:latin typeface="Courier" pitchFamily="2" charset="0"/>
+                <a:sym typeface="Wingdings" pitchFamily="2" charset="2"/>
+              </a:rPr>
+              <a:t>ptr</a:t>
+            </a:r>
+            <a:r>
+              <a:rPr lang="en-US" dirty="0">
+                <a:latin typeface="Courier" pitchFamily="2" charset="0"/>
+                <a:sym typeface="Wingdings" pitchFamily="2" charset="2"/>
+              </a:rPr>
+              <a:t>(E)</a:t>
+            </a:r>
+          </a:p>
+          <a:p>
+            <a:r>
+              <a:rPr lang="en-US" dirty="0">
+                <a:latin typeface="Courier" pitchFamily="2" charset="0"/>
+                <a:sym typeface="Wingdings" pitchFamily="2" charset="2"/>
+              </a:rPr>
+              <a:t>11. F  const</a:t>
+            </a:r>
+          </a:p>
+          <a:p>
+            <a:pPr marL="285750" indent="-285750">
+              <a:buFont typeface="Arial" panose="020B0604020202020204" pitchFamily="34" charset="0"/>
+              <a:buChar char="•"/>
+            </a:pPr>
+            <a:r>
+              <a:rPr lang="en-US" dirty="0" err="1">
+                <a:latin typeface="Courier" pitchFamily="2" charset="0"/>
+                <a:sym typeface="Wingdings" pitchFamily="2" charset="2"/>
+              </a:rPr>
+              <a:t>ptr</a:t>
+            </a:r>
+            <a:r>
+              <a:rPr lang="en-US" dirty="0">
+                <a:latin typeface="Courier" pitchFamily="2" charset="0"/>
+                <a:sym typeface="Wingdings" pitchFamily="2" charset="2"/>
+              </a:rPr>
+              <a:t>(F) := </a:t>
+            </a:r>
+            <a:r>
+              <a:rPr lang="en-US" dirty="0" err="1">
+                <a:latin typeface="Courier" pitchFamily="2" charset="0"/>
+                <a:sym typeface="Wingdings" pitchFamily="2" charset="2"/>
+              </a:rPr>
+              <a:t>make_leaf</a:t>
+            </a:r>
+            <a:r>
+              <a:rPr lang="en-US" dirty="0">
+                <a:latin typeface="Courier" pitchFamily="2" charset="0"/>
+                <a:sym typeface="Wingdings" pitchFamily="2" charset="2"/>
+              </a:rPr>
+              <a:t>(</a:t>
+            </a:r>
+            <a:r>
+              <a:rPr lang="en-US" dirty="0" err="1">
+                <a:latin typeface="Courier" pitchFamily="2" charset="0"/>
+                <a:sym typeface="Wingdings" pitchFamily="2" charset="2"/>
+              </a:rPr>
+              <a:t>val</a:t>
+            </a:r>
+            <a:r>
+              <a:rPr lang="en-US" dirty="0">
+                <a:latin typeface="Courier" pitchFamily="2" charset="0"/>
+                <a:sym typeface="Wingdings" pitchFamily="2" charset="2"/>
+              </a:rPr>
+              <a:t>(const))</a:t>
+            </a:r>
+            <a:endParaRPr lang="en-US" dirty="0">
+              <a:latin typeface="Courier" pitchFamily="2" charset="0"/>
+            </a:endParaRPr>
+          </a:p>
+        </p:txBody>
+      </p:sp>
+    </p:spTree>
+    <p:extLst>
+      <p:ext uri="{BB962C8B-B14F-4D97-AF65-F5344CB8AC3E}">
+        <p14:creationId xmlns:p14="http://schemas.microsoft.com/office/powerpoint/2010/main" val="1014401452"/>
+      </p:ext>
+    </p:extLst>
+  </p:cSld>
+  <p:clrMapOvr>
+    <a:masterClrMapping/>
+  </p:clrMapOvr>
+</p:sld>
+</file>
+
+<file path=ppt/slides/slide26.xml><?xml version="1.0" encoding="utf-8"?>
+<p:sld xmlns:a="http://schemas.openxmlformats.org/drawingml/2006/main" xmlns:r="http://schemas.openxmlformats.org/officeDocument/2006/relationships" xmlns:p="http://schemas.openxmlformats.org/presentationml/2006/main">
+  <p:cSld>
+    <p:spTree>
+      <p:nvGrpSpPr>
+        <p:cNvPr id="1" name=""/>
+        <p:cNvGrpSpPr/>
+        <p:nvPr/>
+      </p:nvGrpSpPr>
+      <p:grpSpPr>
+        <a:xfrm>
+          <a:off x="0" y="0"/>
+          <a:ext cx="0" cy="0"/>
+          <a:chOff x="0" y="0"/>
+          <a:chExt cx="0" cy="0"/>
+        </a:xfrm>
+      </p:grpSpPr>
+      <p:sp>
+        <p:nvSpPr>
+          <p:cNvPr id="2" name="Title 1">
+            <a:extLst>
+              <a:ext uri="{FF2B5EF4-FFF2-40B4-BE49-F238E27FC236}">
+                <a16:creationId xmlns:a16="http://schemas.microsoft.com/office/drawing/2014/main" id="{4D8885F9-E8BC-9D48-B42C-465B10FEFEA1}"/>
+              </a:ext>
+            </a:extLst>
+          </p:cNvPr>
+          <p:cNvSpPr>
+            <a:spLocks noGrp="1"/>
+          </p:cNvSpPr>
+          <p:nvPr>
+            <p:ph type="title"/>
+          </p:nvPr>
+        </p:nvSpPr>
+        <p:spPr/>
+        <p:txBody>
+          <a:bodyPr/>
+          <a:lstStyle/>
+          <a:p>
+            <a:r>
+              <a:rPr lang="en-US" dirty="0"/>
               <a:t>Action Routines</a:t>
             </a:r>
           </a:p>
@@ -19088,7 +19283,7 @@
           <a:p>
             <a:fld id="{AE2B63BD-8566-6841-8331-0BA2255B2CF6}" type="slidenum">
               <a:rPr lang="en-US" smtClean="0"/>
-              <a:t>25</a:t>
+              <a:t>26</a:t>
             </a:fld>
             <a:endParaRPr lang="en-US"/>
           </a:p>

--- a/semantics.pptx
+++ b/semantics.pptx
@@ -9711,7 +9711,7 @@
               <a:rPr lang="en-US" sz="2800" b="1" dirty="0">
                 <a:sym typeface="Wingdings" pitchFamily="2" charset="2"/>
               </a:rPr>
-              <a:t>const</a:t>
+              <a:t>NUM</a:t>
             </a:r>
             <a:r>
               <a:rPr lang="en-US" sz="2800" dirty="0">
@@ -9750,7 +9750,7 @@
               <a:rPr lang="en-US" sz="2800" b="1" dirty="0">
                 <a:sym typeface="Wingdings" pitchFamily="2" charset="2"/>
               </a:rPr>
-              <a:t>const</a:t>
+              <a:t>NUM</a:t>
             </a:r>
             <a:r>
               <a:rPr lang="en-US" sz="2800" dirty="0">
@@ -10587,7 +10587,7 @@
           <a:p>
             <a:r>
               <a:rPr lang="en-US" sz="2200" dirty="0"/>
-              <a:t>To support an s-attribute grammar, we would need the ability to store an explicit representation of </a:t>
+              <a:t>To support an S-attribute grammar, we would need the ability to store an explicit representation of </a:t>
             </a:r>
             <a:r>
               <a:rPr lang="en-US" sz="2200" dirty="0" err="1"/>
@@ -10996,7 +10996,7 @@
               <a:rPr lang="en-US" sz="2800" dirty="0">
                 <a:sym typeface="Wingdings" pitchFamily="2" charset="2"/>
               </a:rPr>
-              <a:t> const </a:t>
+              <a:t> NUM </a:t>
             </a:r>
             <a:r>
               <a:rPr lang="en-US" sz="2800" dirty="0" err="1">
@@ -11023,7 +11023,7 @@
               <a:rPr lang="en-US" sz="2800" dirty="0">
                 <a:sym typeface="Wingdings" pitchFamily="2" charset="2"/>
               </a:rPr>
-              <a:t>  - const </a:t>
+              <a:t>  - NUM </a:t>
             </a:r>
             <a:r>
               <a:rPr lang="en-US" sz="2800" dirty="0" err="1">
@@ -11112,7 +11112,7 @@
           <a:p>
             <a:r>
               <a:rPr lang="en-US" dirty="0"/>
-              <a:t>const [9]</a:t>
+              <a:t>NUM [9]</a:t>
             </a:r>
           </a:p>
         </p:txBody>
@@ -11206,7 +11206,7 @@
         <p:spPr>
           <a:xfrm>
             <a:off x="8714475" y="4568822"/>
-            <a:ext cx="999313" cy="369332"/>
+            <a:ext cx="989373" cy="369332"/>
           </a:xfrm>
           <a:prstGeom prst="rect">
             <a:avLst/>
@@ -11221,7 +11221,7 @@
           <a:p>
             <a:r>
               <a:rPr lang="en-US" dirty="0"/>
-              <a:t>const [4]</a:t>
+              <a:t>NUM [4]</a:t>
             </a:r>
           </a:p>
         </p:txBody>
@@ -11315,7 +11315,7 @@
         <p:spPr>
           <a:xfrm>
             <a:off x="9402458" y="5334983"/>
-            <a:ext cx="999313" cy="369332"/>
+            <a:ext cx="989373" cy="369332"/>
           </a:xfrm>
           <a:prstGeom prst="rect">
             <a:avLst/>
@@ -11330,7 +11330,7 @@
           <a:p>
             <a:r>
               <a:rPr lang="en-US" dirty="0"/>
-              <a:t>const [3]</a:t>
+              <a:t>NUM [3]</a:t>
             </a:r>
           </a:p>
         </p:txBody>
@@ -11586,8 +11586,8 @@
         </p:nvCxnSpPr>
         <p:spPr>
           <a:xfrm flipH="1">
-            <a:off x="9214132" y="4236480"/>
-            <a:ext cx="498855" cy="332342"/>
+            <a:off x="9209162" y="4236480"/>
+            <a:ext cx="503825" cy="332342"/>
           </a:xfrm>
           <a:prstGeom prst="line">
             <a:avLst/>
@@ -11625,8 +11625,8 @@
         </p:nvCxnSpPr>
         <p:spPr>
           <a:xfrm flipH="1">
-            <a:off x="9902115" y="4829297"/>
-            <a:ext cx="910328" cy="505686"/>
+            <a:off x="9897145" y="4829297"/>
+            <a:ext cx="915298" cy="505686"/>
           </a:xfrm>
           <a:prstGeom prst="line">
             <a:avLst/>
@@ -12181,8 +12181,8 @@
         </p:nvSpPr>
         <p:spPr>
           <a:xfrm>
-            <a:off x="838200" y="1825625"/>
-            <a:ext cx="4680857" cy="4351338"/>
+            <a:off x="359229" y="1825625"/>
+            <a:ext cx="5974215" cy="4351338"/>
           </a:xfrm>
         </p:spPr>
         <p:txBody>
@@ -12209,7 +12209,7 @@
               <a:rPr lang="en-US" sz="2000" dirty="0">
                 <a:sym typeface="Wingdings" pitchFamily="2" charset="2"/>
               </a:rPr>
-              <a:t> const </a:t>
+              <a:t> NUM </a:t>
             </a:r>
             <a:r>
               <a:rPr lang="en-US" sz="2000" dirty="0" err="1">
@@ -12260,7 +12260,7 @@
               <a:rPr lang="en-US" sz="2000" dirty="0">
                 <a:sym typeface="Wingdings" pitchFamily="2" charset="2"/>
               </a:rPr>
-              <a:t>(expr)</a:t>
+              <a:t>(NUM)</a:t>
             </a:r>
           </a:p>
           <a:p>
@@ -12308,22 +12308,28 @@
           <a:p>
             <a:pPr marL="457200" indent="-457200"/>
             <a:r>
-              <a:rPr lang="en-US" sz="2000" dirty="0" err="1">
+              <a:rPr lang="en-US" sz="2000" dirty="0">
                 <a:sym typeface="Wingdings" pitchFamily="2" charset="2"/>
               </a:rPr>
               <a:t>listexpr</a:t>
             </a:r>
             <a:r>
+              <a:rPr lang="en-US" sz="2000" baseline="-25000" dirty="0">
+                <a:sym typeface="Wingdings" pitchFamily="2" charset="2"/>
+              </a:rPr>
+              <a:t>1</a:t>
+            </a:r>
+            <a:r>
               <a:rPr lang="en-US" sz="2000" dirty="0">
                 <a:sym typeface="Wingdings" pitchFamily="2" charset="2"/>
               </a:rPr>
-              <a:t>  - const </a:t>
-            </a:r>
-            <a:r>
-              <a:rPr lang="en-US" sz="2000" dirty="0" err="1">
-                <a:sym typeface="Wingdings" pitchFamily="2" charset="2"/>
-              </a:rPr>
-              <a:t>listexpr</a:t>
+              <a:t>  - NUM listexpr</a:t>
+            </a:r>
+            <a:r>
+              <a:rPr lang="en-US" sz="2000" baseline="-25000" dirty="0">
+                <a:sym typeface="Wingdings" pitchFamily="2" charset="2"/>
+              </a:rPr>
+              <a:t>2</a:t>
             </a:r>
             <a:r>
               <a:rPr lang="en-US" sz="2000" dirty="0">
@@ -12353,49 +12359,49 @@
               <a:rPr lang="en-US" sz="2000" baseline="-25000" dirty="0">
                 <a:sym typeface="Wingdings" pitchFamily="2" charset="2"/>
               </a:rPr>
+              <a:t>2</a:t>
+            </a:r>
+            <a:r>
+              <a:rPr lang="en-US" sz="2000" dirty="0">
+                <a:sym typeface="Wingdings" pitchFamily="2" charset="2"/>
+              </a:rPr>
+              <a:t>) := </a:t>
+            </a:r>
+            <a:r>
+              <a:rPr lang="en-US" sz="2000" dirty="0" err="1">
+                <a:sym typeface="Wingdings" pitchFamily="2" charset="2"/>
+              </a:rPr>
+              <a:t>subtot</a:t>
+            </a:r>
+            <a:r>
+              <a:rPr lang="en-US" sz="2000" dirty="0">
+                <a:sym typeface="Wingdings" pitchFamily="2" charset="2"/>
+              </a:rPr>
+              <a:t>(listexpr</a:t>
+            </a:r>
+            <a:r>
+              <a:rPr lang="en-US" sz="2000" baseline="-25000" dirty="0">
+                <a:sym typeface="Wingdings" pitchFamily="2" charset="2"/>
+              </a:rPr>
               <a:t>1</a:t>
             </a:r>
             <a:r>
               <a:rPr lang="en-US" sz="2000" dirty="0">
                 <a:sym typeface="Wingdings" pitchFamily="2" charset="2"/>
               </a:rPr>
-              <a:t>) := </a:t>
+              <a:t>) – </a:t>
             </a:r>
             <a:r>
               <a:rPr lang="en-US" sz="2000" dirty="0" err="1">
                 <a:sym typeface="Wingdings" pitchFamily="2" charset="2"/>
               </a:rPr>
-              <a:t>subtot</a:t>
+              <a:t>val</a:t>
             </a:r>
             <a:r>
               <a:rPr lang="en-US" sz="2000" dirty="0">
                 <a:sym typeface="Wingdings" pitchFamily="2" charset="2"/>
               </a:rPr>
-              <a:t>(listexpr</a:t>
-            </a:r>
-            <a:r>
-              <a:rPr lang="en-US" sz="2000" baseline="-25000" dirty="0">
-                <a:sym typeface="Wingdings" pitchFamily="2" charset="2"/>
-              </a:rPr>
-              <a:t>2</a:t>
-            </a:r>
-            <a:r>
-              <a:rPr lang="en-US" sz="2000" dirty="0">
-                <a:sym typeface="Wingdings" pitchFamily="2" charset="2"/>
-              </a:rPr>
-              <a:t>) – </a:t>
-            </a:r>
-            <a:r>
-              <a:rPr lang="en-US" sz="2000" dirty="0" err="1">
-                <a:sym typeface="Wingdings" pitchFamily="2" charset="2"/>
-              </a:rPr>
-              <a:t>val</a:t>
-            </a:r>
-            <a:r>
-              <a:rPr lang="en-US" sz="2000" dirty="0">
-                <a:sym typeface="Wingdings" pitchFamily="2" charset="2"/>
-              </a:rPr>
-              <a:t>(const)</a:t>
+              <a:t>(NUM)</a:t>
             </a:r>
           </a:p>
           <a:p>
@@ -12536,7 +12542,7 @@
           <a:lstStyle/>
           <a:p>
             <a:r>
-              <a:rPr lang="en-US"/>
+              <a:rPr lang="en-US" dirty="0"/>
               <a:t>Principles of Programming Languages</a:t>
             </a:r>
           </a:p>
@@ -12903,7 +12909,7 @@
               <a:rPr lang="en-US" sz="2800" dirty="0">
                 <a:sym typeface="Wingdings" pitchFamily="2" charset="2"/>
               </a:rPr>
-              <a:t> const </a:t>
+              <a:t> NUM </a:t>
             </a:r>
             <a:r>
               <a:rPr lang="en-US" sz="2800" dirty="0" err="1">
@@ -12930,7 +12936,7 @@
               <a:rPr lang="en-US" sz="2800" dirty="0">
                 <a:sym typeface="Wingdings" pitchFamily="2" charset="2"/>
               </a:rPr>
-              <a:t>  - const </a:t>
+              <a:t>  - NUM </a:t>
             </a:r>
             <a:r>
               <a:rPr lang="en-US" sz="2800" dirty="0" err="1">
@@ -13019,7 +13025,7 @@
           <a:p>
             <a:r>
               <a:rPr lang="en-US" dirty="0"/>
-              <a:t>const [9]</a:t>
+              <a:t>NUM [9]</a:t>
             </a:r>
           </a:p>
         </p:txBody>
@@ -13113,7 +13119,7 @@
         <p:spPr>
           <a:xfrm>
             <a:off x="8714475" y="4568822"/>
-            <a:ext cx="999313" cy="369332"/>
+            <a:ext cx="989373" cy="369332"/>
           </a:xfrm>
           <a:prstGeom prst="rect">
             <a:avLst/>
@@ -13128,7 +13134,7 @@
           <a:p>
             <a:r>
               <a:rPr lang="en-US" dirty="0"/>
-              <a:t>const [4]</a:t>
+              <a:t>NUM [4]</a:t>
             </a:r>
           </a:p>
         </p:txBody>
@@ -13222,7 +13228,7 @@
         <p:spPr>
           <a:xfrm>
             <a:off x="9402458" y="5334983"/>
-            <a:ext cx="999313" cy="369332"/>
+            <a:ext cx="989373" cy="369332"/>
           </a:xfrm>
           <a:prstGeom prst="rect">
             <a:avLst/>
@@ -13237,7 +13243,7 @@
           <a:p>
             <a:r>
               <a:rPr lang="en-US" dirty="0"/>
-              <a:t>const [3]</a:t>
+              <a:t>NUM [3]</a:t>
             </a:r>
           </a:p>
         </p:txBody>
@@ -13493,8 +13499,8 @@
         </p:nvCxnSpPr>
         <p:spPr>
           <a:xfrm flipH="1">
-            <a:off x="9214132" y="4236480"/>
-            <a:ext cx="498855" cy="332342"/>
+            <a:off x="9209162" y="4236480"/>
+            <a:ext cx="503825" cy="332342"/>
           </a:xfrm>
           <a:prstGeom prst="line">
             <a:avLst/>
@@ -13532,8 +13538,8 @@
         </p:nvCxnSpPr>
         <p:spPr>
           <a:xfrm flipH="1">
-            <a:off x="9902115" y="4829297"/>
-            <a:ext cx="910328" cy="505686"/>
+            <a:off x="9897145" y="4829297"/>
+            <a:ext cx="915298" cy="505686"/>
           </a:xfrm>
           <a:prstGeom prst="line">
             <a:avLst/>
@@ -13565,14 +13571,13 @@
           </p:cNvPr>
           <p:cNvCxnSpPr>
             <a:cxnSpLocks/>
-            <a:endCxn id="15" idx="0"/>
           </p:cNvCxnSpPr>
           <p:nvPr/>
         </p:nvCxnSpPr>
         <p:spPr>
           <a:xfrm>
-            <a:off x="11237408" y="4829297"/>
-            <a:ext cx="203478" cy="515926"/>
+            <a:off x="10953064" y="4829297"/>
+            <a:ext cx="268360" cy="559992"/>
           </a:xfrm>
           <a:prstGeom prst="line">
             <a:avLst/>
@@ -13801,8 +13806,8 @@
         </p:nvSpPr>
         <p:spPr>
           <a:xfrm>
-            <a:off x="10253449" y="5066564"/>
-            <a:ext cx="983959" cy="229679"/>
+            <a:off x="10253449" y="5101760"/>
+            <a:ext cx="815651" cy="194483"/>
           </a:xfrm>
           <a:prstGeom prst="curvedDownArrow">
             <a:avLst/>
@@ -13842,6 +13847,102 @@
                 <a:schemeClr val="tx1"/>
               </a:solidFill>
             </a:endParaRPr>
+          </a:p>
+        </p:txBody>
+      </p:sp>
+      <p:sp>
+        <p:nvSpPr>
+          <p:cNvPr id="19" name="Curved Up Arrow 18">
+            <a:extLst>
+              <a:ext uri="{FF2B5EF4-FFF2-40B4-BE49-F238E27FC236}">
+                <a16:creationId xmlns:a16="http://schemas.microsoft.com/office/drawing/2014/main" id="{15B10861-1F29-0242-9A48-340115BF0BB1}"/>
+              </a:ext>
+            </a:extLst>
+          </p:cNvPr>
+          <p:cNvSpPr/>
+          <p:nvPr/>
+        </p:nvSpPr>
+        <p:spPr>
+          <a:xfrm>
+            <a:off x="11726542" y="5714555"/>
+            <a:ext cx="225972" cy="196388"/>
+          </a:xfrm>
+          <a:prstGeom prst="curvedUpArrow">
+            <a:avLst/>
+          </a:prstGeom>
+        </p:spPr>
+        <p:style>
+          <a:lnRef idx="2">
+            <a:schemeClr val="accent1">
+              <a:shade val="50000"/>
+            </a:schemeClr>
+          </a:lnRef>
+          <a:fillRef idx="1">
+            <a:schemeClr val="accent1"/>
+          </a:fillRef>
+          <a:effectRef idx="0">
+            <a:schemeClr val="accent1"/>
+          </a:effectRef>
+          <a:fontRef idx="minor">
+            <a:schemeClr val="lt1"/>
+          </a:fontRef>
+        </p:style>
+        <p:txBody>
+          <a:bodyPr rtlCol="0" anchor="ctr"/>
+          <a:lstStyle/>
+          <a:p>
+            <a:pPr algn="ctr"/>
+            <a:endParaRPr lang="en-US">
+              <a:solidFill>
+                <a:schemeClr val="tx1"/>
+              </a:solidFill>
+            </a:endParaRPr>
+          </a:p>
+        </p:txBody>
+      </p:sp>
+      <p:sp>
+        <p:nvSpPr>
+          <p:cNvPr id="21" name="Down Arrow 20">
+            <a:extLst>
+              <a:ext uri="{FF2B5EF4-FFF2-40B4-BE49-F238E27FC236}">
+                <a16:creationId xmlns:a16="http://schemas.microsoft.com/office/drawing/2014/main" id="{F334D429-4CF3-C748-ACDA-2DBE38B3F1E2}"/>
+              </a:ext>
+            </a:extLst>
+          </p:cNvPr>
+          <p:cNvSpPr/>
+          <p:nvPr/>
+        </p:nvSpPr>
+        <p:spPr>
+          <a:xfrm rot="19345095">
+            <a:off x="11226504" y="4750247"/>
+            <a:ext cx="134587" cy="795353"/>
+          </a:xfrm>
+          <a:prstGeom prst="downArrow">
+            <a:avLst/>
+          </a:prstGeom>
+        </p:spPr>
+        <p:style>
+          <a:lnRef idx="2">
+            <a:schemeClr val="accent1">
+              <a:shade val="50000"/>
+            </a:schemeClr>
+          </a:lnRef>
+          <a:fillRef idx="1">
+            <a:schemeClr val="accent1"/>
+          </a:fillRef>
+          <a:effectRef idx="0">
+            <a:schemeClr val="accent1"/>
+          </a:effectRef>
+          <a:fontRef idx="minor">
+            <a:schemeClr val="lt1"/>
+          </a:fontRef>
+        </p:style>
+        <p:txBody>
+          <a:bodyPr rtlCol="0" anchor="ctr"/>
+          <a:lstStyle/>
+          <a:p>
+            <a:pPr algn="ctr"/>
+            <a:endParaRPr lang="en-US"/>
           </a:p>
         </p:txBody>
       </p:sp>

--- a/semantics.pptx
+++ b/semantics.pptx
@@ -3903,7 +3903,7 @@
             </a:r>
             <a:r>
               <a:rPr lang="en-US" sz="2200" dirty="0"/>
-              <a:t>: sort of no guarantees of the result when doing something; can also refers to something that can be undone (e.g. data prefetching)</a:t>
+              <a:t>: performs work preemptively, possibly discarding part or all of it (machine has nothing better to do); can also refer to something that can be undone (e.g. data prefetching)</a:t>
             </a:r>
           </a:p>
           <a:p>
@@ -5021,15 +5021,7 @@
             <a:pPr lvl="1"/>
             <a:r>
               <a:rPr lang="en-US" dirty="0"/>
-              <a:t>For a list we could associate a C++ </a:t>
-            </a:r>
-            <a:r>
-              <a:rPr lang="en-US" dirty="0" err="1"/>
-              <a:t>stdd</a:t>
-            </a:r>
-            <a:r>
-              <a:rPr lang="en-US" dirty="0"/>
-              <a:t>::vector&lt;</a:t>
+              <a:t>For a list we could associate a C++ std::vector&lt;</a:t>
             </a:r>
             <a:r>
               <a:rPr lang="en-US" dirty="0" err="1"/>
@@ -7188,7 +7180,13 @@
               <a:rPr lang="en-US" sz="2200" dirty="0">
                 <a:sym typeface="Wingdings" pitchFamily="2" charset="2"/>
               </a:rPr>
-              <a:t>for a statement or expression, a reference to the code in the compiler’s intermediate form</a:t>
+              <a:t>for a statement or expression, a reference to the code in the compiler’s </a:t>
+            </a:r>
+            <a:r>
+              <a:rPr lang="en-US" sz="2200" b="1" i="1" u="sng" dirty="0">
+                <a:sym typeface="Wingdings" pitchFamily="2" charset="2"/>
+              </a:rPr>
+              <a:t>intermediate form</a:t>
             </a:r>
           </a:p>
           <a:p>
@@ -15601,15 +15599,7 @@
             </a:pPr>
             <a:r>
               <a:rPr lang="en-US" sz="2100" dirty="0"/>
-              <a:t>L-attribute (Left—</a:t>
-            </a:r>
-            <a:r>
-              <a:rPr lang="en-US" sz="2100" dirty="0" err="1"/>
-              <a:t>ttributed</a:t>
-            </a:r>
-            <a:r>
-              <a:rPr lang="en-US" sz="2100" dirty="0"/>
-              <a:t>) grammars (formally):</a:t>
+              <a:t>L-attribute (Left—attributed) grammars (formally):</a:t>
             </a:r>
           </a:p>
           <a:p>
